--- a/Section_IV_BioComputing/COMSOL_3_pipes_w_100um_rectangular_tetrazine/CAD_design/figures/Designs.pptx
+++ b/Section_IV_BioComputing/COMSOL_3_pipes_w_100um_rectangular_tetrazine/CAD_design/figures/Designs.pptx
@@ -5,12 +5,13 @@
     <p:sldMasterId id="2147483648" r:id="rId1"/>
   </p:sldMasterIdLst>
   <p:notesMasterIdLst>
-    <p:notesMasterId r:id="rId5"/>
+    <p:notesMasterId r:id="rId6"/>
   </p:notesMasterIdLst>
   <p:sldIdLst>
     <p:sldId id="1876" r:id="rId2"/>
-    <p:sldId id="1888" r:id="rId3"/>
-    <p:sldId id="1887" r:id="rId4"/>
+    <p:sldId id="1889" r:id="rId3"/>
+    <p:sldId id="1888" r:id="rId4"/>
+    <p:sldId id="1887" r:id="rId5"/>
   </p:sldIdLst>
   <p:sldSz cx="12192000" cy="6858000"/>
   <p:notesSz cx="6858000" cy="9144000"/>
@@ -674,7 +675,7 @@
           <a:p>
             <a:fld id="{7D5572D0-3795-4C3C-849E-BDA62F558749}" type="slidenum">
               <a:rPr lang="LID4096" smtClean="0"/>
-              <a:t>3</a:t>
+              <a:t>4</a:t>
             </a:fld>
             <a:endParaRPr lang="LID4096"/>
           </a:p>
@@ -4162,6 +4163,60 @@
       </p:grpSpPr>
       <p:sp>
         <p:nvSpPr>
+          <p:cNvPr id="2" name="Rectangle 1">
+            <a:extLst>
+              <a:ext uri="{FF2B5EF4-FFF2-40B4-BE49-F238E27FC236}">
+                <a16:creationId xmlns:a16="http://schemas.microsoft.com/office/drawing/2014/main" id="{EA3CBD07-36F5-B770-CADA-6C01EC0E029E}"/>
+              </a:ext>
+            </a:extLst>
+          </p:cNvPr>
+          <p:cNvSpPr/>
+          <p:nvPr/>
+        </p:nvSpPr>
+        <p:spPr>
+          <a:xfrm>
+            <a:off x="727862" y="1297832"/>
+            <a:ext cx="11105831" cy="4570887"/>
+          </a:xfrm>
+          <a:prstGeom prst="rect">
+            <a:avLst/>
+          </a:prstGeom>
+          <a:solidFill>
+            <a:schemeClr val="bg1"/>
+          </a:solidFill>
+          <a:ln>
+            <a:solidFill>
+              <a:schemeClr val="bg1"/>
+            </a:solidFill>
+          </a:ln>
+        </p:spPr>
+        <p:style>
+          <a:lnRef idx="2">
+            <a:schemeClr val="accent1">
+              <a:shade val="15000"/>
+            </a:schemeClr>
+          </a:lnRef>
+          <a:fillRef idx="1">
+            <a:schemeClr val="accent1"/>
+          </a:fillRef>
+          <a:effectRef idx="0">
+            <a:schemeClr val="accent1"/>
+          </a:effectRef>
+          <a:fontRef idx="minor">
+            <a:schemeClr val="lt1"/>
+          </a:fontRef>
+        </p:style>
+        <p:txBody>
+          <a:bodyPr rtlCol="0" anchor="ctr"/>
+          <a:lstStyle/>
+          <a:p>
+            <a:pPr algn="ctr"/>
+            <a:endParaRPr lang="en-US"/>
+          </a:p>
+        </p:txBody>
+      </p:sp>
+      <p:sp>
+        <p:nvSpPr>
           <p:cNvPr id="5" name="Slide Number Placeholder 4">
             <a:extLst>
               <a:ext uri="{FF2B5EF4-FFF2-40B4-BE49-F238E27FC236}">
@@ -8174,6 +8229,96 @@
       </p:grpSpPr>
       <p:pic>
         <p:nvPicPr>
+          <p:cNvPr id="1026" name="Picture 4">
+            <a:extLst>
+              <a:ext uri="{FF2B5EF4-FFF2-40B4-BE49-F238E27FC236}">
+                <a16:creationId xmlns:a16="http://schemas.microsoft.com/office/drawing/2014/main" id="{9A277CA4-A7F0-41D4-7232-F18931C4B66E}"/>
+              </a:ext>
+            </a:extLst>
+          </p:cNvPr>
+          <p:cNvPicPr>
+            <a:picLocks noChangeAspect="1" noChangeArrowheads="1"/>
+          </p:cNvPicPr>
+          <p:nvPr/>
+        </p:nvPicPr>
+        <p:blipFill>
+          <a:blip r:embed="rId2">
+            <a:extLst>
+              <a:ext uri="{28A0092B-C50C-407E-A947-70E740481C1C}">
+                <a14:useLocalDpi xmlns:a14="http://schemas.microsoft.com/office/drawing/2010/main" val="0"/>
+              </a:ext>
+            </a:extLst>
+          </a:blip>
+          <a:srcRect/>
+          <a:stretch>
+            <a:fillRect/>
+          </a:stretch>
+        </p:blipFill>
+        <p:spPr bwMode="auto">
+          <a:xfrm>
+            <a:off x="2827973" y="1898650"/>
+            <a:ext cx="4991100" cy="3060700"/>
+          </a:xfrm>
+          <a:prstGeom prst="rect">
+            <a:avLst/>
+          </a:prstGeom>
+          <a:noFill/>
+          <a:ln>
+            <a:noFill/>
+          </a:ln>
+          <a:extLst>
+            <a:ext uri="{909E8E84-426E-40DD-AFC4-6F175D3DCCD1}">
+              <a14:hiddenFill xmlns:a14="http://schemas.microsoft.com/office/drawing/2010/main">
+                <a:solidFill>
+                  <a:srgbClr val="FFFFFF"/>
+                </a:solidFill>
+              </a14:hiddenFill>
+            </a:ext>
+            <a:ext uri="{91240B29-F687-4F45-9708-019B960494DF}">
+              <a14:hiddenLine xmlns:a14="http://schemas.microsoft.com/office/drawing/2010/main" w="9525">
+                <a:solidFill>
+                  <a:srgbClr val="000000"/>
+                </a:solidFill>
+                <a:miter lim="800000"/>
+                <a:headEnd/>
+                <a:tailEnd/>
+              </a14:hiddenLine>
+            </a:ext>
+          </a:extLst>
+        </p:spPr>
+      </p:pic>
+    </p:spTree>
+    <p:extLst>
+      <p:ext uri="{BB962C8B-B14F-4D97-AF65-F5344CB8AC3E}">
+        <p14:creationId xmlns:p14="http://schemas.microsoft.com/office/powerpoint/2010/main" val="3508346098"/>
+      </p:ext>
+    </p:extLst>
+  </p:cSld>
+  <p:clrMapOvr>
+    <a:masterClrMapping/>
+  </p:clrMapOvr>
+</p:sld>
+</file>
+
+<file path=ppt/slides/slide3.xml><?xml version="1.0" encoding="utf-8"?>
+<p:sld xmlns:a="http://schemas.openxmlformats.org/drawingml/2006/main" xmlns:r="http://schemas.openxmlformats.org/officeDocument/2006/relationships" xmlns:p="http://schemas.openxmlformats.org/presentationml/2006/main">
+  <p:cSld>
+    <p:spTree>
+      <p:nvGrpSpPr>
+        <p:cNvPr id="1" name=""/>
+        <p:cNvGrpSpPr/>
+        <p:nvPr/>
+      </p:nvGrpSpPr>
+      <p:grpSpPr>
+        <a:xfrm>
+          <a:off x="0" y="0"/>
+          <a:ext cx="0" cy="0"/>
+          <a:chOff x="0" y="0"/>
+          <a:chExt cx="0" cy="0"/>
+        </a:xfrm>
+      </p:grpSpPr>
+      <p:pic>
+        <p:nvPicPr>
           <p:cNvPr id="6" name="Picture 5">
             <a:extLst>
               <a:ext uri="{FF2B5EF4-FFF2-40B4-BE49-F238E27FC236}">
@@ -8291,6 +8436,42 @@
           </a:p>
         </p:txBody>
       </p:sp>
+      <p:pic>
+        <p:nvPicPr>
+          <p:cNvPr id="2" name="Graphic 1" descr="Microscope outline">
+            <a:extLst>
+              <a:ext uri="{FF2B5EF4-FFF2-40B4-BE49-F238E27FC236}">
+                <a16:creationId xmlns:a16="http://schemas.microsoft.com/office/drawing/2014/main" id="{30362665-7733-838C-F9AA-A1DD8E0B13CD}"/>
+              </a:ext>
+            </a:extLst>
+          </p:cNvPr>
+          <p:cNvPicPr>
+            <a:picLocks noChangeAspect="1"/>
+          </p:cNvPicPr>
+          <p:nvPr/>
+        </p:nvPicPr>
+        <p:blipFill>
+          <a:blip r:embed="rId3">
+            <a:extLst>
+              <a:ext uri="{96DAC541-7B7A-43D3-8B79-37D633B846F1}">
+                <asvg:svgBlip xmlns:asvg="http://schemas.microsoft.com/office/drawing/2016/SVG/main" r:embed="rId4"/>
+              </a:ext>
+            </a:extLst>
+          </a:blip>
+          <a:stretch>
+            <a:fillRect/>
+          </a:stretch>
+        </p:blipFill>
+        <p:spPr>
+          <a:xfrm flipH="1">
+            <a:off x="8655823" y="2269040"/>
+            <a:ext cx="527944" cy="527944"/>
+          </a:xfrm>
+          <a:prstGeom prst="rect">
+            <a:avLst/>
+          </a:prstGeom>
+        </p:spPr>
+      </p:pic>
     </p:spTree>
     <p:extLst>
       <p:ext uri="{BB962C8B-B14F-4D97-AF65-F5344CB8AC3E}">
@@ -8304,7 +8485,7 @@
 </p:sld>
 </file>
 
-<file path=ppt/slides/slide3.xml><?xml version="1.0" encoding="utf-8"?>
+<file path=ppt/slides/slide4.xml><?xml version="1.0" encoding="utf-8"?>
 <p:sld xmlns:a="http://schemas.openxmlformats.org/drawingml/2006/main" xmlns:r="http://schemas.openxmlformats.org/officeDocument/2006/relationships" xmlns:p="http://schemas.openxmlformats.org/presentationml/2006/main">
   <p:cSld>
     <p:spTree>

--- a/Section_IV_BioComputing/COMSOL_3_pipes_w_100um_rectangular_tetrazine/CAD_design/figures/Designs.pptx
+++ b/Section_IV_BioComputing/COMSOL_3_pipes_w_100um_rectangular_tetrazine/CAD_design/figures/Designs.pptx
@@ -10,8 +10,8 @@
   <p:sldIdLst>
     <p:sldId id="1876" r:id="rId2"/>
     <p:sldId id="1889" r:id="rId3"/>
-    <p:sldId id="1888" r:id="rId4"/>
-    <p:sldId id="1887" r:id="rId5"/>
+    <p:sldId id="1887" r:id="rId4"/>
+    <p:sldId id="1888" r:id="rId5"/>
   </p:sldIdLst>
   <p:sldSz cx="12192000" cy="6858000"/>
   <p:notesSz cx="6858000" cy="9144000"/>
@@ -211,7 +211,7 @@
           <a:p>
             <a:fld id="{587CBFC6-A9BB-4E5E-87F9-DC306CACD92F}" type="datetimeFigureOut">
               <a:rPr lang="en-US" smtClean="0"/>
-              <a:t>9/5/2025</a:t>
+              <a:t>9/27/2025</a:t>
             </a:fld>
             <a:endParaRPr lang="en-US"/>
           </a:p>
@@ -675,7 +675,7 @@
           <a:p>
             <a:fld id="{7D5572D0-3795-4C3C-849E-BDA62F558749}" type="slidenum">
               <a:rPr lang="LID4096" smtClean="0"/>
-              <a:t>4</a:t>
+              <a:t>3</a:t>
             </a:fld>
             <a:endParaRPr lang="LID4096"/>
           </a:p>
@@ -841,7 +841,7 @@
           <a:p>
             <a:fld id="{9EFB2E82-6871-4A63-8FC6-B35E58246C01}" type="datetimeFigureOut">
               <a:rPr lang="en-US" smtClean="0"/>
-              <a:t>9/5/2025</a:t>
+              <a:t>9/27/2025</a:t>
             </a:fld>
             <a:endParaRPr lang="en-US"/>
           </a:p>
@@ -1039,7 +1039,7 @@
           <a:p>
             <a:fld id="{9EFB2E82-6871-4A63-8FC6-B35E58246C01}" type="datetimeFigureOut">
               <a:rPr lang="en-US" smtClean="0"/>
-              <a:t>9/5/2025</a:t>
+              <a:t>9/27/2025</a:t>
             </a:fld>
             <a:endParaRPr lang="en-US"/>
           </a:p>
@@ -1247,7 +1247,7 @@
           <a:p>
             <a:fld id="{9EFB2E82-6871-4A63-8FC6-B35E58246C01}" type="datetimeFigureOut">
               <a:rPr lang="en-US" smtClean="0"/>
-              <a:t>9/5/2025</a:t>
+              <a:t>9/27/2025</a:t>
             </a:fld>
             <a:endParaRPr lang="en-US"/>
           </a:p>
@@ -1691,7 +1691,7 @@
           <a:p>
             <a:fld id="{9EFB2E82-6871-4A63-8FC6-B35E58246C01}" type="datetimeFigureOut">
               <a:rPr lang="en-US" smtClean="0"/>
-              <a:t>9/5/2025</a:t>
+              <a:t>9/27/2025</a:t>
             </a:fld>
             <a:endParaRPr lang="en-US"/>
           </a:p>
@@ -1966,7 +1966,7 @@
           <a:p>
             <a:fld id="{9EFB2E82-6871-4A63-8FC6-B35E58246C01}" type="datetimeFigureOut">
               <a:rPr lang="en-US" smtClean="0"/>
-              <a:t>9/5/2025</a:t>
+              <a:t>9/27/2025</a:t>
             </a:fld>
             <a:endParaRPr lang="en-US"/>
           </a:p>
@@ -2231,7 +2231,7 @@
           <a:p>
             <a:fld id="{9EFB2E82-6871-4A63-8FC6-B35E58246C01}" type="datetimeFigureOut">
               <a:rPr lang="en-US" smtClean="0"/>
-              <a:t>9/5/2025</a:t>
+              <a:t>9/27/2025</a:t>
             </a:fld>
             <a:endParaRPr lang="en-US"/>
           </a:p>
@@ -2643,7 +2643,7 @@
           <a:p>
             <a:fld id="{9EFB2E82-6871-4A63-8FC6-B35E58246C01}" type="datetimeFigureOut">
               <a:rPr lang="en-US" smtClean="0"/>
-              <a:t>9/5/2025</a:t>
+              <a:t>9/27/2025</a:t>
             </a:fld>
             <a:endParaRPr lang="en-US"/>
           </a:p>
@@ -2784,7 +2784,7 @@
           <a:p>
             <a:fld id="{9EFB2E82-6871-4A63-8FC6-B35E58246C01}" type="datetimeFigureOut">
               <a:rPr lang="en-US" smtClean="0"/>
-              <a:t>9/5/2025</a:t>
+              <a:t>9/27/2025</a:t>
             </a:fld>
             <a:endParaRPr lang="en-US"/>
           </a:p>
@@ -2897,7 +2897,7 @@
           <a:p>
             <a:fld id="{9EFB2E82-6871-4A63-8FC6-B35E58246C01}" type="datetimeFigureOut">
               <a:rPr lang="en-US" smtClean="0"/>
-              <a:t>9/5/2025</a:t>
+              <a:t>9/27/2025</a:t>
             </a:fld>
             <a:endParaRPr lang="en-US"/>
           </a:p>
@@ -3208,7 +3208,7 @@
           <a:p>
             <a:fld id="{9EFB2E82-6871-4A63-8FC6-B35E58246C01}" type="datetimeFigureOut">
               <a:rPr lang="en-US" smtClean="0"/>
-              <a:t>9/5/2025</a:t>
+              <a:t>9/27/2025</a:t>
             </a:fld>
             <a:endParaRPr lang="en-US"/>
           </a:p>
@@ -3496,7 +3496,7 @@
           <a:p>
             <a:fld id="{9EFB2E82-6871-4A63-8FC6-B35E58246C01}" type="datetimeFigureOut">
               <a:rPr lang="en-US" smtClean="0"/>
-              <a:t>9/5/2025</a:t>
+              <a:t>9/27/2025</a:t>
             </a:fld>
             <a:endParaRPr lang="en-US"/>
           </a:p>
@@ -3737,7 +3737,7 @@
           <a:p>
             <a:fld id="{9EFB2E82-6871-4A63-8FC6-B35E58246C01}" type="datetimeFigureOut">
               <a:rPr lang="en-US" smtClean="0"/>
-              <a:t>9/5/2025</a:t>
+              <a:t>9/27/2025</a:t>
             </a:fld>
             <a:endParaRPr lang="en-US"/>
           </a:p>
@@ -8305,191 +8305,6 @@
   <p:cSld>
     <p:spTree>
       <p:nvGrpSpPr>
-        <p:cNvPr id="1" name=""/>
-        <p:cNvGrpSpPr/>
-        <p:nvPr/>
-      </p:nvGrpSpPr>
-      <p:grpSpPr>
-        <a:xfrm>
-          <a:off x="0" y="0"/>
-          <a:ext cx="0" cy="0"/>
-          <a:chOff x="0" y="0"/>
-          <a:chExt cx="0" cy="0"/>
-        </a:xfrm>
-      </p:grpSpPr>
-      <p:pic>
-        <p:nvPicPr>
-          <p:cNvPr id="6" name="Picture 5">
-            <a:extLst>
-              <a:ext uri="{FF2B5EF4-FFF2-40B4-BE49-F238E27FC236}">
-                <a16:creationId xmlns:a16="http://schemas.microsoft.com/office/drawing/2014/main" id="{C83FDD82-4180-C8BC-3B50-4B21D1F5E635}"/>
-              </a:ext>
-            </a:extLst>
-          </p:cNvPr>
-          <p:cNvPicPr>
-            <a:picLocks noChangeAspect="1"/>
-          </p:cNvPicPr>
-          <p:nvPr/>
-        </p:nvPicPr>
-        <p:blipFill>
-          <a:blip r:embed="rId2"/>
-          <a:stretch>
-            <a:fillRect/>
-          </a:stretch>
-        </p:blipFill>
-        <p:spPr>
-          <a:xfrm>
-            <a:off x="2285468" y="1380839"/>
-            <a:ext cx="7621064" cy="4096322"/>
-          </a:xfrm>
-          <a:prstGeom prst="rect">
-            <a:avLst/>
-          </a:prstGeom>
-        </p:spPr>
-      </p:pic>
-      <p:sp>
-        <p:nvSpPr>
-          <p:cNvPr id="7" name="Rectangle 6">
-            <a:extLst>
-              <a:ext uri="{FF2B5EF4-FFF2-40B4-BE49-F238E27FC236}">
-                <a16:creationId xmlns:a16="http://schemas.microsoft.com/office/drawing/2014/main" id="{BD59A443-E74A-6D84-66B6-D351E9555FA4}"/>
-              </a:ext>
-            </a:extLst>
-          </p:cNvPr>
-          <p:cNvSpPr/>
-          <p:nvPr/>
-        </p:nvSpPr>
-        <p:spPr>
-          <a:xfrm>
-            <a:off x="7749540" y="1405890"/>
-            <a:ext cx="2137410" cy="560070"/>
-          </a:xfrm>
-          <a:prstGeom prst="rect">
-            <a:avLst/>
-          </a:prstGeom>
-          <a:solidFill>
-            <a:schemeClr val="bg1"/>
-          </a:solidFill>
-        </p:spPr>
-        <p:style>
-          <a:lnRef idx="2">
-            <a:schemeClr val="accent1">
-              <a:shade val="15000"/>
-            </a:schemeClr>
-          </a:lnRef>
-          <a:fillRef idx="1">
-            <a:schemeClr val="accent1"/>
-          </a:fillRef>
-          <a:effectRef idx="0">
-            <a:schemeClr val="accent1"/>
-          </a:effectRef>
-          <a:fontRef idx="minor">
-            <a:schemeClr val="lt1"/>
-          </a:fontRef>
-        </p:style>
-        <p:txBody>
-          <a:bodyPr rtlCol="0" anchor="ctr"/>
-          <a:lstStyle/>
-          <a:p>
-            <a:pPr algn="ctr"/>
-            <a:endParaRPr lang="en-US"/>
-          </a:p>
-        </p:txBody>
-      </p:sp>
-      <p:sp>
-        <p:nvSpPr>
-          <p:cNvPr id="10" name="Title 2">
-            <a:extLst>
-              <a:ext uri="{FF2B5EF4-FFF2-40B4-BE49-F238E27FC236}">
-                <a16:creationId xmlns:a16="http://schemas.microsoft.com/office/drawing/2014/main" id="{A1D99145-96CA-A8AA-1F5B-E9A86E1AF436}"/>
-              </a:ext>
-            </a:extLst>
-          </p:cNvPr>
-          <p:cNvSpPr>
-            <a:spLocks noGrp="1"/>
-          </p:cNvSpPr>
-          <p:nvPr>
-            <p:ph type="title"/>
-          </p:nvPr>
-        </p:nvSpPr>
-        <p:spPr>
-          <a:xfrm>
-            <a:off x="7595102" y="1450734"/>
-            <a:ext cx="2303278" cy="549516"/>
-          </a:xfrm>
-        </p:spPr>
-        <p:txBody>
-          <a:bodyPr>
-            <a:noAutofit/>
-          </a:bodyPr>
-          <a:lstStyle/>
-          <a:p>
-            <a:pPr algn="r"/>
-            <a:r>
-              <a:rPr lang="en-GB" sz="3600" dirty="0">
-                <a:solidFill>
-                  <a:schemeClr val="tx1"/>
-                </a:solidFill>
-              </a:rPr>
-              <a:t>Design 1.1</a:t>
-            </a:r>
-          </a:p>
-        </p:txBody>
-      </p:sp>
-      <p:pic>
-        <p:nvPicPr>
-          <p:cNvPr id="2" name="Graphic 1" descr="Microscope outline">
-            <a:extLst>
-              <a:ext uri="{FF2B5EF4-FFF2-40B4-BE49-F238E27FC236}">
-                <a16:creationId xmlns:a16="http://schemas.microsoft.com/office/drawing/2014/main" id="{30362665-7733-838C-F9AA-A1DD8E0B13CD}"/>
-              </a:ext>
-            </a:extLst>
-          </p:cNvPr>
-          <p:cNvPicPr>
-            <a:picLocks noChangeAspect="1"/>
-          </p:cNvPicPr>
-          <p:nvPr/>
-        </p:nvPicPr>
-        <p:blipFill>
-          <a:blip r:embed="rId3">
-            <a:extLst>
-              <a:ext uri="{96DAC541-7B7A-43D3-8B79-37D633B846F1}">
-                <asvg:svgBlip xmlns:asvg="http://schemas.microsoft.com/office/drawing/2016/SVG/main" r:embed="rId4"/>
-              </a:ext>
-            </a:extLst>
-          </a:blip>
-          <a:stretch>
-            <a:fillRect/>
-          </a:stretch>
-        </p:blipFill>
-        <p:spPr>
-          <a:xfrm flipH="1">
-            <a:off x="8655823" y="2269040"/>
-            <a:ext cx="527944" cy="527944"/>
-          </a:xfrm>
-          <a:prstGeom prst="rect">
-            <a:avLst/>
-          </a:prstGeom>
-        </p:spPr>
-      </p:pic>
-    </p:spTree>
-    <p:extLst>
-      <p:ext uri="{BB962C8B-B14F-4D97-AF65-F5344CB8AC3E}">
-        <p14:creationId xmlns:p14="http://schemas.microsoft.com/office/powerpoint/2010/main" val="3816484964"/>
-      </p:ext>
-    </p:extLst>
-  </p:cSld>
-  <p:clrMapOvr>
-    <a:masterClrMapping/>
-  </p:clrMapOvr>
-</p:sld>
-</file>
-
-<file path=ppt/slides/slide4.xml><?xml version="1.0" encoding="utf-8"?>
-<p:sld xmlns:a="http://schemas.openxmlformats.org/drawingml/2006/main" xmlns:r="http://schemas.openxmlformats.org/officeDocument/2006/relationships" xmlns:p="http://schemas.openxmlformats.org/presentationml/2006/main">
-  <p:cSld>
-    <p:spTree>
-      <p:nvGrpSpPr>
         <p:cNvPr id="1" name="">
           <a:extLst>
             <a:ext uri="{FF2B5EF4-FFF2-40B4-BE49-F238E27FC236}">
@@ -8508,58 +8323,6 @@
           <a:chExt cx="0" cy="0"/>
         </a:xfrm>
       </p:grpSpPr>
-      <p:sp>
-        <p:nvSpPr>
-          <p:cNvPr id="2" name="Rectangle 1">
-            <a:extLst>
-              <a:ext uri="{FF2B5EF4-FFF2-40B4-BE49-F238E27FC236}">
-                <a16:creationId xmlns:a16="http://schemas.microsoft.com/office/drawing/2014/main" id="{7E375F27-A3A7-1468-A61F-D0BB9839DC08}"/>
-              </a:ext>
-            </a:extLst>
-          </p:cNvPr>
-          <p:cNvSpPr/>
-          <p:nvPr/>
-        </p:nvSpPr>
-        <p:spPr>
-          <a:xfrm>
-            <a:off x="972465" y="1005840"/>
-            <a:ext cx="10690506" cy="5852160"/>
-          </a:xfrm>
-          <a:prstGeom prst="rect">
-            <a:avLst/>
-          </a:prstGeom>
-          <a:solidFill>
-            <a:schemeClr val="bg1"/>
-          </a:solidFill>
-          <a:ln>
-            <a:noFill/>
-          </a:ln>
-        </p:spPr>
-        <p:style>
-          <a:lnRef idx="2">
-            <a:schemeClr val="accent1">
-              <a:shade val="15000"/>
-            </a:schemeClr>
-          </a:lnRef>
-          <a:fillRef idx="1">
-            <a:schemeClr val="accent1"/>
-          </a:fillRef>
-          <a:effectRef idx="0">
-            <a:schemeClr val="accent1"/>
-          </a:effectRef>
-          <a:fontRef idx="minor">
-            <a:schemeClr val="lt1"/>
-          </a:fontRef>
-        </p:style>
-        <p:txBody>
-          <a:bodyPr rtlCol="0" anchor="ctr"/>
-          <a:lstStyle/>
-          <a:p>
-            <a:pPr algn="ctr"/>
-            <a:endParaRPr lang="en-US"/>
-          </a:p>
-        </p:txBody>
-      </p:sp>
       <p:sp>
         <p:nvSpPr>
           <p:cNvPr id="6" name="Rectangle 5">
@@ -8654,8 +8417,8 @@
           </a:p>
         </p:txBody>
       </p:sp>
-      <mc:AlternateContent xmlns:mc="http://schemas.openxmlformats.org/markup-compatibility/2006" xmlns:a14="http://schemas.microsoft.com/office/drawing/2010/main">
-        <mc:Choice Requires="a14">
+      <mc:AlternateContent xmlns:mc="http://schemas.openxmlformats.org/markup-compatibility/2006">
+        <mc:Choice xmlns:a14="http://schemas.microsoft.com/office/drawing/2010/main" Requires="a14">
           <p:sp>
             <p:nvSpPr>
               <p:cNvPr id="62" name="TextBox 61">
@@ -8670,7 +8433,7 @@
             </p:nvSpPr>
             <p:spPr>
               <a:xfrm>
-                <a:off x="1478660" y="4306394"/>
+                <a:off x="1478660" y="3887294"/>
                 <a:ext cx="766877" cy="523220"/>
               </a:xfrm>
               <a:prstGeom prst="rect">
@@ -8730,7 +8493,7 @@
             </p:txBody>
           </p:sp>
         </mc:Choice>
-        <mc:Fallback xmlns="">
+        <mc:Fallback>
           <p:sp>
             <p:nvSpPr>
               <p:cNvPr id="62" name="TextBox 61">
@@ -8747,7 +8510,7 @@
             </p:nvSpPr>
             <p:spPr>
               <a:xfrm>
-                <a:off x="1478660" y="4306394"/>
+                <a:off x="1478660" y="3887294"/>
                 <a:ext cx="766877" cy="523220"/>
               </a:xfrm>
               <a:prstGeom prst="rect">
@@ -8775,8 +8538,8 @@
           </p:sp>
         </mc:Fallback>
       </mc:AlternateContent>
-      <mc:AlternateContent xmlns:mc="http://schemas.openxmlformats.org/markup-compatibility/2006" xmlns:a14="http://schemas.microsoft.com/office/drawing/2010/main">
-        <mc:Choice Requires="a14">
+      <mc:AlternateContent xmlns:mc="http://schemas.openxmlformats.org/markup-compatibility/2006">
+        <mc:Choice xmlns:a14="http://schemas.microsoft.com/office/drawing/2010/main" Requires="a14">
           <p:sp>
             <p:nvSpPr>
               <p:cNvPr id="63" name="TextBox 62">
@@ -8791,7 +8554,7 @@
             </p:nvSpPr>
             <p:spPr>
               <a:xfrm>
-                <a:off x="1538146" y="2834156"/>
+                <a:off x="1538146" y="2415056"/>
                 <a:ext cx="779701" cy="523220"/>
               </a:xfrm>
               <a:prstGeom prst="rect">
@@ -8851,7 +8614,7 @@
             </p:txBody>
           </p:sp>
         </mc:Choice>
-        <mc:Fallback xmlns="">
+        <mc:Fallback>
           <p:sp>
             <p:nvSpPr>
               <p:cNvPr id="63" name="TextBox 62">
@@ -8868,7 +8631,7 @@
             </p:nvSpPr>
             <p:spPr>
               <a:xfrm>
-                <a:off x="1538146" y="2834156"/>
+                <a:off x="1538146" y="2415056"/>
                 <a:ext cx="779701" cy="523220"/>
               </a:xfrm>
               <a:prstGeom prst="rect">
@@ -8913,7 +8676,7 @@
         </p:nvCxnSpPr>
         <p:spPr>
           <a:xfrm>
-            <a:off x="1927997" y="3357376"/>
+            <a:off x="1927997" y="2938276"/>
             <a:ext cx="218303" cy="281573"/>
           </a:xfrm>
           <a:prstGeom prst="straightConnector1">
@@ -8955,7 +8718,7 @@
         </p:nvCxnSpPr>
         <p:spPr>
           <a:xfrm flipV="1">
-            <a:off x="1862099" y="3993507"/>
+            <a:off x="1862099" y="3574407"/>
             <a:ext cx="331642" cy="312887"/>
           </a:xfrm>
           <a:prstGeom prst="straightConnector1">
@@ -8980,8 +8743,8 @@
           </a:fontRef>
         </p:style>
       </p:cxnSp>
-      <mc:AlternateContent xmlns:mc="http://schemas.openxmlformats.org/markup-compatibility/2006" xmlns:a14="http://schemas.microsoft.com/office/drawing/2010/main">
-        <mc:Choice Requires="a14">
+      <mc:AlternateContent xmlns:mc="http://schemas.openxmlformats.org/markup-compatibility/2006">
+        <mc:Choice xmlns:a14="http://schemas.microsoft.com/office/drawing/2010/main" Requires="a14">
           <p:sp>
             <p:nvSpPr>
               <p:cNvPr id="74" name="TextBox 73">
@@ -8996,7 +8759,7 @@
             </p:nvSpPr>
             <p:spPr>
               <a:xfrm>
-                <a:off x="9349688" y="2588489"/>
+                <a:off x="9430066" y="2246186"/>
                 <a:ext cx="931986" cy="523220"/>
               </a:xfrm>
               <a:prstGeom prst="rect">
@@ -9056,7 +8819,7 @@
             </p:txBody>
           </p:sp>
         </mc:Choice>
-        <mc:Fallback xmlns="">
+        <mc:Fallback>
           <p:sp>
             <p:nvSpPr>
               <p:cNvPr id="74" name="TextBox 73">
@@ -9073,7 +8836,7 @@
             </p:nvSpPr>
             <p:spPr>
               <a:xfrm>
-                <a:off x="9349688" y="2588489"/>
+                <a:off x="9430066" y="2246186"/>
                 <a:ext cx="931986" cy="523220"/>
               </a:xfrm>
               <a:prstGeom prst="rect">
@@ -9112,13 +8875,12 @@
           </p:cNvPr>
           <p:cNvCxnSpPr>
             <a:cxnSpLocks/>
-            <a:stCxn id="74" idx="2"/>
           </p:cNvCxnSpPr>
           <p:nvPr/>
         </p:nvCxnSpPr>
         <p:spPr>
           <a:xfrm flipH="1">
-            <a:off x="9812217" y="3111709"/>
+            <a:off x="9952556" y="2843308"/>
             <a:ext cx="3464" cy="419531"/>
           </a:xfrm>
           <a:prstGeom prst="straightConnector1">
@@ -9143,8 +8905,8 @@
           </a:fontRef>
         </p:style>
       </p:cxnSp>
-      <mc:AlternateContent xmlns:mc="http://schemas.openxmlformats.org/markup-compatibility/2006" xmlns:a14="http://schemas.microsoft.com/office/drawing/2010/main">
-        <mc:Choice Requires="a14">
+      <mc:AlternateContent xmlns:mc="http://schemas.openxmlformats.org/markup-compatibility/2006">
+        <mc:Choice xmlns:a14="http://schemas.microsoft.com/office/drawing/2010/main" Requires="a14">
           <p:sp>
             <p:nvSpPr>
               <p:cNvPr id="78" name="TextBox 77">
@@ -9159,7 +8921,7 @@
             </p:nvSpPr>
             <p:spPr>
               <a:xfrm>
-                <a:off x="9376169" y="4856256"/>
+                <a:off x="9842894" y="3920959"/>
                 <a:ext cx="931986" cy="523220"/>
               </a:xfrm>
               <a:prstGeom prst="rect">
@@ -9219,7 +8981,7 @@
             </p:txBody>
           </p:sp>
         </mc:Choice>
-        <mc:Fallback xmlns="">
+        <mc:Fallback>
           <p:sp>
             <p:nvSpPr>
               <p:cNvPr id="78" name="TextBox 77">
@@ -9236,7 +8998,7 @@
             </p:nvSpPr>
             <p:spPr>
               <a:xfrm>
-                <a:off x="9376169" y="4856256"/>
+                <a:off x="9842894" y="3920959"/>
                 <a:ext cx="931986" cy="523220"/>
               </a:xfrm>
               <a:prstGeom prst="rect">
@@ -9264,8 +9026,8 @@
           </p:sp>
         </mc:Fallback>
       </mc:AlternateContent>
-      <mc:AlternateContent xmlns:mc="http://schemas.openxmlformats.org/markup-compatibility/2006" xmlns:a14="http://schemas.microsoft.com/office/drawing/2010/main">
-        <mc:Choice Requires="a14">
+      <mc:AlternateContent xmlns:mc="http://schemas.openxmlformats.org/markup-compatibility/2006">
+        <mc:Choice xmlns:a14="http://schemas.microsoft.com/office/drawing/2010/main" Requires="a14">
           <p:sp>
             <p:nvSpPr>
               <p:cNvPr id="79" name="TextBox 78">
@@ -9280,7 +9042,7 @@
             </p:nvSpPr>
             <p:spPr>
               <a:xfrm>
-                <a:off x="3801584" y="3003165"/>
+                <a:off x="3801584" y="2584065"/>
                 <a:ext cx="919162" cy="523220"/>
               </a:xfrm>
               <a:prstGeom prst="rect">
@@ -9346,7 +9108,7 @@
             </p:txBody>
           </p:sp>
         </mc:Choice>
-        <mc:Fallback xmlns="">
+        <mc:Fallback>
           <p:sp>
             <p:nvSpPr>
               <p:cNvPr id="79" name="TextBox 78">
@@ -9363,7 +9125,7 @@
             </p:nvSpPr>
             <p:spPr>
               <a:xfrm>
-                <a:off x="3801584" y="3003165"/>
+                <a:off x="3801584" y="2584065"/>
                 <a:ext cx="919162" cy="523220"/>
               </a:xfrm>
               <a:prstGeom prst="rect">
@@ -9391,8 +9153,8 @@
           </p:sp>
         </mc:Fallback>
       </mc:AlternateContent>
-      <mc:AlternateContent xmlns:mc="http://schemas.openxmlformats.org/markup-compatibility/2006" xmlns:a14="http://schemas.microsoft.com/office/drawing/2010/main">
-        <mc:Choice Requires="a14">
+      <mc:AlternateContent xmlns:mc="http://schemas.openxmlformats.org/markup-compatibility/2006">
+        <mc:Choice xmlns:a14="http://schemas.microsoft.com/office/drawing/2010/main" Requires="a14">
           <p:sp>
             <p:nvSpPr>
               <p:cNvPr id="80" name="TextBox 79">
@@ -9407,7 +9169,7 @@
             </p:nvSpPr>
             <p:spPr>
               <a:xfrm>
-                <a:off x="3767193" y="4101608"/>
+                <a:off x="3767193" y="3682508"/>
                 <a:ext cx="919162" cy="523220"/>
               </a:xfrm>
               <a:prstGeom prst="rect">
@@ -9467,7 +9229,7 @@
             </p:txBody>
           </p:sp>
         </mc:Choice>
-        <mc:Fallback xmlns="">
+        <mc:Fallback>
           <p:sp>
             <p:nvSpPr>
               <p:cNvPr id="80" name="TextBox 79">
@@ -9484,7 +9246,7 @@
             </p:nvSpPr>
             <p:spPr>
               <a:xfrm>
-                <a:off x="3767193" y="4101608"/>
+                <a:off x="3767193" y="3682508"/>
                 <a:ext cx="919162" cy="523220"/>
               </a:xfrm>
               <a:prstGeom prst="rect">
@@ -9512,8 +9274,8 @@
           </p:sp>
         </mc:Fallback>
       </mc:AlternateContent>
-      <mc:AlternateContent xmlns:mc="http://schemas.openxmlformats.org/markup-compatibility/2006" xmlns:a14="http://schemas.microsoft.com/office/drawing/2010/main">
-        <mc:Choice Requires="a14">
+      <mc:AlternateContent xmlns:mc="http://schemas.openxmlformats.org/markup-compatibility/2006">
+        <mc:Choice xmlns:a14="http://schemas.microsoft.com/office/drawing/2010/main" Requires="a14">
           <p:sp>
             <p:nvSpPr>
               <p:cNvPr id="85" name="TextBox 84">
@@ -9528,7 +9290,7 @@
             </p:nvSpPr>
             <p:spPr>
               <a:xfrm>
-                <a:off x="5964354" y="910011"/>
+                <a:off x="5964354" y="490911"/>
                 <a:ext cx="931986" cy="523220"/>
               </a:xfrm>
               <a:prstGeom prst="rect">
@@ -9588,7 +9350,7 @@
             </p:txBody>
           </p:sp>
         </mc:Choice>
-        <mc:Fallback xmlns="">
+        <mc:Fallback>
           <p:sp>
             <p:nvSpPr>
               <p:cNvPr id="85" name="TextBox 84">
@@ -9605,7 +9367,7 @@
             </p:nvSpPr>
             <p:spPr>
               <a:xfrm>
-                <a:off x="5964354" y="910011"/>
+                <a:off x="5964354" y="490911"/>
                 <a:ext cx="931986" cy="523220"/>
               </a:xfrm>
               <a:prstGeom prst="rect">
@@ -9647,9 +9409,9 @@
         </p:nvGrpSpPr>
         <p:grpSpPr>
           <a:xfrm>
-            <a:off x="5569182" y="3638949"/>
+            <a:off x="5569182" y="3143649"/>
             <a:ext cx="1255894" cy="523220"/>
-            <a:chOff x="5372824" y="4250468"/>
+            <a:chOff x="5372824" y="4174268"/>
             <a:chExt cx="734184" cy="523220"/>
           </a:xfrm>
         </p:grpSpPr>
@@ -9707,8 +9469,8 @@
             </a:p>
           </p:txBody>
         </p:sp>
-        <mc:AlternateContent xmlns:mc="http://schemas.openxmlformats.org/markup-compatibility/2006" xmlns:a14="http://schemas.microsoft.com/office/drawing/2010/main">
-          <mc:Choice Requires="a14">
+        <mc:AlternateContent xmlns:mc="http://schemas.openxmlformats.org/markup-compatibility/2006">
+          <mc:Choice xmlns:a14="http://schemas.microsoft.com/office/drawing/2010/main" Requires="a14">
             <p:sp>
               <p:nvSpPr>
                 <p:cNvPr id="88" name="TextBox 87">
@@ -9723,7 +9485,7 @@
               </p:nvSpPr>
               <p:spPr>
                 <a:xfrm>
-                  <a:off x="5372824" y="4250468"/>
+                  <a:off x="5372824" y="4174268"/>
                   <a:ext cx="734184" cy="523220"/>
                 </a:xfrm>
                 <a:prstGeom prst="rect">
@@ -9757,7 +9519,7 @@
               </p:txBody>
             </p:sp>
           </mc:Choice>
-          <mc:Fallback xmlns="">
+          <mc:Fallback>
             <p:sp>
               <p:nvSpPr>
                 <p:cNvPr id="88" name="TextBox 87">
@@ -9774,7 +9536,7 @@
               </p:nvSpPr>
               <p:spPr>
                 <a:xfrm>
-                  <a:off x="5372824" y="4250468"/>
+                  <a:off x="5372824" y="4174268"/>
                   <a:ext cx="734184" cy="523220"/>
                 </a:xfrm>
                 <a:prstGeom prst="rect">
@@ -9803,8 +9565,8 @@
           </mc:Fallback>
         </mc:AlternateContent>
       </p:grpSp>
-      <mc:AlternateContent xmlns:mc="http://schemas.openxmlformats.org/markup-compatibility/2006" xmlns:a14="http://schemas.microsoft.com/office/drawing/2010/main">
-        <mc:Choice Requires="a14">
+      <mc:AlternateContent xmlns:mc="http://schemas.openxmlformats.org/markup-compatibility/2006">
+        <mc:Choice xmlns:a14="http://schemas.microsoft.com/office/drawing/2010/main" Requires="a14">
           <p:sp>
             <p:nvSpPr>
               <p:cNvPr id="93" name="TextBox 92">
@@ -9819,7 +9581,7 @@
             </p:nvSpPr>
             <p:spPr>
               <a:xfrm>
-                <a:off x="6246004" y="6327329"/>
+                <a:off x="6246004" y="5908229"/>
                 <a:ext cx="931986" cy="523220"/>
               </a:xfrm>
               <a:prstGeom prst="rect">
@@ -9879,7 +9641,7 @@
             </p:txBody>
           </p:sp>
         </mc:Choice>
-        <mc:Fallback xmlns="">
+        <mc:Fallback>
           <p:sp>
             <p:nvSpPr>
               <p:cNvPr id="93" name="TextBox 92">
@@ -9896,7 +9658,7 @@
             </p:nvSpPr>
             <p:spPr>
               <a:xfrm>
-                <a:off x="6246004" y="6327329"/>
+                <a:off x="6246004" y="5908229"/>
                 <a:ext cx="931986" cy="523220"/>
               </a:xfrm>
               <a:prstGeom prst="rect">
@@ -9924,8 +9686,8 @@
           </p:sp>
         </mc:Fallback>
       </mc:AlternateContent>
-      <mc:AlternateContent xmlns:mc="http://schemas.openxmlformats.org/markup-compatibility/2006" xmlns:a14="http://schemas.microsoft.com/office/drawing/2010/main">
-        <mc:Choice Requires="a14">
+      <mc:AlternateContent xmlns:mc="http://schemas.openxmlformats.org/markup-compatibility/2006">
+        <mc:Choice xmlns:a14="http://schemas.microsoft.com/office/drawing/2010/main" Requires="a14">
           <p:sp>
             <p:nvSpPr>
               <p:cNvPr id="96" name="TextBox 95">
@@ -9940,7 +9702,7 @@
             </p:nvSpPr>
             <p:spPr>
               <a:xfrm>
-                <a:off x="5943171" y="1890984"/>
+                <a:off x="5943171" y="1471884"/>
                 <a:ext cx="919162" cy="523220"/>
               </a:xfrm>
               <a:prstGeom prst="rect">
@@ -10000,7 +9762,7 @@
             </p:txBody>
           </p:sp>
         </mc:Choice>
-        <mc:Fallback xmlns="">
+        <mc:Fallback>
           <p:sp>
             <p:nvSpPr>
               <p:cNvPr id="96" name="TextBox 95">
@@ -10017,7 +9779,7 @@
             </p:nvSpPr>
             <p:spPr>
               <a:xfrm>
-                <a:off x="5943171" y="1890984"/>
+                <a:off x="5943171" y="1471884"/>
                 <a:ext cx="919162" cy="523220"/>
               </a:xfrm>
               <a:prstGeom prst="rect">
@@ -10047,82 +9809,6 @@
       </mc:AlternateContent>
       <p:cxnSp>
         <p:nvCxnSpPr>
-          <p:cNvPr id="16" name="Straight Connector 15">
-            <a:extLst>
-              <a:ext uri="{FF2B5EF4-FFF2-40B4-BE49-F238E27FC236}">
-                <a16:creationId xmlns:a16="http://schemas.microsoft.com/office/drawing/2014/main" id="{00764A6C-0CC3-6184-2972-BD8D89F5B7BA}"/>
-              </a:ext>
-            </a:extLst>
-          </p:cNvPr>
-          <p:cNvCxnSpPr>
-            <a:cxnSpLocks/>
-          </p:cNvCxnSpPr>
-          <p:nvPr/>
-        </p:nvCxnSpPr>
-        <p:spPr>
-          <a:xfrm flipH="1" flipV="1">
-            <a:off x="1149881" y="3370511"/>
-            <a:ext cx="498586" cy="374339"/>
-          </a:xfrm>
-          <a:prstGeom prst="line">
-            <a:avLst/>
-          </a:prstGeom>
-        </p:spPr>
-        <p:style>
-          <a:lnRef idx="2">
-            <a:schemeClr val="accent1"/>
-          </a:lnRef>
-          <a:fillRef idx="0">
-            <a:schemeClr val="accent1"/>
-          </a:fillRef>
-          <a:effectRef idx="1">
-            <a:schemeClr val="accent1"/>
-          </a:effectRef>
-          <a:fontRef idx="minor">
-            <a:schemeClr val="tx1"/>
-          </a:fontRef>
-        </p:style>
-      </p:cxnSp>
-      <p:cxnSp>
-        <p:nvCxnSpPr>
-          <p:cNvPr id="18" name="Straight Connector 17">
-            <a:extLst>
-              <a:ext uri="{FF2B5EF4-FFF2-40B4-BE49-F238E27FC236}">
-                <a16:creationId xmlns:a16="http://schemas.microsoft.com/office/drawing/2014/main" id="{4E80ADB0-1BB4-AB5A-C2E0-F291BF54322B}"/>
-              </a:ext>
-            </a:extLst>
-          </p:cNvPr>
-          <p:cNvCxnSpPr>
-            <a:cxnSpLocks/>
-          </p:cNvCxnSpPr>
-          <p:nvPr/>
-        </p:nvCxnSpPr>
-        <p:spPr>
-          <a:xfrm flipH="1" flipV="1">
-            <a:off x="1097697" y="3504952"/>
-            <a:ext cx="509835" cy="403353"/>
-          </a:xfrm>
-          <a:prstGeom prst="line">
-            <a:avLst/>
-          </a:prstGeom>
-        </p:spPr>
-        <p:style>
-          <a:lnRef idx="2">
-            <a:schemeClr val="accent1"/>
-          </a:lnRef>
-          <a:fillRef idx="0">
-            <a:schemeClr val="accent1"/>
-          </a:fillRef>
-          <a:effectRef idx="1">
-            <a:schemeClr val="accent1"/>
-          </a:effectRef>
-          <a:fontRef idx="minor">
-            <a:schemeClr val="tx1"/>
-          </a:fontRef>
-        </p:style>
-      </p:cxnSp>
-      <p:cxnSp>
-        <p:nvCxnSpPr>
           <p:cNvPr id="20" name="Straight Connector 19">
             <a:extLst>
               <a:ext uri="{FF2B5EF4-FFF2-40B4-BE49-F238E27FC236}">
@@ -10137,7 +9823,7 @@
         </p:nvCxnSpPr>
         <p:spPr>
           <a:xfrm flipH="1">
-            <a:off x="2219047" y="1452498"/>
+            <a:off x="2219047" y="1033398"/>
             <a:ext cx="4178056" cy="2292352"/>
           </a:xfrm>
           <a:prstGeom prst="line">
@@ -10175,7 +9861,7 @@
         </p:nvCxnSpPr>
         <p:spPr>
           <a:xfrm flipH="1" flipV="1">
-            <a:off x="2211036" y="3904446"/>
+            <a:off x="2211036" y="3485346"/>
             <a:ext cx="3902259" cy="2591925"/>
           </a:xfrm>
           <a:prstGeom prst="line">
@@ -10213,7 +9899,7 @@
         </p:nvCxnSpPr>
         <p:spPr>
           <a:xfrm>
-            <a:off x="1641219" y="3748709"/>
+            <a:off x="1641219" y="3329609"/>
             <a:ext cx="577828" cy="0"/>
           </a:xfrm>
           <a:prstGeom prst="line">
@@ -10251,8 +9937,8 @@
         </p:nvCxnSpPr>
         <p:spPr>
           <a:xfrm flipV="1">
-            <a:off x="1604433" y="3898992"/>
-            <a:ext cx="614614" cy="5454"/>
+            <a:off x="1641219" y="3479892"/>
+            <a:ext cx="577828" cy="5454"/>
           </a:xfrm>
           <a:prstGeom prst="line">
             <a:avLst/>
@@ -10289,7 +9975,7 @@
         </p:nvCxnSpPr>
         <p:spPr>
           <a:xfrm>
-            <a:off x="3170238" y="3535898"/>
+            <a:off x="3170238" y="3116798"/>
             <a:ext cx="5970454" cy="13033"/>
           </a:xfrm>
           <a:prstGeom prst="line">
@@ -10327,8 +10013,8 @@
         </p:nvCxnSpPr>
         <p:spPr>
           <a:xfrm>
-            <a:off x="3004152" y="4056448"/>
-            <a:ext cx="6302382" cy="47670"/>
+            <a:off x="3004152" y="3637348"/>
+            <a:ext cx="6136540" cy="32849"/>
           </a:xfrm>
           <a:prstGeom prst="line">
             <a:avLst/>
@@ -10365,7 +10051,7 @@
         </p:nvCxnSpPr>
         <p:spPr>
           <a:xfrm flipH="1">
-            <a:off x="3117614" y="1821830"/>
+            <a:off x="3117614" y="1402730"/>
             <a:ext cx="3277367" cy="1727101"/>
           </a:xfrm>
           <a:prstGeom prst="line">
@@ -10403,7 +10089,7 @@
         </p:nvCxnSpPr>
         <p:spPr>
           <a:xfrm flipH="1" flipV="1">
-            <a:off x="3004152" y="4059329"/>
+            <a:off x="3004152" y="3640229"/>
             <a:ext cx="3091848" cy="2013754"/>
           </a:xfrm>
           <a:prstGeom prst="line">
@@ -10441,7 +10127,7 @@
         </p:nvCxnSpPr>
         <p:spPr>
           <a:xfrm>
-            <a:off x="6397103" y="1812180"/>
+            <a:off x="6397103" y="1393080"/>
             <a:ext cx="2743589" cy="1720675"/>
           </a:xfrm>
           <a:prstGeom prst="line">
@@ -10479,8 +10165,8 @@
         </p:nvCxnSpPr>
         <p:spPr>
           <a:xfrm>
-            <a:off x="6397031" y="1432558"/>
-            <a:ext cx="3401222" cy="2170287"/>
+            <a:off x="6397031" y="1013458"/>
+            <a:ext cx="3566390" cy="2318774"/>
           </a:xfrm>
           <a:prstGeom prst="line">
             <a:avLst/>
@@ -10517,8 +10203,8 @@
         </p:nvCxnSpPr>
         <p:spPr>
           <a:xfrm flipV="1">
-            <a:off x="6096000" y="4116431"/>
-            <a:ext cx="3253688" cy="1956652"/>
+            <a:off x="6096000" y="3682508"/>
+            <a:ext cx="3044692" cy="1971475"/>
           </a:xfrm>
           <a:prstGeom prst="line">
             <a:avLst/>
@@ -10555,8 +10241,8 @@
         </p:nvCxnSpPr>
         <p:spPr>
           <a:xfrm flipV="1">
-            <a:off x="6113295" y="4252187"/>
-            <a:ext cx="3709685" cy="2244184"/>
+            <a:off x="6113295" y="3512820"/>
+            <a:ext cx="3850126" cy="2564451"/>
           </a:xfrm>
           <a:prstGeom prst="line">
             <a:avLst/>
@@ -10591,7 +10277,7 @@
         </p:nvGrpSpPr>
         <p:grpSpPr>
           <a:xfrm>
-            <a:off x="3388254" y="2024971"/>
+            <a:off x="3388254" y="1605871"/>
             <a:ext cx="1255894" cy="523220"/>
             <a:chOff x="5372824" y="4250468"/>
             <a:chExt cx="734184" cy="523220"/>
@@ -10761,7 +10447,7 @@
         </p:nvGrpSpPr>
         <p:grpSpPr>
           <a:xfrm>
-            <a:off x="3501333" y="5556262"/>
+            <a:off x="3501333" y="5137162"/>
             <a:ext cx="1255894" cy="523220"/>
             <a:chOff x="5372824" y="4250468"/>
             <a:chExt cx="734184" cy="523220"/>
@@ -10917,84 +10603,8 @@
           </mc:Fallback>
         </mc:AlternateContent>
       </p:grpSp>
-      <p:cxnSp>
-        <p:nvCxnSpPr>
-          <p:cNvPr id="123" name="Straight Connector 122">
-            <a:extLst>
-              <a:ext uri="{FF2B5EF4-FFF2-40B4-BE49-F238E27FC236}">
-                <a16:creationId xmlns:a16="http://schemas.microsoft.com/office/drawing/2014/main" id="{19A91A18-D781-1C2A-C2C3-B72A03651E67}"/>
-              </a:ext>
-            </a:extLst>
-          </p:cNvPr>
-          <p:cNvCxnSpPr>
-            <a:cxnSpLocks/>
-          </p:cNvCxnSpPr>
-          <p:nvPr/>
-        </p:nvCxnSpPr>
-        <p:spPr>
-          <a:xfrm flipV="1">
-            <a:off x="9798253" y="2549766"/>
-            <a:ext cx="1309194" cy="1060774"/>
-          </a:xfrm>
-          <a:prstGeom prst="line">
-            <a:avLst/>
-          </a:prstGeom>
-        </p:spPr>
-        <p:style>
-          <a:lnRef idx="2">
-            <a:schemeClr val="accent1"/>
-          </a:lnRef>
-          <a:fillRef idx="0">
-            <a:schemeClr val="accent1"/>
-          </a:fillRef>
-          <a:effectRef idx="1">
-            <a:schemeClr val="accent1"/>
-          </a:effectRef>
-          <a:fontRef idx="minor">
-            <a:schemeClr val="tx1"/>
-          </a:fontRef>
-        </p:style>
-      </p:cxnSp>
-      <p:cxnSp>
-        <p:nvCxnSpPr>
-          <p:cNvPr id="127" name="Straight Connector 126">
-            <a:extLst>
-              <a:ext uri="{FF2B5EF4-FFF2-40B4-BE49-F238E27FC236}">
-                <a16:creationId xmlns:a16="http://schemas.microsoft.com/office/drawing/2014/main" id="{E386BB15-615B-6BEA-6AE0-F337CBFF1C84}"/>
-              </a:ext>
-            </a:extLst>
-          </p:cNvPr>
-          <p:cNvCxnSpPr>
-            <a:cxnSpLocks/>
-          </p:cNvCxnSpPr>
-          <p:nvPr/>
-        </p:nvCxnSpPr>
-        <p:spPr>
-          <a:xfrm>
-            <a:off x="9849461" y="4240599"/>
-            <a:ext cx="1158707" cy="959809"/>
-          </a:xfrm>
-          <a:prstGeom prst="line">
-            <a:avLst/>
-          </a:prstGeom>
-        </p:spPr>
-        <p:style>
-          <a:lnRef idx="2">
-            <a:schemeClr val="accent1"/>
-          </a:lnRef>
-          <a:fillRef idx="0">
-            <a:schemeClr val="accent1"/>
-          </a:fillRef>
-          <a:effectRef idx="1">
-            <a:schemeClr val="accent1"/>
-          </a:effectRef>
-          <a:fontRef idx="minor">
-            <a:schemeClr val="tx1"/>
-          </a:fontRef>
-        </p:style>
-      </p:cxnSp>
-      <mc:AlternateContent xmlns:mc="http://schemas.openxmlformats.org/markup-compatibility/2006" xmlns:a14="http://schemas.microsoft.com/office/drawing/2010/main">
-        <mc:Choice Requires="a14">
+      <mc:AlternateContent xmlns:mc="http://schemas.openxmlformats.org/markup-compatibility/2006">
+        <mc:Choice xmlns:a14="http://schemas.microsoft.com/office/drawing/2010/main" Requires="a14">
           <p:sp>
             <p:nvSpPr>
               <p:cNvPr id="130" name="TextBox 129">
@@ -11009,7 +10619,7 @@
             </p:nvSpPr>
             <p:spPr>
               <a:xfrm>
-                <a:off x="7728843" y="4105510"/>
+                <a:off x="7595785" y="3625684"/>
                 <a:ext cx="919162" cy="523220"/>
               </a:xfrm>
               <a:prstGeom prst="rect">
@@ -11069,7 +10679,7 @@
             </p:txBody>
           </p:sp>
         </mc:Choice>
-        <mc:Fallback xmlns="">
+        <mc:Fallback>
           <p:sp>
             <p:nvSpPr>
               <p:cNvPr id="130" name="TextBox 129">
@@ -11086,7 +10696,7 @@
             </p:nvSpPr>
             <p:spPr>
               <a:xfrm>
-                <a:off x="7728843" y="4105510"/>
+                <a:off x="7595785" y="3625684"/>
                 <a:ext cx="919162" cy="523220"/>
               </a:xfrm>
               <a:prstGeom prst="rect">
@@ -11114,8 +10724,8 @@
           </p:sp>
         </mc:Fallback>
       </mc:AlternateContent>
-      <mc:AlternateContent xmlns:mc="http://schemas.openxmlformats.org/markup-compatibility/2006" xmlns:a14="http://schemas.microsoft.com/office/drawing/2010/main">
-        <mc:Choice Requires="a14">
+      <mc:AlternateContent xmlns:mc="http://schemas.openxmlformats.org/markup-compatibility/2006">
+        <mc:Choice xmlns:a14="http://schemas.microsoft.com/office/drawing/2010/main" Requires="a14">
           <p:sp>
             <p:nvSpPr>
               <p:cNvPr id="131" name="TextBox 130">
@@ -11130,7 +10740,7 @@
             </p:nvSpPr>
             <p:spPr>
               <a:xfrm>
-                <a:off x="5681128" y="5247698"/>
+                <a:off x="5681128" y="4828598"/>
                 <a:ext cx="919162" cy="523220"/>
               </a:xfrm>
               <a:prstGeom prst="rect">
@@ -11190,7 +10800,7 @@
             </p:txBody>
           </p:sp>
         </mc:Choice>
-        <mc:Fallback xmlns="">
+        <mc:Fallback>
           <p:sp>
             <p:nvSpPr>
               <p:cNvPr id="131" name="TextBox 130">
@@ -11207,7 +10817,7 @@
             </p:nvSpPr>
             <p:spPr>
               <a:xfrm>
-                <a:off x="5681128" y="5247698"/>
+                <a:off x="5681128" y="4828598"/>
                 <a:ext cx="919162" cy="523220"/>
               </a:xfrm>
               <a:prstGeom prst="rect">
@@ -11251,7 +10861,7 @@
         </p:nvCxnSpPr>
         <p:spPr>
           <a:xfrm>
-            <a:off x="2620181" y="3526385"/>
+            <a:off x="2620181" y="3107285"/>
             <a:ext cx="643601" cy="8861"/>
           </a:xfrm>
           <a:prstGeom prst="line">
@@ -11292,7 +10902,7 @@
         </p:nvCxnSpPr>
         <p:spPr>
           <a:xfrm>
-            <a:off x="2620181" y="2867436"/>
+            <a:off x="2620181" y="2448336"/>
             <a:ext cx="17313" cy="612809"/>
           </a:xfrm>
           <a:prstGeom prst="straightConnector1">
@@ -11333,7 +10943,7 @@
         </p:nvCxnSpPr>
         <p:spPr>
           <a:xfrm flipH="1">
-            <a:off x="3333381" y="3359923"/>
+            <a:off x="3333381" y="2940823"/>
             <a:ext cx="476671" cy="132813"/>
           </a:xfrm>
           <a:prstGeom prst="straightConnector1">
@@ -11358,8 +10968,8 @@
           </a:fontRef>
         </p:style>
       </p:cxnSp>
-      <mc:AlternateContent xmlns:mc="http://schemas.openxmlformats.org/markup-compatibility/2006" xmlns:a14="http://schemas.microsoft.com/office/drawing/2010/main">
-        <mc:Choice Requires="a14">
+      <mc:AlternateContent xmlns:mc="http://schemas.openxmlformats.org/markup-compatibility/2006">
+        <mc:Choice xmlns:a14="http://schemas.microsoft.com/office/drawing/2010/main" Requires="a14">
           <p:sp>
             <p:nvSpPr>
               <p:cNvPr id="144" name="TextBox 143">
@@ -11374,7 +10984,7 @@
             </p:nvSpPr>
             <p:spPr>
               <a:xfrm>
-                <a:off x="2205837" y="2331418"/>
+                <a:off x="2205837" y="1912318"/>
                 <a:ext cx="931986" cy="523220"/>
               </a:xfrm>
               <a:prstGeom prst="rect">
@@ -11434,7 +11044,7 @@
             </p:txBody>
           </p:sp>
         </mc:Choice>
-        <mc:Fallback xmlns="">
+        <mc:Fallback>
           <p:sp>
             <p:nvSpPr>
               <p:cNvPr id="144" name="TextBox 143">
@@ -11451,7 +11061,7 @@
             </p:nvSpPr>
             <p:spPr>
               <a:xfrm>
-                <a:off x="2205837" y="2331418"/>
+                <a:off x="2205837" y="1912318"/>
                 <a:ext cx="931986" cy="523220"/>
               </a:xfrm>
               <a:prstGeom prst="rect">
@@ -11479,8 +11089,8 @@
           </p:sp>
         </mc:Fallback>
       </mc:AlternateContent>
-      <mc:AlternateContent xmlns:mc="http://schemas.openxmlformats.org/markup-compatibility/2006" xmlns:a14="http://schemas.microsoft.com/office/drawing/2010/main">
-        <mc:Choice Requires="a14">
+      <mc:AlternateContent xmlns:mc="http://schemas.openxmlformats.org/markup-compatibility/2006">
+        <mc:Choice xmlns:a14="http://schemas.microsoft.com/office/drawing/2010/main" Requires="a14">
           <p:sp>
             <p:nvSpPr>
               <p:cNvPr id="147" name="TextBox 146">
@@ -11495,7 +11105,7 @@
             </p:nvSpPr>
             <p:spPr>
               <a:xfrm>
-                <a:off x="7880248" y="2960851"/>
+                <a:off x="7587541" y="2438221"/>
                 <a:ext cx="919162" cy="523220"/>
               </a:xfrm>
               <a:prstGeom prst="rect">
@@ -11555,7 +11165,7 @@
             </p:txBody>
           </p:sp>
         </mc:Choice>
-        <mc:Fallback xmlns="">
+        <mc:Fallback>
           <p:sp>
             <p:nvSpPr>
               <p:cNvPr id="147" name="TextBox 146">
@@ -11572,7 +11182,7 @@
             </p:nvSpPr>
             <p:spPr>
               <a:xfrm>
-                <a:off x="7880248" y="2960851"/>
+                <a:off x="7587541" y="2438221"/>
                 <a:ext cx="919162" cy="523220"/>
               </a:xfrm>
               <a:prstGeom prst="rect">
@@ -11600,8 +11210,8 @@
           </p:sp>
         </mc:Fallback>
       </mc:AlternateContent>
-      <mc:AlternateContent xmlns:mc="http://schemas.openxmlformats.org/markup-compatibility/2006" xmlns:a14="http://schemas.microsoft.com/office/drawing/2010/main">
-        <mc:Choice Requires="a14">
+      <mc:AlternateContent xmlns:mc="http://schemas.openxmlformats.org/markup-compatibility/2006">
+        <mc:Choice xmlns:a14="http://schemas.microsoft.com/office/drawing/2010/main" Requires="a14">
           <p:sp>
             <p:nvSpPr>
               <p:cNvPr id="151" name="TextBox 150">
@@ -11616,7 +11226,7 @@
             </p:nvSpPr>
             <p:spPr>
               <a:xfrm>
-                <a:off x="5828382" y="2997780"/>
+                <a:off x="5828382" y="2578680"/>
                 <a:ext cx="786241" cy="523220"/>
               </a:xfrm>
               <a:prstGeom prst="rect">
@@ -11676,7 +11286,7 @@
             </p:txBody>
           </p:sp>
         </mc:Choice>
-        <mc:Fallback xmlns="">
+        <mc:Fallback>
           <p:sp>
             <p:nvSpPr>
               <p:cNvPr id="151" name="TextBox 150">
@@ -11693,7 +11303,7 @@
             </p:nvSpPr>
             <p:spPr>
               <a:xfrm>
-                <a:off x="5828382" y="2997780"/>
+                <a:off x="5828382" y="2578680"/>
                 <a:ext cx="786241" cy="523220"/>
               </a:xfrm>
               <a:prstGeom prst="rect">
@@ -11737,7 +11347,7 @@
         </p:nvCxnSpPr>
         <p:spPr>
           <a:xfrm>
-            <a:off x="2449513" y="4058713"/>
+            <a:off x="2449513" y="3639613"/>
             <a:ext cx="657454" cy="0"/>
           </a:xfrm>
           <a:prstGeom prst="line">
@@ -11778,7 +11388,7 @@
         </p:nvCxnSpPr>
         <p:spPr>
           <a:xfrm flipV="1">
-            <a:off x="2449513" y="4185409"/>
+            <a:off x="2449513" y="3766309"/>
             <a:ext cx="16924" cy="644205"/>
           </a:xfrm>
           <a:prstGeom prst="straightConnector1">
@@ -11803,8 +11413,8 @@
           </a:fontRef>
         </p:style>
       </p:cxnSp>
-      <mc:AlternateContent xmlns:mc="http://schemas.openxmlformats.org/markup-compatibility/2006" xmlns:a14="http://schemas.microsoft.com/office/drawing/2010/main">
-        <mc:Choice Requires="a14">
+      <mc:AlternateContent xmlns:mc="http://schemas.openxmlformats.org/markup-compatibility/2006">
+        <mc:Choice xmlns:a14="http://schemas.microsoft.com/office/drawing/2010/main" Requires="a14">
           <p:sp>
             <p:nvSpPr>
               <p:cNvPr id="13" name="TextBox 12">
@@ -11819,7 +11429,7 @@
             </p:nvSpPr>
             <p:spPr>
               <a:xfrm>
-                <a:off x="1968619" y="4918321"/>
+                <a:off x="1968619" y="4499221"/>
                 <a:ext cx="919162" cy="523220"/>
               </a:xfrm>
               <a:prstGeom prst="rect">
@@ -11879,7 +11489,7 @@
             </p:txBody>
           </p:sp>
         </mc:Choice>
-        <mc:Fallback xmlns="">
+        <mc:Fallback>
           <p:sp>
             <p:nvSpPr>
               <p:cNvPr id="13" name="TextBox 12">
@@ -11896,7 +11506,7 @@
             </p:nvSpPr>
             <p:spPr>
               <a:xfrm>
-                <a:off x="1968619" y="4918321"/>
+                <a:off x="1968619" y="4499221"/>
                 <a:ext cx="919162" cy="523220"/>
               </a:xfrm>
               <a:prstGeom prst="rect">
@@ -11941,7 +11551,7 @@
         </p:nvCxnSpPr>
         <p:spPr>
           <a:xfrm flipH="1" flipV="1">
-            <a:off x="3284142" y="4110517"/>
+            <a:off x="3284142" y="3691417"/>
             <a:ext cx="483051" cy="252701"/>
           </a:xfrm>
           <a:prstGeom prst="straightConnector1">
@@ -11966,8 +11576,8 @@
           </a:fontRef>
         </p:style>
       </p:cxnSp>
-      <mc:AlternateContent xmlns:mc="http://schemas.openxmlformats.org/markup-compatibility/2006" xmlns:a14="http://schemas.microsoft.com/office/drawing/2010/main">
-        <mc:Choice Requires="a14">
+      <mc:AlternateContent xmlns:mc="http://schemas.openxmlformats.org/markup-compatibility/2006">
+        <mc:Choice xmlns:a14="http://schemas.microsoft.com/office/drawing/2010/main" Requires="a14">
           <p:sp>
             <p:nvSpPr>
               <p:cNvPr id="25" name="TextBox 24">
@@ -11982,7 +11592,7 @@
             </p:nvSpPr>
             <p:spPr>
               <a:xfrm>
-                <a:off x="5828382" y="4089980"/>
+                <a:off x="5828382" y="3670880"/>
                 <a:ext cx="773417" cy="523220"/>
               </a:xfrm>
               <a:prstGeom prst="rect">
@@ -12042,7 +11652,7 @@
             </p:txBody>
           </p:sp>
         </mc:Choice>
-        <mc:Fallback xmlns="">
+        <mc:Fallback>
           <p:sp>
             <p:nvSpPr>
               <p:cNvPr id="25" name="TextBox 24">
@@ -12059,7 +11669,7 @@
             </p:nvSpPr>
             <p:spPr>
               <a:xfrm>
-                <a:off x="5828382" y="4089980"/>
+                <a:off x="5828382" y="3670880"/>
                 <a:ext cx="773417" cy="523220"/>
               </a:xfrm>
               <a:prstGeom prst="rect">
@@ -12103,8 +11713,528 @@
         </p:nvCxnSpPr>
         <p:spPr>
           <a:xfrm flipH="1" flipV="1">
-            <a:off x="9832756" y="4399923"/>
+            <a:off x="9988735" y="3579555"/>
             <a:ext cx="3464" cy="419531"/>
+          </a:xfrm>
+          <a:prstGeom prst="straightConnector1">
+            <a:avLst/>
+          </a:prstGeom>
+          <a:ln>
+            <a:tailEnd type="triangle" w="lg" len="lg"/>
+          </a:ln>
+        </p:spPr>
+        <p:style>
+          <a:lnRef idx="2">
+            <a:schemeClr val="accent1"/>
+          </a:lnRef>
+          <a:fillRef idx="0">
+            <a:schemeClr val="accent1"/>
+          </a:fillRef>
+          <a:effectRef idx="1">
+            <a:schemeClr val="accent1"/>
+          </a:effectRef>
+          <a:fontRef idx="minor">
+            <a:schemeClr val="tx1"/>
+          </a:fontRef>
+        </p:style>
+      </p:cxnSp>
+      <p:cxnSp>
+        <p:nvCxnSpPr>
+          <p:cNvPr id="3" name="Straight Connector 2">
+            <a:extLst>
+              <a:ext uri="{FF2B5EF4-FFF2-40B4-BE49-F238E27FC236}">
+                <a16:creationId xmlns:a16="http://schemas.microsoft.com/office/drawing/2014/main" id="{47C0E0F6-5D37-19CA-FAFF-2DA97D88F61B}"/>
+              </a:ext>
+            </a:extLst>
+          </p:cNvPr>
+          <p:cNvCxnSpPr>
+            <a:cxnSpLocks/>
+          </p:cNvCxnSpPr>
+          <p:nvPr/>
+        </p:nvCxnSpPr>
+        <p:spPr>
+          <a:xfrm>
+            <a:off x="9963421" y="3325750"/>
+            <a:ext cx="577828" cy="0"/>
+          </a:xfrm>
+          <a:prstGeom prst="line">
+            <a:avLst/>
+          </a:prstGeom>
+        </p:spPr>
+        <p:style>
+          <a:lnRef idx="2">
+            <a:schemeClr val="accent1"/>
+          </a:lnRef>
+          <a:fillRef idx="0">
+            <a:schemeClr val="accent1"/>
+          </a:fillRef>
+          <a:effectRef idx="1">
+            <a:schemeClr val="accent1"/>
+          </a:effectRef>
+          <a:fontRef idx="minor">
+            <a:schemeClr val="tx1"/>
+          </a:fontRef>
+        </p:style>
+      </p:cxnSp>
+      <p:cxnSp>
+        <p:nvCxnSpPr>
+          <p:cNvPr id="5" name="Straight Connector 4">
+            <a:extLst>
+              <a:ext uri="{FF2B5EF4-FFF2-40B4-BE49-F238E27FC236}">
+                <a16:creationId xmlns:a16="http://schemas.microsoft.com/office/drawing/2014/main" id="{E33D0316-0AC3-2D09-4AF7-A60326C1CBD2}"/>
+              </a:ext>
+            </a:extLst>
+          </p:cNvPr>
+          <p:cNvCxnSpPr>
+            <a:cxnSpLocks/>
+          </p:cNvCxnSpPr>
+          <p:nvPr/>
+        </p:nvCxnSpPr>
+        <p:spPr>
+          <a:xfrm flipV="1">
+            <a:off x="9948203" y="3509638"/>
+            <a:ext cx="614614" cy="5454"/>
+          </a:xfrm>
+          <a:prstGeom prst="line">
+            <a:avLst/>
+          </a:prstGeom>
+        </p:spPr>
+        <p:style>
+          <a:lnRef idx="2">
+            <a:schemeClr val="accent1"/>
+          </a:lnRef>
+          <a:fillRef idx="0">
+            <a:schemeClr val="accent1"/>
+          </a:fillRef>
+          <a:effectRef idx="1">
+            <a:schemeClr val="accent1"/>
+          </a:effectRef>
+          <a:fontRef idx="minor">
+            <a:schemeClr val="tx1"/>
+          </a:fontRef>
+        </p:style>
+      </p:cxnSp>
+      <p:cxnSp>
+        <p:nvCxnSpPr>
+          <p:cNvPr id="23" name="Straight Arrow Connector 22">
+            <a:extLst>
+              <a:ext uri="{FF2B5EF4-FFF2-40B4-BE49-F238E27FC236}">
+                <a16:creationId xmlns:a16="http://schemas.microsoft.com/office/drawing/2014/main" id="{6F81C210-7E09-0086-6C0D-5CA2F1213505}"/>
+              </a:ext>
+            </a:extLst>
+          </p:cNvPr>
+          <p:cNvCxnSpPr>
+            <a:cxnSpLocks/>
+          </p:cNvCxnSpPr>
+          <p:nvPr/>
+        </p:nvCxnSpPr>
+        <p:spPr>
+          <a:xfrm flipV="1">
+            <a:off x="8475941" y="3707170"/>
+            <a:ext cx="483051" cy="252701"/>
+          </a:xfrm>
+          <a:prstGeom prst="straightConnector1">
+            <a:avLst/>
+          </a:prstGeom>
+          <a:ln>
+            <a:tailEnd type="triangle" w="lg" len="lg"/>
+          </a:ln>
+        </p:spPr>
+        <p:style>
+          <a:lnRef idx="2">
+            <a:schemeClr val="accent1"/>
+          </a:lnRef>
+          <a:fillRef idx="0">
+            <a:schemeClr val="accent1"/>
+          </a:fillRef>
+          <a:effectRef idx="1">
+            <a:schemeClr val="accent1"/>
+          </a:effectRef>
+          <a:fontRef idx="minor">
+            <a:schemeClr val="tx1"/>
+          </a:fontRef>
+        </p:style>
+      </p:cxnSp>
+      <p:cxnSp>
+        <p:nvCxnSpPr>
+          <p:cNvPr id="24" name="Straight Arrow Connector 23">
+            <a:extLst>
+              <a:ext uri="{FF2B5EF4-FFF2-40B4-BE49-F238E27FC236}">
+                <a16:creationId xmlns:a16="http://schemas.microsoft.com/office/drawing/2014/main" id="{168D185B-DFF3-9792-F5B7-F9C314DD8F86}"/>
+              </a:ext>
+            </a:extLst>
+          </p:cNvPr>
+          <p:cNvCxnSpPr>
+            <a:cxnSpLocks/>
+          </p:cNvCxnSpPr>
+          <p:nvPr/>
+        </p:nvCxnSpPr>
+        <p:spPr>
+          <a:xfrm>
+            <a:off x="8461046" y="2807030"/>
+            <a:ext cx="483051" cy="252701"/>
+          </a:xfrm>
+          <a:prstGeom prst="straightConnector1">
+            <a:avLst/>
+          </a:prstGeom>
+          <a:ln>
+            <a:tailEnd type="triangle" w="lg" len="lg"/>
+          </a:ln>
+        </p:spPr>
+        <p:style>
+          <a:lnRef idx="2">
+            <a:schemeClr val="accent1"/>
+          </a:lnRef>
+          <a:fillRef idx="0">
+            <a:schemeClr val="accent1"/>
+          </a:fillRef>
+          <a:effectRef idx="1">
+            <a:schemeClr val="accent1"/>
+          </a:effectRef>
+          <a:fontRef idx="minor">
+            <a:schemeClr val="tx1"/>
+          </a:fontRef>
+        </p:style>
+      </p:cxnSp>
+      <mc:AlternateContent xmlns:mc="http://schemas.openxmlformats.org/markup-compatibility/2006">
+        <mc:Choice xmlns:a14="http://schemas.microsoft.com/office/drawing/2010/main" Requires="a14">
+          <p:sp>
+            <p:nvSpPr>
+              <p:cNvPr id="27" name="TextBox 26">
+                <a:extLst>
+                  <a:ext uri="{FF2B5EF4-FFF2-40B4-BE49-F238E27FC236}">
+                    <a16:creationId xmlns:a16="http://schemas.microsoft.com/office/drawing/2014/main" id="{44116C89-582A-9329-C7A6-CF396B5110DA}"/>
+                  </a:ext>
+                </a:extLst>
+              </p:cNvPr>
+              <p:cNvSpPr txBox="1"/>
+              <p:nvPr/>
+            </p:nvSpPr>
+            <p:spPr>
+              <a:xfrm>
+                <a:off x="518335" y="2578680"/>
+                <a:ext cx="931986" cy="523220"/>
+              </a:xfrm>
+              <a:prstGeom prst="rect">
+                <a:avLst/>
+              </a:prstGeom>
+              <a:noFill/>
+            </p:spPr>
+            <p:txBody>
+              <a:bodyPr wrap="none" rtlCol="0">
+                <a:spAutoFit/>
+              </a:bodyPr>
+              <a:lstStyle/>
+              <a:p>
+                <a:pPr/>
+                <a14:m>
+                  <m:oMathPara xmlns:m="http://schemas.openxmlformats.org/officeDocument/2006/math">
+                    <m:oMathParaPr>
+                      <m:jc m:val="centerGroup"/>
+                    </m:oMathParaPr>
+                    <m:oMath xmlns:m="http://schemas.openxmlformats.org/officeDocument/2006/math">
+                      <m:sSub>
+                        <m:sSubPr>
+                          <m:ctrlPr>
+                            <a:rPr lang="en-US" sz="2800" i="1" smtClean="0">
+                              <a:latin typeface="Cambria Math" panose="02040503050406030204" pitchFamily="18" charset="0"/>
+                            </a:rPr>
+                          </m:ctrlPr>
+                        </m:sSubPr>
+                        <m:e>
+                          <m:r>
+                            <a:rPr lang="en-US" sz="2800" b="0" i="1" smtClean="0">
+                              <a:latin typeface="Cambria Math" panose="02040503050406030204" pitchFamily="18" charset="0"/>
+                            </a:rPr>
+                            <m:t>𝑃</m:t>
+                          </m:r>
+                        </m:e>
+                        <m:sub>
+                          <m:r>
+                            <a:rPr lang="en-US" sz="2800" b="0" i="1" smtClean="0">
+                              <a:latin typeface="Cambria Math" panose="02040503050406030204" pitchFamily="18" charset="0"/>
+                            </a:rPr>
+                            <m:t>𝑢</m:t>
+                          </m:r>
+                          <m:r>
+                            <a:rPr lang="en-US" sz="2800" b="0" i="1" smtClean="0">
+                              <a:latin typeface="Cambria Math" panose="02040503050406030204" pitchFamily="18" charset="0"/>
+                            </a:rPr>
+                            <m:t>00</m:t>
+                          </m:r>
+                        </m:sub>
+                      </m:sSub>
+                    </m:oMath>
+                  </m:oMathPara>
+                </a14:m>
+                <a:endParaRPr lang="en-US" sz="2800" dirty="0"/>
+              </a:p>
+            </p:txBody>
+          </p:sp>
+        </mc:Choice>
+        <mc:Fallback>
+          <p:sp>
+            <p:nvSpPr>
+              <p:cNvPr id="27" name="TextBox 26">
+                <a:extLst>
+                  <a:ext uri="{FF2B5EF4-FFF2-40B4-BE49-F238E27FC236}">
+                    <a16:creationId xmlns:a16="http://schemas.microsoft.com/office/drawing/2014/main" id="{44116C89-582A-9329-C7A6-CF396B5110DA}"/>
+                  </a:ext>
+                </a:extLst>
+              </p:cNvPr>
+              <p:cNvSpPr txBox="1">
+                <a:spLocks noRot="1" noChangeAspect="1" noMove="1" noResize="1" noEditPoints="1" noAdjustHandles="1" noChangeArrowheads="1" noChangeShapeType="1" noTextEdit="1"/>
+              </p:cNvSpPr>
+              <p:nvPr/>
+            </p:nvSpPr>
+            <p:spPr>
+              <a:xfrm>
+                <a:off x="518335" y="2578680"/>
+                <a:ext cx="931986" cy="523220"/>
+              </a:xfrm>
+              <a:prstGeom prst="rect">
+                <a:avLst/>
+              </a:prstGeom>
+              <a:blipFill>
+                <a:blip r:embed="rId22"/>
+                <a:stretch>
+                  <a:fillRect/>
+                </a:stretch>
+              </a:blipFill>
+            </p:spPr>
+            <p:txBody>
+              <a:bodyPr/>
+              <a:lstStyle/>
+              <a:p>
+                <a:r>
+                  <a:rPr lang="en-US">
+                    <a:noFill/>
+                  </a:rPr>
+                  <a:t> </a:t>
+                </a:r>
+              </a:p>
+            </p:txBody>
+          </p:sp>
+        </mc:Fallback>
+      </mc:AlternateContent>
+      <mc:AlternateContent xmlns:mc="http://schemas.openxmlformats.org/markup-compatibility/2006">
+        <mc:Choice xmlns:a14="http://schemas.microsoft.com/office/drawing/2010/main" Requires="a14">
+          <p:sp>
+            <p:nvSpPr>
+              <p:cNvPr id="28" name="TextBox 27">
+                <a:extLst>
+                  <a:ext uri="{FF2B5EF4-FFF2-40B4-BE49-F238E27FC236}">
+                    <a16:creationId xmlns:a16="http://schemas.microsoft.com/office/drawing/2014/main" id="{D00F52E5-BB02-86EE-6AFF-85F559DAB616}"/>
+                  </a:ext>
+                </a:extLst>
+              </p:cNvPr>
+              <p:cNvSpPr txBox="1"/>
+              <p:nvPr/>
+            </p:nvSpPr>
+            <p:spPr>
+              <a:xfrm>
+                <a:off x="413625" y="3571910"/>
+                <a:ext cx="919162" cy="523220"/>
+              </a:xfrm>
+              <a:prstGeom prst="rect">
+                <a:avLst/>
+              </a:prstGeom>
+              <a:noFill/>
+            </p:spPr>
+            <p:txBody>
+              <a:bodyPr wrap="none" rtlCol="0">
+                <a:spAutoFit/>
+              </a:bodyPr>
+              <a:lstStyle/>
+              <a:p>
+                <a:pPr/>
+                <a14:m>
+                  <m:oMathPara xmlns:m="http://schemas.openxmlformats.org/officeDocument/2006/math">
+                    <m:oMathParaPr>
+                      <m:jc m:val="centerGroup"/>
+                    </m:oMathParaPr>
+                    <m:oMath xmlns:m="http://schemas.openxmlformats.org/officeDocument/2006/math">
+                      <m:sSub>
+                        <m:sSubPr>
+                          <m:ctrlPr>
+                            <a:rPr lang="en-US" sz="2800" i="1" smtClean="0">
+                              <a:latin typeface="Cambria Math" panose="02040503050406030204" pitchFamily="18" charset="0"/>
+                            </a:rPr>
+                          </m:ctrlPr>
+                        </m:sSubPr>
+                        <m:e>
+                          <m:r>
+                            <a:rPr lang="en-US" sz="2800" b="0" i="1" smtClean="0">
+                              <a:latin typeface="Cambria Math" panose="02040503050406030204" pitchFamily="18" charset="0"/>
+                            </a:rPr>
+                            <m:t>𝑃</m:t>
+                          </m:r>
+                        </m:e>
+                        <m:sub>
+                          <m:r>
+                            <a:rPr lang="en-US" sz="2800" b="0" i="1" smtClean="0">
+                              <a:latin typeface="Cambria Math" panose="02040503050406030204" pitchFamily="18" charset="0"/>
+                            </a:rPr>
+                            <m:t>𝑏</m:t>
+                          </m:r>
+                          <m:r>
+                            <a:rPr lang="en-US" sz="2800" b="0" i="1" smtClean="0">
+                              <a:latin typeface="Cambria Math" panose="02040503050406030204" pitchFamily="18" charset="0"/>
+                            </a:rPr>
+                            <m:t>00</m:t>
+                          </m:r>
+                        </m:sub>
+                      </m:sSub>
+                    </m:oMath>
+                  </m:oMathPara>
+                </a14:m>
+                <a:endParaRPr lang="en-US" sz="2800" dirty="0"/>
+              </a:p>
+            </p:txBody>
+          </p:sp>
+        </mc:Choice>
+        <mc:Fallback>
+          <p:sp>
+            <p:nvSpPr>
+              <p:cNvPr id="28" name="TextBox 27">
+                <a:extLst>
+                  <a:ext uri="{FF2B5EF4-FFF2-40B4-BE49-F238E27FC236}">
+                    <a16:creationId xmlns:a16="http://schemas.microsoft.com/office/drawing/2014/main" id="{D00F52E5-BB02-86EE-6AFF-85F559DAB616}"/>
+                  </a:ext>
+                </a:extLst>
+              </p:cNvPr>
+              <p:cNvSpPr txBox="1">
+                <a:spLocks noRot="1" noChangeAspect="1" noMove="1" noResize="1" noEditPoints="1" noAdjustHandles="1" noChangeArrowheads="1" noChangeShapeType="1" noTextEdit="1"/>
+              </p:cNvSpPr>
+              <p:nvPr/>
+            </p:nvSpPr>
+            <p:spPr>
+              <a:xfrm>
+                <a:off x="413625" y="3571910"/>
+                <a:ext cx="919162" cy="523220"/>
+              </a:xfrm>
+              <a:prstGeom prst="rect">
+                <a:avLst/>
+              </a:prstGeom>
+              <a:blipFill>
+                <a:blip r:embed="rId23"/>
+                <a:stretch>
+                  <a:fillRect/>
+                </a:stretch>
+              </a:blipFill>
+            </p:spPr>
+            <p:txBody>
+              <a:bodyPr/>
+              <a:lstStyle/>
+              <a:p>
+                <a:r>
+                  <a:rPr lang="en-US">
+                    <a:noFill/>
+                  </a:rPr>
+                  <a:t> </a:t>
+                </a:r>
+              </a:p>
+            </p:txBody>
+          </p:sp>
+        </mc:Fallback>
+      </mc:AlternateContent>
+      <p:cxnSp>
+        <p:nvCxnSpPr>
+          <p:cNvPr id="32" name="Straight Connector 31">
+            <a:extLst>
+              <a:ext uri="{FF2B5EF4-FFF2-40B4-BE49-F238E27FC236}">
+                <a16:creationId xmlns:a16="http://schemas.microsoft.com/office/drawing/2014/main" id="{B6863AEE-3C07-265B-4E3D-972BE869367E}"/>
+              </a:ext>
+            </a:extLst>
+          </p:cNvPr>
+          <p:cNvCxnSpPr>
+            <a:cxnSpLocks/>
+          </p:cNvCxnSpPr>
+          <p:nvPr/>
+        </p:nvCxnSpPr>
+        <p:spPr>
+          <a:xfrm>
+            <a:off x="1641219" y="3325750"/>
+            <a:ext cx="0" cy="154142"/>
+          </a:xfrm>
+          <a:prstGeom prst="line">
+            <a:avLst/>
+          </a:prstGeom>
+        </p:spPr>
+        <p:style>
+          <a:lnRef idx="2">
+            <a:schemeClr val="accent1"/>
+          </a:lnRef>
+          <a:fillRef idx="0">
+            <a:schemeClr val="accent1"/>
+          </a:fillRef>
+          <a:effectRef idx="1">
+            <a:schemeClr val="accent1"/>
+          </a:effectRef>
+          <a:fontRef idx="minor">
+            <a:schemeClr val="tx1"/>
+          </a:fontRef>
+        </p:style>
+      </p:cxnSp>
+      <p:cxnSp>
+        <p:nvCxnSpPr>
+          <p:cNvPr id="34" name="Straight Arrow Connector 33">
+            <a:extLst>
+              <a:ext uri="{FF2B5EF4-FFF2-40B4-BE49-F238E27FC236}">
+                <a16:creationId xmlns:a16="http://schemas.microsoft.com/office/drawing/2014/main" id="{0C99C35D-AE4B-983C-286D-F2B4A5293FF1}"/>
+              </a:ext>
+            </a:extLst>
+          </p:cNvPr>
+          <p:cNvCxnSpPr>
+            <a:cxnSpLocks/>
+          </p:cNvCxnSpPr>
+          <p:nvPr/>
+        </p:nvCxnSpPr>
+        <p:spPr>
+          <a:xfrm>
+            <a:off x="1374912" y="3016088"/>
+            <a:ext cx="218303" cy="281573"/>
+          </a:xfrm>
+          <a:prstGeom prst="straightConnector1">
+            <a:avLst/>
+          </a:prstGeom>
+          <a:ln>
+            <a:tailEnd type="triangle" w="lg" len="lg"/>
+          </a:ln>
+        </p:spPr>
+        <p:style>
+          <a:lnRef idx="2">
+            <a:schemeClr val="accent1"/>
+          </a:lnRef>
+          <a:fillRef idx="0">
+            <a:schemeClr val="accent1"/>
+          </a:fillRef>
+          <a:effectRef idx="1">
+            <a:schemeClr val="accent1"/>
+          </a:effectRef>
+          <a:fontRef idx="minor">
+            <a:schemeClr val="tx1"/>
+          </a:fontRef>
+        </p:style>
+      </p:cxnSp>
+      <p:cxnSp>
+        <p:nvCxnSpPr>
+          <p:cNvPr id="35" name="Straight Arrow Connector 34">
+            <a:extLst>
+              <a:ext uri="{FF2B5EF4-FFF2-40B4-BE49-F238E27FC236}">
+                <a16:creationId xmlns:a16="http://schemas.microsoft.com/office/drawing/2014/main" id="{617BABA2-2BB3-636A-8349-8D2BEF1C3271}"/>
+              </a:ext>
+            </a:extLst>
+          </p:cNvPr>
+          <p:cNvCxnSpPr>
+            <a:cxnSpLocks/>
+          </p:cNvCxnSpPr>
+          <p:nvPr/>
+        </p:nvCxnSpPr>
+        <p:spPr>
+          <a:xfrm flipV="1">
+            <a:off x="1260395" y="3550726"/>
+            <a:ext cx="331642" cy="312887"/>
           </a:xfrm>
           <a:prstGeom prst="straightConnector1">
             <a:avLst/>
@@ -12150,6 +12280,191 @@
       </p:transition>
     </mc:Fallback>
   </mc:AlternateContent>
+</p:sld>
+</file>
+
+<file path=ppt/slides/slide4.xml><?xml version="1.0" encoding="utf-8"?>
+<p:sld xmlns:a="http://schemas.openxmlformats.org/drawingml/2006/main" xmlns:r="http://schemas.openxmlformats.org/officeDocument/2006/relationships" xmlns:p="http://schemas.openxmlformats.org/presentationml/2006/main">
+  <p:cSld>
+    <p:spTree>
+      <p:nvGrpSpPr>
+        <p:cNvPr id="1" name=""/>
+        <p:cNvGrpSpPr/>
+        <p:nvPr/>
+      </p:nvGrpSpPr>
+      <p:grpSpPr>
+        <a:xfrm>
+          <a:off x="0" y="0"/>
+          <a:ext cx="0" cy="0"/>
+          <a:chOff x="0" y="0"/>
+          <a:chExt cx="0" cy="0"/>
+        </a:xfrm>
+      </p:grpSpPr>
+      <p:pic>
+        <p:nvPicPr>
+          <p:cNvPr id="6" name="Picture 5">
+            <a:extLst>
+              <a:ext uri="{FF2B5EF4-FFF2-40B4-BE49-F238E27FC236}">
+                <a16:creationId xmlns:a16="http://schemas.microsoft.com/office/drawing/2014/main" id="{C83FDD82-4180-C8BC-3B50-4B21D1F5E635}"/>
+              </a:ext>
+            </a:extLst>
+          </p:cNvPr>
+          <p:cNvPicPr>
+            <a:picLocks noChangeAspect="1"/>
+          </p:cNvPicPr>
+          <p:nvPr/>
+        </p:nvPicPr>
+        <p:blipFill>
+          <a:blip r:embed="rId2"/>
+          <a:stretch>
+            <a:fillRect/>
+          </a:stretch>
+        </p:blipFill>
+        <p:spPr>
+          <a:xfrm>
+            <a:off x="2285468" y="1380839"/>
+            <a:ext cx="7621064" cy="4096322"/>
+          </a:xfrm>
+          <a:prstGeom prst="rect">
+            <a:avLst/>
+          </a:prstGeom>
+        </p:spPr>
+      </p:pic>
+      <p:sp>
+        <p:nvSpPr>
+          <p:cNvPr id="7" name="Rectangle 6">
+            <a:extLst>
+              <a:ext uri="{FF2B5EF4-FFF2-40B4-BE49-F238E27FC236}">
+                <a16:creationId xmlns:a16="http://schemas.microsoft.com/office/drawing/2014/main" id="{BD59A443-E74A-6D84-66B6-D351E9555FA4}"/>
+              </a:ext>
+            </a:extLst>
+          </p:cNvPr>
+          <p:cNvSpPr/>
+          <p:nvPr/>
+        </p:nvSpPr>
+        <p:spPr>
+          <a:xfrm>
+            <a:off x="7749540" y="1405890"/>
+            <a:ext cx="2137410" cy="560070"/>
+          </a:xfrm>
+          <a:prstGeom prst="rect">
+            <a:avLst/>
+          </a:prstGeom>
+          <a:solidFill>
+            <a:schemeClr val="bg1"/>
+          </a:solidFill>
+        </p:spPr>
+        <p:style>
+          <a:lnRef idx="2">
+            <a:schemeClr val="accent1">
+              <a:shade val="15000"/>
+            </a:schemeClr>
+          </a:lnRef>
+          <a:fillRef idx="1">
+            <a:schemeClr val="accent1"/>
+          </a:fillRef>
+          <a:effectRef idx="0">
+            <a:schemeClr val="accent1"/>
+          </a:effectRef>
+          <a:fontRef idx="minor">
+            <a:schemeClr val="lt1"/>
+          </a:fontRef>
+        </p:style>
+        <p:txBody>
+          <a:bodyPr rtlCol="0" anchor="ctr"/>
+          <a:lstStyle/>
+          <a:p>
+            <a:pPr algn="ctr"/>
+            <a:endParaRPr lang="en-US"/>
+          </a:p>
+        </p:txBody>
+      </p:sp>
+      <p:sp>
+        <p:nvSpPr>
+          <p:cNvPr id="10" name="Title 2">
+            <a:extLst>
+              <a:ext uri="{FF2B5EF4-FFF2-40B4-BE49-F238E27FC236}">
+                <a16:creationId xmlns:a16="http://schemas.microsoft.com/office/drawing/2014/main" id="{A1D99145-96CA-A8AA-1F5B-E9A86E1AF436}"/>
+              </a:ext>
+            </a:extLst>
+          </p:cNvPr>
+          <p:cNvSpPr>
+            <a:spLocks noGrp="1"/>
+          </p:cNvSpPr>
+          <p:nvPr>
+            <p:ph type="title"/>
+          </p:nvPr>
+        </p:nvSpPr>
+        <p:spPr>
+          <a:xfrm>
+            <a:off x="7595102" y="1450734"/>
+            <a:ext cx="2303278" cy="549516"/>
+          </a:xfrm>
+        </p:spPr>
+        <p:txBody>
+          <a:bodyPr>
+            <a:noAutofit/>
+          </a:bodyPr>
+          <a:lstStyle/>
+          <a:p>
+            <a:pPr algn="r"/>
+            <a:r>
+              <a:rPr lang="en-GB" sz="3600" dirty="0">
+                <a:solidFill>
+                  <a:schemeClr val="tx1"/>
+                </a:solidFill>
+              </a:rPr>
+              <a:t>Design 1.1</a:t>
+            </a:r>
+          </a:p>
+        </p:txBody>
+      </p:sp>
+      <p:pic>
+        <p:nvPicPr>
+          <p:cNvPr id="2" name="Graphic 1" descr="Microscope outline">
+            <a:extLst>
+              <a:ext uri="{FF2B5EF4-FFF2-40B4-BE49-F238E27FC236}">
+                <a16:creationId xmlns:a16="http://schemas.microsoft.com/office/drawing/2014/main" id="{30362665-7733-838C-F9AA-A1DD8E0B13CD}"/>
+              </a:ext>
+            </a:extLst>
+          </p:cNvPr>
+          <p:cNvPicPr>
+            <a:picLocks noChangeAspect="1"/>
+          </p:cNvPicPr>
+          <p:nvPr/>
+        </p:nvPicPr>
+        <p:blipFill>
+          <a:blip r:embed="rId3">
+            <a:extLst>
+              <a:ext uri="{96DAC541-7B7A-43D3-8B79-37D633B846F1}">
+                <asvg:svgBlip xmlns:asvg="http://schemas.microsoft.com/office/drawing/2016/SVG/main" r:embed="rId4"/>
+              </a:ext>
+            </a:extLst>
+          </a:blip>
+          <a:stretch>
+            <a:fillRect/>
+          </a:stretch>
+        </p:blipFill>
+        <p:spPr>
+          <a:xfrm flipH="1">
+            <a:off x="8655823" y="2269040"/>
+            <a:ext cx="527944" cy="527944"/>
+          </a:xfrm>
+          <a:prstGeom prst="rect">
+            <a:avLst/>
+          </a:prstGeom>
+        </p:spPr>
+      </p:pic>
+    </p:spTree>
+    <p:extLst>
+      <p:ext uri="{BB962C8B-B14F-4D97-AF65-F5344CB8AC3E}">
+        <p14:creationId xmlns:p14="http://schemas.microsoft.com/office/powerpoint/2010/main" val="3816484964"/>
+      </p:ext>
+    </p:extLst>
+  </p:cSld>
+  <p:clrMapOvr>
+    <a:masterClrMapping/>
+  </p:clrMapOvr>
 </p:sld>
 </file>
 

--- a/Section_IV_BioComputing/COMSOL_3_pipes_w_100um_rectangular_tetrazine/CAD_design/figures/Designs.pptx
+++ b/Section_IV_BioComputing/COMSOL_3_pipes_w_100um_rectangular_tetrazine/CAD_design/figures/Designs.pptx
@@ -211,7 +211,7 @@
           <a:p>
             <a:fld id="{587CBFC6-A9BB-4E5E-87F9-DC306CACD92F}" type="datetimeFigureOut">
               <a:rPr lang="en-US" smtClean="0"/>
-              <a:t>9/27/2025</a:t>
+              <a:t>9/30/2025</a:t>
             </a:fld>
             <a:endParaRPr lang="en-US"/>
           </a:p>
@@ -841,7 +841,7 @@
           <a:p>
             <a:fld id="{9EFB2E82-6871-4A63-8FC6-B35E58246C01}" type="datetimeFigureOut">
               <a:rPr lang="en-US" smtClean="0"/>
-              <a:t>9/27/2025</a:t>
+              <a:t>9/30/2025</a:t>
             </a:fld>
             <a:endParaRPr lang="en-US"/>
           </a:p>
@@ -1039,7 +1039,7 @@
           <a:p>
             <a:fld id="{9EFB2E82-6871-4A63-8FC6-B35E58246C01}" type="datetimeFigureOut">
               <a:rPr lang="en-US" smtClean="0"/>
-              <a:t>9/27/2025</a:t>
+              <a:t>9/30/2025</a:t>
             </a:fld>
             <a:endParaRPr lang="en-US"/>
           </a:p>
@@ -1247,7 +1247,7 @@
           <a:p>
             <a:fld id="{9EFB2E82-6871-4A63-8FC6-B35E58246C01}" type="datetimeFigureOut">
               <a:rPr lang="en-US" smtClean="0"/>
-              <a:t>9/27/2025</a:t>
+              <a:t>9/30/2025</a:t>
             </a:fld>
             <a:endParaRPr lang="en-US"/>
           </a:p>
@@ -1691,7 +1691,7 @@
           <a:p>
             <a:fld id="{9EFB2E82-6871-4A63-8FC6-B35E58246C01}" type="datetimeFigureOut">
               <a:rPr lang="en-US" smtClean="0"/>
-              <a:t>9/27/2025</a:t>
+              <a:t>9/30/2025</a:t>
             </a:fld>
             <a:endParaRPr lang="en-US"/>
           </a:p>
@@ -1966,7 +1966,7 @@
           <a:p>
             <a:fld id="{9EFB2E82-6871-4A63-8FC6-B35E58246C01}" type="datetimeFigureOut">
               <a:rPr lang="en-US" smtClean="0"/>
-              <a:t>9/27/2025</a:t>
+              <a:t>9/30/2025</a:t>
             </a:fld>
             <a:endParaRPr lang="en-US"/>
           </a:p>
@@ -2231,7 +2231,7 @@
           <a:p>
             <a:fld id="{9EFB2E82-6871-4A63-8FC6-B35E58246C01}" type="datetimeFigureOut">
               <a:rPr lang="en-US" smtClean="0"/>
-              <a:t>9/27/2025</a:t>
+              <a:t>9/30/2025</a:t>
             </a:fld>
             <a:endParaRPr lang="en-US"/>
           </a:p>
@@ -2643,7 +2643,7 @@
           <a:p>
             <a:fld id="{9EFB2E82-6871-4A63-8FC6-B35E58246C01}" type="datetimeFigureOut">
               <a:rPr lang="en-US" smtClean="0"/>
-              <a:t>9/27/2025</a:t>
+              <a:t>9/30/2025</a:t>
             </a:fld>
             <a:endParaRPr lang="en-US"/>
           </a:p>
@@ -2784,7 +2784,7 @@
           <a:p>
             <a:fld id="{9EFB2E82-6871-4A63-8FC6-B35E58246C01}" type="datetimeFigureOut">
               <a:rPr lang="en-US" smtClean="0"/>
-              <a:t>9/27/2025</a:t>
+              <a:t>9/30/2025</a:t>
             </a:fld>
             <a:endParaRPr lang="en-US"/>
           </a:p>
@@ -2897,7 +2897,7 @@
           <a:p>
             <a:fld id="{9EFB2E82-6871-4A63-8FC6-B35E58246C01}" type="datetimeFigureOut">
               <a:rPr lang="en-US" smtClean="0"/>
-              <a:t>9/27/2025</a:t>
+              <a:t>9/30/2025</a:t>
             </a:fld>
             <a:endParaRPr lang="en-US"/>
           </a:p>
@@ -3208,7 +3208,7 @@
           <a:p>
             <a:fld id="{9EFB2E82-6871-4A63-8FC6-B35E58246C01}" type="datetimeFigureOut">
               <a:rPr lang="en-US" smtClean="0"/>
-              <a:t>9/27/2025</a:t>
+              <a:t>9/30/2025</a:t>
             </a:fld>
             <a:endParaRPr lang="en-US"/>
           </a:p>
@@ -3496,7 +3496,7 @@
           <a:p>
             <a:fld id="{9EFB2E82-6871-4A63-8FC6-B35E58246C01}" type="datetimeFigureOut">
               <a:rPr lang="en-US" smtClean="0"/>
-              <a:t>9/27/2025</a:t>
+              <a:t>9/30/2025</a:t>
             </a:fld>
             <a:endParaRPr lang="en-US"/>
           </a:p>
@@ -3737,7 +3737,7 @@
           <a:p>
             <a:fld id="{9EFB2E82-6871-4A63-8FC6-B35E58246C01}" type="datetimeFigureOut">
               <a:rPr lang="en-US" smtClean="0"/>
-              <a:t>9/27/2025</a:t>
+              <a:t>9/30/2025</a:t>
             </a:fld>
             <a:endParaRPr lang="en-US"/>
           </a:p>
@@ -8433,7 +8433,7 @@
             </p:nvSpPr>
             <p:spPr>
               <a:xfrm>
-                <a:off x="1478660" y="3887294"/>
+                <a:off x="1364875" y="3688994"/>
                 <a:ext cx="766877" cy="523220"/>
               </a:xfrm>
               <a:prstGeom prst="rect">
@@ -8510,7 +8510,7 @@
             </p:nvSpPr>
             <p:spPr>
               <a:xfrm>
-                <a:off x="1478660" y="3887294"/>
+                <a:off x="1364875" y="3688994"/>
                 <a:ext cx="766877" cy="523220"/>
               </a:xfrm>
               <a:prstGeom prst="rect">
@@ -8538,8 +8538,8 @@
           </p:sp>
         </mc:Fallback>
       </mc:AlternateContent>
-      <mc:AlternateContent xmlns:mc="http://schemas.openxmlformats.org/markup-compatibility/2006">
-        <mc:Choice xmlns:a14="http://schemas.microsoft.com/office/drawing/2010/main" Requires="a14">
+      <mc:AlternateContent xmlns:mc="http://schemas.openxmlformats.org/markup-compatibility/2006" xmlns:a14="http://schemas.microsoft.com/office/drawing/2010/main">
+        <mc:Choice Requires="a14">
           <p:sp>
             <p:nvSpPr>
               <p:cNvPr id="63" name="TextBox 62">
@@ -8614,7 +8614,7 @@
             </p:txBody>
           </p:sp>
         </mc:Choice>
-        <mc:Fallback>
+        <mc:Fallback xmlns="">
           <p:sp>
             <p:nvSpPr>
               <p:cNvPr id="63" name="TextBox 62">
@@ -8712,13 +8712,12 @@
           </p:cNvPr>
           <p:cNvCxnSpPr>
             <a:cxnSpLocks/>
-            <a:stCxn id="62" idx="0"/>
           </p:cNvCxnSpPr>
           <p:nvPr/>
         </p:nvCxnSpPr>
         <p:spPr>
           <a:xfrm flipV="1">
-            <a:off x="1862099" y="3574407"/>
+            <a:off x="1823768" y="3508129"/>
             <a:ext cx="331642" cy="312887"/>
           </a:xfrm>
           <a:prstGeom prst="straightConnector1">
@@ -8759,7 +8758,7 @@
             </p:nvSpPr>
             <p:spPr>
               <a:xfrm>
-                <a:off x="9430066" y="2246186"/>
+                <a:off x="9859284" y="2250695"/>
                 <a:ext cx="931986" cy="523220"/>
               </a:xfrm>
               <a:prstGeom prst="rect">
@@ -8836,7 +8835,7 @@
             </p:nvSpPr>
             <p:spPr>
               <a:xfrm>
-                <a:off x="9430066" y="2246186"/>
+                <a:off x="9859284" y="2250695"/>
                 <a:ext cx="931986" cy="523220"/>
               </a:xfrm>
               <a:prstGeom prst="rect">
@@ -8921,7 +8920,7 @@
             </p:nvSpPr>
             <p:spPr>
               <a:xfrm>
-                <a:off x="9842894" y="3920959"/>
+                <a:off x="10084344" y="3887294"/>
                 <a:ext cx="931986" cy="523220"/>
               </a:xfrm>
               <a:prstGeom prst="rect">
@@ -8998,7 +8997,7 @@
             </p:nvSpPr>
             <p:spPr>
               <a:xfrm>
-                <a:off x="9842894" y="3920959"/>
+                <a:off x="10084344" y="3887294"/>
                 <a:ext cx="931986" cy="523220"/>
               </a:xfrm>
               <a:prstGeom prst="rect">
@@ -9026,8 +9025,8 @@
           </p:sp>
         </mc:Fallback>
       </mc:AlternateContent>
-      <mc:AlternateContent xmlns:mc="http://schemas.openxmlformats.org/markup-compatibility/2006">
-        <mc:Choice xmlns:a14="http://schemas.microsoft.com/office/drawing/2010/main" Requires="a14">
+      <mc:AlternateContent xmlns:mc="http://schemas.openxmlformats.org/markup-compatibility/2006" xmlns:a14="http://schemas.microsoft.com/office/drawing/2010/main">
+        <mc:Choice Requires="a14">
           <p:sp>
             <p:nvSpPr>
               <p:cNvPr id="79" name="TextBox 78">
@@ -9108,7 +9107,7 @@
             </p:txBody>
           </p:sp>
         </mc:Choice>
-        <mc:Fallback>
+        <mc:Fallback xmlns="">
           <p:sp>
             <p:nvSpPr>
               <p:cNvPr id="79" name="TextBox 78">
@@ -9153,8 +9152,8 @@
           </p:sp>
         </mc:Fallback>
       </mc:AlternateContent>
-      <mc:AlternateContent xmlns:mc="http://schemas.openxmlformats.org/markup-compatibility/2006">
-        <mc:Choice xmlns:a14="http://schemas.microsoft.com/office/drawing/2010/main" Requires="a14">
+      <mc:AlternateContent xmlns:mc="http://schemas.openxmlformats.org/markup-compatibility/2006" xmlns:a14="http://schemas.microsoft.com/office/drawing/2010/main">
+        <mc:Choice Requires="a14">
           <p:sp>
             <p:nvSpPr>
               <p:cNvPr id="80" name="TextBox 79">
@@ -9229,7 +9228,7 @@
             </p:txBody>
           </p:sp>
         </mc:Choice>
-        <mc:Fallback>
+        <mc:Fallback xmlns="">
           <p:sp>
             <p:nvSpPr>
               <p:cNvPr id="80" name="TextBox 79">
@@ -9274,8 +9273,8 @@
           </p:sp>
         </mc:Fallback>
       </mc:AlternateContent>
-      <mc:AlternateContent xmlns:mc="http://schemas.openxmlformats.org/markup-compatibility/2006">
-        <mc:Choice xmlns:a14="http://schemas.microsoft.com/office/drawing/2010/main" Requires="a14">
+      <mc:AlternateContent xmlns:mc="http://schemas.openxmlformats.org/markup-compatibility/2006" xmlns:a14="http://schemas.microsoft.com/office/drawing/2010/main">
+        <mc:Choice Requires="a14">
           <p:sp>
             <p:nvSpPr>
               <p:cNvPr id="85" name="TextBox 84">
@@ -9350,7 +9349,7 @@
             </p:txBody>
           </p:sp>
         </mc:Choice>
-        <mc:Fallback>
+        <mc:Fallback xmlns="">
           <p:sp>
             <p:nvSpPr>
               <p:cNvPr id="85" name="TextBox 84">
@@ -9469,8 +9468,8 @@
             </a:p>
           </p:txBody>
         </p:sp>
-        <mc:AlternateContent xmlns:mc="http://schemas.openxmlformats.org/markup-compatibility/2006">
-          <mc:Choice xmlns:a14="http://schemas.microsoft.com/office/drawing/2010/main" Requires="a14">
+        <mc:AlternateContent xmlns:mc="http://schemas.openxmlformats.org/markup-compatibility/2006" xmlns:a14="http://schemas.microsoft.com/office/drawing/2010/main">
+          <mc:Choice Requires="a14">
             <p:sp>
               <p:nvSpPr>
                 <p:cNvPr id="88" name="TextBox 87">
@@ -9519,7 +9518,7 @@
               </p:txBody>
             </p:sp>
           </mc:Choice>
-          <mc:Fallback>
+          <mc:Fallback xmlns="">
             <p:sp>
               <p:nvSpPr>
                 <p:cNvPr id="88" name="TextBox 87">
@@ -9565,8 +9564,8 @@
           </mc:Fallback>
         </mc:AlternateContent>
       </p:grpSp>
-      <mc:AlternateContent xmlns:mc="http://schemas.openxmlformats.org/markup-compatibility/2006">
-        <mc:Choice xmlns:a14="http://schemas.microsoft.com/office/drawing/2010/main" Requires="a14">
+      <mc:AlternateContent xmlns:mc="http://schemas.openxmlformats.org/markup-compatibility/2006" xmlns:a14="http://schemas.microsoft.com/office/drawing/2010/main">
+        <mc:Choice Requires="a14">
           <p:sp>
             <p:nvSpPr>
               <p:cNvPr id="93" name="TextBox 92">
@@ -9641,7 +9640,7 @@
             </p:txBody>
           </p:sp>
         </mc:Choice>
-        <mc:Fallback>
+        <mc:Fallback xmlns="">
           <p:sp>
             <p:nvSpPr>
               <p:cNvPr id="93" name="TextBox 92">
@@ -9686,8 +9685,8 @@
           </p:sp>
         </mc:Fallback>
       </mc:AlternateContent>
-      <mc:AlternateContent xmlns:mc="http://schemas.openxmlformats.org/markup-compatibility/2006">
-        <mc:Choice xmlns:a14="http://schemas.microsoft.com/office/drawing/2010/main" Requires="a14">
+      <mc:AlternateContent xmlns:mc="http://schemas.openxmlformats.org/markup-compatibility/2006" xmlns:a14="http://schemas.microsoft.com/office/drawing/2010/main">
+        <mc:Choice Requires="a14">
           <p:sp>
             <p:nvSpPr>
               <p:cNvPr id="96" name="TextBox 95">
@@ -9762,7 +9761,7 @@
             </p:txBody>
           </p:sp>
         </mc:Choice>
-        <mc:Fallback>
+        <mc:Fallback xmlns="">
           <p:sp>
             <p:nvSpPr>
               <p:cNvPr id="96" name="TextBox 95">
@@ -10277,7 +10276,7 @@
         </p:nvGrpSpPr>
         <p:grpSpPr>
           <a:xfrm>
-            <a:off x="3388254" y="1605871"/>
+            <a:off x="4129280" y="1204017"/>
             <a:ext cx="1255894" cy="523220"/>
             <a:chOff x="5372824" y="4250468"/>
             <a:chExt cx="734184" cy="523220"/>
@@ -10603,8 +10602,8 @@
           </mc:Fallback>
         </mc:AlternateContent>
       </p:grpSp>
-      <mc:AlternateContent xmlns:mc="http://schemas.openxmlformats.org/markup-compatibility/2006">
-        <mc:Choice xmlns:a14="http://schemas.microsoft.com/office/drawing/2010/main" Requires="a14">
+      <mc:AlternateContent xmlns:mc="http://schemas.openxmlformats.org/markup-compatibility/2006" xmlns:a14="http://schemas.microsoft.com/office/drawing/2010/main">
+        <mc:Choice Requires="a14">
           <p:sp>
             <p:nvSpPr>
               <p:cNvPr id="130" name="TextBox 129">
@@ -10679,7 +10678,7 @@
             </p:txBody>
           </p:sp>
         </mc:Choice>
-        <mc:Fallback>
+        <mc:Fallback xmlns="">
           <p:sp>
             <p:nvSpPr>
               <p:cNvPr id="130" name="TextBox 129">
@@ -10724,8 +10723,8 @@
           </p:sp>
         </mc:Fallback>
       </mc:AlternateContent>
-      <mc:AlternateContent xmlns:mc="http://schemas.openxmlformats.org/markup-compatibility/2006">
-        <mc:Choice xmlns:a14="http://schemas.microsoft.com/office/drawing/2010/main" Requires="a14">
+      <mc:AlternateContent xmlns:mc="http://schemas.openxmlformats.org/markup-compatibility/2006" xmlns:a14="http://schemas.microsoft.com/office/drawing/2010/main">
+        <mc:Choice Requires="a14">
           <p:sp>
             <p:nvSpPr>
               <p:cNvPr id="131" name="TextBox 130">
@@ -10800,7 +10799,7 @@
             </p:txBody>
           </p:sp>
         </mc:Choice>
-        <mc:Fallback>
+        <mc:Fallback xmlns="">
           <p:sp>
             <p:nvSpPr>
               <p:cNvPr id="131" name="TextBox 130">
@@ -10902,8 +10901,8 @@
         </p:nvCxnSpPr>
         <p:spPr>
           <a:xfrm>
-            <a:off x="2620181" y="2448336"/>
-            <a:ext cx="17313" cy="612809"/>
+            <a:off x="2279520" y="2409968"/>
+            <a:ext cx="357974" cy="651177"/>
           </a:xfrm>
           <a:prstGeom prst="straightConnector1">
             <a:avLst/>
@@ -10984,7 +10983,7 @@
             </p:nvSpPr>
             <p:spPr>
               <a:xfrm>
-                <a:off x="2205837" y="1912318"/>
+                <a:off x="1748313" y="1867481"/>
                 <a:ext cx="931986" cy="523220"/>
               </a:xfrm>
               <a:prstGeom prst="rect">
@@ -11061,7 +11060,7 @@
             </p:nvSpPr>
             <p:spPr>
               <a:xfrm>
-                <a:off x="2205837" y="1912318"/>
+                <a:off x="1748313" y="1867481"/>
                 <a:ext cx="931986" cy="523220"/>
               </a:xfrm>
               <a:prstGeom prst="rect">
@@ -11089,8 +11088,8 @@
           </p:sp>
         </mc:Fallback>
       </mc:AlternateContent>
-      <mc:AlternateContent xmlns:mc="http://schemas.openxmlformats.org/markup-compatibility/2006">
-        <mc:Choice xmlns:a14="http://schemas.microsoft.com/office/drawing/2010/main" Requires="a14">
+      <mc:AlternateContent xmlns:mc="http://schemas.openxmlformats.org/markup-compatibility/2006" xmlns:a14="http://schemas.microsoft.com/office/drawing/2010/main">
+        <mc:Choice Requires="a14">
           <p:sp>
             <p:nvSpPr>
               <p:cNvPr id="147" name="TextBox 146">
@@ -11165,7 +11164,7 @@
             </p:txBody>
           </p:sp>
         </mc:Choice>
-        <mc:Fallback>
+        <mc:Fallback xmlns="">
           <p:sp>
             <p:nvSpPr>
               <p:cNvPr id="147" name="TextBox 146">
@@ -11210,8 +11209,8 @@
           </p:sp>
         </mc:Fallback>
       </mc:AlternateContent>
-      <mc:AlternateContent xmlns:mc="http://schemas.openxmlformats.org/markup-compatibility/2006">
-        <mc:Choice xmlns:a14="http://schemas.microsoft.com/office/drawing/2010/main" Requires="a14">
+      <mc:AlternateContent xmlns:mc="http://schemas.openxmlformats.org/markup-compatibility/2006" xmlns:a14="http://schemas.microsoft.com/office/drawing/2010/main">
+        <mc:Choice Requires="a14">
           <p:sp>
             <p:nvSpPr>
               <p:cNvPr id="151" name="TextBox 150">
@@ -11286,7 +11285,7 @@
             </p:txBody>
           </p:sp>
         </mc:Choice>
-        <mc:Fallback>
+        <mc:Fallback xmlns="">
           <p:sp>
             <p:nvSpPr>
               <p:cNvPr id="151" name="TextBox 150">
@@ -11388,8 +11387,8 @@
         </p:nvCxnSpPr>
         <p:spPr>
           <a:xfrm flipV="1">
-            <a:off x="2449513" y="3766309"/>
-            <a:ext cx="16924" cy="644205"/>
+            <a:off x="2083664" y="3664572"/>
+            <a:ext cx="315243" cy="675053"/>
           </a:xfrm>
           <a:prstGeom prst="straightConnector1">
             <a:avLst/>
@@ -11429,7 +11428,7 @@
             </p:nvSpPr>
             <p:spPr>
               <a:xfrm>
-                <a:off x="1968619" y="4499221"/>
+                <a:off x="1516785" y="4204670"/>
                 <a:ext cx="919162" cy="523220"/>
               </a:xfrm>
               <a:prstGeom prst="rect">
@@ -11506,7 +11505,7 @@
             </p:nvSpPr>
             <p:spPr>
               <a:xfrm>
-                <a:off x="1968619" y="4499221"/>
+                <a:off x="1516785" y="4204670"/>
                 <a:ext cx="919162" cy="523220"/>
               </a:xfrm>
               <a:prstGeom prst="rect">
@@ -11576,8 +11575,8 @@
           </a:fontRef>
         </p:style>
       </p:cxnSp>
-      <mc:AlternateContent xmlns:mc="http://schemas.openxmlformats.org/markup-compatibility/2006">
-        <mc:Choice xmlns:a14="http://schemas.microsoft.com/office/drawing/2010/main" Requires="a14">
+      <mc:AlternateContent xmlns:mc="http://schemas.openxmlformats.org/markup-compatibility/2006" xmlns:a14="http://schemas.microsoft.com/office/drawing/2010/main">
+        <mc:Choice Requires="a14">
           <p:sp>
             <p:nvSpPr>
               <p:cNvPr id="25" name="TextBox 24">
@@ -11652,7 +11651,7 @@
             </p:txBody>
           </p:sp>
         </mc:Choice>
-        <mc:Fallback>
+        <mc:Fallback xmlns="">
           <p:sp>
             <p:nvSpPr>
               <p:cNvPr id="25" name="TextBox 24">
@@ -11896,8 +11895,8 @@
           </a:fontRef>
         </p:style>
       </p:cxnSp>
-      <mc:AlternateContent xmlns:mc="http://schemas.openxmlformats.org/markup-compatibility/2006">
-        <mc:Choice xmlns:a14="http://schemas.microsoft.com/office/drawing/2010/main" Requires="a14">
+      <mc:AlternateContent xmlns:mc="http://schemas.openxmlformats.org/markup-compatibility/2006" xmlns:a14="http://schemas.microsoft.com/office/drawing/2010/main">
+        <mc:Choice Requires="a14">
           <p:sp>
             <p:nvSpPr>
               <p:cNvPr id="27" name="TextBox 26">
@@ -11972,7 +11971,7 @@
             </p:txBody>
           </p:sp>
         </mc:Choice>
-        <mc:Fallback>
+        <mc:Fallback xmlns="">
           <p:sp>
             <p:nvSpPr>
               <p:cNvPr id="27" name="TextBox 26">
@@ -12017,8 +12016,8 @@
           </p:sp>
         </mc:Fallback>
       </mc:AlternateContent>
-      <mc:AlternateContent xmlns:mc="http://schemas.openxmlformats.org/markup-compatibility/2006">
-        <mc:Choice xmlns:a14="http://schemas.microsoft.com/office/drawing/2010/main" Requires="a14">
+      <mc:AlternateContent xmlns:mc="http://schemas.openxmlformats.org/markup-compatibility/2006" xmlns:a14="http://schemas.microsoft.com/office/drawing/2010/main">
+        <mc:Choice Requires="a14">
           <p:sp>
             <p:nvSpPr>
               <p:cNvPr id="28" name="TextBox 27">
@@ -12093,7 +12092,7 @@
             </p:txBody>
           </p:sp>
         </mc:Choice>
-        <mc:Fallback>
+        <mc:Fallback xmlns="">
           <p:sp>
             <p:nvSpPr>
               <p:cNvPr id="28" name="TextBox 27">
@@ -12258,6 +12257,860 @@
           </a:fontRef>
         </p:style>
       </p:cxnSp>
+      <p:cxnSp>
+        <p:nvCxnSpPr>
+          <p:cNvPr id="2" name="Straight Connector 1">
+            <a:extLst>
+              <a:ext uri="{FF2B5EF4-FFF2-40B4-BE49-F238E27FC236}">
+                <a16:creationId xmlns:a16="http://schemas.microsoft.com/office/drawing/2014/main" id="{7AA9F0A9-16A4-EC27-7D74-9B3235F87DDF}"/>
+              </a:ext>
+            </a:extLst>
+          </p:cNvPr>
+          <p:cNvCxnSpPr>
+            <a:cxnSpLocks/>
+          </p:cNvCxnSpPr>
+          <p:nvPr/>
+        </p:nvCxnSpPr>
+        <p:spPr>
+          <a:xfrm>
+            <a:off x="3004152" y="2938276"/>
+            <a:ext cx="133671" cy="163624"/>
+          </a:xfrm>
+          <a:prstGeom prst="line">
+            <a:avLst/>
+          </a:prstGeom>
+          <a:ln>
+            <a:prstDash val="dash"/>
+          </a:ln>
+        </p:spPr>
+        <p:style>
+          <a:lnRef idx="2">
+            <a:schemeClr val="accent1"/>
+          </a:lnRef>
+          <a:fillRef idx="0">
+            <a:schemeClr val="accent1"/>
+          </a:fillRef>
+          <a:effectRef idx="1">
+            <a:schemeClr val="accent1"/>
+          </a:effectRef>
+          <a:fontRef idx="minor">
+            <a:schemeClr val="tx1"/>
+          </a:fontRef>
+        </p:style>
+      </p:cxnSp>
+      <p:cxnSp>
+        <p:nvCxnSpPr>
+          <p:cNvPr id="11" name="Straight Connector 10">
+            <a:extLst>
+              <a:ext uri="{FF2B5EF4-FFF2-40B4-BE49-F238E27FC236}">
+                <a16:creationId xmlns:a16="http://schemas.microsoft.com/office/drawing/2014/main" id="{1E3C87B6-95E6-960E-0046-CC78C1C4125A}"/>
+              </a:ext>
+            </a:extLst>
+          </p:cNvPr>
+          <p:cNvCxnSpPr>
+            <a:cxnSpLocks/>
+          </p:cNvCxnSpPr>
+          <p:nvPr/>
+        </p:nvCxnSpPr>
+        <p:spPr>
+          <a:xfrm>
+            <a:off x="9157987" y="3707169"/>
+            <a:ext cx="215567" cy="213790"/>
+          </a:xfrm>
+          <a:prstGeom prst="line">
+            <a:avLst/>
+          </a:prstGeom>
+          <a:ln>
+            <a:prstDash val="dash"/>
+          </a:ln>
+        </p:spPr>
+        <p:style>
+          <a:lnRef idx="2">
+            <a:schemeClr val="accent1"/>
+          </a:lnRef>
+          <a:fillRef idx="0">
+            <a:schemeClr val="accent1"/>
+          </a:fillRef>
+          <a:effectRef idx="1">
+            <a:schemeClr val="accent1"/>
+          </a:effectRef>
+          <a:fontRef idx="minor">
+            <a:schemeClr val="tx1"/>
+          </a:fontRef>
+        </p:style>
+      </p:cxnSp>
+      <p:cxnSp>
+        <p:nvCxnSpPr>
+          <p:cNvPr id="15" name="Straight Connector 14">
+            <a:extLst>
+              <a:ext uri="{FF2B5EF4-FFF2-40B4-BE49-F238E27FC236}">
+                <a16:creationId xmlns:a16="http://schemas.microsoft.com/office/drawing/2014/main" id="{2AFDD2D9-329A-0C26-547E-F1CCE978D33F}"/>
+              </a:ext>
+            </a:extLst>
+          </p:cNvPr>
+          <p:cNvCxnSpPr>
+            <a:cxnSpLocks/>
+          </p:cNvCxnSpPr>
+          <p:nvPr/>
+        </p:nvCxnSpPr>
+        <p:spPr>
+          <a:xfrm flipH="1">
+            <a:off x="2781394" y="3629659"/>
+            <a:ext cx="222758" cy="233954"/>
+          </a:xfrm>
+          <a:prstGeom prst="line">
+            <a:avLst/>
+          </a:prstGeom>
+          <a:ln>
+            <a:prstDash val="dash"/>
+          </a:ln>
+        </p:spPr>
+        <p:style>
+          <a:lnRef idx="2">
+            <a:schemeClr val="accent1"/>
+          </a:lnRef>
+          <a:fillRef idx="0">
+            <a:schemeClr val="accent1"/>
+          </a:fillRef>
+          <a:effectRef idx="1">
+            <a:schemeClr val="accent1"/>
+          </a:effectRef>
+          <a:fontRef idx="minor">
+            <a:schemeClr val="tx1"/>
+          </a:fontRef>
+        </p:style>
+      </p:cxnSp>
+      <p:cxnSp>
+        <p:nvCxnSpPr>
+          <p:cNvPr id="18" name="Straight Connector 17">
+            <a:extLst>
+              <a:ext uri="{FF2B5EF4-FFF2-40B4-BE49-F238E27FC236}">
+                <a16:creationId xmlns:a16="http://schemas.microsoft.com/office/drawing/2014/main" id="{7560128B-3100-0643-CB91-7CC06BD1A70C}"/>
+              </a:ext>
+            </a:extLst>
+          </p:cNvPr>
+          <p:cNvCxnSpPr>
+            <a:cxnSpLocks/>
+          </p:cNvCxnSpPr>
+          <p:nvPr/>
+        </p:nvCxnSpPr>
+        <p:spPr>
+          <a:xfrm flipH="1">
+            <a:off x="9140692" y="2940823"/>
+            <a:ext cx="193860" cy="179567"/>
+          </a:xfrm>
+          <a:prstGeom prst="line">
+            <a:avLst/>
+          </a:prstGeom>
+          <a:ln>
+            <a:prstDash val="dash"/>
+          </a:ln>
+        </p:spPr>
+        <p:style>
+          <a:lnRef idx="2">
+            <a:schemeClr val="accent1"/>
+          </a:lnRef>
+          <a:fillRef idx="0">
+            <a:schemeClr val="accent1"/>
+          </a:fillRef>
+          <a:effectRef idx="1">
+            <a:schemeClr val="accent1"/>
+          </a:effectRef>
+          <a:fontRef idx="minor">
+            <a:schemeClr val="tx1"/>
+          </a:fontRef>
+        </p:style>
+      </p:cxnSp>
+      <p:cxnSp>
+        <p:nvCxnSpPr>
+          <p:cNvPr id="26" name="Straight Arrow Connector 25">
+            <a:extLst>
+              <a:ext uri="{FF2B5EF4-FFF2-40B4-BE49-F238E27FC236}">
+                <a16:creationId xmlns:a16="http://schemas.microsoft.com/office/drawing/2014/main" id="{B17806E5-E6A4-2814-2267-864F0888D3CB}"/>
+              </a:ext>
+            </a:extLst>
+          </p:cNvPr>
+          <p:cNvCxnSpPr>
+            <a:cxnSpLocks/>
+          </p:cNvCxnSpPr>
+          <p:nvPr/>
+        </p:nvCxnSpPr>
+        <p:spPr>
+          <a:xfrm flipV="1">
+            <a:off x="2789502" y="3950604"/>
+            <a:ext cx="0" cy="777286"/>
+          </a:xfrm>
+          <a:prstGeom prst="straightConnector1">
+            <a:avLst/>
+          </a:prstGeom>
+          <a:ln>
+            <a:tailEnd type="triangle" w="lg" len="lg"/>
+          </a:ln>
+        </p:spPr>
+        <p:style>
+          <a:lnRef idx="2">
+            <a:schemeClr val="accent1"/>
+          </a:lnRef>
+          <a:fillRef idx="0">
+            <a:schemeClr val="accent1"/>
+          </a:fillRef>
+          <a:effectRef idx="1">
+            <a:schemeClr val="accent1"/>
+          </a:effectRef>
+          <a:fontRef idx="minor">
+            <a:schemeClr val="tx1"/>
+          </a:fontRef>
+        </p:style>
+      </p:cxnSp>
+      <p:cxnSp>
+        <p:nvCxnSpPr>
+          <p:cNvPr id="38" name="Straight Arrow Connector 37">
+            <a:extLst>
+              <a:ext uri="{FF2B5EF4-FFF2-40B4-BE49-F238E27FC236}">
+                <a16:creationId xmlns:a16="http://schemas.microsoft.com/office/drawing/2014/main" id="{C92211E0-78A5-2850-79FA-CDC4BCE90BF1}"/>
+              </a:ext>
+            </a:extLst>
+          </p:cNvPr>
+          <p:cNvCxnSpPr>
+            <a:cxnSpLocks/>
+          </p:cNvCxnSpPr>
+          <p:nvPr/>
+        </p:nvCxnSpPr>
+        <p:spPr>
+          <a:xfrm>
+            <a:off x="3004152" y="2067375"/>
+            <a:ext cx="0" cy="777286"/>
+          </a:xfrm>
+          <a:prstGeom prst="straightConnector1">
+            <a:avLst/>
+          </a:prstGeom>
+          <a:ln>
+            <a:tailEnd type="triangle" w="lg" len="lg"/>
+          </a:ln>
+        </p:spPr>
+        <p:style>
+          <a:lnRef idx="2">
+            <a:schemeClr val="accent1"/>
+          </a:lnRef>
+          <a:fillRef idx="0">
+            <a:schemeClr val="accent1"/>
+          </a:fillRef>
+          <a:effectRef idx="1">
+            <a:schemeClr val="accent1"/>
+          </a:effectRef>
+          <a:fontRef idx="minor">
+            <a:schemeClr val="tx1"/>
+          </a:fontRef>
+        </p:style>
+      </p:cxnSp>
+      <p:cxnSp>
+        <p:nvCxnSpPr>
+          <p:cNvPr id="39" name="Straight Arrow Connector 38">
+            <a:extLst>
+              <a:ext uri="{FF2B5EF4-FFF2-40B4-BE49-F238E27FC236}">
+                <a16:creationId xmlns:a16="http://schemas.microsoft.com/office/drawing/2014/main" id="{1587A580-1A57-D23F-B292-A84EB34731CD}"/>
+              </a:ext>
+            </a:extLst>
+          </p:cNvPr>
+          <p:cNvCxnSpPr>
+            <a:cxnSpLocks/>
+          </p:cNvCxnSpPr>
+          <p:nvPr/>
+        </p:nvCxnSpPr>
+        <p:spPr>
+          <a:xfrm>
+            <a:off x="9319279" y="2038943"/>
+            <a:ext cx="0" cy="777286"/>
+          </a:xfrm>
+          <a:prstGeom prst="straightConnector1">
+            <a:avLst/>
+          </a:prstGeom>
+          <a:ln>
+            <a:tailEnd type="triangle" w="lg" len="lg"/>
+          </a:ln>
+        </p:spPr>
+        <p:style>
+          <a:lnRef idx="2">
+            <a:schemeClr val="accent1"/>
+          </a:lnRef>
+          <a:fillRef idx="0">
+            <a:schemeClr val="accent1"/>
+          </a:fillRef>
+          <a:effectRef idx="1">
+            <a:schemeClr val="accent1"/>
+          </a:effectRef>
+          <a:fontRef idx="minor">
+            <a:schemeClr val="tx1"/>
+          </a:fontRef>
+        </p:style>
+      </p:cxnSp>
+      <p:cxnSp>
+        <p:nvCxnSpPr>
+          <p:cNvPr id="40" name="Straight Arrow Connector 39">
+            <a:extLst>
+              <a:ext uri="{FF2B5EF4-FFF2-40B4-BE49-F238E27FC236}">
+                <a16:creationId xmlns:a16="http://schemas.microsoft.com/office/drawing/2014/main" id="{A9FC1E7C-3E81-DD1E-153B-401534DB80F6}"/>
+              </a:ext>
+            </a:extLst>
+          </p:cNvPr>
+          <p:cNvCxnSpPr>
+            <a:cxnSpLocks/>
+          </p:cNvCxnSpPr>
+          <p:nvPr/>
+        </p:nvCxnSpPr>
+        <p:spPr>
+          <a:xfrm flipV="1">
+            <a:off x="9376429" y="4095130"/>
+            <a:ext cx="0" cy="777286"/>
+          </a:xfrm>
+          <a:prstGeom prst="straightConnector1">
+            <a:avLst/>
+          </a:prstGeom>
+          <a:ln>
+            <a:tailEnd type="triangle" w="lg" len="lg"/>
+          </a:ln>
+        </p:spPr>
+        <p:style>
+          <a:lnRef idx="2">
+            <a:schemeClr val="accent1"/>
+          </a:lnRef>
+          <a:fillRef idx="0">
+            <a:schemeClr val="accent1"/>
+          </a:fillRef>
+          <a:effectRef idx="1">
+            <a:schemeClr val="accent1"/>
+          </a:effectRef>
+          <a:fontRef idx="minor">
+            <a:schemeClr val="tx1"/>
+          </a:fontRef>
+        </p:style>
+      </p:cxnSp>
+      <mc:AlternateContent xmlns:mc="http://schemas.openxmlformats.org/markup-compatibility/2006">
+        <mc:Choice xmlns:a14="http://schemas.microsoft.com/office/drawing/2010/main" Requires="a14">
+          <p:sp>
+            <p:nvSpPr>
+              <p:cNvPr id="41" name="TextBox 40">
+                <a:extLst>
+                  <a:ext uri="{FF2B5EF4-FFF2-40B4-BE49-F238E27FC236}">
+                    <a16:creationId xmlns:a16="http://schemas.microsoft.com/office/drawing/2014/main" id="{AD169F5D-0AF7-2272-ACF9-D2DBE8E7EB28}"/>
+                  </a:ext>
+                </a:extLst>
+              </p:cNvPr>
+              <p:cNvSpPr txBox="1"/>
+              <p:nvPr/>
+            </p:nvSpPr>
+            <p:spPr>
+              <a:xfrm>
+                <a:off x="9040967" y="1394547"/>
+                <a:ext cx="1084271" cy="523220"/>
+              </a:xfrm>
+              <a:prstGeom prst="rect">
+                <a:avLst/>
+              </a:prstGeom>
+              <a:noFill/>
+            </p:spPr>
+            <p:txBody>
+              <a:bodyPr wrap="none" rtlCol="0">
+                <a:spAutoFit/>
+              </a:bodyPr>
+              <a:lstStyle/>
+              <a:p>
+                <a:pPr/>
+                <a14:m>
+                  <m:oMathPara xmlns:m="http://schemas.openxmlformats.org/officeDocument/2006/math">
+                    <m:oMathParaPr>
+                      <m:jc m:val="centerGroup"/>
+                    </m:oMathParaPr>
+                    <m:oMath xmlns:m="http://schemas.openxmlformats.org/officeDocument/2006/math">
+                      <m:sSub>
+                        <m:sSubPr>
+                          <m:ctrlPr>
+                            <a:rPr lang="en-US" sz="2800" i="1" smtClean="0">
+                              <a:latin typeface="Cambria Math" panose="02040503050406030204" pitchFamily="18" charset="0"/>
+                            </a:rPr>
+                          </m:ctrlPr>
+                        </m:sSubPr>
+                        <m:e>
+                          <m:r>
+                            <a:rPr lang="en-US" sz="2800" b="0" i="1" smtClean="0">
+                              <a:latin typeface="Cambria Math" panose="02040503050406030204" pitchFamily="18" charset="0"/>
+                            </a:rPr>
+                            <m:t>𝑃</m:t>
+                          </m:r>
+                        </m:e>
+                        <m:sub>
+                          <m:r>
+                            <a:rPr lang="en-US" sz="2800" b="0" i="1" smtClean="0">
+                              <a:latin typeface="Cambria Math" panose="02040503050406030204" pitchFamily="18" charset="0"/>
+                            </a:rPr>
+                            <m:t>𝑢</m:t>
+                          </m:r>
+                          <m:r>
+                            <a:rPr lang="de-DE" sz="2800" b="0" i="1" smtClean="0">
+                              <a:latin typeface="Cambria Math" panose="02040503050406030204" pitchFamily="18" charset="0"/>
+                            </a:rPr>
+                            <m:t>22</m:t>
+                          </m:r>
+                          <m:r>
+                            <a:rPr lang="en-US" sz="2800" b="0" i="1" smtClean="0">
+                              <a:latin typeface="Cambria Math" panose="02040503050406030204" pitchFamily="18" charset="0"/>
+                            </a:rPr>
+                            <m:t>2</m:t>
+                          </m:r>
+                        </m:sub>
+                      </m:sSub>
+                    </m:oMath>
+                  </m:oMathPara>
+                </a14:m>
+                <a:endParaRPr lang="en-US" sz="2800" dirty="0"/>
+              </a:p>
+            </p:txBody>
+          </p:sp>
+        </mc:Choice>
+        <mc:Fallback>
+          <p:sp>
+            <p:nvSpPr>
+              <p:cNvPr id="41" name="TextBox 40">
+                <a:extLst>
+                  <a:ext uri="{FF2B5EF4-FFF2-40B4-BE49-F238E27FC236}">
+                    <a16:creationId xmlns:a16="http://schemas.microsoft.com/office/drawing/2014/main" id="{AD169F5D-0AF7-2272-ACF9-D2DBE8E7EB28}"/>
+                  </a:ext>
+                </a:extLst>
+              </p:cNvPr>
+              <p:cNvSpPr txBox="1">
+                <a:spLocks noRot="1" noChangeAspect="1" noMove="1" noResize="1" noEditPoints="1" noAdjustHandles="1" noChangeArrowheads="1" noChangeShapeType="1" noTextEdit="1"/>
+              </p:cNvSpPr>
+              <p:nvPr/>
+            </p:nvSpPr>
+            <p:spPr>
+              <a:xfrm>
+                <a:off x="9040967" y="1394547"/>
+                <a:ext cx="1084271" cy="523220"/>
+              </a:xfrm>
+              <a:prstGeom prst="rect">
+                <a:avLst/>
+              </a:prstGeom>
+              <a:blipFill>
+                <a:blip r:embed="rId24"/>
+                <a:stretch>
+                  <a:fillRect/>
+                </a:stretch>
+              </a:blipFill>
+            </p:spPr>
+            <p:txBody>
+              <a:bodyPr/>
+              <a:lstStyle/>
+              <a:p>
+                <a:r>
+                  <a:rPr lang="en-US">
+                    <a:noFill/>
+                  </a:rPr>
+                  <a:t> </a:t>
+                </a:r>
+              </a:p>
+            </p:txBody>
+          </p:sp>
+        </mc:Fallback>
+      </mc:AlternateContent>
+      <mc:AlternateContent xmlns:mc="http://schemas.openxmlformats.org/markup-compatibility/2006">
+        <mc:Choice xmlns:a14="http://schemas.microsoft.com/office/drawing/2010/main" Requires="a14">
+          <p:sp>
+            <p:nvSpPr>
+              <p:cNvPr id="44" name="TextBox 43">
+                <a:extLst>
+                  <a:ext uri="{FF2B5EF4-FFF2-40B4-BE49-F238E27FC236}">
+                    <a16:creationId xmlns:a16="http://schemas.microsoft.com/office/drawing/2014/main" id="{F4B044D8-48E4-4D8B-00B5-F19117B7645B}"/>
+                  </a:ext>
+                </a:extLst>
+              </p:cNvPr>
+              <p:cNvSpPr txBox="1"/>
+              <p:nvPr/>
+            </p:nvSpPr>
+            <p:spPr>
+              <a:xfrm>
+                <a:off x="8959155" y="4891419"/>
+                <a:ext cx="1084271" cy="523220"/>
+              </a:xfrm>
+              <a:prstGeom prst="rect">
+                <a:avLst/>
+              </a:prstGeom>
+              <a:noFill/>
+            </p:spPr>
+            <p:txBody>
+              <a:bodyPr wrap="none" rtlCol="0">
+                <a:spAutoFit/>
+              </a:bodyPr>
+              <a:lstStyle/>
+              <a:p>
+                <a:pPr/>
+                <a14:m>
+                  <m:oMathPara xmlns:m="http://schemas.openxmlformats.org/officeDocument/2006/math">
+                    <m:oMathParaPr>
+                      <m:jc m:val="centerGroup"/>
+                    </m:oMathParaPr>
+                    <m:oMath xmlns:m="http://schemas.openxmlformats.org/officeDocument/2006/math">
+                      <m:sSub>
+                        <m:sSubPr>
+                          <m:ctrlPr>
+                            <a:rPr lang="en-US" sz="2800" i="1" smtClean="0">
+                              <a:latin typeface="Cambria Math" panose="02040503050406030204" pitchFamily="18" charset="0"/>
+                            </a:rPr>
+                          </m:ctrlPr>
+                        </m:sSubPr>
+                        <m:e>
+                          <m:r>
+                            <a:rPr lang="en-US" sz="2800" b="0" i="1" smtClean="0">
+                              <a:latin typeface="Cambria Math" panose="02040503050406030204" pitchFamily="18" charset="0"/>
+                            </a:rPr>
+                            <m:t>𝑃</m:t>
+                          </m:r>
+                        </m:e>
+                        <m:sub>
+                          <m:r>
+                            <a:rPr lang="en-US" sz="2800" b="0" i="1" smtClean="0">
+                              <a:latin typeface="Cambria Math" panose="02040503050406030204" pitchFamily="18" charset="0"/>
+                            </a:rPr>
+                            <m:t>𝑢</m:t>
+                          </m:r>
+                          <m:r>
+                            <a:rPr lang="en-US" sz="2800" b="0" i="1" smtClean="0">
+                              <a:latin typeface="Cambria Math" panose="02040503050406030204" pitchFamily="18" charset="0"/>
+                            </a:rPr>
+                            <m:t>3</m:t>
+                          </m:r>
+                          <m:r>
+                            <a:rPr lang="de-DE" sz="2800" b="0" i="1" smtClean="0">
+                              <a:latin typeface="Cambria Math" panose="02040503050406030204" pitchFamily="18" charset="0"/>
+                            </a:rPr>
+                            <m:t>2</m:t>
+                          </m:r>
+                          <m:r>
+                            <a:rPr lang="en-US" sz="2800" b="0" i="1" smtClean="0">
+                              <a:latin typeface="Cambria Math" panose="02040503050406030204" pitchFamily="18" charset="0"/>
+                            </a:rPr>
+                            <m:t>2</m:t>
+                          </m:r>
+                        </m:sub>
+                      </m:sSub>
+                    </m:oMath>
+                  </m:oMathPara>
+                </a14:m>
+                <a:endParaRPr lang="en-US" sz="2800" dirty="0"/>
+              </a:p>
+            </p:txBody>
+          </p:sp>
+        </mc:Choice>
+        <mc:Fallback>
+          <p:sp>
+            <p:nvSpPr>
+              <p:cNvPr id="44" name="TextBox 43">
+                <a:extLst>
+                  <a:ext uri="{FF2B5EF4-FFF2-40B4-BE49-F238E27FC236}">
+                    <a16:creationId xmlns:a16="http://schemas.microsoft.com/office/drawing/2014/main" id="{F4B044D8-48E4-4D8B-00B5-F19117B7645B}"/>
+                  </a:ext>
+                </a:extLst>
+              </p:cNvPr>
+              <p:cNvSpPr txBox="1">
+                <a:spLocks noRot="1" noChangeAspect="1" noMove="1" noResize="1" noEditPoints="1" noAdjustHandles="1" noChangeArrowheads="1" noChangeShapeType="1" noTextEdit="1"/>
+              </p:cNvSpPr>
+              <p:nvPr/>
+            </p:nvSpPr>
+            <p:spPr>
+              <a:xfrm>
+                <a:off x="8959155" y="4891419"/>
+                <a:ext cx="1084271" cy="523220"/>
+              </a:xfrm>
+              <a:prstGeom prst="rect">
+                <a:avLst/>
+              </a:prstGeom>
+              <a:blipFill>
+                <a:blip r:embed="rId25"/>
+                <a:stretch>
+                  <a:fillRect/>
+                </a:stretch>
+              </a:blipFill>
+            </p:spPr>
+            <p:txBody>
+              <a:bodyPr/>
+              <a:lstStyle/>
+              <a:p>
+                <a:r>
+                  <a:rPr lang="en-US">
+                    <a:noFill/>
+                  </a:rPr>
+                  <a:t> </a:t>
+                </a:r>
+              </a:p>
+            </p:txBody>
+          </p:sp>
+        </mc:Fallback>
+      </mc:AlternateContent>
+      <mc:AlternateContent xmlns:mc="http://schemas.openxmlformats.org/markup-compatibility/2006">
+        <mc:Choice xmlns:a14="http://schemas.microsoft.com/office/drawing/2010/main" Requires="a14">
+          <p:sp>
+            <p:nvSpPr>
+              <p:cNvPr id="45" name="TextBox 44">
+                <a:extLst>
+                  <a:ext uri="{FF2B5EF4-FFF2-40B4-BE49-F238E27FC236}">
+                    <a16:creationId xmlns:a16="http://schemas.microsoft.com/office/drawing/2014/main" id="{1A808E01-9F12-30EA-EBD0-44D0FB49108E}"/>
+                  </a:ext>
+                </a:extLst>
+              </p:cNvPr>
+              <p:cNvSpPr txBox="1"/>
+              <p:nvPr/>
+            </p:nvSpPr>
+            <p:spPr>
+              <a:xfrm>
+                <a:off x="2604994" y="1383691"/>
+                <a:ext cx="1084271" cy="523220"/>
+              </a:xfrm>
+              <a:prstGeom prst="rect">
+                <a:avLst/>
+              </a:prstGeom>
+              <a:noFill/>
+            </p:spPr>
+            <p:txBody>
+              <a:bodyPr wrap="none" rtlCol="0">
+                <a:spAutoFit/>
+              </a:bodyPr>
+              <a:lstStyle/>
+              <a:p>
+                <a:pPr/>
+                <a14:m>
+                  <m:oMathPara xmlns:m="http://schemas.openxmlformats.org/officeDocument/2006/math">
+                    <m:oMathParaPr>
+                      <m:jc m:val="centerGroup"/>
+                    </m:oMathParaPr>
+                    <m:oMath xmlns:m="http://schemas.openxmlformats.org/officeDocument/2006/math">
+                      <m:sSub>
+                        <m:sSubPr>
+                          <m:ctrlPr>
+                            <a:rPr lang="en-US" sz="2800" i="1" smtClean="0">
+                              <a:latin typeface="Cambria Math" panose="02040503050406030204" pitchFamily="18" charset="0"/>
+                            </a:rPr>
+                          </m:ctrlPr>
+                        </m:sSubPr>
+                        <m:e>
+                          <m:r>
+                            <a:rPr lang="en-US" sz="2800" b="0" i="1" smtClean="0">
+                              <a:latin typeface="Cambria Math" panose="02040503050406030204" pitchFamily="18" charset="0"/>
+                            </a:rPr>
+                            <m:t>𝑃</m:t>
+                          </m:r>
+                        </m:e>
+                        <m:sub>
+                          <m:r>
+                            <a:rPr lang="en-US" sz="2800" b="0" i="1" smtClean="0">
+                              <a:latin typeface="Cambria Math" panose="02040503050406030204" pitchFamily="18" charset="0"/>
+                            </a:rPr>
+                            <m:t>𝑢</m:t>
+                          </m:r>
+                          <m:r>
+                            <a:rPr lang="en-US" sz="2800" b="0" i="1" smtClean="0">
+                              <a:latin typeface="Cambria Math" panose="02040503050406030204" pitchFamily="18" charset="0"/>
+                            </a:rPr>
+                            <m:t>2</m:t>
+                          </m:r>
+                          <m:r>
+                            <a:rPr lang="en-US" sz="2800" b="0" i="1" smtClean="0">
+                              <a:latin typeface="Cambria Math" panose="02040503050406030204" pitchFamily="18" charset="0"/>
+                            </a:rPr>
+                            <m:t>1</m:t>
+                          </m:r>
+                          <m:r>
+                            <a:rPr lang="en-US" sz="2800" b="0" i="1" smtClean="0">
+                              <a:latin typeface="Cambria Math" panose="02040503050406030204" pitchFamily="18" charset="0"/>
+                            </a:rPr>
+                            <m:t>0</m:t>
+                          </m:r>
+                        </m:sub>
+                      </m:sSub>
+                    </m:oMath>
+                  </m:oMathPara>
+                </a14:m>
+                <a:endParaRPr lang="en-US" sz="2800" dirty="0"/>
+              </a:p>
+            </p:txBody>
+          </p:sp>
+        </mc:Choice>
+        <mc:Fallback>
+          <p:sp>
+            <p:nvSpPr>
+              <p:cNvPr id="45" name="TextBox 44">
+                <a:extLst>
+                  <a:ext uri="{FF2B5EF4-FFF2-40B4-BE49-F238E27FC236}">
+                    <a16:creationId xmlns:a16="http://schemas.microsoft.com/office/drawing/2014/main" id="{1A808E01-9F12-30EA-EBD0-44D0FB49108E}"/>
+                  </a:ext>
+                </a:extLst>
+              </p:cNvPr>
+              <p:cNvSpPr txBox="1">
+                <a:spLocks noRot="1" noChangeAspect="1" noMove="1" noResize="1" noEditPoints="1" noAdjustHandles="1" noChangeArrowheads="1" noChangeShapeType="1" noTextEdit="1"/>
+              </p:cNvSpPr>
+              <p:nvPr/>
+            </p:nvSpPr>
+            <p:spPr>
+              <a:xfrm>
+                <a:off x="2604994" y="1383691"/>
+                <a:ext cx="1084271" cy="523220"/>
+              </a:xfrm>
+              <a:prstGeom prst="rect">
+                <a:avLst/>
+              </a:prstGeom>
+              <a:blipFill>
+                <a:blip r:embed="rId26"/>
+                <a:stretch>
+                  <a:fillRect/>
+                </a:stretch>
+              </a:blipFill>
+            </p:spPr>
+            <p:txBody>
+              <a:bodyPr/>
+              <a:lstStyle/>
+              <a:p>
+                <a:r>
+                  <a:rPr lang="en-US">
+                    <a:noFill/>
+                  </a:rPr>
+                  <a:t> </a:t>
+                </a:r>
+              </a:p>
+            </p:txBody>
+          </p:sp>
+        </mc:Fallback>
+      </mc:AlternateContent>
+      <mc:AlternateContent xmlns:mc="http://schemas.openxmlformats.org/markup-compatibility/2006">
+        <mc:Choice xmlns:a14="http://schemas.microsoft.com/office/drawing/2010/main" Requires="a14">
+          <p:sp>
+            <p:nvSpPr>
+              <p:cNvPr id="46" name="TextBox 45">
+                <a:extLst>
+                  <a:ext uri="{FF2B5EF4-FFF2-40B4-BE49-F238E27FC236}">
+                    <a16:creationId xmlns:a16="http://schemas.microsoft.com/office/drawing/2014/main" id="{7252355C-F0D5-FC88-03EE-BD707462D05D}"/>
+                  </a:ext>
+                </a:extLst>
+              </p:cNvPr>
+              <p:cNvSpPr txBox="1"/>
+              <p:nvPr/>
+            </p:nvSpPr>
+            <p:spPr>
+              <a:xfrm>
+                <a:off x="2433383" y="4701596"/>
+                <a:ext cx="1084271" cy="523220"/>
+              </a:xfrm>
+              <a:prstGeom prst="rect">
+                <a:avLst/>
+              </a:prstGeom>
+              <a:noFill/>
+            </p:spPr>
+            <p:txBody>
+              <a:bodyPr wrap="none" rtlCol="0">
+                <a:spAutoFit/>
+              </a:bodyPr>
+              <a:lstStyle/>
+              <a:p>
+                <a:pPr/>
+                <a14:m>
+                  <m:oMathPara xmlns:m="http://schemas.openxmlformats.org/officeDocument/2006/math">
+                    <m:oMathParaPr>
+                      <m:jc m:val="centerGroup"/>
+                    </m:oMathParaPr>
+                    <m:oMath xmlns:m="http://schemas.openxmlformats.org/officeDocument/2006/math">
+                      <m:sSub>
+                        <m:sSubPr>
+                          <m:ctrlPr>
+                            <a:rPr lang="en-US" sz="2800" i="1" smtClean="0">
+                              <a:latin typeface="Cambria Math" panose="02040503050406030204" pitchFamily="18" charset="0"/>
+                            </a:rPr>
+                          </m:ctrlPr>
+                        </m:sSubPr>
+                        <m:e>
+                          <m:r>
+                            <a:rPr lang="en-US" sz="2800" b="0" i="1" smtClean="0">
+                              <a:latin typeface="Cambria Math" panose="02040503050406030204" pitchFamily="18" charset="0"/>
+                            </a:rPr>
+                            <m:t>𝑃</m:t>
+                          </m:r>
+                        </m:e>
+                        <m:sub>
+                          <m:r>
+                            <a:rPr lang="en-US" sz="2800" b="0" i="1" smtClean="0">
+                              <a:latin typeface="Cambria Math" panose="02040503050406030204" pitchFamily="18" charset="0"/>
+                            </a:rPr>
+                            <m:t>𝑢</m:t>
+                          </m:r>
+                          <m:r>
+                            <a:rPr lang="en-US" sz="2800" b="0" i="1" smtClean="0">
+                              <a:latin typeface="Cambria Math" panose="02040503050406030204" pitchFamily="18" charset="0"/>
+                            </a:rPr>
+                            <m:t>3</m:t>
+                          </m:r>
+                          <m:r>
+                            <a:rPr lang="en-US" sz="2800" b="0" i="1" smtClean="0">
+                              <a:latin typeface="Cambria Math" panose="02040503050406030204" pitchFamily="18" charset="0"/>
+                            </a:rPr>
+                            <m:t>1</m:t>
+                          </m:r>
+                          <m:r>
+                            <a:rPr lang="en-US" sz="2800" b="0" i="1" smtClean="0">
+                              <a:latin typeface="Cambria Math" panose="02040503050406030204" pitchFamily="18" charset="0"/>
+                            </a:rPr>
+                            <m:t>0</m:t>
+                          </m:r>
+                        </m:sub>
+                      </m:sSub>
+                    </m:oMath>
+                  </m:oMathPara>
+                </a14:m>
+                <a:endParaRPr lang="en-US" sz="2800" dirty="0"/>
+              </a:p>
+            </p:txBody>
+          </p:sp>
+        </mc:Choice>
+        <mc:Fallback>
+          <p:sp>
+            <p:nvSpPr>
+              <p:cNvPr id="46" name="TextBox 45">
+                <a:extLst>
+                  <a:ext uri="{FF2B5EF4-FFF2-40B4-BE49-F238E27FC236}">
+                    <a16:creationId xmlns:a16="http://schemas.microsoft.com/office/drawing/2014/main" id="{7252355C-F0D5-FC88-03EE-BD707462D05D}"/>
+                  </a:ext>
+                </a:extLst>
+              </p:cNvPr>
+              <p:cNvSpPr txBox="1">
+                <a:spLocks noRot="1" noChangeAspect="1" noMove="1" noResize="1" noEditPoints="1" noAdjustHandles="1" noChangeArrowheads="1" noChangeShapeType="1" noTextEdit="1"/>
+              </p:cNvSpPr>
+              <p:nvPr/>
+            </p:nvSpPr>
+            <p:spPr>
+              <a:xfrm>
+                <a:off x="2433383" y="4701596"/>
+                <a:ext cx="1084271" cy="523220"/>
+              </a:xfrm>
+              <a:prstGeom prst="rect">
+                <a:avLst/>
+              </a:prstGeom>
+              <a:blipFill>
+                <a:blip r:embed="rId27"/>
+                <a:stretch>
+                  <a:fillRect/>
+                </a:stretch>
+              </a:blipFill>
+            </p:spPr>
+            <p:txBody>
+              <a:bodyPr/>
+              <a:lstStyle/>
+              <a:p>
+                <a:r>
+                  <a:rPr lang="en-US">
+                    <a:noFill/>
+                  </a:rPr>
+                  <a:t> </a:t>
+                </a:r>
+              </a:p>
+            </p:txBody>
+          </p:sp>
+        </mc:Fallback>
+      </mc:AlternateContent>
     </p:spTree>
     <p:extLst>
       <p:ext uri="{BB962C8B-B14F-4D97-AF65-F5344CB8AC3E}">

--- a/Section_IV_BioComputing/COMSOL_3_pipes_w_100um_rectangular_tetrazine/CAD_design/figures/Designs.pptx
+++ b/Section_IV_BioComputing/COMSOL_3_pipes_w_100um_rectangular_tetrazine/CAD_design/figures/Designs.pptx
@@ -211,7 +211,7 @@
           <a:p>
             <a:fld id="{587CBFC6-A9BB-4E5E-87F9-DC306CACD92F}" type="datetimeFigureOut">
               <a:rPr lang="en-US" smtClean="0"/>
-              <a:t>9/30/2025</a:t>
+              <a:t>10/1/2025</a:t>
             </a:fld>
             <a:endParaRPr lang="en-US"/>
           </a:p>
@@ -841,7 +841,7 @@
           <a:p>
             <a:fld id="{9EFB2E82-6871-4A63-8FC6-B35E58246C01}" type="datetimeFigureOut">
               <a:rPr lang="en-US" smtClean="0"/>
-              <a:t>9/30/2025</a:t>
+              <a:t>10/1/2025</a:t>
             </a:fld>
             <a:endParaRPr lang="en-US"/>
           </a:p>
@@ -1039,7 +1039,7 @@
           <a:p>
             <a:fld id="{9EFB2E82-6871-4A63-8FC6-B35E58246C01}" type="datetimeFigureOut">
               <a:rPr lang="en-US" smtClean="0"/>
-              <a:t>9/30/2025</a:t>
+              <a:t>10/1/2025</a:t>
             </a:fld>
             <a:endParaRPr lang="en-US"/>
           </a:p>
@@ -1247,7 +1247,7 @@
           <a:p>
             <a:fld id="{9EFB2E82-6871-4A63-8FC6-B35E58246C01}" type="datetimeFigureOut">
               <a:rPr lang="en-US" smtClean="0"/>
-              <a:t>9/30/2025</a:t>
+              <a:t>10/1/2025</a:t>
             </a:fld>
             <a:endParaRPr lang="en-US"/>
           </a:p>
@@ -1691,7 +1691,7 @@
           <a:p>
             <a:fld id="{9EFB2E82-6871-4A63-8FC6-B35E58246C01}" type="datetimeFigureOut">
               <a:rPr lang="en-US" smtClean="0"/>
-              <a:t>9/30/2025</a:t>
+              <a:t>10/1/2025</a:t>
             </a:fld>
             <a:endParaRPr lang="en-US"/>
           </a:p>
@@ -1966,7 +1966,7 @@
           <a:p>
             <a:fld id="{9EFB2E82-6871-4A63-8FC6-B35E58246C01}" type="datetimeFigureOut">
               <a:rPr lang="en-US" smtClean="0"/>
-              <a:t>9/30/2025</a:t>
+              <a:t>10/1/2025</a:t>
             </a:fld>
             <a:endParaRPr lang="en-US"/>
           </a:p>
@@ -2231,7 +2231,7 @@
           <a:p>
             <a:fld id="{9EFB2E82-6871-4A63-8FC6-B35E58246C01}" type="datetimeFigureOut">
               <a:rPr lang="en-US" smtClean="0"/>
-              <a:t>9/30/2025</a:t>
+              <a:t>10/1/2025</a:t>
             </a:fld>
             <a:endParaRPr lang="en-US"/>
           </a:p>
@@ -2643,7 +2643,7 @@
           <a:p>
             <a:fld id="{9EFB2E82-6871-4A63-8FC6-B35E58246C01}" type="datetimeFigureOut">
               <a:rPr lang="en-US" smtClean="0"/>
-              <a:t>9/30/2025</a:t>
+              <a:t>10/1/2025</a:t>
             </a:fld>
             <a:endParaRPr lang="en-US"/>
           </a:p>
@@ -2784,7 +2784,7 @@
           <a:p>
             <a:fld id="{9EFB2E82-6871-4A63-8FC6-B35E58246C01}" type="datetimeFigureOut">
               <a:rPr lang="en-US" smtClean="0"/>
-              <a:t>9/30/2025</a:t>
+              <a:t>10/1/2025</a:t>
             </a:fld>
             <a:endParaRPr lang="en-US"/>
           </a:p>
@@ -2897,7 +2897,7 @@
           <a:p>
             <a:fld id="{9EFB2E82-6871-4A63-8FC6-B35E58246C01}" type="datetimeFigureOut">
               <a:rPr lang="en-US" smtClean="0"/>
-              <a:t>9/30/2025</a:t>
+              <a:t>10/1/2025</a:t>
             </a:fld>
             <a:endParaRPr lang="en-US"/>
           </a:p>
@@ -3208,7 +3208,7 @@
           <a:p>
             <a:fld id="{9EFB2E82-6871-4A63-8FC6-B35E58246C01}" type="datetimeFigureOut">
               <a:rPr lang="en-US" smtClean="0"/>
-              <a:t>9/30/2025</a:t>
+              <a:t>10/1/2025</a:t>
             </a:fld>
             <a:endParaRPr lang="en-US"/>
           </a:p>
@@ -3496,7 +3496,7 @@
           <a:p>
             <a:fld id="{9EFB2E82-6871-4A63-8FC6-B35E58246C01}" type="datetimeFigureOut">
               <a:rPr lang="en-US" smtClean="0"/>
-              <a:t>9/30/2025</a:t>
+              <a:t>10/1/2025</a:t>
             </a:fld>
             <a:endParaRPr lang="en-US"/>
           </a:p>
@@ -3737,7 +3737,7 @@
           <a:p>
             <a:fld id="{9EFB2E82-6871-4A63-8FC6-B35E58246C01}" type="datetimeFigureOut">
               <a:rPr lang="en-US" smtClean="0"/>
-              <a:t>9/30/2025</a:t>
+              <a:t>10/1/2025</a:t>
             </a:fld>
             <a:endParaRPr lang="en-US"/>
           </a:p>
@@ -8417,8 +8417,8 @@
           </a:p>
         </p:txBody>
       </p:sp>
-      <mc:AlternateContent xmlns:mc="http://schemas.openxmlformats.org/markup-compatibility/2006">
-        <mc:Choice xmlns:a14="http://schemas.microsoft.com/office/drawing/2010/main" Requires="a14">
+      <mc:AlternateContent xmlns:mc="http://schemas.openxmlformats.org/markup-compatibility/2006" xmlns:a14="http://schemas.microsoft.com/office/drawing/2010/main">
+        <mc:Choice Requires="a14">
           <p:sp>
             <p:nvSpPr>
               <p:cNvPr id="62" name="TextBox 61">
@@ -8493,7 +8493,7 @@
             </p:txBody>
           </p:sp>
         </mc:Choice>
-        <mc:Fallback>
+        <mc:Fallback xmlns="">
           <p:sp>
             <p:nvSpPr>
               <p:cNvPr id="62" name="TextBox 61">
@@ -8742,8 +8742,8 @@
           </a:fontRef>
         </p:style>
       </p:cxnSp>
-      <mc:AlternateContent xmlns:mc="http://schemas.openxmlformats.org/markup-compatibility/2006">
-        <mc:Choice xmlns:a14="http://schemas.microsoft.com/office/drawing/2010/main" Requires="a14">
+      <mc:AlternateContent xmlns:mc="http://schemas.openxmlformats.org/markup-compatibility/2006" xmlns:a14="http://schemas.microsoft.com/office/drawing/2010/main">
+        <mc:Choice Requires="a14">
           <p:sp>
             <p:nvSpPr>
               <p:cNvPr id="74" name="TextBox 73">
@@ -8818,7 +8818,7 @@
             </p:txBody>
           </p:sp>
         </mc:Choice>
-        <mc:Fallback>
+        <mc:Fallback xmlns="">
           <p:sp>
             <p:nvSpPr>
               <p:cNvPr id="74" name="TextBox 73">
@@ -8904,8 +8904,8 @@
           </a:fontRef>
         </p:style>
       </p:cxnSp>
-      <mc:AlternateContent xmlns:mc="http://schemas.openxmlformats.org/markup-compatibility/2006">
-        <mc:Choice xmlns:a14="http://schemas.microsoft.com/office/drawing/2010/main" Requires="a14">
+      <mc:AlternateContent xmlns:mc="http://schemas.openxmlformats.org/markup-compatibility/2006" xmlns:a14="http://schemas.microsoft.com/office/drawing/2010/main">
+        <mc:Choice Requires="a14">
           <p:sp>
             <p:nvSpPr>
               <p:cNvPr id="78" name="TextBox 77">
@@ -8980,7 +8980,7 @@
             </p:txBody>
           </p:sp>
         </mc:Choice>
-        <mc:Fallback>
+        <mc:Fallback xmlns="">
           <p:sp>
             <p:nvSpPr>
               <p:cNvPr id="78" name="TextBox 77">
@@ -10967,8 +10967,8 @@
           </a:fontRef>
         </p:style>
       </p:cxnSp>
-      <mc:AlternateContent xmlns:mc="http://schemas.openxmlformats.org/markup-compatibility/2006">
-        <mc:Choice xmlns:a14="http://schemas.microsoft.com/office/drawing/2010/main" Requires="a14">
+      <mc:AlternateContent xmlns:mc="http://schemas.openxmlformats.org/markup-compatibility/2006" xmlns:a14="http://schemas.microsoft.com/office/drawing/2010/main">
+        <mc:Choice Requires="a14">
           <p:sp>
             <p:nvSpPr>
               <p:cNvPr id="144" name="TextBox 143">
@@ -11043,7 +11043,7 @@
             </p:txBody>
           </p:sp>
         </mc:Choice>
-        <mc:Fallback>
+        <mc:Fallback xmlns="">
           <p:sp>
             <p:nvSpPr>
               <p:cNvPr id="144" name="TextBox 143">
@@ -11412,8 +11412,8 @@
           </a:fontRef>
         </p:style>
       </p:cxnSp>
-      <mc:AlternateContent xmlns:mc="http://schemas.openxmlformats.org/markup-compatibility/2006">
-        <mc:Choice xmlns:a14="http://schemas.microsoft.com/office/drawing/2010/main" Requires="a14">
+      <mc:AlternateContent xmlns:mc="http://schemas.openxmlformats.org/markup-compatibility/2006" xmlns:a14="http://schemas.microsoft.com/office/drawing/2010/main">
+        <mc:Choice Requires="a14">
           <p:sp>
             <p:nvSpPr>
               <p:cNvPr id="13" name="TextBox 12">
@@ -11488,7 +11488,7 @@
             </p:txBody>
           </p:sp>
         </mc:Choice>
-        <mc:Fallback>
+        <mc:Fallback xmlns="">
           <p:sp>
             <p:nvSpPr>
               <p:cNvPr id="13" name="TextBox 12">
@@ -12585,8 +12585,8 @@
           </a:fontRef>
         </p:style>
       </p:cxnSp>
-      <mc:AlternateContent xmlns:mc="http://schemas.openxmlformats.org/markup-compatibility/2006">
-        <mc:Choice xmlns:a14="http://schemas.microsoft.com/office/drawing/2010/main" Requires="a14">
+      <mc:AlternateContent xmlns:mc="http://schemas.openxmlformats.org/markup-compatibility/2006" xmlns:a14="http://schemas.microsoft.com/office/drawing/2010/main">
+        <mc:Choice Requires="a14">
           <p:sp>
             <p:nvSpPr>
               <p:cNvPr id="41" name="TextBox 40">
@@ -12667,7 +12667,7 @@
             </p:txBody>
           </p:sp>
         </mc:Choice>
-        <mc:Fallback>
+        <mc:Fallback xmlns="">
           <p:sp>
             <p:nvSpPr>
               <p:cNvPr id="41" name="TextBox 40">
@@ -12712,8 +12712,8 @@
           </p:sp>
         </mc:Fallback>
       </mc:AlternateContent>
-      <mc:AlternateContent xmlns:mc="http://schemas.openxmlformats.org/markup-compatibility/2006">
-        <mc:Choice xmlns:a14="http://schemas.microsoft.com/office/drawing/2010/main" Requires="a14">
+      <mc:AlternateContent xmlns:mc="http://schemas.openxmlformats.org/markup-compatibility/2006" xmlns:a14="http://schemas.microsoft.com/office/drawing/2010/main">
+        <mc:Choice Requires="a14">
           <p:sp>
             <p:nvSpPr>
               <p:cNvPr id="44" name="TextBox 43">
@@ -12776,19 +12776,7 @@
                             <a:rPr lang="en-US" sz="2800" b="0" i="1" smtClean="0">
                               <a:latin typeface="Cambria Math" panose="02040503050406030204" pitchFamily="18" charset="0"/>
                             </a:rPr>
-                            <m:t>3</m:t>
-                          </m:r>
-                          <m:r>
-                            <a:rPr lang="de-DE" sz="2800" b="0" i="1" smtClean="0">
-                              <a:latin typeface="Cambria Math" panose="02040503050406030204" pitchFamily="18" charset="0"/>
-                            </a:rPr>
-                            <m:t>2</m:t>
-                          </m:r>
-                          <m:r>
-                            <a:rPr lang="en-US" sz="2800" b="0" i="1" smtClean="0">
-                              <a:latin typeface="Cambria Math" panose="02040503050406030204" pitchFamily="18" charset="0"/>
-                            </a:rPr>
-                            <m:t>2</m:t>
+                            <m:t>322</m:t>
                           </m:r>
                         </m:sub>
                       </m:sSub>
@@ -12800,7 +12788,7 @@
             </p:txBody>
           </p:sp>
         </mc:Choice>
-        <mc:Fallback>
+        <mc:Fallback xmlns="">
           <p:sp>
             <p:nvSpPr>
               <p:cNvPr id="44" name="TextBox 43">
@@ -12845,8 +12833,8 @@
           </p:sp>
         </mc:Fallback>
       </mc:AlternateContent>
-      <mc:AlternateContent xmlns:mc="http://schemas.openxmlformats.org/markup-compatibility/2006">
-        <mc:Choice xmlns:a14="http://schemas.microsoft.com/office/drawing/2010/main" Requires="a14">
+      <mc:AlternateContent xmlns:mc="http://schemas.openxmlformats.org/markup-compatibility/2006" xmlns:a14="http://schemas.microsoft.com/office/drawing/2010/main">
+        <mc:Choice Requires="a14">
           <p:sp>
             <p:nvSpPr>
               <p:cNvPr id="45" name="TextBox 44">
@@ -12909,19 +12897,7 @@
                             <a:rPr lang="en-US" sz="2800" b="0" i="1" smtClean="0">
                               <a:latin typeface="Cambria Math" panose="02040503050406030204" pitchFamily="18" charset="0"/>
                             </a:rPr>
-                            <m:t>2</m:t>
-                          </m:r>
-                          <m:r>
-                            <a:rPr lang="en-US" sz="2800" b="0" i="1" smtClean="0">
-                              <a:latin typeface="Cambria Math" panose="02040503050406030204" pitchFamily="18" charset="0"/>
-                            </a:rPr>
-                            <m:t>1</m:t>
-                          </m:r>
-                          <m:r>
-                            <a:rPr lang="en-US" sz="2800" b="0" i="1" smtClean="0">
-                              <a:latin typeface="Cambria Math" panose="02040503050406030204" pitchFamily="18" charset="0"/>
-                            </a:rPr>
-                            <m:t>0</m:t>
+                            <m:t>210</m:t>
                           </m:r>
                         </m:sub>
                       </m:sSub>
@@ -12933,7 +12909,7 @@
             </p:txBody>
           </p:sp>
         </mc:Choice>
-        <mc:Fallback>
+        <mc:Fallback xmlns="">
           <p:sp>
             <p:nvSpPr>
               <p:cNvPr id="45" name="TextBox 44">
@@ -12978,8 +12954,8 @@
           </p:sp>
         </mc:Fallback>
       </mc:AlternateContent>
-      <mc:AlternateContent xmlns:mc="http://schemas.openxmlformats.org/markup-compatibility/2006">
-        <mc:Choice xmlns:a14="http://schemas.microsoft.com/office/drawing/2010/main" Requires="a14">
+      <mc:AlternateContent xmlns:mc="http://schemas.openxmlformats.org/markup-compatibility/2006" xmlns:a14="http://schemas.microsoft.com/office/drawing/2010/main">
+        <mc:Choice Requires="a14">
           <p:sp>
             <p:nvSpPr>
               <p:cNvPr id="46" name="TextBox 45">
@@ -13042,19 +13018,7 @@
                             <a:rPr lang="en-US" sz="2800" b="0" i="1" smtClean="0">
                               <a:latin typeface="Cambria Math" panose="02040503050406030204" pitchFamily="18" charset="0"/>
                             </a:rPr>
-                            <m:t>3</m:t>
-                          </m:r>
-                          <m:r>
-                            <a:rPr lang="en-US" sz="2800" b="0" i="1" smtClean="0">
-                              <a:latin typeface="Cambria Math" panose="02040503050406030204" pitchFamily="18" charset="0"/>
-                            </a:rPr>
-                            <m:t>1</m:t>
-                          </m:r>
-                          <m:r>
-                            <a:rPr lang="en-US" sz="2800" b="0" i="1" smtClean="0">
-                              <a:latin typeface="Cambria Math" panose="02040503050406030204" pitchFamily="18" charset="0"/>
-                            </a:rPr>
-                            <m:t>0</m:t>
+                            <m:t>310</m:t>
                           </m:r>
                         </m:sub>
                       </m:sSub>
@@ -13066,7 +13030,7 @@
             </p:txBody>
           </p:sp>
         </mc:Choice>
-        <mc:Fallback>
+        <mc:Fallback xmlns="">
           <p:sp>
             <p:nvSpPr>
               <p:cNvPr id="46" name="TextBox 45">

--- a/Section_IV_BioComputing/COMSOL_3_pipes_w_100um_rectangular_tetrazine/CAD_design/figures/Designs.pptx
+++ b/Section_IV_BioComputing/COMSOL_3_pipes_w_100um_rectangular_tetrazine/CAD_design/figures/Designs.pptx
@@ -5,13 +5,14 @@
     <p:sldMasterId id="2147483648" r:id="rId1"/>
   </p:sldMasterIdLst>
   <p:notesMasterIdLst>
-    <p:notesMasterId r:id="rId6"/>
+    <p:notesMasterId r:id="rId7"/>
   </p:notesMasterIdLst>
   <p:sldIdLst>
     <p:sldId id="1876" r:id="rId2"/>
     <p:sldId id="1889" r:id="rId3"/>
     <p:sldId id="1887" r:id="rId4"/>
     <p:sldId id="1888" r:id="rId5"/>
+    <p:sldId id="1890" r:id="rId6"/>
   </p:sldIdLst>
   <p:sldSz cx="12192000" cy="6858000"/>
   <p:notesSz cx="6858000" cy="9144000"/>
@@ -211,7 +212,7 @@
           <a:p>
             <a:fld id="{587CBFC6-A9BB-4E5E-87F9-DC306CACD92F}" type="datetimeFigureOut">
               <a:rPr lang="en-US" smtClean="0"/>
-              <a:t>10/1/2025</a:t>
+              <a:t>10/2/2025</a:t>
             </a:fld>
             <a:endParaRPr lang="en-US"/>
           </a:p>
@@ -694,6 +695,114 @@
 </p:notes>
 </file>
 
+<file path=ppt/notesSlides/notesSlide3.xml><?xml version="1.0" encoding="utf-8"?>
+<p:notes xmlns:a="http://schemas.openxmlformats.org/drawingml/2006/main" xmlns:r="http://schemas.openxmlformats.org/officeDocument/2006/relationships" xmlns:p="http://schemas.openxmlformats.org/presentationml/2006/main">
+  <p:cSld>
+    <p:spTree>
+      <p:nvGrpSpPr>
+        <p:cNvPr id="1" name="">
+          <a:extLst>
+            <a:ext uri="{FF2B5EF4-FFF2-40B4-BE49-F238E27FC236}">
+              <a16:creationId xmlns:a16="http://schemas.microsoft.com/office/drawing/2014/main" id="{348EBD93-7FF0-9B7E-9328-76DD9877DFDA}"/>
+            </a:ext>
+          </a:extLst>
+        </p:cNvPr>
+        <p:cNvGrpSpPr/>
+        <p:nvPr/>
+      </p:nvGrpSpPr>
+      <p:grpSpPr>
+        <a:xfrm>
+          <a:off x="0" y="0"/>
+          <a:ext cx="0" cy="0"/>
+          <a:chOff x="0" y="0"/>
+          <a:chExt cx="0" cy="0"/>
+        </a:xfrm>
+      </p:grpSpPr>
+      <p:sp>
+        <p:nvSpPr>
+          <p:cNvPr id="2" name="Slide Image Placeholder 1">
+            <a:extLst>
+              <a:ext uri="{FF2B5EF4-FFF2-40B4-BE49-F238E27FC236}">
+                <a16:creationId xmlns:a16="http://schemas.microsoft.com/office/drawing/2014/main" id="{E918C9BA-0AAB-9135-D5B1-818843E41AE7}"/>
+              </a:ext>
+            </a:extLst>
+          </p:cNvPr>
+          <p:cNvSpPr>
+            <a:spLocks noGrp="1" noRot="1" noChangeAspect="1"/>
+          </p:cNvSpPr>
+          <p:nvPr>
+            <p:ph type="sldImg"/>
+          </p:nvPr>
+        </p:nvSpPr>
+        <p:spPr/>
+      </p:sp>
+      <p:sp>
+        <p:nvSpPr>
+          <p:cNvPr id="3" name="Notes Placeholder 2">
+            <a:extLst>
+              <a:ext uri="{FF2B5EF4-FFF2-40B4-BE49-F238E27FC236}">
+                <a16:creationId xmlns:a16="http://schemas.microsoft.com/office/drawing/2014/main" id="{59AFAFA5-EAC1-5E15-1522-05A777070FD5}"/>
+              </a:ext>
+            </a:extLst>
+          </p:cNvPr>
+          <p:cNvSpPr>
+            <a:spLocks noGrp="1"/>
+          </p:cNvSpPr>
+          <p:nvPr>
+            <p:ph type="body" idx="1"/>
+          </p:nvPr>
+        </p:nvSpPr>
+        <p:spPr/>
+        <p:txBody>
+          <a:bodyPr/>
+          <a:lstStyle/>
+          <a:p>
+            <a:endParaRPr lang="en-US" dirty="0"/>
+          </a:p>
+        </p:txBody>
+      </p:sp>
+      <p:sp>
+        <p:nvSpPr>
+          <p:cNvPr id="4" name="Slide Number Placeholder 3">
+            <a:extLst>
+              <a:ext uri="{FF2B5EF4-FFF2-40B4-BE49-F238E27FC236}">
+                <a16:creationId xmlns:a16="http://schemas.microsoft.com/office/drawing/2014/main" id="{6803F285-D271-A1E6-2A57-65AE2BFB9572}"/>
+              </a:ext>
+            </a:extLst>
+          </p:cNvPr>
+          <p:cNvSpPr>
+            <a:spLocks noGrp="1"/>
+          </p:cNvSpPr>
+          <p:nvPr>
+            <p:ph type="sldNum" sz="quarter" idx="5"/>
+          </p:nvPr>
+        </p:nvSpPr>
+        <p:spPr/>
+        <p:txBody>
+          <a:bodyPr/>
+          <a:lstStyle/>
+          <a:p>
+            <a:fld id="{7D5572D0-3795-4C3C-849E-BDA62F558749}" type="slidenum">
+              <a:rPr lang="LID4096" smtClean="0"/>
+              <a:t>5</a:t>
+            </a:fld>
+            <a:endParaRPr lang="LID4096"/>
+          </a:p>
+        </p:txBody>
+      </p:sp>
+    </p:spTree>
+    <p:extLst>
+      <p:ext uri="{BB962C8B-B14F-4D97-AF65-F5344CB8AC3E}">
+        <p14:creationId xmlns:p14="http://schemas.microsoft.com/office/powerpoint/2010/main" val="2403494029"/>
+      </p:ext>
+    </p:extLst>
+  </p:cSld>
+  <p:clrMapOvr>
+    <a:masterClrMapping/>
+  </p:clrMapOvr>
+</p:notes>
+</file>
+
 <file path=ppt/slideLayouts/slideLayout1.xml><?xml version="1.0" encoding="utf-8"?>
 <p:sldLayout xmlns:a="http://schemas.openxmlformats.org/drawingml/2006/main" xmlns:r="http://schemas.openxmlformats.org/officeDocument/2006/relationships" xmlns:p="http://schemas.openxmlformats.org/presentationml/2006/main" type="title" preserve="1">
   <p:cSld name="Title Slide">
@@ -841,7 +950,7 @@
           <a:p>
             <a:fld id="{9EFB2E82-6871-4A63-8FC6-B35E58246C01}" type="datetimeFigureOut">
               <a:rPr lang="en-US" smtClean="0"/>
-              <a:t>10/1/2025</a:t>
+              <a:t>10/2/2025</a:t>
             </a:fld>
             <a:endParaRPr lang="en-US"/>
           </a:p>
@@ -1039,7 +1148,7 @@
           <a:p>
             <a:fld id="{9EFB2E82-6871-4A63-8FC6-B35E58246C01}" type="datetimeFigureOut">
               <a:rPr lang="en-US" smtClean="0"/>
-              <a:t>10/1/2025</a:t>
+              <a:t>10/2/2025</a:t>
             </a:fld>
             <a:endParaRPr lang="en-US"/>
           </a:p>
@@ -1247,7 +1356,7 @@
           <a:p>
             <a:fld id="{9EFB2E82-6871-4A63-8FC6-B35E58246C01}" type="datetimeFigureOut">
               <a:rPr lang="en-US" smtClean="0"/>
-              <a:t>10/1/2025</a:t>
+              <a:t>10/2/2025</a:t>
             </a:fld>
             <a:endParaRPr lang="en-US"/>
           </a:p>
@@ -1691,7 +1800,7 @@
           <a:p>
             <a:fld id="{9EFB2E82-6871-4A63-8FC6-B35E58246C01}" type="datetimeFigureOut">
               <a:rPr lang="en-US" smtClean="0"/>
-              <a:t>10/1/2025</a:t>
+              <a:t>10/2/2025</a:t>
             </a:fld>
             <a:endParaRPr lang="en-US"/>
           </a:p>
@@ -1966,7 +2075,7 @@
           <a:p>
             <a:fld id="{9EFB2E82-6871-4A63-8FC6-B35E58246C01}" type="datetimeFigureOut">
               <a:rPr lang="en-US" smtClean="0"/>
-              <a:t>10/1/2025</a:t>
+              <a:t>10/2/2025</a:t>
             </a:fld>
             <a:endParaRPr lang="en-US"/>
           </a:p>
@@ -2231,7 +2340,7 @@
           <a:p>
             <a:fld id="{9EFB2E82-6871-4A63-8FC6-B35E58246C01}" type="datetimeFigureOut">
               <a:rPr lang="en-US" smtClean="0"/>
-              <a:t>10/1/2025</a:t>
+              <a:t>10/2/2025</a:t>
             </a:fld>
             <a:endParaRPr lang="en-US"/>
           </a:p>
@@ -2643,7 +2752,7 @@
           <a:p>
             <a:fld id="{9EFB2E82-6871-4A63-8FC6-B35E58246C01}" type="datetimeFigureOut">
               <a:rPr lang="en-US" smtClean="0"/>
-              <a:t>10/1/2025</a:t>
+              <a:t>10/2/2025</a:t>
             </a:fld>
             <a:endParaRPr lang="en-US"/>
           </a:p>
@@ -2784,7 +2893,7 @@
           <a:p>
             <a:fld id="{9EFB2E82-6871-4A63-8FC6-B35E58246C01}" type="datetimeFigureOut">
               <a:rPr lang="en-US" smtClean="0"/>
-              <a:t>10/1/2025</a:t>
+              <a:t>10/2/2025</a:t>
             </a:fld>
             <a:endParaRPr lang="en-US"/>
           </a:p>
@@ -2897,7 +3006,7 @@
           <a:p>
             <a:fld id="{9EFB2E82-6871-4A63-8FC6-B35E58246C01}" type="datetimeFigureOut">
               <a:rPr lang="en-US" smtClean="0"/>
-              <a:t>10/1/2025</a:t>
+              <a:t>10/2/2025</a:t>
             </a:fld>
             <a:endParaRPr lang="en-US"/>
           </a:p>
@@ -3208,7 +3317,7 @@
           <a:p>
             <a:fld id="{9EFB2E82-6871-4A63-8FC6-B35E58246C01}" type="datetimeFigureOut">
               <a:rPr lang="en-US" smtClean="0"/>
-              <a:t>10/1/2025</a:t>
+              <a:t>10/2/2025</a:t>
             </a:fld>
             <a:endParaRPr lang="en-US"/>
           </a:p>
@@ -3496,7 +3605,7 @@
           <a:p>
             <a:fld id="{9EFB2E82-6871-4A63-8FC6-B35E58246C01}" type="datetimeFigureOut">
               <a:rPr lang="en-US" smtClean="0"/>
-              <a:t>10/1/2025</a:t>
+              <a:t>10/2/2025</a:t>
             </a:fld>
             <a:endParaRPr lang="en-US"/>
           </a:p>
@@ -3737,7 +3846,7 @@
           <a:p>
             <a:fld id="{9EFB2E82-6871-4A63-8FC6-B35E58246C01}" type="datetimeFigureOut">
               <a:rPr lang="en-US" smtClean="0"/>
-              <a:t>10/1/2025</a:t>
+              <a:t>10/2/2025</a:t>
             </a:fld>
             <a:endParaRPr lang="en-US"/>
           </a:p>
@@ -8412,7 +8521,7 @@
                   <a:schemeClr val="tx1"/>
                 </a:solidFill>
               </a:rPr>
-              <a:t>Design 1.1</a:t>
+              <a:t>Design 1.2</a:t>
             </a:r>
           </a:p>
         </p:txBody>
@@ -13231,7 +13340,7 @@
                   <a:schemeClr val="tx1"/>
                 </a:solidFill>
               </a:rPr>
-              <a:t>Design 1.1</a:t>
+              <a:t>Design 1.2</a:t>
             </a:r>
           </a:p>
         </p:txBody>
@@ -13282,6 +13391,5931 @@
   <p:clrMapOvr>
     <a:masterClrMapping/>
   </p:clrMapOvr>
+</p:sld>
+</file>
+
+<file path=ppt/slides/slide5.xml><?xml version="1.0" encoding="utf-8"?>
+<p:sld xmlns:a="http://schemas.openxmlformats.org/drawingml/2006/main" xmlns:r="http://schemas.openxmlformats.org/officeDocument/2006/relationships" xmlns:p="http://schemas.openxmlformats.org/presentationml/2006/main">
+  <p:cSld>
+    <p:spTree>
+      <p:nvGrpSpPr>
+        <p:cNvPr id="1" name="">
+          <a:extLst>
+            <a:ext uri="{FF2B5EF4-FFF2-40B4-BE49-F238E27FC236}">
+              <a16:creationId xmlns:a16="http://schemas.microsoft.com/office/drawing/2014/main" id="{CBEE5F68-CD90-F232-2BDF-C015AB05CF36}"/>
+            </a:ext>
+          </a:extLst>
+        </p:cNvPr>
+        <p:cNvGrpSpPr/>
+        <p:nvPr/>
+      </p:nvGrpSpPr>
+      <p:grpSpPr>
+        <a:xfrm>
+          <a:off x="0" y="0"/>
+          <a:ext cx="0" cy="0"/>
+          <a:chOff x="0" y="0"/>
+          <a:chExt cx="0" cy="0"/>
+        </a:xfrm>
+      </p:grpSpPr>
+      <p:sp>
+        <p:nvSpPr>
+          <p:cNvPr id="6" name="Rectangle 5">
+            <a:extLst>
+              <a:ext uri="{FF2B5EF4-FFF2-40B4-BE49-F238E27FC236}">
+                <a16:creationId xmlns:a16="http://schemas.microsoft.com/office/drawing/2014/main" id="{E0334A9B-587C-5B0C-2AC7-A38788D25A66}"/>
+              </a:ext>
+            </a:extLst>
+          </p:cNvPr>
+          <p:cNvSpPr/>
+          <p:nvPr/>
+        </p:nvSpPr>
+        <p:spPr>
+          <a:xfrm>
+            <a:off x="9916511" y="-61553"/>
+            <a:ext cx="2381872" cy="622300"/>
+          </a:xfrm>
+          <a:prstGeom prst="rect">
+            <a:avLst/>
+          </a:prstGeom>
+          <a:solidFill>
+            <a:srgbClr val="385723">
+              <a:alpha val="70000"/>
+            </a:srgbClr>
+          </a:solidFill>
+          <a:ln>
+            <a:noFill/>
+          </a:ln>
+        </p:spPr>
+        <p:style>
+          <a:lnRef idx="2">
+            <a:schemeClr val="accent1">
+              <a:shade val="15000"/>
+            </a:schemeClr>
+          </a:lnRef>
+          <a:fillRef idx="1">
+            <a:schemeClr val="accent1"/>
+          </a:fillRef>
+          <a:effectRef idx="0">
+            <a:schemeClr val="accent1"/>
+          </a:effectRef>
+          <a:fontRef idx="minor">
+            <a:schemeClr val="lt1"/>
+          </a:fontRef>
+        </p:style>
+        <p:txBody>
+          <a:bodyPr rtlCol="0" anchor="ctr"/>
+          <a:lstStyle/>
+          <a:p>
+            <a:pPr algn="ctr"/>
+            <a:endParaRPr lang="en-GB"/>
+          </a:p>
+        </p:txBody>
+      </p:sp>
+      <p:sp>
+        <p:nvSpPr>
+          <p:cNvPr id="7" name="Title 2">
+            <a:extLst>
+              <a:ext uri="{FF2B5EF4-FFF2-40B4-BE49-F238E27FC236}">
+                <a16:creationId xmlns:a16="http://schemas.microsoft.com/office/drawing/2014/main" id="{500CE347-C145-52FD-2612-DB20DF0BD033}"/>
+              </a:ext>
+            </a:extLst>
+          </p:cNvPr>
+          <p:cNvSpPr>
+            <a:spLocks noGrp="1"/>
+          </p:cNvSpPr>
+          <p:nvPr>
+            <p:ph type="title"/>
+          </p:nvPr>
+        </p:nvSpPr>
+        <p:spPr>
+          <a:xfrm>
+            <a:off x="9916510" y="11231"/>
+            <a:ext cx="2303278" cy="549516"/>
+          </a:xfrm>
+        </p:spPr>
+        <p:txBody>
+          <a:bodyPr>
+            <a:noAutofit/>
+          </a:bodyPr>
+          <a:lstStyle/>
+          <a:p>
+            <a:pPr algn="r"/>
+            <a:r>
+              <a:rPr lang="en-GB" sz="3600" dirty="0">
+                <a:solidFill>
+                  <a:schemeClr val="tx1"/>
+                </a:solidFill>
+              </a:rPr>
+              <a:t>Design 2.1</a:t>
+            </a:r>
+          </a:p>
+        </p:txBody>
+      </p:sp>
+      <mc:AlternateContent xmlns:mc="http://schemas.openxmlformats.org/markup-compatibility/2006">
+        <mc:Choice xmlns:a14="http://schemas.microsoft.com/office/drawing/2010/main" Requires="a14">
+          <p:sp>
+            <p:nvSpPr>
+              <p:cNvPr id="62" name="TextBox 61">
+                <a:extLst>
+                  <a:ext uri="{FF2B5EF4-FFF2-40B4-BE49-F238E27FC236}">
+                    <a16:creationId xmlns:a16="http://schemas.microsoft.com/office/drawing/2014/main" id="{BC3AF84A-3BA1-8D91-2BBA-1484F155EB77}"/>
+                  </a:ext>
+                </a:extLst>
+              </p:cNvPr>
+              <p:cNvSpPr txBox="1"/>
+              <p:nvPr/>
+            </p:nvSpPr>
+            <p:spPr>
+              <a:xfrm>
+                <a:off x="951250" y="3209314"/>
+                <a:ext cx="766877" cy="523220"/>
+              </a:xfrm>
+              <a:prstGeom prst="rect">
+                <a:avLst/>
+              </a:prstGeom>
+              <a:noFill/>
+            </p:spPr>
+            <p:txBody>
+              <a:bodyPr wrap="none" rtlCol="0">
+                <a:spAutoFit/>
+              </a:bodyPr>
+              <a:lstStyle/>
+              <a:p>
+                <a:pPr/>
+                <a14:m>
+                  <m:oMathPara xmlns:m="http://schemas.openxmlformats.org/officeDocument/2006/math">
+                    <m:oMathParaPr>
+                      <m:jc m:val="centerGroup"/>
+                    </m:oMathParaPr>
+                    <m:oMath xmlns:m="http://schemas.openxmlformats.org/officeDocument/2006/math">
+                      <m:sSub>
+                        <m:sSubPr>
+                          <m:ctrlPr>
+                            <a:rPr lang="en-US" sz="2800" i="1" smtClean="0">
+                              <a:latin typeface="Cambria Math" panose="02040503050406030204" pitchFamily="18" charset="0"/>
+                            </a:rPr>
+                          </m:ctrlPr>
+                        </m:sSubPr>
+                        <m:e>
+                          <m:r>
+                            <a:rPr lang="en-US" sz="2800" b="0" i="1" smtClean="0">
+                              <a:latin typeface="Cambria Math" panose="02040503050406030204" pitchFamily="18" charset="0"/>
+                            </a:rPr>
+                            <m:t>𝑃</m:t>
+                          </m:r>
+                        </m:e>
+                        <m:sub>
+                          <m:r>
+                            <a:rPr lang="en-US" sz="2800" b="0" i="1" smtClean="0">
+                              <a:latin typeface="Cambria Math" panose="02040503050406030204" pitchFamily="18" charset="0"/>
+                            </a:rPr>
+                            <m:t>𝑏</m:t>
+                          </m:r>
+                          <m:r>
+                            <a:rPr lang="en-US" sz="2800" b="0" i="1" smtClean="0">
+                              <a:latin typeface="Cambria Math" panose="02040503050406030204" pitchFamily="18" charset="0"/>
+                            </a:rPr>
+                            <m:t>0</m:t>
+                          </m:r>
+                        </m:sub>
+                      </m:sSub>
+                    </m:oMath>
+                  </m:oMathPara>
+                </a14:m>
+                <a:endParaRPr lang="en-US" sz="2800" dirty="0"/>
+              </a:p>
+            </p:txBody>
+          </p:sp>
+        </mc:Choice>
+        <mc:Fallback>
+          <p:sp>
+            <p:nvSpPr>
+              <p:cNvPr id="62" name="TextBox 61">
+                <a:extLst>
+                  <a:ext uri="{FF2B5EF4-FFF2-40B4-BE49-F238E27FC236}">
+                    <a16:creationId xmlns:a16="http://schemas.microsoft.com/office/drawing/2014/main" id="{BC3AF84A-3BA1-8D91-2BBA-1484F155EB77}"/>
+                  </a:ext>
+                </a:extLst>
+              </p:cNvPr>
+              <p:cNvSpPr txBox="1">
+                <a:spLocks noRot="1" noChangeAspect="1" noMove="1" noResize="1" noEditPoints="1" noAdjustHandles="1" noChangeArrowheads="1" noChangeShapeType="1" noTextEdit="1"/>
+              </p:cNvSpPr>
+              <p:nvPr/>
+            </p:nvSpPr>
+            <p:spPr>
+              <a:xfrm>
+                <a:off x="951250" y="3209314"/>
+                <a:ext cx="766877" cy="523220"/>
+              </a:xfrm>
+              <a:prstGeom prst="rect">
+                <a:avLst/>
+              </a:prstGeom>
+              <a:blipFill>
+                <a:blip r:embed="rId3"/>
+                <a:stretch>
+                  <a:fillRect/>
+                </a:stretch>
+              </a:blipFill>
+            </p:spPr>
+            <p:txBody>
+              <a:bodyPr/>
+              <a:lstStyle/>
+              <a:p>
+                <a:r>
+                  <a:rPr lang="en-US">
+                    <a:noFill/>
+                  </a:rPr>
+                  <a:t> </a:t>
+                </a:r>
+              </a:p>
+            </p:txBody>
+          </p:sp>
+        </mc:Fallback>
+      </mc:AlternateContent>
+      <mc:AlternateContent xmlns:mc="http://schemas.openxmlformats.org/markup-compatibility/2006">
+        <mc:Choice xmlns:a14="http://schemas.microsoft.com/office/drawing/2010/main" Requires="a14">
+          <p:sp>
+            <p:nvSpPr>
+              <p:cNvPr id="63" name="TextBox 62">
+                <a:extLst>
+                  <a:ext uri="{FF2B5EF4-FFF2-40B4-BE49-F238E27FC236}">
+                    <a16:creationId xmlns:a16="http://schemas.microsoft.com/office/drawing/2014/main" id="{C3A94873-D3A3-2526-FA2C-F3F3EE77743A}"/>
+                  </a:ext>
+                </a:extLst>
+              </p:cNvPr>
+              <p:cNvSpPr txBox="1"/>
+              <p:nvPr/>
+            </p:nvSpPr>
+            <p:spPr>
+              <a:xfrm>
+                <a:off x="1124521" y="1935376"/>
+                <a:ext cx="779701" cy="523220"/>
+              </a:xfrm>
+              <a:prstGeom prst="rect">
+                <a:avLst/>
+              </a:prstGeom>
+              <a:noFill/>
+            </p:spPr>
+            <p:txBody>
+              <a:bodyPr wrap="none" rtlCol="0">
+                <a:spAutoFit/>
+              </a:bodyPr>
+              <a:lstStyle/>
+              <a:p>
+                <a:pPr/>
+                <a14:m>
+                  <m:oMathPara xmlns:m="http://schemas.openxmlformats.org/officeDocument/2006/math">
+                    <m:oMathParaPr>
+                      <m:jc m:val="centerGroup"/>
+                    </m:oMathParaPr>
+                    <m:oMath xmlns:m="http://schemas.openxmlformats.org/officeDocument/2006/math">
+                      <m:sSub>
+                        <m:sSubPr>
+                          <m:ctrlPr>
+                            <a:rPr lang="en-US" sz="2800" i="1" smtClean="0">
+                              <a:latin typeface="Cambria Math" panose="02040503050406030204" pitchFamily="18" charset="0"/>
+                            </a:rPr>
+                          </m:ctrlPr>
+                        </m:sSubPr>
+                        <m:e>
+                          <m:r>
+                            <a:rPr lang="en-US" sz="2800" b="0" i="1" smtClean="0">
+                              <a:latin typeface="Cambria Math" panose="02040503050406030204" pitchFamily="18" charset="0"/>
+                            </a:rPr>
+                            <m:t>𝑃</m:t>
+                          </m:r>
+                        </m:e>
+                        <m:sub>
+                          <m:r>
+                            <a:rPr lang="en-US" sz="2800" b="0" i="1" smtClean="0">
+                              <a:latin typeface="Cambria Math" panose="02040503050406030204" pitchFamily="18" charset="0"/>
+                            </a:rPr>
+                            <m:t>𝑢</m:t>
+                          </m:r>
+                          <m:r>
+                            <a:rPr lang="en-US" sz="2800" b="0" i="1" smtClean="0">
+                              <a:latin typeface="Cambria Math" panose="02040503050406030204" pitchFamily="18" charset="0"/>
+                            </a:rPr>
+                            <m:t>0</m:t>
+                          </m:r>
+                        </m:sub>
+                      </m:sSub>
+                    </m:oMath>
+                  </m:oMathPara>
+                </a14:m>
+                <a:endParaRPr lang="en-US" sz="2800" dirty="0"/>
+              </a:p>
+            </p:txBody>
+          </p:sp>
+        </mc:Choice>
+        <mc:Fallback>
+          <p:sp>
+            <p:nvSpPr>
+              <p:cNvPr id="63" name="TextBox 62">
+                <a:extLst>
+                  <a:ext uri="{FF2B5EF4-FFF2-40B4-BE49-F238E27FC236}">
+                    <a16:creationId xmlns:a16="http://schemas.microsoft.com/office/drawing/2014/main" id="{C3A94873-D3A3-2526-FA2C-F3F3EE77743A}"/>
+                  </a:ext>
+                </a:extLst>
+              </p:cNvPr>
+              <p:cNvSpPr txBox="1">
+                <a:spLocks noRot="1" noChangeAspect="1" noMove="1" noResize="1" noEditPoints="1" noAdjustHandles="1" noChangeArrowheads="1" noChangeShapeType="1" noTextEdit="1"/>
+              </p:cNvSpPr>
+              <p:nvPr/>
+            </p:nvSpPr>
+            <p:spPr>
+              <a:xfrm>
+                <a:off x="1124521" y="1935376"/>
+                <a:ext cx="779701" cy="523220"/>
+              </a:xfrm>
+              <a:prstGeom prst="rect">
+                <a:avLst/>
+              </a:prstGeom>
+              <a:blipFill>
+                <a:blip r:embed="rId4"/>
+                <a:stretch>
+                  <a:fillRect/>
+                </a:stretch>
+              </a:blipFill>
+            </p:spPr>
+            <p:txBody>
+              <a:bodyPr/>
+              <a:lstStyle/>
+              <a:p>
+                <a:r>
+                  <a:rPr lang="en-US">
+                    <a:noFill/>
+                  </a:rPr>
+                  <a:t> </a:t>
+                </a:r>
+              </a:p>
+            </p:txBody>
+          </p:sp>
+        </mc:Fallback>
+      </mc:AlternateContent>
+      <p:cxnSp>
+        <p:nvCxnSpPr>
+          <p:cNvPr id="68" name="Straight Arrow Connector 67">
+            <a:extLst>
+              <a:ext uri="{FF2B5EF4-FFF2-40B4-BE49-F238E27FC236}">
+                <a16:creationId xmlns:a16="http://schemas.microsoft.com/office/drawing/2014/main" id="{30CF80E2-0450-66FC-856C-CFEEFCEA38CB}"/>
+              </a:ext>
+            </a:extLst>
+          </p:cNvPr>
+          <p:cNvCxnSpPr>
+            <a:cxnSpLocks/>
+            <a:stCxn id="63" idx="2"/>
+          </p:cNvCxnSpPr>
+          <p:nvPr/>
+        </p:nvCxnSpPr>
+        <p:spPr>
+          <a:xfrm>
+            <a:off x="1514372" y="2458596"/>
+            <a:ext cx="218303" cy="281573"/>
+          </a:xfrm>
+          <a:prstGeom prst="straightConnector1">
+            <a:avLst/>
+          </a:prstGeom>
+          <a:ln>
+            <a:tailEnd type="triangle" w="lg" len="lg"/>
+          </a:ln>
+        </p:spPr>
+        <p:style>
+          <a:lnRef idx="2">
+            <a:schemeClr val="accent1"/>
+          </a:lnRef>
+          <a:fillRef idx="0">
+            <a:schemeClr val="accent1"/>
+          </a:fillRef>
+          <a:effectRef idx="1">
+            <a:schemeClr val="accent1"/>
+          </a:effectRef>
+          <a:fontRef idx="minor">
+            <a:schemeClr val="tx1"/>
+          </a:fontRef>
+        </p:style>
+      </p:cxnSp>
+      <p:cxnSp>
+        <p:nvCxnSpPr>
+          <p:cNvPr id="69" name="Straight Arrow Connector 68">
+            <a:extLst>
+              <a:ext uri="{FF2B5EF4-FFF2-40B4-BE49-F238E27FC236}">
+                <a16:creationId xmlns:a16="http://schemas.microsoft.com/office/drawing/2014/main" id="{DCDF22A4-6632-77E4-39AB-ABFF408DD42E}"/>
+              </a:ext>
+            </a:extLst>
+          </p:cNvPr>
+          <p:cNvCxnSpPr>
+            <a:cxnSpLocks/>
+          </p:cNvCxnSpPr>
+          <p:nvPr/>
+        </p:nvCxnSpPr>
+        <p:spPr>
+          <a:xfrm flipV="1">
+            <a:off x="1410143" y="3028449"/>
+            <a:ext cx="331642" cy="312887"/>
+          </a:xfrm>
+          <a:prstGeom prst="straightConnector1">
+            <a:avLst/>
+          </a:prstGeom>
+          <a:ln>
+            <a:tailEnd type="triangle" w="lg" len="lg"/>
+          </a:ln>
+        </p:spPr>
+        <p:style>
+          <a:lnRef idx="2">
+            <a:schemeClr val="accent1"/>
+          </a:lnRef>
+          <a:fillRef idx="0">
+            <a:schemeClr val="accent1"/>
+          </a:fillRef>
+          <a:effectRef idx="1">
+            <a:schemeClr val="accent1"/>
+          </a:effectRef>
+          <a:fontRef idx="minor">
+            <a:schemeClr val="tx1"/>
+          </a:fontRef>
+        </p:style>
+      </p:cxnSp>
+      <mc:AlternateContent xmlns:mc="http://schemas.openxmlformats.org/markup-compatibility/2006">
+        <mc:Choice xmlns:a14="http://schemas.microsoft.com/office/drawing/2010/main" Requires="a14">
+          <p:sp>
+            <p:nvSpPr>
+              <p:cNvPr id="74" name="TextBox 73">
+                <a:extLst>
+                  <a:ext uri="{FF2B5EF4-FFF2-40B4-BE49-F238E27FC236}">
+                    <a16:creationId xmlns:a16="http://schemas.microsoft.com/office/drawing/2014/main" id="{0B2DF960-2051-EB1A-728D-AE714EC62091}"/>
+                  </a:ext>
+                </a:extLst>
+              </p:cNvPr>
+              <p:cNvSpPr txBox="1"/>
+              <p:nvPr/>
+            </p:nvSpPr>
+            <p:spPr>
+              <a:xfrm>
+                <a:off x="9445659" y="1771015"/>
+                <a:ext cx="931986" cy="523220"/>
+              </a:xfrm>
+              <a:prstGeom prst="rect">
+                <a:avLst/>
+              </a:prstGeom>
+              <a:noFill/>
+            </p:spPr>
+            <p:txBody>
+              <a:bodyPr wrap="none" rtlCol="0">
+                <a:spAutoFit/>
+              </a:bodyPr>
+              <a:lstStyle/>
+              <a:p>
+                <a:pPr/>
+                <a14:m>
+                  <m:oMathPara xmlns:m="http://schemas.openxmlformats.org/officeDocument/2006/math">
+                    <m:oMathParaPr>
+                      <m:jc m:val="centerGroup"/>
+                    </m:oMathParaPr>
+                    <m:oMath xmlns:m="http://schemas.openxmlformats.org/officeDocument/2006/math">
+                      <m:sSub>
+                        <m:sSubPr>
+                          <m:ctrlPr>
+                            <a:rPr lang="en-US" sz="2800" i="1" smtClean="0">
+                              <a:latin typeface="Cambria Math" panose="02040503050406030204" pitchFamily="18" charset="0"/>
+                            </a:rPr>
+                          </m:ctrlPr>
+                        </m:sSubPr>
+                        <m:e>
+                          <m:r>
+                            <a:rPr lang="en-US" sz="2800" b="0" i="1" smtClean="0">
+                              <a:latin typeface="Cambria Math" panose="02040503050406030204" pitchFamily="18" charset="0"/>
+                            </a:rPr>
+                            <m:t>𝑃</m:t>
+                          </m:r>
+                        </m:e>
+                        <m:sub>
+                          <m:r>
+                            <a:rPr lang="en-US" sz="2800" b="0" i="1" smtClean="0">
+                              <a:latin typeface="Cambria Math" panose="02040503050406030204" pitchFamily="18" charset="0"/>
+                            </a:rPr>
+                            <m:t>𝑢</m:t>
+                          </m:r>
+                          <m:r>
+                            <a:rPr lang="de-DE" sz="2800" b="0" i="1" smtClean="0">
+                              <a:latin typeface="Cambria Math" panose="02040503050406030204" pitchFamily="18" charset="0"/>
+                            </a:rPr>
+                            <m:t>22</m:t>
+                          </m:r>
+                        </m:sub>
+                      </m:sSub>
+                    </m:oMath>
+                  </m:oMathPara>
+                </a14:m>
+                <a:endParaRPr lang="en-US" sz="2800" dirty="0"/>
+              </a:p>
+            </p:txBody>
+          </p:sp>
+        </mc:Choice>
+        <mc:Fallback>
+          <p:sp>
+            <p:nvSpPr>
+              <p:cNvPr id="74" name="TextBox 73">
+                <a:extLst>
+                  <a:ext uri="{FF2B5EF4-FFF2-40B4-BE49-F238E27FC236}">
+                    <a16:creationId xmlns:a16="http://schemas.microsoft.com/office/drawing/2014/main" id="{0B2DF960-2051-EB1A-728D-AE714EC62091}"/>
+                  </a:ext>
+                </a:extLst>
+              </p:cNvPr>
+              <p:cNvSpPr txBox="1">
+                <a:spLocks noRot="1" noChangeAspect="1" noMove="1" noResize="1" noEditPoints="1" noAdjustHandles="1" noChangeArrowheads="1" noChangeShapeType="1" noTextEdit="1"/>
+              </p:cNvSpPr>
+              <p:nvPr/>
+            </p:nvSpPr>
+            <p:spPr>
+              <a:xfrm>
+                <a:off x="9445659" y="1771015"/>
+                <a:ext cx="931986" cy="523220"/>
+              </a:xfrm>
+              <a:prstGeom prst="rect">
+                <a:avLst/>
+              </a:prstGeom>
+              <a:blipFill>
+                <a:blip r:embed="rId5"/>
+                <a:stretch>
+                  <a:fillRect/>
+                </a:stretch>
+              </a:blipFill>
+            </p:spPr>
+            <p:txBody>
+              <a:bodyPr/>
+              <a:lstStyle/>
+              <a:p>
+                <a:r>
+                  <a:rPr lang="en-US">
+                    <a:noFill/>
+                  </a:rPr>
+                  <a:t> </a:t>
+                </a:r>
+              </a:p>
+            </p:txBody>
+          </p:sp>
+        </mc:Fallback>
+      </mc:AlternateContent>
+      <p:cxnSp>
+        <p:nvCxnSpPr>
+          <p:cNvPr id="75" name="Straight Arrow Connector 74">
+            <a:extLst>
+              <a:ext uri="{FF2B5EF4-FFF2-40B4-BE49-F238E27FC236}">
+                <a16:creationId xmlns:a16="http://schemas.microsoft.com/office/drawing/2014/main" id="{69BA61D8-0B84-BB84-FD94-F1105B0D80D3}"/>
+              </a:ext>
+            </a:extLst>
+          </p:cNvPr>
+          <p:cNvCxnSpPr>
+            <a:cxnSpLocks/>
+          </p:cNvCxnSpPr>
+          <p:nvPr/>
+        </p:nvCxnSpPr>
+        <p:spPr>
+          <a:xfrm flipH="1">
+            <a:off x="9538931" y="2363628"/>
+            <a:ext cx="3464" cy="419531"/>
+          </a:xfrm>
+          <a:prstGeom prst="straightConnector1">
+            <a:avLst/>
+          </a:prstGeom>
+          <a:ln>
+            <a:tailEnd type="triangle" w="lg" len="lg"/>
+          </a:ln>
+        </p:spPr>
+        <p:style>
+          <a:lnRef idx="2">
+            <a:schemeClr val="accent1"/>
+          </a:lnRef>
+          <a:fillRef idx="0">
+            <a:schemeClr val="accent1"/>
+          </a:fillRef>
+          <a:effectRef idx="1">
+            <a:schemeClr val="accent1"/>
+          </a:effectRef>
+          <a:fontRef idx="minor">
+            <a:schemeClr val="tx1"/>
+          </a:fontRef>
+        </p:style>
+      </p:cxnSp>
+      <mc:AlternateContent xmlns:mc="http://schemas.openxmlformats.org/markup-compatibility/2006">
+        <mc:Choice xmlns:a14="http://schemas.microsoft.com/office/drawing/2010/main" Requires="a14">
+          <p:sp>
+            <p:nvSpPr>
+              <p:cNvPr id="78" name="TextBox 77">
+                <a:extLst>
+                  <a:ext uri="{FF2B5EF4-FFF2-40B4-BE49-F238E27FC236}">
+                    <a16:creationId xmlns:a16="http://schemas.microsoft.com/office/drawing/2014/main" id="{34B55887-135D-5116-C70E-E4670ED0B290}"/>
+                  </a:ext>
+                </a:extLst>
+              </p:cNvPr>
+              <p:cNvSpPr txBox="1"/>
+              <p:nvPr/>
+            </p:nvSpPr>
+            <p:spPr>
+              <a:xfrm>
+                <a:off x="9670719" y="3407614"/>
+                <a:ext cx="931986" cy="523220"/>
+              </a:xfrm>
+              <a:prstGeom prst="rect">
+                <a:avLst/>
+              </a:prstGeom>
+              <a:noFill/>
+            </p:spPr>
+            <p:txBody>
+              <a:bodyPr wrap="none" rtlCol="0">
+                <a:spAutoFit/>
+              </a:bodyPr>
+              <a:lstStyle/>
+              <a:p>
+                <a:pPr/>
+                <a14:m>
+                  <m:oMathPara xmlns:m="http://schemas.openxmlformats.org/officeDocument/2006/math">
+                    <m:oMathParaPr>
+                      <m:jc m:val="centerGroup"/>
+                    </m:oMathParaPr>
+                    <m:oMath xmlns:m="http://schemas.openxmlformats.org/officeDocument/2006/math">
+                      <m:sSub>
+                        <m:sSubPr>
+                          <m:ctrlPr>
+                            <a:rPr lang="en-US" sz="2800" i="1" smtClean="0">
+                              <a:latin typeface="Cambria Math" panose="02040503050406030204" pitchFamily="18" charset="0"/>
+                            </a:rPr>
+                          </m:ctrlPr>
+                        </m:sSubPr>
+                        <m:e>
+                          <m:r>
+                            <a:rPr lang="en-US" sz="2800" b="0" i="1" smtClean="0">
+                              <a:latin typeface="Cambria Math" panose="02040503050406030204" pitchFamily="18" charset="0"/>
+                            </a:rPr>
+                            <m:t>𝑃</m:t>
+                          </m:r>
+                        </m:e>
+                        <m:sub>
+                          <m:r>
+                            <a:rPr lang="de-DE" sz="2800" b="0" i="1" smtClean="0">
+                              <a:latin typeface="Cambria Math" panose="02040503050406030204" pitchFamily="18" charset="0"/>
+                            </a:rPr>
+                            <m:t>𝑢</m:t>
+                          </m:r>
+                          <m:r>
+                            <a:rPr lang="de-DE" sz="2800" b="0" i="1" smtClean="0">
+                              <a:latin typeface="Cambria Math" panose="02040503050406030204" pitchFamily="18" charset="0"/>
+                            </a:rPr>
+                            <m:t>32</m:t>
+                          </m:r>
+                        </m:sub>
+                      </m:sSub>
+                    </m:oMath>
+                  </m:oMathPara>
+                </a14:m>
+                <a:endParaRPr lang="en-US" sz="2800" dirty="0"/>
+              </a:p>
+            </p:txBody>
+          </p:sp>
+        </mc:Choice>
+        <mc:Fallback>
+          <p:sp>
+            <p:nvSpPr>
+              <p:cNvPr id="78" name="TextBox 77">
+                <a:extLst>
+                  <a:ext uri="{FF2B5EF4-FFF2-40B4-BE49-F238E27FC236}">
+                    <a16:creationId xmlns:a16="http://schemas.microsoft.com/office/drawing/2014/main" id="{34B55887-135D-5116-C70E-E4670ED0B290}"/>
+                  </a:ext>
+                </a:extLst>
+              </p:cNvPr>
+              <p:cNvSpPr txBox="1">
+                <a:spLocks noRot="1" noChangeAspect="1" noMove="1" noResize="1" noEditPoints="1" noAdjustHandles="1" noChangeArrowheads="1" noChangeShapeType="1" noTextEdit="1"/>
+              </p:cNvSpPr>
+              <p:nvPr/>
+            </p:nvSpPr>
+            <p:spPr>
+              <a:xfrm>
+                <a:off x="9670719" y="3407614"/>
+                <a:ext cx="931986" cy="523220"/>
+              </a:xfrm>
+              <a:prstGeom prst="rect">
+                <a:avLst/>
+              </a:prstGeom>
+              <a:blipFill>
+                <a:blip r:embed="rId6"/>
+                <a:stretch>
+                  <a:fillRect/>
+                </a:stretch>
+              </a:blipFill>
+            </p:spPr>
+            <p:txBody>
+              <a:bodyPr/>
+              <a:lstStyle/>
+              <a:p>
+                <a:r>
+                  <a:rPr lang="en-US">
+                    <a:noFill/>
+                  </a:rPr>
+                  <a:t> </a:t>
+                </a:r>
+              </a:p>
+            </p:txBody>
+          </p:sp>
+        </mc:Fallback>
+      </mc:AlternateContent>
+      <mc:AlternateContent xmlns:mc="http://schemas.openxmlformats.org/markup-compatibility/2006">
+        <mc:Choice xmlns:a14="http://schemas.microsoft.com/office/drawing/2010/main" Requires="a14">
+          <p:sp>
+            <p:nvSpPr>
+              <p:cNvPr id="79" name="TextBox 78">
+                <a:extLst>
+                  <a:ext uri="{FF2B5EF4-FFF2-40B4-BE49-F238E27FC236}">
+                    <a16:creationId xmlns:a16="http://schemas.microsoft.com/office/drawing/2014/main" id="{4B861B3A-4DEC-15E6-CA0B-7D1A4714E8F8}"/>
+                  </a:ext>
+                </a:extLst>
+              </p:cNvPr>
+              <p:cNvSpPr txBox="1"/>
+              <p:nvPr/>
+            </p:nvSpPr>
+            <p:spPr>
+              <a:xfrm>
+                <a:off x="3387959" y="2104385"/>
+                <a:ext cx="919162" cy="523220"/>
+              </a:xfrm>
+              <a:prstGeom prst="rect">
+                <a:avLst/>
+              </a:prstGeom>
+              <a:noFill/>
+            </p:spPr>
+            <p:txBody>
+              <a:bodyPr wrap="none" rtlCol="0">
+                <a:spAutoFit/>
+              </a:bodyPr>
+              <a:lstStyle/>
+              <a:p>
+                <a:pPr/>
+                <a14:m>
+                  <m:oMathPara xmlns:m="http://schemas.openxmlformats.org/officeDocument/2006/math">
+                    <m:oMathParaPr>
+                      <m:jc m:val="centerGroup"/>
+                    </m:oMathParaPr>
+                    <m:oMath xmlns:m="http://schemas.openxmlformats.org/officeDocument/2006/math">
+                      <m:sSub>
+                        <m:sSubPr>
+                          <m:ctrlPr>
+                            <a:rPr lang="en-US" sz="2800" i="1" smtClean="0">
+                              <a:latin typeface="Cambria Math" panose="02040503050406030204" pitchFamily="18" charset="0"/>
+                            </a:rPr>
+                          </m:ctrlPr>
+                        </m:sSubPr>
+                        <m:e>
+                          <m:r>
+                            <a:rPr lang="en-US" sz="2800" b="0" i="1" smtClean="0">
+                              <a:latin typeface="Cambria Math" panose="02040503050406030204" pitchFamily="18" charset="0"/>
+                            </a:rPr>
+                            <m:t>𝑃</m:t>
+                          </m:r>
+                        </m:e>
+                        <m:sub>
+                          <m:r>
+                            <a:rPr lang="en-US" sz="2800" b="0" i="1" smtClean="0">
+                              <a:latin typeface="Cambria Math" panose="02040503050406030204" pitchFamily="18" charset="0"/>
+                            </a:rPr>
+                            <m:t>𝑏</m:t>
+                          </m:r>
+                          <m:r>
+                            <a:rPr lang="de-DE" sz="2800" b="0" i="1" smtClean="0">
+                              <a:latin typeface="Cambria Math" panose="02040503050406030204" pitchFamily="18" charset="0"/>
+                            </a:rPr>
+                            <m:t>2</m:t>
+                          </m:r>
+                          <m:r>
+                            <a:rPr lang="en-US" sz="2800" b="0" i="1" smtClean="0">
+                              <a:latin typeface="Cambria Math" panose="02040503050406030204" pitchFamily="18" charset="0"/>
+                            </a:rPr>
+                            <m:t>1</m:t>
+                          </m:r>
+                        </m:sub>
+                      </m:sSub>
+                    </m:oMath>
+                  </m:oMathPara>
+                </a14:m>
+                <a:endParaRPr lang="en-US" sz="2800" dirty="0"/>
+              </a:p>
+            </p:txBody>
+          </p:sp>
+        </mc:Choice>
+        <mc:Fallback>
+          <p:sp>
+            <p:nvSpPr>
+              <p:cNvPr id="79" name="TextBox 78">
+                <a:extLst>
+                  <a:ext uri="{FF2B5EF4-FFF2-40B4-BE49-F238E27FC236}">
+                    <a16:creationId xmlns:a16="http://schemas.microsoft.com/office/drawing/2014/main" id="{4B861B3A-4DEC-15E6-CA0B-7D1A4714E8F8}"/>
+                  </a:ext>
+                </a:extLst>
+              </p:cNvPr>
+              <p:cNvSpPr txBox="1">
+                <a:spLocks noRot="1" noChangeAspect="1" noMove="1" noResize="1" noEditPoints="1" noAdjustHandles="1" noChangeArrowheads="1" noChangeShapeType="1" noTextEdit="1"/>
+              </p:cNvSpPr>
+              <p:nvPr/>
+            </p:nvSpPr>
+            <p:spPr>
+              <a:xfrm>
+                <a:off x="3387959" y="2104385"/>
+                <a:ext cx="919162" cy="523220"/>
+              </a:xfrm>
+              <a:prstGeom prst="rect">
+                <a:avLst/>
+              </a:prstGeom>
+              <a:blipFill>
+                <a:blip r:embed="rId7"/>
+                <a:stretch>
+                  <a:fillRect/>
+                </a:stretch>
+              </a:blipFill>
+            </p:spPr>
+            <p:txBody>
+              <a:bodyPr/>
+              <a:lstStyle/>
+              <a:p>
+                <a:r>
+                  <a:rPr lang="en-US">
+                    <a:noFill/>
+                  </a:rPr>
+                  <a:t> </a:t>
+                </a:r>
+              </a:p>
+            </p:txBody>
+          </p:sp>
+        </mc:Fallback>
+      </mc:AlternateContent>
+      <mc:AlternateContent xmlns:mc="http://schemas.openxmlformats.org/markup-compatibility/2006">
+        <mc:Choice xmlns:a14="http://schemas.microsoft.com/office/drawing/2010/main" Requires="a14">
+          <p:sp>
+            <p:nvSpPr>
+              <p:cNvPr id="80" name="TextBox 79">
+                <a:extLst>
+                  <a:ext uri="{FF2B5EF4-FFF2-40B4-BE49-F238E27FC236}">
+                    <a16:creationId xmlns:a16="http://schemas.microsoft.com/office/drawing/2014/main" id="{B5A0564F-CA8B-6763-D2DE-F8E50C6E8172}"/>
+                  </a:ext>
+                </a:extLst>
+              </p:cNvPr>
+              <p:cNvSpPr txBox="1"/>
+              <p:nvPr/>
+            </p:nvSpPr>
+            <p:spPr>
+              <a:xfrm>
+                <a:off x="3353568" y="3202828"/>
+                <a:ext cx="919162" cy="523220"/>
+              </a:xfrm>
+              <a:prstGeom prst="rect">
+                <a:avLst/>
+              </a:prstGeom>
+              <a:noFill/>
+            </p:spPr>
+            <p:txBody>
+              <a:bodyPr wrap="none" rtlCol="0">
+                <a:spAutoFit/>
+              </a:bodyPr>
+              <a:lstStyle/>
+              <a:p>
+                <a:pPr/>
+                <a14:m>
+                  <m:oMathPara xmlns:m="http://schemas.openxmlformats.org/officeDocument/2006/math">
+                    <m:oMathParaPr>
+                      <m:jc m:val="centerGroup"/>
+                    </m:oMathParaPr>
+                    <m:oMath xmlns:m="http://schemas.openxmlformats.org/officeDocument/2006/math">
+                      <m:sSub>
+                        <m:sSubPr>
+                          <m:ctrlPr>
+                            <a:rPr lang="en-US" sz="2800" i="1" smtClean="0">
+                              <a:latin typeface="Cambria Math" panose="02040503050406030204" pitchFamily="18" charset="0"/>
+                            </a:rPr>
+                          </m:ctrlPr>
+                        </m:sSubPr>
+                        <m:e>
+                          <m:r>
+                            <a:rPr lang="en-US" sz="2800" b="0" i="1" smtClean="0">
+                              <a:latin typeface="Cambria Math" panose="02040503050406030204" pitchFamily="18" charset="0"/>
+                            </a:rPr>
+                            <m:t>𝑃</m:t>
+                          </m:r>
+                        </m:e>
+                        <m:sub>
+                          <m:r>
+                            <a:rPr lang="de-DE" sz="2800" b="0" i="1" smtClean="0">
+                              <a:latin typeface="Cambria Math" panose="02040503050406030204" pitchFamily="18" charset="0"/>
+                            </a:rPr>
+                            <m:t>𝑏</m:t>
+                          </m:r>
+                          <m:r>
+                            <a:rPr lang="de-DE" sz="2800" b="0" i="1" smtClean="0">
+                              <a:latin typeface="Cambria Math" panose="02040503050406030204" pitchFamily="18" charset="0"/>
+                            </a:rPr>
+                            <m:t>31</m:t>
+                          </m:r>
+                        </m:sub>
+                      </m:sSub>
+                    </m:oMath>
+                  </m:oMathPara>
+                </a14:m>
+                <a:endParaRPr lang="en-US" sz="2800" dirty="0"/>
+              </a:p>
+            </p:txBody>
+          </p:sp>
+        </mc:Choice>
+        <mc:Fallback>
+          <p:sp>
+            <p:nvSpPr>
+              <p:cNvPr id="80" name="TextBox 79">
+                <a:extLst>
+                  <a:ext uri="{FF2B5EF4-FFF2-40B4-BE49-F238E27FC236}">
+                    <a16:creationId xmlns:a16="http://schemas.microsoft.com/office/drawing/2014/main" id="{B5A0564F-CA8B-6763-D2DE-F8E50C6E8172}"/>
+                  </a:ext>
+                </a:extLst>
+              </p:cNvPr>
+              <p:cNvSpPr txBox="1">
+                <a:spLocks noRot="1" noChangeAspect="1" noMove="1" noResize="1" noEditPoints="1" noAdjustHandles="1" noChangeArrowheads="1" noChangeShapeType="1" noTextEdit="1"/>
+              </p:cNvSpPr>
+              <p:nvPr/>
+            </p:nvSpPr>
+            <p:spPr>
+              <a:xfrm>
+                <a:off x="3353568" y="3202828"/>
+                <a:ext cx="919162" cy="523220"/>
+              </a:xfrm>
+              <a:prstGeom prst="rect">
+                <a:avLst/>
+              </a:prstGeom>
+              <a:blipFill>
+                <a:blip r:embed="rId8"/>
+                <a:stretch>
+                  <a:fillRect/>
+                </a:stretch>
+              </a:blipFill>
+            </p:spPr>
+            <p:txBody>
+              <a:bodyPr/>
+              <a:lstStyle/>
+              <a:p>
+                <a:r>
+                  <a:rPr lang="en-US">
+                    <a:noFill/>
+                  </a:rPr>
+                  <a:t> </a:t>
+                </a:r>
+              </a:p>
+            </p:txBody>
+          </p:sp>
+        </mc:Fallback>
+      </mc:AlternateContent>
+      <mc:AlternateContent xmlns:mc="http://schemas.openxmlformats.org/markup-compatibility/2006">
+        <mc:Choice xmlns:a14="http://schemas.microsoft.com/office/drawing/2010/main" Requires="a14">
+          <p:sp>
+            <p:nvSpPr>
+              <p:cNvPr id="85" name="TextBox 84">
+                <a:extLst>
+                  <a:ext uri="{FF2B5EF4-FFF2-40B4-BE49-F238E27FC236}">
+                    <a16:creationId xmlns:a16="http://schemas.microsoft.com/office/drawing/2014/main" id="{6D5A1412-B186-6CEB-547E-B13CE79B9DB4}"/>
+                  </a:ext>
+                </a:extLst>
+              </p:cNvPr>
+              <p:cNvSpPr txBox="1"/>
+              <p:nvPr/>
+            </p:nvSpPr>
+            <p:spPr>
+              <a:xfrm>
+                <a:off x="5550729" y="11231"/>
+                <a:ext cx="931986" cy="523220"/>
+              </a:xfrm>
+              <a:prstGeom prst="rect">
+                <a:avLst/>
+              </a:prstGeom>
+              <a:noFill/>
+            </p:spPr>
+            <p:txBody>
+              <a:bodyPr wrap="none" rtlCol="0">
+                <a:spAutoFit/>
+              </a:bodyPr>
+              <a:lstStyle/>
+              <a:p>
+                <a:pPr/>
+                <a14:m>
+                  <m:oMathPara xmlns:m="http://schemas.openxmlformats.org/officeDocument/2006/math">
+                    <m:oMathParaPr>
+                      <m:jc m:val="centerGroup"/>
+                    </m:oMathParaPr>
+                    <m:oMath xmlns:m="http://schemas.openxmlformats.org/officeDocument/2006/math">
+                      <m:sSub>
+                        <m:sSubPr>
+                          <m:ctrlPr>
+                            <a:rPr lang="en-US" sz="2800" i="1" smtClean="0">
+                              <a:latin typeface="Cambria Math" panose="02040503050406030204" pitchFamily="18" charset="0"/>
+                            </a:rPr>
+                          </m:ctrlPr>
+                        </m:sSubPr>
+                        <m:e>
+                          <m:r>
+                            <a:rPr lang="en-US" sz="2800" b="0" i="1" smtClean="0">
+                              <a:latin typeface="Cambria Math" panose="02040503050406030204" pitchFamily="18" charset="0"/>
+                            </a:rPr>
+                            <m:t>𝑃</m:t>
+                          </m:r>
+                        </m:e>
+                        <m:sub>
+                          <m:r>
+                            <a:rPr lang="de-DE" sz="2800" b="0" i="1" smtClean="0">
+                              <a:latin typeface="Cambria Math" panose="02040503050406030204" pitchFamily="18" charset="0"/>
+                            </a:rPr>
+                            <m:t>𝑢</m:t>
+                          </m:r>
+                          <m:r>
+                            <a:rPr lang="de-DE" sz="2800" b="0" i="1" smtClean="0">
+                              <a:latin typeface="Cambria Math" panose="02040503050406030204" pitchFamily="18" charset="0"/>
+                            </a:rPr>
+                            <m:t>21</m:t>
+                          </m:r>
+                        </m:sub>
+                      </m:sSub>
+                    </m:oMath>
+                  </m:oMathPara>
+                </a14:m>
+                <a:endParaRPr lang="en-US" sz="2800" dirty="0"/>
+              </a:p>
+            </p:txBody>
+          </p:sp>
+        </mc:Choice>
+        <mc:Fallback>
+          <p:sp>
+            <p:nvSpPr>
+              <p:cNvPr id="85" name="TextBox 84">
+                <a:extLst>
+                  <a:ext uri="{FF2B5EF4-FFF2-40B4-BE49-F238E27FC236}">
+                    <a16:creationId xmlns:a16="http://schemas.microsoft.com/office/drawing/2014/main" id="{6D5A1412-B186-6CEB-547E-B13CE79B9DB4}"/>
+                  </a:ext>
+                </a:extLst>
+              </p:cNvPr>
+              <p:cNvSpPr txBox="1">
+                <a:spLocks noRot="1" noChangeAspect="1" noMove="1" noResize="1" noEditPoints="1" noAdjustHandles="1" noChangeArrowheads="1" noChangeShapeType="1" noTextEdit="1"/>
+              </p:cNvSpPr>
+              <p:nvPr/>
+            </p:nvSpPr>
+            <p:spPr>
+              <a:xfrm>
+                <a:off x="5550729" y="11231"/>
+                <a:ext cx="931986" cy="523220"/>
+              </a:xfrm>
+              <a:prstGeom prst="rect">
+                <a:avLst/>
+              </a:prstGeom>
+              <a:blipFill>
+                <a:blip r:embed="rId9"/>
+                <a:stretch>
+                  <a:fillRect/>
+                </a:stretch>
+              </a:blipFill>
+            </p:spPr>
+            <p:txBody>
+              <a:bodyPr/>
+              <a:lstStyle/>
+              <a:p>
+                <a:r>
+                  <a:rPr lang="en-US">
+                    <a:noFill/>
+                  </a:rPr>
+                  <a:t> </a:t>
+                </a:r>
+              </a:p>
+            </p:txBody>
+          </p:sp>
+        </mc:Fallback>
+      </mc:AlternateContent>
+      <p:grpSp>
+        <p:nvGrpSpPr>
+          <p:cNvPr id="89" name="Group 88">
+            <a:extLst>
+              <a:ext uri="{FF2B5EF4-FFF2-40B4-BE49-F238E27FC236}">
+                <a16:creationId xmlns:a16="http://schemas.microsoft.com/office/drawing/2014/main" id="{1861ADD0-E356-2CCA-79C0-749CD45A1F4E}"/>
+              </a:ext>
+            </a:extLst>
+          </p:cNvPr>
+          <p:cNvGrpSpPr/>
+          <p:nvPr/>
+        </p:nvGrpSpPr>
+        <p:grpSpPr>
+          <a:xfrm>
+            <a:off x="3452487" y="2663969"/>
+            <a:ext cx="1255894" cy="523220"/>
+            <a:chOff x="5372824" y="4174268"/>
+            <a:chExt cx="734184" cy="523220"/>
+          </a:xfrm>
+        </p:grpSpPr>
+        <p:sp>
+          <p:nvSpPr>
+            <p:cNvPr id="87" name="Rectangle 86">
+              <a:extLst>
+                <a:ext uri="{FF2B5EF4-FFF2-40B4-BE49-F238E27FC236}">
+                  <a16:creationId xmlns:a16="http://schemas.microsoft.com/office/drawing/2014/main" id="{AC295BC0-AAC9-E382-2BCD-8F520AC95015}"/>
+                </a:ext>
+              </a:extLst>
+            </p:cNvPr>
+            <p:cNvSpPr/>
+            <p:nvPr/>
+          </p:nvSpPr>
+          <p:spPr>
+            <a:xfrm>
+              <a:off x="5429135" y="4301147"/>
+              <a:ext cx="611768" cy="235657"/>
+            </a:xfrm>
+            <a:prstGeom prst="rect">
+              <a:avLst/>
+            </a:prstGeom>
+            <a:solidFill>
+              <a:schemeClr val="bg1">
+                <a:alpha val="66000"/>
+              </a:schemeClr>
+            </a:solidFill>
+            <a:ln>
+              <a:noFill/>
+            </a:ln>
+          </p:spPr>
+          <p:style>
+            <a:lnRef idx="2">
+              <a:schemeClr val="accent1">
+                <a:shade val="15000"/>
+              </a:schemeClr>
+            </a:lnRef>
+            <a:fillRef idx="1">
+              <a:schemeClr val="accent1"/>
+            </a:fillRef>
+            <a:effectRef idx="0">
+              <a:schemeClr val="accent1"/>
+            </a:effectRef>
+            <a:fontRef idx="minor">
+              <a:schemeClr val="lt1"/>
+            </a:fontRef>
+          </p:style>
+          <p:txBody>
+            <a:bodyPr rtlCol="0" anchor="ctr"/>
+            <a:lstStyle/>
+            <a:p>
+              <a:pPr algn="ctr"/>
+              <a:endParaRPr lang="en-US" sz="2800" b="1"/>
+            </a:p>
+          </p:txBody>
+        </p:sp>
+        <mc:AlternateContent xmlns:mc="http://schemas.openxmlformats.org/markup-compatibility/2006">
+          <mc:Choice xmlns:a14="http://schemas.microsoft.com/office/drawing/2010/main" Requires="a14">
+            <p:sp>
+              <p:nvSpPr>
+                <p:cNvPr id="88" name="TextBox 87">
+                  <a:extLst>
+                    <a:ext uri="{FF2B5EF4-FFF2-40B4-BE49-F238E27FC236}">
+                      <a16:creationId xmlns:a16="http://schemas.microsoft.com/office/drawing/2014/main" id="{7BD66680-0B0C-CA06-49E4-D08749B903B0}"/>
+                    </a:ext>
+                  </a:extLst>
+                </p:cNvPr>
+                <p:cNvSpPr txBox="1"/>
+                <p:nvPr/>
+              </p:nvSpPr>
+              <p:spPr>
+                <a:xfrm>
+                  <a:off x="5372824" y="4174268"/>
+                  <a:ext cx="734184" cy="523220"/>
+                </a:xfrm>
+                <a:prstGeom prst="rect">
+                  <a:avLst/>
+                </a:prstGeom>
+                <a:noFill/>
+              </p:spPr>
+              <p:txBody>
+                <a:bodyPr wrap="square" rtlCol="0">
+                  <a:spAutoFit/>
+                </a:bodyPr>
+                <a:lstStyle/>
+                <a:p>
+                  <a:pPr algn="ctr"/>
+                  <a:r>
+                    <a:rPr lang="en-US" sz="2800" b="1" dirty="0"/>
+                    <a:t>Pipe </a:t>
+                  </a:r>
+                  <a14:m>
+                    <m:oMath xmlns:m="http://schemas.openxmlformats.org/officeDocument/2006/math">
+                      <m:r>
+                        <a:rPr lang="en-US" sz="2800" b="1" i="1" dirty="0" smtClean="0">
+                          <a:latin typeface="Cambria Math" panose="02040503050406030204" pitchFamily="18" charset="0"/>
+                        </a:rPr>
+                        <m:t>𝟏</m:t>
+                      </m:r>
+                    </m:oMath>
+                  </a14:m>
+                  <a:endParaRPr lang="en-DE" sz="2800" b="1" dirty="0"/>
+                </a:p>
+              </p:txBody>
+            </p:sp>
+          </mc:Choice>
+          <mc:Fallback>
+            <p:sp>
+              <p:nvSpPr>
+                <p:cNvPr id="88" name="TextBox 87">
+                  <a:extLst>
+                    <a:ext uri="{FF2B5EF4-FFF2-40B4-BE49-F238E27FC236}">
+                      <a16:creationId xmlns:a16="http://schemas.microsoft.com/office/drawing/2014/main" id="{7BD66680-0B0C-CA06-49E4-D08749B903B0}"/>
+                    </a:ext>
+                  </a:extLst>
+                </p:cNvPr>
+                <p:cNvSpPr txBox="1">
+                  <a:spLocks noRot="1" noChangeAspect="1" noMove="1" noResize="1" noEditPoints="1" noAdjustHandles="1" noChangeArrowheads="1" noChangeShapeType="1" noTextEdit="1"/>
+                </p:cNvSpPr>
+                <p:nvPr/>
+              </p:nvSpPr>
+              <p:spPr>
+                <a:xfrm>
+                  <a:off x="5372824" y="4174268"/>
+                  <a:ext cx="734184" cy="523220"/>
+                </a:xfrm>
+                <a:prstGeom prst="rect">
+                  <a:avLst/>
+                </a:prstGeom>
+                <a:blipFill>
+                  <a:blip r:embed="rId10"/>
+                  <a:stretch>
+                    <a:fillRect l="-7282" t="-11628" b="-31395"/>
+                  </a:stretch>
+                </a:blipFill>
+              </p:spPr>
+              <p:txBody>
+                <a:bodyPr/>
+                <a:lstStyle/>
+                <a:p>
+                  <a:r>
+                    <a:rPr lang="en-US">
+                      <a:noFill/>
+                    </a:rPr>
+                    <a:t> </a:t>
+                  </a:r>
+                </a:p>
+              </p:txBody>
+            </p:sp>
+          </mc:Fallback>
+        </mc:AlternateContent>
+      </p:grpSp>
+      <mc:AlternateContent xmlns:mc="http://schemas.openxmlformats.org/markup-compatibility/2006">
+        <mc:Choice xmlns:a14="http://schemas.microsoft.com/office/drawing/2010/main" Requires="a14">
+          <p:sp>
+            <p:nvSpPr>
+              <p:cNvPr id="93" name="TextBox 92">
+                <a:extLst>
+                  <a:ext uri="{FF2B5EF4-FFF2-40B4-BE49-F238E27FC236}">
+                    <a16:creationId xmlns:a16="http://schemas.microsoft.com/office/drawing/2014/main" id="{FF205775-2175-7DC8-9E86-61EC71FA2E5A}"/>
+                  </a:ext>
+                </a:extLst>
+              </p:cNvPr>
+              <p:cNvSpPr txBox="1"/>
+              <p:nvPr/>
+            </p:nvSpPr>
+            <p:spPr>
+              <a:xfrm>
+                <a:off x="5832379" y="5428549"/>
+                <a:ext cx="931986" cy="523220"/>
+              </a:xfrm>
+              <a:prstGeom prst="rect">
+                <a:avLst/>
+              </a:prstGeom>
+              <a:noFill/>
+            </p:spPr>
+            <p:txBody>
+              <a:bodyPr wrap="none" rtlCol="0">
+                <a:spAutoFit/>
+              </a:bodyPr>
+              <a:lstStyle/>
+              <a:p>
+                <a:pPr/>
+                <a14:m>
+                  <m:oMathPara xmlns:m="http://schemas.openxmlformats.org/officeDocument/2006/math">
+                    <m:oMathParaPr>
+                      <m:jc m:val="centerGroup"/>
+                    </m:oMathParaPr>
+                    <m:oMath xmlns:m="http://schemas.openxmlformats.org/officeDocument/2006/math">
+                      <m:sSub>
+                        <m:sSubPr>
+                          <m:ctrlPr>
+                            <a:rPr lang="en-US" sz="2800" i="1" smtClean="0">
+                              <a:latin typeface="Cambria Math" panose="02040503050406030204" pitchFamily="18" charset="0"/>
+                            </a:rPr>
+                          </m:ctrlPr>
+                        </m:sSubPr>
+                        <m:e>
+                          <m:r>
+                            <a:rPr lang="en-US" sz="2800" b="0" i="1" smtClean="0">
+                              <a:latin typeface="Cambria Math" panose="02040503050406030204" pitchFamily="18" charset="0"/>
+                            </a:rPr>
+                            <m:t>𝑃</m:t>
+                          </m:r>
+                        </m:e>
+                        <m:sub>
+                          <m:r>
+                            <a:rPr lang="en-US" sz="2800" b="0" i="1" smtClean="0">
+                              <a:latin typeface="Cambria Math" panose="02040503050406030204" pitchFamily="18" charset="0"/>
+                            </a:rPr>
+                            <m:t>𝑢</m:t>
+                          </m:r>
+                          <m:r>
+                            <a:rPr lang="de-DE" sz="2800" b="0" i="1" smtClean="0">
+                              <a:latin typeface="Cambria Math" panose="02040503050406030204" pitchFamily="18" charset="0"/>
+                            </a:rPr>
+                            <m:t>31</m:t>
+                          </m:r>
+                        </m:sub>
+                      </m:sSub>
+                    </m:oMath>
+                  </m:oMathPara>
+                </a14:m>
+                <a:endParaRPr lang="en-US" sz="2800" dirty="0"/>
+              </a:p>
+            </p:txBody>
+          </p:sp>
+        </mc:Choice>
+        <mc:Fallback>
+          <p:sp>
+            <p:nvSpPr>
+              <p:cNvPr id="93" name="TextBox 92">
+                <a:extLst>
+                  <a:ext uri="{FF2B5EF4-FFF2-40B4-BE49-F238E27FC236}">
+                    <a16:creationId xmlns:a16="http://schemas.microsoft.com/office/drawing/2014/main" id="{FF205775-2175-7DC8-9E86-61EC71FA2E5A}"/>
+                  </a:ext>
+                </a:extLst>
+              </p:cNvPr>
+              <p:cNvSpPr txBox="1">
+                <a:spLocks noRot="1" noChangeAspect="1" noMove="1" noResize="1" noEditPoints="1" noAdjustHandles="1" noChangeArrowheads="1" noChangeShapeType="1" noTextEdit="1"/>
+              </p:cNvSpPr>
+              <p:nvPr/>
+            </p:nvSpPr>
+            <p:spPr>
+              <a:xfrm>
+                <a:off x="5832379" y="5428549"/>
+                <a:ext cx="931986" cy="523220"/>
+              </a:xfrm>
+              <a:prstGeom prst="rect">
+                <a:avLst/>
+              </a:prstGeom>
+              <a:blipFill>
+                <a:blip r:embed="rId11"/>
+                <a:stretch>
+                  <a:fillRect/>
+                </a:stretch>
+              </a:blipFill>
+            </p:spPr>
+            <p:txBody>
+              <a:bodyPr/>
+              <a:lstStyle/>
+              <a:p>
+                <a:r>
+                  <a:rPr lang="en-US">
+                    <a:noFill/>
+                  </a:rPr>
+                  <a:t> </a:t>
+                </a:r>
+              </a:p>
+            </p:txBody>
+          </p:sp>
+        </mc:Fallback>
+      </mc:AlternateContent>
+      <mc:AlternateContent xmlns:mc="http://schemas.openxmlformats.org/markup-compatibility/2006">
+        <mc:Choice xmlns:a14="http://schemas.microsoft.com/office/drawing/2010/main" Requires="a14">
+          <p:sp>
+            <p:nvSpPr>
+              <p:cNvPr id="96" name="TextBox 95">
+                <a:extLst>
+                  <a:ext uri="{FF2B5EF4-FFF2-40B4-BE49-F238E27FC236}">
+                    <a16:creationId xmlns:a16="http://schemas.microsoft.com/office/drawing/2014/main" id="{39F38951-2D43-8247-CBA1-C17A77BFC1E0}"/>
+                  </a:ext>
+                </a:extLst>
+              </p:cNvPr>
+              <p:cNvSpPr txBox="1"/>
+              <p:nvPr/>
+            </p:nvSpPr>
+            <p:spPr>
+              <a:xfrm>
+                <a:off x="5529546" y="992204"/>
+                <a:ext cx="919162" cy="523220"/>
+              </a:xfrm>
+              <a:prstGeom prst="rect">
+                <a:avLst/>
+              </a:prstGeom>
+              <a:noFill/>
+            </p:spPr>
+            <p:txBody>
+              <a:bodyPr wrap="none" rtlCol="0">
+                <a:spAutoFit/>
+              </a:bodyPr>
+              <a:lstStyle/>
+              <a:p>
+                <a:pPr/>
+                <a14:m>
+                  <m:oMathPara xmlns:m="http://schemas.openxmlformats.org/officeDocument/2006/math">
+                    <m:oMathParaPr>
+                      <m:jc m:val="centerGroup"/>
+                    </m:oMathParaPr>
+                    <m:oMath xmlns:m="http://schemas.openxmlformats.org/officeDocument/2006/math">
+                      <m:sSub>
+                        <m:sSubPr>
+                          <m:ctrlPr>
+                            <a:rPr lang="en-US" sz="2800" i="1" smtClean="0">
+                              <a:latin typeface="Cambria Math" panose="02040503050406030204" pitchFamily="18" charset="0"/>
+                            </a:rPr>
+                          </m:ctrlPr>
+                        </m:sSubPr>
+                        <m:e>
+                          <m:r>
+                            <a:rPr lang="en-US" sz="2800" b="0" i="1" smtClean="0">
+                              <a:latin typeface="Cambria Math" panose="02040503050406030204" pitchFamily="18" charset="0"/>
+                            </a:rPr>
+                            <m:t>𝑃</m:t>
+                          </m:r>
+                        </m:e>
+                        <m:sub>
+                          <m:r>
+                            <a:rPr lang="en-US" sz="2800" b="0" i="1" smtClean="0">
+                              <a:latin typeface="Cambria Math" panose="02040503050406030204" pitchFamily="18" charset="0"/>
+                            </a:rPr>
+                            <m:t>𝑏</m:t>
+                          </m:r>
+                          <m:r>
+                            <a:rPr lang="en-US" sz="2800" b="0" i="1" smtClean="0">
+                              <a:latin typeface="Cambria Math" panose="02040503050406030204" pitchFamily="18" charset="0"/>
+                            </a:rPr>
+                            <m:t>22</m:t>
+                          </m:r>
+                        </m:sub>
+                      </m:sSub>
+                    </m:oMath>
+                  </m:oMathPara>
+                </a14:m>
+                <a:endParaRPr lang="en-US" sz="2800" dirty="0"/>
+              </a:p>
+            </p:txBody>
+          </p:sp>
+        </mc:Choice>
+        <mc:Fallback>
+          <p:sp>
+            <p:nvSpPr>
+              <p:cNvPr id="96" name="TextBox 95">
+                <a:extLst>
+                  <a:ext uri="{FF2B5EF4-FFF2-40B4-BE49-F238E27FC236}">
+                    <a16:creationId xmlns:a16="http://schemas.microsoft.com/office/drawing/2014/main" id="{39F38951-2D43-8247-CBA1-C17A77BFC1E0}"/>
+                  </a:ext>
+                </a:extLst>
+              </p:cNvPr>
+              <p:cNvSpPr txBox="1">
+                <a:spLocks noRot="1" noChangeAspect="1" noMove="1" noResize="1" noEditPoints="1" noAdjustHandles="1" noChangeArrowheads="1" noChangeShapeType="1" noTextEdit="1"/>
+              </p:cNvSpPr>
+              <p:nvPr/>
+            </p:nvSpPr>
+            <p:spPr>
+              <a:xfrm>
+                <a:off x="5529546" y="992204"/>
+                <a:ext cx="919162" cy="523220"/>
+              </a:xfrm>
+              <a:prstGeom prst="rect">
+                <a:avLst/>
+              </a:prstGeom>
+              <a:blipFill>
+                <a:blip r:embed="rId12"/>
+                <a:stretch>
+                  <a:fillRect/>
+                </a:stretch>
+              </a:blipFill>
+            </p:spPr>
+            <p:txBody>
+              <a:bodyPr/>
+              <a:lstStyle/>
+              <a:p>
+                <a:r>
+                  <a:rPr lang="en-US">
+                    <a:noFill/>
+                  </a:rPr>
+                  <a:t> </a:t>
+                </a:r>
+              </a:p>
+            </p:txBody>
+          </p:sp>
+        </mc:Fallback>
+      </mc:AlternateContent>
+      <p:cxnSp>
+        <p:nvCxnSpPr>
+          <p:cNvPr id="20" name="Straight Connector 19">
+            <a:extLst>
+              <a:ext uri="{FF2B5EF4-FFF2-40B4-BE49-F238E27FC236}">
+                <a16:creationId xmlns:a16="http://schemas.microsoft.com/office/drawing/2014/main" id="{ECA202D0-9F2C-CB7B-63E7-70FDD27984CB}"/>
+              </a:ext>
+            </a:extLst>
+          </p:cNvPr>
+          <p:cNvCxnSpPr>
+            <a:cxnSpLocks/>
+          </p:cNvCxnSpPr>
+          <p:nvPr/>
+        </p:nvCxnSpPr>
+        <p:spPr>
+          <a:xfrm flipH="1">
+            <a:off x="1805422" y="553718"/>
+            <a:ext cx="4178056" cy="2292352"/>
+          </a:xfrm>
+          <a:prstGeom prst="line">
+            <a:avLst/>
+          </a:prstGeom>
+        </p:spPr>
+        <p:style>
+          <a:lnRef idx="2">
+            <a:schemeClr val="accent1"/>
+          </a:lnRef>
+          <a:fillRef idx="0">
+            <a:schemeClr val="accent1"/>
+          </a:fillRef>
+          <a:effectRef idx="1">
+            <a:schemeClr val="accent1"/>
+          </a:effectRef>
+          <a:fontRef idx="minor">
+            <a:schemeClr val="tx1"/>
+          </a:fontRef>
+        </p:style>
+      </p:cxnSp>
+      <p:cxnSp>
+        <p:nvCxnSpPr>
+          <p:cNvPr id="30" name="Straight Connector 29">
+            <a:extLst>
+              <a:ext uri="{FF2B5EF4-FFF2-40B4-BE49-F238E27FC236}">
+                <a16:creationId xmlns:a16="http://schemas.microsoft.com/office/drawing/2014/main" id="{D1088AB0-BFAC-F350-B95C-DB37204BFD4B}"/>
+              </a:ext>
+            </a:extLst>
+          </p:cNvPr>
+          <p:cNvCxnSpPr>
+            <a:cxnSpLocks/>
+          </p:cNvCxnSpPr>
+          <p:nvPr/>
+        </p:nvCxnSpPr>
+        <p:spPr>
+          <a:xfrm flipH="1" flipV="1">
+            <a:off x="1797411" y="3005666"/>
+            <a:ext cx="3902259" cy="2591925"/>
+          </a:xfrm>
+          <a:prstGeom prst="line">
+            <a:avLst/>
+          </a:prstGeom>
+        </p:spPr>
+        <p:style>
+          <a:lnRef idx="2">
+            <a:schemeClr val="accent1"/>
+          </a:lnRef>
+          <a:fillRef idx="0">
+            <a:schemeClr val="accent1"/>
+          </a:fillRef>
+          <a:effectRef idx="1">
+            <a:schemeClr val="accent1"/>
+          </a:effectRef>
+          <a:fontRef idx="minor">
+            <a:schemeClr val="tx1"/>
+          </a:fontRef>
+        </p:style>
+      </p:cxnSp>
+      <p:cxnSp>
+        <p:nvCxnSpPr>
+          <p:cNvPr id="42" name="Straight Connector 41">
+            <a:extLst>
+              <a:ext uri="{FF2B5EF4-FFF2-40B4-BE49-F238E27FC236}">
+                <a16:creationId xmlns:a16="http://schemas.microsoft.com/office/drawing/2014/main" id="{4EC45ABF-5CD7-1972-D430-CA055B70C0B5}"/>
+              </a:ext>
+            </a:extLst>
+          </p:cNvPr>
+          <p:cNvCxnSpPr>
+            <a:cxnSpLocks/>
+          </p:cNvCxnSpPr>
+          <p:nvPr/>
+        </p:nvCxnSpPr>
+        <p:spPr>
+          <a:xfrm>
+            <a:off x="1227594" y="2849929"/>
+            <a:ext cx="577828" cy="0"/>
+          </a:xfrm>
+          <a:prstGeom prst="line">
+            <a:avLst/>
+          </a:prstGeom>
+        </p:spPr>
+        <p:style>
+          <a:lnRef idx="2">
+            <a:schemeClr val="accent1"/>
+          </a:lnRef>
+          <a:fillRef idx="0">
+            <a:schemeClr val="accent1"/>
+          </a:fillRef>
+          <a:effectRef idx="1">
+            <a:schemeClr val="accent1"/>
+          </a:effectRef>
+          <a:fontRef idx="minor">
+            <a:schemeClr val="tx1"/>
+          </a:fontRef>
+        </p:style>
+      </p:cxnSp>
+      <p:cxnSp>
+        <p:nvCxnSpPr>
+          <p:cNvPr id="43" name="Straight Connector 42">
+            <a:extLst>
+              <a:ext uri="{FF2B5EF4-FFF2-40B4-BE49-F238E27FC236}">
+                <a16:creationId xmlns:a16="http://schemas.microsoft.com/office/drawing/2014/main" id="{5DBD1CC5-013E-3B00-DBD1-D6404D73A896}"/>
+              </a:ext>
+            </a:extLst>
+          </p:cNvPr>
+          <p:cNvCxnSpPr>
+            <a:cxnSpLocks/>
+          </p:cNvCxnSpPr>
+          <p:nvPr/>
+        </p:nvCxnSpPr>
+        <p:spPr>
+          <a:xfrm flipV="1">
+            <a:off x="1227594" y="3000212"/>
+            <a:ext cx="577828" cy="5454"/>
+          </a:xfrm>
+          <a:prstGeom prst="line">
+            <a:avLst/>
+          </a:prstGeom>
+        </p:spPr>
+        <p:style>
+          <a:lnRef idx="2">
+            <a:schemeClr val="accent1"/>
+          </a:lnRef>
+          <a:fillRef idx="0">
+            <a:schemeClr val="accent1"/>
+          </a:fillRef>
+          <a:effectRef idx="1">
+            <a:schemeClr val="accent1"/>
+          </a:effectRef>
+          <a:fontRef idx="minor">
+            <a:schemeClr val="tx1"/>
+          </a:fontRef>
+        </p:style>
+      </p:cxnSp>
+      <p:cxnSp>
+        <p:nvCxnSpPr>
+          <p:cNvPr id="52" name="Straight Connector 51">
+            <a:extLst>
+              <a:ext uri="{FF2B5EF4-FFF2-40B4-BE49-F238E27FC236}">
+                <a16:creationId xmlns:a16="http://schemas.microsoft.com/office/drawing/2014/main" id="{751EBEF3-6353-44D6-467B-A44A8DFCE02B}"/>
+              </a:ext>
+            </a:extLst>
+          </p:cNvPr>
+          <p:cNvCxnSpPr>
+            <a:cxnSpLocks/>
+          </p:cNvCxnSpPr>
+          <p:nvPr/>
+        </p:nvCxnSpPr>
+        <p:spPr>
+          <a:xfrm>
+            <a:off x="2756613" y="2637118"/>
+            <a:ext cx="5970454" cy="13033"/>
+          </a:xfrm>
+          <a:prstGeom prst="line">
+            <a:avLst/>
+          </a:prstGeom>
+        </p:spPr>
+        <p:style>
+          <a:lnRef idx="2">
+            <a:schemeClr val="accent1"/>
+          </a:lnRef>
+          <a:fillRef idx="0">
+            <a:schemeClr val="accent1"/>
+          </a:fillRef>
+          <a:effectRef idx="1">
+            <a:schemeClr val="accent1"/>
+          </a:effectRef>
+          <a:fontRef idx="minor">
+            <a:schemeClr val="tx1"/>
+          </a:fontRef>
+        </p:style>
+      </p:cxnSp>
+      <p:cxnSp>
+        <p:nvCxnSpPr>
+          <p:cNvPr id="54" name="Straight Connector 53">
+            <a:extLst>
+              <a:ext uri="{FF2B5EF4-FFF2-40B4-BE49-F238E27FC236}">
+                <a16:creationId xmlns:a16="http://schemas.microsoft.com/office/drawing/2014/main" id="{66CFFC11-60AA-2519-DCB0-A9F2DEFA24BC}"/>
+              </a:ext>
+            </a:extLst>
+          </p:cNvPr>
+          <p:cNvCxnSpPr>
+            <a:cxnSpLocks/>
+          </p:cNvCxnSpPr>
+          <p:nvPr/>
+        </p:nvCxnSpPr>
+        <p:spPr>
+          <a:xfrm>
+            <a:off x="2590527" y="3157668"/>
+            <a:ext cx="6136540" cy="32849"/>
+          </a:xfrm>
+          <a:prstGeom prst="line">
+            <a:avLst/>
+          </a:prstGeom>
+        </p:spPr>
+        <p:style>
+          <a:lnRef idx="2">
+            <a:schemeClr val="accent1"/>
+          </a:lnRef>
+          <a:fillRef idx="0">
+            <a:schemeClr val="accent1"/>
+          </a:fillRef>
+          <a:effectRef idx="1">
+            <a:schemeClr val="accent1"/>
+          </a:effectRef>
+          <a:fontRef idx="minor">
+            <a:schemeClr val="tx1"/>
+          </a:fontRef>
+        </p:style>
+      </p:cxnSp>
+      <p:cxnSp>
+        <p:nvCxnSpPr>
+          <p:cNvPr id="57" name="Straight Connector 56">
+            <a:extLst>
+              <a:ext uri="{FF2B5EF4-FFF2-40B4-BE49-F238E27FC236}">
+                <a16:creationId xmlns:a16="http://schemas.microsoft.com/office/drawing/2014/main" id="{EC0C51A3-9B5D-1424-B57D-7156ED0DE485}"/>
+              </a:ext>
+            </a:extLst>
+          </p:cNvPr>
+          <p:cNvCxnSpPr>
+            <a:cxnSpLocks/>
+          </p:cNvCxnSpPr>
+          <p:nvPr/>
+        </p:nvCxnSpPr>
+        <p:spPr>
+          <a:xfrm flipH="1">
+            <a:off x="2703989" y="923050"/>
+            <a:ext cx="3277367" cy="1727101"/>
+          </a:xfrm>
+          <a:prstGeom prst="line">
+            <a:avLst/>
+          </a:prstGeom>
+        </p:spPr>
+        <p:style>
+          <a:lnRef idx="2">
+            <a:schemeClr val="accent1"/>
+          </a:lnRef>
+          <a:fillRef idx="0">
+            <a:schemeClr val="accent1"/>
+          </a:fillRef>
+          <a:effectRef idx="1">
+            <a:schemeClr val="accent1"/>
+          </a:effectRef>
+          <a:fontRef idx="minor">
+            <a:schemeClr val="tx1"/>
+          </a:fontRef>
+        </p:style>
+      </p:cxnSp>
+      <p:cxnSp>
+        <p:nvCxnSpPr>
+          <p:cNvPr id="64" name="Straight Connector 63">
+            <a:extLst>
+              <a:ext uri="{FF2B5EF4-FFF2-40B4-BE49-F238E27FC236}">
+                <a16:creationId xmlns:a16="http://schemas.microsoft.com/office/drawing/2014/main" id="{80E8C2C8-E77D-DA97-01DF-31BB255F415B}"/>
+              </a:ext>
+            </a:extLst>
+          </p:cNvPr>
+          <p:cNvCxnSpPr>
+            <a:cxnSpLocks/>
+          </p:cNvCxnSpPr>
+          <p:nvPr/>
+        </p:nvCxnSpPr>
+        <p:spPr>
+          <a:xfrm flipH="1" flipV="1">
+            <a:off x="2590527" y="3160549"/>
+            <a:ext cx="3091848" cy="2013754"/>
+          </a:xfrm>
+          <a:prstGeom prst="line">
+            <a:avLst/>
+          </a:prstGeom>
+        </p:spPr>
+        <p:style>
+          <a:lnRef idx="2">
+            <a:schemeClr val="accent1"/>
+          </a:lnRef>
+          <a:fillRef idx="0">
+            <a:schemeClr val="accent1"/>
+          </a:fillRef>
+          <a:effectRef idx="1">
+            <a:schemeClr val="accent1"/>
+          </a:effectRef>
+          <a:fontRef idx="minor">
+            <a:schemeClr val="tx1"/>
+          </a:fontRef>
+        </p:style>
+      </p:cxnSp>
+      <p:cxnSp>
+        <p:nvCxnSpPr>
+          <p:cNvPr id="76" name="Straight Connector 75">
+            <a:extLst>
+              <a:ext uri="{FF2B5EF4-FFF2-40B4-BE49-F238E27FC236}">
+                <a16:creationId xmlns:a16="http://schemas.microsoft.com/office/drawing/2014/main" id="{8284B1F7-51E7-178E-9179-F4B6036030A3}"/>
+              </a:ext>
+            </a:extLst>
+          </p:cNvPr>
+          <p:cNvCxnSpPr>
+            <a:cxnSpLocks/>
+          </p:cNvCxnSpPr>
+          <p:nvPr/>
+        </p:nvCxnSpPr>
+        <p:spPr>
+          <a:xfrm>
+            <a:off x="5983478" y="913400"/>
+            <a:ext cx="2743589" cy="1720675"/>
+          </a:xfrm>
+          <a:prstGeom prst="line">
+            <a:avLst/>
+          </a:prstGeom>
+        </p:spPr>
+        <p:style>
+          <a:lnRef idx="2">
+            <a:schemeClr val="accent1"/>
+          </a:lnRef>
+          <a:fillRef idx="0">
+            <a:schemeClr val="accent1"/>
+          </a:fillRef>
+          <a:effectRef idx="1">
+            <a:schemeClr val="accent1"/>
+          </a:effectRef>
+          <a:fontRef idx="minor">
+            <a:schemeClr val="tx1"/>
+          </a:fontRef>
+        </p:style>
+      </p:cxnSp>
+      <p:cxnSp>
+        <p:nvCxnSpPr>
+          <p:cNvPr id="102" name="Straight Connector 101">
+            <a:extLst>
+              <a:ext uri="{FF2B5EF4-FFF2-40B4-BE49-F238E27FC236}">
+                <a16:creationId xmlns:a16="http://schemas.microsoft.com/office/drawing/2014/main" id="{93C099AC-65AD-0B6F-EFFD-16EC1F7D26D9}"/>
+              </a:ext>
+            </a:extLst>
+          </p:cNvPr>
+          <p:cNvCxnSpPr>
+            <a:cxnSpLocks/>
+          </p:cNvCxnSpPr>
+          <p:nvPr/>
+        </p:nvCxnSpPr>
+        <p:spPr>
+          <a:xfrm>
+            <a:off x="5983406" y="533778"/>
+            <a:ext cx="3566390" cy="2318774"/>
+          </a:xfrm>
+          <a:prstGeom prst="line">
+            <a:avLst/>
+          </a:prstGeom>
+        </p:spPr>
+        <p:style>
+          <a:lnRef idx="2">
+            <a:schemeClr val="accent1"/>
+          </a:lnRef>
+          <a:fillRef idx="0">
+            <a:schemeClr val="accent1"/>
+          </a:fillRef>
+          <a:effectRef idx="1">
+            <a:schemeClr val="accent1"/>
+          </a:effectRef>
+          <a:fontRef idx="minor">
+            <a:schemeClr val="tx1"/>
+          </a:fontRef>
+        </p:style>
+      </p:cxnSp>
+      <p:cxnSp>
+        <p:nvCxnSpPr>
+          <p:cNvPr id="105" name="Straight Connector 104">
+            <a:extLst>
+              <a:ext uri="{FF2B5EF4-FFF2-40B4-BE49-F238E27FC236}">
+                <a16:creationId xmlns:a16="http://schemas.microsoft.com/office/drawing/2014/main" id="{F3797552-C504-E92E-E619-720F0B5EF7DE}"/>
+              </a:ext>
+            </a:extLst>
+          </p:cNvPr>
+          <p:cNvCxnSpPr>
+            <a:cxnSpLocks/>
+          </p:cNvCxnSpPr>
+          <p:nvPr/>
+        </p:nvCxnSpPr>
+        <p:spPr>
+          <a:xfrm flipV="1">
+            <a:off x="5682375" y="3202828"/>
+            <a:ext cx="3044692" cy="1971475"/>
+          </a:xfrm>
+          <a:prstGeom prst="line">
+            <a:avLst/>
+          </a:prstGeom>
+        </p:spPr>
+        <p:style>
+          <a:lnRef idx="2">
+            <a:schemeClr val="accent1"/>
+          </a:lnRef>
+          <a:fillRef idx="0">
+            <a:schemeClr val="accent1"/>
+          </a:fillRef>
+          <a:effectRef idx="1">
+            <a:schemeClr val="accent1"/>
+          </a:effectRef>
+          <a:fontRef idx="minor">
+            <a:schemeClr val="tx1"/>
+          </a:fontRef>
+        </p:style>
+      </p:cxnSp>
+      <p:cxnSp>
+        <p:nvCxnSpPr>
+          <p:cNvPr id="109" name="Straight Connector 108">
+            <a:extLst>
+              <a:ext uri="{FF2B5EF4-FFF2-40B4-BE49-F238E27FC236}">
+                <a16:creationId xmlns:a16="http://schemas.microsoft.com/office/drawing/2014/main" id="{B0193FF4-3EF0-D439-1A1B-701E9117FEC2}"/>
+              </a:ext>
+            </a:extLst>
+          </p:cNvPr>
+          <p:cNvCxnSpPr>
+            <a:cxnSpLocks/>
+          </p:cNvCxnSpPr>
+          <p:nvPr/>
+        </p:nvCxnSpPr>
+        <p:spPr>
+          <a:xfrm flipV="1">
+            <a:off x="5699670" y="3033140"/>
+            <a:ext cx="3850126" cy="2564451"/>
+          </a:xfrm>
+          <a:prstGeom prst="line">
+            <a:avLst/>
+          </a:prstGeom>
+        </p:spPr>
+        <p:style>
+          <a:lnRef idx="2">
+            <a:schemeClr val="accent1"/>
+          </a:lnRef>
+          <a:fillRef idx="0">
+            <a:schemeClr val="accent1"/>
+          </a:fillRef>
+          <a:effectRef idx="1">
+            <a:schemeClr val="accent1"/>
+          </a:effectRef>
+          <a:fontRef idx="minor">
+            <a:schemeClr val="tx1"/>
+          </a:fontRef>
+        </p:style>
+      </p:cxnSp>
+      <p:grpSp>
+        <p:nvGrpSpPr>
+          <p:cNvPr id="112" name="Group 111">
+            <a:extLst>
+              <a:ext uri="{FF2B5EF4-FFF2-40B4-BE49-F238E27FC236}">
+                <a16:creationId xmlns:a16="http://schemas.microsoft.com/office/drawing/2014/main" id="{7178FE84-0458-BA09-1A64-38D09AE47A6D}"/>
+              </a:ext>
+            </a:extLst>
+          </p:cNvPr>
+          <p:cNvGrpSpPr/>
+          <p:nvPr/>
+        </p:nvGrpSpPr>
+        <p:grpSpPr>
+          <a:xfrm>
+            <a:off x="3715655" y="724337"/>
+            <a:ext cx="1255894" cy="523220"/>
+            <a:chOff x="5372824" y="4250468"/>
+            <a:chExt cx="734184" cy="523220"/>
+          </a:xfrm>
+        </p:grpSpPr>
+        <p:sp>
+          <p:nvSpPr>
+            <p:cNvPr id="113" name="Rectangle 112">
+              <a:extLst>
+                <a:ext uri="{FF2B5EF4-FFF2-40B4-BE49-F238E27FC236}">
+                  <a16:creationId xmlns:a16="http://schemas.microsoft.com/office/drawing/2014/main" id="{9C9FFE7C-6FC6-930C-F860-78522B240C35}"/>
+                </a:ext>
+              </a:extLst>
+            </p:cNvPr>
+            <p:cNvSpPr/>
+            <p:nvPr/>
+          </p:nvSpPr>
+          <p:spPr>
+            <a:xfrm>
+              <a:off x="5429135" y="4301147"/>
+              <a:ext cx="611768" cy="235657"/>
+            </a:xfrm>
+            <a:prstGeom prst="rect">
+              <a:avLst/>
+            </a:prstGeom>
+            <a:solidFill>
+              <a:schemeClr val="bg1">
+                <a:alpha val="66000"/>
+              </a:schemeClr>
+            </a:solidFill>
+            <a:ln>
+              <a:noFill/>
+            </a:ln>
+          </p:spPr>
+          <p:style>
+            <a:lnRef idx="2">
+              <a:schemeClr val="accent1">
+                <a:shade val="15000"/>
+              </a:schemeClr>
+            </a:lnRef>
+            <a:fillRef idx="1">
+              <a:schemeClr val="accent1"/>
+            </a:fillRef>
+            <a:effectRef idx="0">
+              <a:schemeClr val="accent1"/>
+            </a:effectRef>
+            <a:fontRef idx="minor">
+              <a:schemeClr val="lt1"/>
+            </a:fontRef>
+          </p:style>
+          <p:txBody>
+            <a:bodyPr rtlCol="0" anchor="ctr"/>
+            <a:lstStyle/>
+            <a:p>
+              <a:pPr algn="ctr"/>
+              <a:endParaRPr lang="en-US" sz="2800" b="1"/>
+            </a:p>
+          </p:txBody>
+        </p:sp>
+        <mc:AlternateContent xmlns:mc="http://schemas.openxmlformats.org/markup-compatibility/2006">
+          <mc:Choice xmlns:a14="http://schemas.microsoft.com/office/drawing/2010/main" Requires="a14">
+            <p:sp>
+              <p:nvSpPr>
+                <p:cNvPr id="114" name="TextBox 113">
+                  <a:extLst>
+                    <a:ext uri="{FF2B5EF4-FFF2-40B4-BE49-F238E27FC236}">
+                      <a16:creationId xmlns:a16="http://schemas.microsoft.com/office/drawing/2014/main" id="{252275F2-C3EF-FB04-5270-16375B6E5B5A}"/>
+                    </a:ext>
+                  </a:extLst>
+                </p:cNvPr>
+                <p:cNvSpPr txBox="1"/>
+                <p:nvPr/>
+              </p:nvSpPr>
+              <p:spPr>
+                <a:xfrm>
+                  <a:off x="5372824" y="4250468"/>
+                  <a:ext cx="734184" cy="523220"/>
+                </a:xfrm>
+                <a:prstGeom prst="rect">
+                  <a:avLst/>
+                </a:prstGeom>
+                <a:noFill/>
+              </p:spPr>
+              <p:txBody>
+                <a:bodyPr wrap="square" rtlCol="0">
+                  <a:spAutoFit/>
+                </a:bodyPr>
+                <a:lstStyle/>
+                <a:p>
+                  <a:pPr algn="ctr"/>
+                  <a:r>
+                    <a:rPr lang="en-US" sz="2800" b="1" dirty="0"/>
+                    <a:t>Pipe </a:t>
+                  </a:r>
+                  <a14:m>
+                    <m:oMath xmlns:m="http://schemas.openxmlformats.org/officeDocument/2006/math">
+                      <m:r>
+                        <a:rPr lang="de-DE" sz="2800" b="1" i="1" dirty="0" smtClean="0">
+                          <a:latin typeface="Cambria Math" panose="02040503050406030204" pitchFamily="18" charset="0"/>
+                        </a:rPr>
+                        <m:t>𝟐</m:t>
+                      </m:r>
+                    </m:oMath>
+                  </a14:m>
+                  <a:endParaRPr lang="en-DE" sz="2800" b="1" dirty="0"/>
+                </a:p>
+              </p:txBody>
+            </p:sp>
+          </mc:Choice>
+          <mc:Fallback>
+            <p:sp>
+              <p:nvSpPr>
+                <p:cNvPr id="114" name="TextBox 113">
+                  <a:extLst>
+                    <a:ext uri="{FF2B5EF4-FFF2-40B4-BE49-F238E27FC236}">
+                      <a16:creationId xmlns:a16="http://schemas.microsoft.com/office/drawing/2014/main" id="{252275F2-C3EF-FB04-5270-16375B6E5B5A}"/>
+                    </a:ext>
+                  </a:extLst>
+                </p:cNvPr>
+                <p:cNvSpPr txBox="1">
+                  <a:spLocks noRot="1" noChangeAspect="1" noMove="1" noResize="1" noEditPoints="1" noAdjustHandles="1" noChangeArrowheads="1" noChangeShapeType="1" noTextEdit="1"/>
+                </p:cNvSpPr>
+                <p:nvPr/>
+              </p:nvSpPr>
+              <p:spPr>
+                <a:xfrm>
+                  <a:off x="5372824" y="4250468"/>
+                  <a:ext cx="734184" cy="523220"/>
+                </a:xfrm>
+                <a:prstGeom prst="rect">
+                  <a:avLst/>
+                </a:prstGeom>
+                <a:blipFill>
+                  <a:blip r:embed="rId13"/>
+                  <a:stretch>
+                    <a:fillRect l="-7767" t="-12791" b="-31395"/>
+                  </a:stretch>
+                </a:blipFill>
+              </p:spPr>
+              <p:txBody>
+                <a:bodyPr/>
+                <a:lstStyle/>
+                <a:p>
+                  <a:r>
+                    <a:rPr lang="en-US">
+                      <a:noFill/>
+                    </a:rPr>
+                    <a:t> </a:t>
+                  </a:r>
+                </a:p>
+              </p:txBody>
+            </p:sp>
+          </mc:Fallback>
+        </mc:AlternateContent>
+      </p:grpSp>
+      <p:grpSp>
+        <p:nvGrpSpPr>
+          <p:cNvPr id="115" name="Group 114">
+            <a:extLst>
+              <a:ext uri="{FF2B5EF4-FFF2-40B4-BE49-F238E27FC236}">
+                <a16:creationId xmlns:a16="http://schemas.microsoft.com/office/drawing/2014/main" id="{C2DA8E97-AA8B-21FE-21D9-7958AEDC1DF9}"/>
+              </a:ext>
+            </a:extLst>
+          </p:cNvPr>
+          <p:cNvGrpSpPr/>
+          <p:nvPr/>
+        </p:nvGrpSpPr>
+        <p:grpSpPr>
+          <a:xfrm>
+            <a:off x="3087708" y="4657482"/>
+            <a:ext cx="1255894" cy="523220"/>
+            <a:chOff x="5372824" y="4250468"/>
+            <a:chExt cx="734184" cy="523220"/>
+          </a:xfrm>
+        </p:grpSpPr>
+        <p:sp>
+          <p:nvSpPr>
+            <p:cNvPr id="116" name="Rectangle 115">
+              <a:extLst>
+                <a:ext uri="{FF2B5EF4-FFF2-40B4-BE49-F238E27FC236}">
+                  <a16:creationId xmlns:a16="http://schemas.microsoft.com/office/drawing/2014/main" id="{C69C9D59-D227-0CBC-9DB5-E79E6B4C9617}"/>
+                </a:ext>
+              </a:extLst>
+            </p:cNvPr>
+            <p:cNvSpPr/>
+            <p:nvPr/>
+          </p:nvSpPr>
+          <p:spPr>
+            <a:xfrm>
+              <a:off x="5429135" y="4301147"/>
+              <a:ext cx="611768" cy="235657"/>
+            </a:xfrm>
+            <a:prstGeom prst="rect">
+              <a:avLst/>
+            </a:prstGeom>
+            <a:solidFill>
+              <a:schemeClr val="bg1">
+                <a:alpha val="66000"/>
+              </a:schemeClr>
+            </a:solidFill>
+            <a:ln>
+              <a:noFill/>
+            </a:ln>
+          </p:spPr>
+          <p:style>
+            <a:lnRef idx="2">
+              <a:schemeClr val="accent1">
+                <a:shade val="15000"/>
+              </a:schemeClr>
+            </a:lnRef>
+            <a:fillRef idx="1">
+              <a:schemeClr val="accent1"/>
+            </a:fillRef>
+            <a:effectRef idx="0">
+              <a:schemeClr val="accent1"/>
+            </a:effectRef>
+            <a:fontRef idx="minor">
+              <a:schemeClr val="lt1"/>
+            </a:fontRef>
+          </p:style>
+          <p:txBody>
+            <a:bodyPr rtlCol="0" anchor="ctr"/>
+            <a:lstStyle/>
+            <a:p>
+              <a:pPr algn="ctr"/>
+              <a:endParaRPr lang="en-US" sz="2800" b="1"/>
+            </a:p>
+          </p:txBody>
+        </p:sp>
+        <mc:AlternateContent xmlns:mc="http://schemas.openxmlformats.org/markup-compatibility/2006">
+          <mc:Choice xmlns:a14="http://schemas.microsoft.com/office/drawing/2010/main" Requires="a14">
+            <p:sp>
+              <p:nvSpPr>
+                <p:cNvPr id="117" name="TextBox 116">
+                  <a:extLst>
+                    <a:ext uri="{FF2B5EF4-FFF2-40B4-BE49-F238E27FC236}">
+                      <a16:creationId xmlns:a16="http://schemas.microsoft.com/office/drawing/2014/main" id="{1FFD9DEE-0FB8-2CD5-4C4C-D61C6288DA76}"/>
+                    </a:ext>
+                  </a:extLst>
+                </p:cNvPr>
+                <p:cNvSpPr txBox="1"/>
+                <p:nvPr/>
+              </p:nvSpPr>
+              <p:spPr>
+                <a:xfrm>
+                  <a:off x="5372824" y="4250468"/>
+                  <a:ext cx="734184" cy="523220"/>
+                </a:xfrm>
+                <a:prstGeom prst="rect">
+                  <a:avLst/>
+                </a:prstGeom>
+                <a:noFill/>
+              </p:spPr>
+              <p:txBody>
+                <a:bodyPr wrap="square" rtlCol="0">
+                  <a:spAutoFit/>
+                </a:bodyPr>
+                <a:lstStyle/>
+                <a:p>
+                  <a:pPr algn="ctr"/>
+                  <a:r>
+                    <a:rPr lang="en-US" sz="2800" b="1" dirty="0"/>
+                    <a:t>Pipe </a:t>
+                  </a:r>
+                  <a14:m>
+                    <m:oMath xmlns:m="http://schemas.openxmlformats.org/officeDocument/2006/math">
+                      <m:r>
+                        <a:rPr lang="de-DE" sz="2800" b="1" i="1" dirty="0" smtClean="0">
+                          <a:latin typeface="Cambria Math" panose="02040503050406030204" pitchFamily="18" charset="0"/>
+                        </a:rPr>
+                        <m:t>𝟑</m:t>
+                      </m:r>
+                    </m:oMath>
+                  </a14:m>
+                  <a:endParaRPr lang="en-DE" sz="2800" b="1" dirty="0"/>
+                </a:p>
+              </p:txBody>
+            </p:sp>
+          </mc:Choice>
+          <mc:Fallback>
+            <p:sp>
+              <p:nvSpPr>
+                <p:cNvPr id="117" name="TextBox 116">
+                  <a:extLst>
+                    <a:ext uri="{FF2B5EF4-FFF2-40B4-BE49-F238E27FC236}">
+                      <a16:creationId xmlns:a16="http://schemas.microsoft.com/office/drawing/2014/main" id="{1FFD9DEE-0FB8-2CD5-4C4C-D61C6288DA76}"/>
+                    </a:ext>
+                  </a:extLst>
+                </p:cNvPr>
+                <p:cNvSpPr txBox="1">
+                  <a:spLocks noRot="1" noChangeAspect="1" noMove="1" noResize="1" noEditPoints="1" noAdjustHandles="1" noChangeArrowheads="1" noChangeShapeType="1" noTextEdit="1"/>
+                </p:cNvSpPr>
+                <p:nvPr/>
+              </p:nvSpPr>
+              <p:spPr>
+                <a:xfrm>
+                  <a:off x="5372824" y="4250468"/>
+                  <a:ext cx="734184" cy="523220"/>
+                </a:xfrm>
+                <a:prstGeom prst="rect">
+                  <a:avLst/>
+                </a:prstGeom>
+                <a:blipFill>
+                  <a:blip r:embed="rId14"/>
+                  <a:stretch>
+                    <a:fillRect l="-7767" t="-11628" b="-31395"/>
+                  </a:stretch>
+                </a:blipFill>
+              </p:spPr>
+              <p:txBody>
+                <a:bodyPr/>
+                <a:lstStyle/>
+                <a:p>
+                  <a:r>
+                    <a:rPr lang="en-US">
+                      <a:noFill/>
+                    </a:rPr>
+                    <a:t> </a:t>
+                  </a:r>
+                </a:p>
+              </p:txBody>
+            </p:sp>
+          </mc:Fallback>
+        </mc:AlternateContent>
+      </p:grpSp>
+      <mc:AlternateContent xmlns:mc="http://schemas.openxmlformats.org/markup-compatibility/2006">
+        <mc:Choice xmlns:a14="http://schemas.microsoft.com/office/drawing/2010/main" Requires="a14">
+          <p:sp>
+            <p:nvSpPr>
+              <p:cNvPr id="130" name="TextBox 129">
+                <a:extLst>
+                  <a:ext uri="{FF2B5EF4-FFF2-40B4-BE49-F238E27FC236}">
+                    <a16:creationId xmlns:a16="http://schemas.microsoft.com/office/drawing/2014/main" id="{E4F393EE-008E-2D34-BD7B-3D5EADFFF788}"/>
+                  </a:ext>
+                </a:extLst>
+              </p:cNvPr>
+              <p:cNvSpPr txBox="1"/>
+              <p:nvPr/>
+            </p:nvSpPr>
+            <p:spPr>
+              <a:xfrm>
+                <a:off x="7182160" y="3146004"/>
+                <a:ext cx="919162" cy="523220"/>
+              </a:xfrm>
+              <a:prstGeom prst="rect">
+                <a:avLst/>
+              </a:prstGeom>
+              <a:noFill/>
+            </p:spPr>
+            <p:txBody>
+              <a:bodyPr wrap="none" rtlCol="0">
+                <a:spAutoFit/>
+              </a:bodyPr>
+              <a:lstStyle/>
+              <a:p>
+                <a:pPr/>
+                <a14:m>
+                  <m:oMathPara xmlns:m="http://schemas.openxmlformats.org/officeDocument/2006/math">
+                    <m:oMathParaPr>
+                      <m:jc m:val="centerGroup"/>
+                    </m:oMathParaPr>
+                    <m:oMath xmlns:m="http://schemas.openxmlformats.org/officeDocument/2006/math">
+                      <m:sSub>
+                        <m:sSubPr>
+                          <m:ctrlPr>
+                            <a:rPr lang="en-US" sz="2800" i="1" smtClean="0">
+                              <a:latin typeface="Cambria Math" panose="02040503050406030204" pitchFamily="18" charset="0"/>
+                            </a:rPr>
+                          </m:ctrlPr>
+                        </m:sSubPr>
+                        <m:e>
+                          <m:r>
+                            <a:rPr lang="en-US" sz="2800" b="0" i="1" smtClean="0">
+                              <a:latin typeface="Cambria Math" panose="02040503050406030204" pitchFamily="18" charset="0"/>
+                            </a:rPr>
+                            <m:t>𝑃</m:t>
+                          </m:r>
+                        </m:e>
+                        <m:sub>
+                          <m:r>
+                            <a:rPr lang="de-DE" sz="2800" b="0" i="1" smtClean="0">
+                              <a:latin typeface="Cambria Math" panose="02040503050406030204" pitchFamily="18" charset="0"/>
+                            </a:rPr>
+                            <m:t>𝑏</m:t>
+                          </m:r>
+                          <m:r>
+                            <a:rPr lang="de-DE" sz="2800" b="0" i="1" smtClean="0">
+                              <a:latin typeface="Cambria Math" panose="02040503050406030204" pitchFamily="18" charset="0"/>
+                            </a:rPr>
+                            <m:t>33</m:t>
+                          </m:r>
+                        </m:sub>
+                      </m:sSub>
+                    </m:oMath>
+                  </m:oMathPara>
+                </a14:m>
+                <a:endParaRPr lang="en-US" sz="2800" dirty="0"/>
+              </a:p>
+            </p:txBody>
+          </p:sp>
+        </mc:Choice>
+        <mc:Fallback>
+          <p:sp>
+            <p:nvSpPr>
+              <p:cNvPr id="130" name="TextBox 129">
+                <a:extLst>
+                  <a:ext uri="{FF2B5EF4-FFF2-40B4-BE49-F238E27FC236}">
+                    <a16:creationId xmlns:a16="http://schemas.microsoft.com/office/drawing/2014/main" id="{E4F393EE-008E-2D34-BD7B-3D5EADFFF788}"/>
+                  </a:ext>
+                </a:extLst>
+              </p:cNvPr>
+              <p:cNvSpPr txBox="1">
+                <a:spLocks noRot="1" noChangeAspect="1" noMove="1" noResize="1" noEditPoints="1" noAdjustHandles="1" noChangeArrowheads="1" noChangeShapeType="1" noTextEdit="1"/>
+              </p:cNvSpPr>
+              <p:nvPr/>
+            </p:nvSpPr>
+            <p:spPr>
+              <a:xfrm>
+                <a:off x="7182160" y="3146004"/>
+                <a:ext cx="919162" cy="523220"/>
+              </a:xfrm>
+              <a:prstGeom prst="rect">
+                <a:avLst/>
+              </a:prstGeom>
+              <a:blipFill>
+                <a:blip r:embed="rId15"/>
+                <a:stretch>
+                  <a:fillRect/>
+                </a:stretch>
+              </a:blipFill>
+            </p:spPr>
+            <p:txBody>
+              <a:bodyPr/>
+              <a:lstStyle/>
+              <a:p>
+                <a:r>
+                  <a:rPr lang="en-US">
+                    <a:noFill/>
+                  </a:rPr>
+                  <a:t> </a:t>
+                </a:r>
+              </a:p>
+            </p:txBody>
+          </p:sp>
+        </mc:Fallback>
+      </mc:AlternateContent>
+      <mc:AlternateContent xmlns:mc="http://schemas.openxmlformats.org/markup-compatibility/2006">
+        <mc:Choice xmlns:a14="http://schemas.microsoft.com/office/drawing/2010/main" Requires="a14">
+          <p:sp>
+            <p:nvSpPr>
+              <p:cNvPr id="131" name="TextBox 130">
+                <a:extLst>
+                  <a:ext uri="{FF2B5EF4-FFF2-40B4-BE49-F238E27FC236}">
+                    <a16:creationId xmlns:a16="http://schemas.microsoft.com/office/drawing/2014/main" id="{79AF6E10-1C0A-7BAF-2707-BF3E83926CD0}"/>
+                  </a:ext>
+                </a:extLst>
+              </p:cNvPr>
+              <p:cNvSpPr txBox="1"/>
+              <p:nvPr/>
+            </p:nvSpPr>
+            <p:spPr>
+              <a:xfrm>
+                <a:off x="5267503" y="4348918"/>
+                <a:ext cx="919162" cy="523220"/>
+              </a:xfrm>
+              <a:prstGeom prst="rect">
+                <a:avLst/>
+              </a:prstGeom>
+              <a:noFill/>
+            </p:spPr>
+            <p:txBody>
+              <a:bodyPr wrap="none" rtlCol="0">
+                <a:spAutoFit/>
+              </a:bodyPr>
+              <a:lstStyle/>
+              <a:p>
+                <a:pPr/>
+                <a14:m>
+                  <m:oMathPara xmlns:m="http://schemas.openxmlformats.org/officeDocument/2006/math">
+                    <m:oMathParaPr>
+                      <m:jc m:val="centerGroup"/>
+                    </m:oMathParaPr>
+                    <m:oMath xmlns:m="http://schemas.openxmlformats.org/officeDocument/2006/math">
+                      <m:sSub>
+                        <m:sSubPr>
+                          <m:ctrlPr>
+                            <a:rPr lang="en-US" sz="2800" i="1" smtClean="0">
+                              <a:latin typeface="Cambria Math" panose="02040503050406030204" pitchFamily="18" charset="0"/>
+                            </a:rPr>
+                          </m:ctrlPr>
+                        </m:sSubPr>
+                        <m:e>
+                          <m:r>
+                            <a:rPr lang="en-US" sz="2800" b="0" i="1" smtClean="0">
+                              <a:latin typeface="Cambria Math" panose="02040503050406030204" pitchFamily="18" charset="0"/>
+                            </a:rPr>
+                            <m:t>𝑃</m:t>
+                          </m:r>
+                        </m:e>
+                        <m:sub>
+                          <m:r>
+                            <a:rPr lang="de-DE" sz="2800" b="0" i="1" smtClean="0">
+                              <a:latin typeface="Cambria Math" panose="02040503050406030204" pitchFamily="18" charset="0"/>
+                            </a:rPr>
+                            <m:t>𝑏</m:t>
+                          </m:r>
+                          <m:r>
+                            <a:rPr lang="de-DE" sz="2800" b="0" i="1" smtClean="0">
+                              <a:latin typeface="Cambria Math" panose="02040503050406030204" pitchFamily="18" charset="0"/>
+                            </a:rPr>
+                            <m:t>32</m:t>
+                          </m:r>
+                        </m:sub>
+                      </m:sSub>
+                    </m:oMath>
+                  </m:oMathPara>
+                </a14:m>
+                <a:endParaRPr lang="en-US" sz="2800" dirty="0"/>
+              </a:p>
+            </p:txBody>
+          </p:sp>
+        </mc:Choice>
+        <mc:Fallback>
+          <p:sp>
+            <p:nvSpPr>
+              <p:cNvPr id="131" name="TextBox 130">
+                <a:extLst>
+                  <a:ext uri="{FF2B5EF4-FFF2-40B4-BE49-F238E27FC236}">
+                    <a16:creationId xmlns:a16="http://schemas.microsoft.com/office/drawing/2014/main" id="{79AF6E10-1C0A-7BAF-2707-BF3E83926CD0}"/>
+                  </a:ext>
+                </a:extLst>
+              </p:cNvPr>
+              <p:cNvSpPr txBox="1">
+                <a:spLocks noRot="1" noChangeAspect="1" noMove="1" noResize="1" noEditPoints="1" noAdjustHandles="1" noChangeArrowheads="1" noChangeShapeType="1" noTextEdit="1"/>
+              </p:cNvSpPr>
+              <p:nvPr/>
+            </p:nvSpPr>
+            <p:spPr>
+              <a:xfrm>
+                <a:off x="5267503" y="4348918"/>
+                <a:ext cx="919162" cy="523220"/>
+              </a:xfrm>
+              <a:prstGeom prst="rect">
+                <a:avLst/>
+              </a:prstGeom>
+              <a:blipFill>
+                <a:blip r:embed="rId16"/>
+                <a:stretch>
+                  <a:fillRect/>
+                </a:stretch>
+              </a:blipFill>
+            </p:spPr>
+            <p:txBody>
+              <a:bodyPr/>
+              <a:lstStyle/>
+              <a:p>
+                <a:r>
+                  <a:rPr lang="en-US">
+                    <a:noFill/>
+                  </a:rPr>
+                  <a:t> </a:t>
+                </a:r>
+              </a:p>
+            </p:txBody>
+          </p:sp>
+        </mc:Fallback>
+      </mc:AlternateContent>
+      <p:cxnSp>
+        <p:nvCxnSpPr>
+          <p:cNvPr id="134" name="Straight Connector 133">
+            <a:extLst>
+              <a:ext uri="{FF2B5EF4-FFF2-40B4-BE49-F238E27FC236}">
+                <a16:creationId xmlns:a16="http://schemas.microsoft.com/office/drawing/2014/main" id="{690CEF75-436E-ABA1-A86D-99744D4AB285}"/>
+              </a:ext>
+            </a:extLst>
+          </p:cNvPr>
+          <p:cNvCxnSpPr>
+            <a:cxnSpLocks/>
+          </p:cNvCxnSpPr>
+          <p:nvPr/>
+        </p:nvCxnSpPr>
+        <p:spPr>
+          <a:xfrm>
+            <a:off x="2206556" y="2627605"/>
+            <a:ext cx="643601" cy="8861"/>
+          </a:xfrm>
+          <a:prstGeom prst="line">
+            <a:avLst/>
+          </a:prstGeom>
+          <a:ln>
+            <a:prstDash val="dash"/>
+          </a:ln>
+        </p:spPr>
+        <p:style>
+          <a:lnRef idx="2">
+            <a:schemeClr val="accent1"/>
+          </a:lnRef>
+          <a:fillRef idx="0">
+            <a:schemeClr val="accent1"/>
+          </a:fillRef>
+          <a:effectRef idx="1">
+            <a:schemeClr val="accent1"/>
+          </a:effectRef>
+          <a:fontRef idx="minor">
+            <a:schemeClr val="tx1"/>
+          </a:fontRef>
+        </p:style>
+      </p:cxnSp>
+      <p:cxnSp>
+        <p:nvCxnSpPr>
+          <p:cNvPr id="135" name="Straight Arrow Connector 134">
+            <a:extLst>
+              <a:ext uri="{FF2B5EF4-FFF2-40B4-BE49-F238E27FC236}">
+                <a16:creationId xmlns:a16="http://schemas.microsoft.com/office/drawing/2014/main" id="{82C3F25C-B183-961D-4D73-819346250060}"/>
+              </a:ext>
+            </a:extLst>
+          </p:cNvPr>
+          <p:cNvCxnSpPr>
+            <a:cxnSpLocks/>
+          </p:cNvCxnSpPr>
+          <p:nvPr/>
+        </p:nvCxnSpPr>
+        <p:spPr>
+          <a:xfrm>
+            <a:off x="1865895" y="1930288"/>
+            <a:ext cx="357974" cy="651177"/>
+          </a:xfrm>
+          <a:prstGeom prst="straightConnector1">
+            <a:avLst/>
+          </a:prstGeom>
+          <a:ln>
+            <a:tailEnd type="triangle" w="lg" len="lg"/>
+          </a:ln>
+        </p:spPr>
+        <p:style>
+          <a:lnRef idx="2">
+            <a:schemeClr val="accent1"/>
+          </a:lnRef>
+          <a:fillRef idx="0">
+            <a:schemeClr val="accent1"/>
+          </a:fillRef>
+          <a:effectRef idx="1">
+            <a:schemeClr val="accent1"/>
+          </a:effectRef>
+          <a:fontRef idx="minor">
+            <a:schemeClr val="tx1"/>
+          </a:fontRef>
+        </p:style>
+      </p:cxnSp>
+      <p:cxnSp>
+        <p:nvCxnSpPr>
+          <p:cNvPr id="139" name="Straight Arrow Connector 138">
+            <a:extLst>
+              <a:ext uri="{FF2B5EF4-FFF2-40B4-BE49-F238E27FC236}">
+                <a16:creationId xmlns:a16="http://schemas.microsoft.com/office/drawing/2014/main" id="{E078B4C5-B462-AF78-AEBD-097910C2A8C5}"/>
+              </a:ext>
+            </a:extLst>
+          </p:cNvPr>
+          <p:cNvCxnSpPr>
+            <a:cxnSpLocks/>
+          </p:cNvCxnSpPr>
+          <p:nvPr/>
+        </p:nvCxnSpPr>
+        <p:spPr>
+          <a:xfrm flipH="1">
+            <a:off x="2919756" y="2461143"/>
+            <a:ext cx="476671" cy="132813"/>
+          </a:xfrm>
+          <a:prstGeom prst="straightConnector1">
+            <a:avLst/>
+          </a:prstGeom>
+          <a:ln>
+            <a:tailEnd type="triangle" w="lg" len="lg"/>
+          </a:ln>
+        </p:spPr>
+        <p:style>
+          <a:lnRef idx="2">
+            <a:schemeClr val="accent1"/>
+          </a:lnRef>
+          <a:fillRef idx="0">
+            <a:schemeClr val="accent1"/>
+          </a:fillRef>
+          <a:effectRef idx="1">
+            <a:schemeClr val="accent1"/>
+          </a:effectRef>
+          <a:fontRef idx="minor">
+            <a:schemeClr val="tx1"/>
+          </a:fontRef>
+        </p:style>
+      </p:cxnSp>
+      <mc:AlternateContent xmlns:mc="http://schemas.openxmlformats.org/markup-compatibility/2006">
+        <mc:Choice xmlns:a14="http://schemas.microsoft.com/office/drawing/2010/main" Requires="a14">
+          <p:sp>
+            <p:nvSpPr>
+              <p:cNvPr id="144" name="TextBox 143">
+                <a:extLst>
+                  <a:ext uri="{FF2B5EF4-FFF2-40B4-BE49-F238E27FC236}">
+                    <a16:creationId xmlns:a16="http://schemas.microsoft.com/office/drawing/2014/main" id="{B592A6A3-2065-B0C1-D246-4C3BFEC5692E}"/>
+                  </a:ext>
+                </a:extLst>
+              </p:cNvPr>
+              <p:cNvSpPr txBox="1"/>
+              <p:nvPr/>
+            </p:nvSpPr>
+            <p:spPr>
+              <a:xfrm>
+                <a:off x="1334688" y="1387801"/>
+                <a:ext cx="931986" cy="523220"/>
+              </a:xfrm>
+              <a:prstGeom prst="rect">
+                <a:avLst/>
+              </a:prstGeom>
+              <a:noFill/>
+            </p:spPr>
+            <p:txBody>
+              <a:bodyPr wrap="none" rtlCol="0">
+                <a:spAutoFit/>
+              </a:bodyPr>
+              <a:lstStyle/>
+              <a:p>
+                <a:pPr/>
+                <a14:m>
+                  <m:oMathPara xmlns:m="http://schemas.openxmlformats.org/officeDocument/2006/math">
+                    <m:oMathParaPr>
+                      <m:jc m:val="centerGroup"/>
+                    </m:oMathParaPr>
+                    <m:oMath xmlns:m="http://schemas.openxmlformats.org/officeDocument/2006/math">
+                      <m:sSub>
+                        <m:sSubPr>
+                          <m:ctrlPr>
+                            <a:rPr lang="en-US" sz="2800" i="1" smtClean="0">
+                              <a:latin typeface="Cambria Math" panose="02040503050406030204" pitchFamily="18" charset="0"/>
+                            </a:rPr>
+                          </m:ctrlPr>
+                        </m:sSubPr>
+                        <m:e>
+                          <m:r>
+                            <a:rPr lang="en-US" sz="2800" b="0" i="1" smtClean="0">
+                              <a:latin typeface="Cambria Math" panose="02040503050406030204" pitchFamily="18" charset="0"/>
+                            </a:rPr>
+                            <m:t>𝑃</m:t>
+                          </m:r>
+                        </m:e>
+                        <m:sub>
+                          <m:r>
+                            <a:rPr lang="en-US" sz="2800" b="0" i="1" smtClean="0">
+                              <a:latin typeface="Cambria Math" panose="02040503050406030204" pitchFamily="18" charset="0"/>
+                            </a:rPr>
+                            <m:t>𝑢</m:t>
+                          </m:r>
+                          <m:r>
+                            <a:rPr lang="en-US" sz="2800" b="0" i="1" smtClean="0">
+                              <a:latin typeface="Cambria Math" panose="02040503050406030204" pitchFamily="18" charset="0"/>
+                            </a:rPr>
+                            <m:t>01</m:t>
+                          </m:r>
+                        </m:sub>
+                      </m:sSub>
+                    </m:oMath>
+                  </m:oMathPara>
+                </a14:m>
+                <a:endParaRPr lang="en-US" sz="2800" dirty="0"/>
+              </a:p>
+            </p:txBody>
+          </p:sp>
+        </mc:Choice>
+        <mc:Fallback>
+          <p:sp>
+            <p:nvSpPr>
+              <p:cNvPr id="144" name="TextBox 143">
+                <a:extLst>
+                  <a:ext uri="{FF2B5EF4-FFF2-40B4-BE49-F238E27FC236}">
+                    <a16:creationId xmlns:a16="http://schemas.microsoft.com/office/drawing/2014/main" id="{B592A6A3-2065-B0C1-D246-4C3BFEC5692E}"/>
+                  </a:ext>
+                </a:extLst>
+              </p:cNvPr>
+              <p:cNvSpPr txBox="1">
+                <a:spLocks noRot="1" noChangeAspect="1" noMove="1" noResize="1" noEditPoints="1" noAdjustHandles="1" noChangeArrowheads="1" noChangeShapeType="1" noTextEdit="1"/>
+              </p:cNvSpPr>
+              <p:nvPr/>
+            </p:nvSpPr>
+            <p:spPr>
+              <a:xfrm>
+                <a:off x="1334688" y="1387801"/>
+                <a:ext cx="931986" cy="523220"/>
+              </a:xfrm>
+              <a:prstGeom prst="rect">
+                <a:avLst/>
+              </a:prstGeom>
+              <a:blipFill>
+                <a:blip r:embed="rId17"/>
+                <a:stretch>
+                  <a:fillRect/>
+                </a:stretch>
+              </a:blipFill>
+            </p:spPr>
+            <p:txBody>
+              <a:bodyPr/>
+              <a:lstStyle/>
+              <a:p>
+                <a:r>
+                  <a:rPr lang="en-US">
+                    <a:noFill/>
+                  </a:rPr>
+                  <a:t> </a:t>
+                </a:r>
+              </a:p>
+            </p:txBody>
+          </p:sp>
+        </mc:Fallback>
+      </mc:AlternateContent>
+      <mc:AlternateContent xmlns:mc="http://schemas.openxmlformats.org/markup-compatibility/2006">
+        <mc:Choice xmlns:a14="http://schemas.microsoft.com/office/drawing/2010/main" Requires="a14">
+          <p:sp>
+            <p:nvSpPr>
+              <p:cNvPr id="147" name="TextBox 146">
+                <a:extLst>
+                  <a:ext uri="{FF2B5EF4-FFF2-40B4-BE49-F238E27FC236}">
+                    <a16:creationId xmlns:a16="http://schemas.microsoft.com/office/drawing/2014/main" id="{A50880C2-B69C-D852-C57C-A65B36555483}"/>
+                  </a:ext>
+                </a:extLst>
+              </p:cNvPr>
+              <p:cNvSpPr txBox="1"/>
+              <p:nvPr/>
+            </p:nvSpPr>
+            <p:spPr>
+              <a:xfrm>
+                <a:off x="7173916" y="1958541"/>
+                <a:ext cx="919162" cy="523220"/>
+              </a:xfrm>
+              <a:prstGeom prst="rect">
+                <a:avLst/>
+              </a:prstGeom>
+              <a:noFill/>
+            </p:spPr>
+            <p:txBody>
+              <a:bodyPr wrap="none" rtlCol="0">
+                <a:spAutoFit/>
+              </a:bodyPr>
+              <a:lstStyle/>
+              <a:p>
+                <a:pPr/>
+                <a14:m>
+                  <m:oMathPara xmlns:m="http://schemas.openxmlformats.org/officeDocument/2006/math">
+                    <m:oMathParaPr>
+                      <m:jc m:val="centerGroup"/>
+                    </m:oMathParaPr>
+                    <m:oMath xmlns:m="http://schemas.openxmlformats.org/officeDocument/2006/math">
+                      <m:sSub>
+                        <m:sSubPr>
+                          <m:ctrlPr>
+                            <a:rPr lang="en-US" sz="2800" i="1" smtClean="0">
+                              <a:latin typeface="Cambria Math" panose="02040503050406030204" pitchFamily="18" charset="0"/>
+                            </a:rPr>
+                          </m:ctrlPr>
+                        </m:sSubPr>
+                        <m:e>
+                          <m:r>
+                            <a:rPr lang="en-US" sz="2800" b="0" i="1" smtClean="0">
+                              <a:latin typeface="Cambria Math" panose="02040503050406030204" pitchFamily="18" charset="0"/>
+                            </a:rPr>
+                            <m:t>𝑃</m:t>
+                          </m:r>
+                        </m:e>
+                        <m:sub>
+                          <m:r>
+                            <a:rPr lang="en-US" sz="2800" b="0" i="1" smtClean="0">
+                              <a:latin typeface="Cambria Math" panose="02040503050406030204" pitchFamily="18" charset="0"/>
+                            </a:rPr>
+                            <m:t>𝑏</m:t>
+                          </m:r>
+                          <m:r>
+                            <a:rPr lang="de-DE" sz="2800" b="0" i="1" smtClean="0">
+                              <a:latin typeface="Cambria Math" panose="02040503050406030204" pitchFamily="18" charset="0"/>
+                            </a:rPr>
+                            <m:t>23</m:t>
+                          </m:r>
+                        </m:sub>
+                      </m:sSub>
+                    </m:oMath>
+                  </m:oMathPara>
+                </a14:m>
+                <a:endParaRPr lang="en-US" sz="2800" dirty="0"/>
+              </a:p>
+            </p:txBody>
+          </p:sp>
+        </mc:Choice>
+        <mc:Fallback>
+          <p:sp>
+            <p:nvSpPr>
+              <p:cNvPr id="147" name="TextBox 146">
+                <a:extLst>
+                  <a:ext uri="{FF2B5EF4-FFF2-40B4-BE49-F238E27FC236}">
+                    <a16:creationId xmlns:a16="http://schemas.microsoft.com/office/drawing/2014/main" id="{A50880C2-B69C-D852-C57C-A65B36555483}"/>
+                  </a:ext>
+                </a:extLst>
+              </p:cNvPr>
+              <p:cNvSpPr txBox="1">
+                <a:spLocks noRot="1" noChangeAspect="1" noMove="1" noResize="1" noEditPoints="1" noAdjustHandles="1" noChangeArrowheads="1" noChangeShapeType="1" noTextEdit="1"/>
+              </p:cNvSpPr>
+              <p:nvPr/>
+            </p:nvSpPr>
+            <p:spPr>
+              <a:xfrm>
+                <a:off x="7173916" y="1958541"/>
+                <a:ext cx="919162" cy="523220"/>
+              </a:xfrm>
+              <a:prstGeom prst="rect">
+                <a:avLst/>
+              </a:prstGeom>
+              <a:blipFill>
+                <a:blip r:embed="rId18"/>
+                <a:stretch>
+                  <a:fillRect/>
+                </a:stretch>
+              </a:blipFill>
+            </p:spPr>
+            <p:txBody>
+              <a:bodyPr/>
+              <a:lstStyle/>
+              <a:p>
+                <a:r>
+                  <a:rPr lang="en-US">
+                    <a:noFill/>
+                  </a:rPr>
+                  <a:t> </a:t>
+                </a:r>
+              </a:p>
+            </p:txBody>
+          </p:sp>
+        </mc:Fallback>
+      </mc:AlternateContent>
+      <mc:AlternateContent xmlns:mc="http://schemas.openxmlformats.org/markup-compatibility/2006">
+        <mc:Choice xmlns:a14="http://schemas.microsoft.com/office/drawing/2010/main" Requires="a14">
+          <p:sp>
+            <p:nvSpPr>
+              <p:cNvPr id="151" name="TextBox 150">
+                <a:extLst>
+                  <a:ext uri="{FF2B5EF4-FFF2-40B4-BE49-F238E27FC236}">
+                    <a16:creationId xmlns:a16="http://schemas.microsoft.com/office/drawing/2014/main" id="{EB6800DB-1D10-FECF-1B1D-7292E62C0DE2}"/>
+                  </a:ext>
+                </a:extLst>
+              </p:cNvPr>
+              <p:cNvSpPr txBox="1"/>
+              <p:nvPr/>
+            </p:nvSpPr>
+            <p:spPr>
+              <a:xfrm>
+                <a:off x="5414757" y="2099000"/>
+                <a:ext cx="786241" cy="523220"/>
+              </a:xfrm>
+              <a:prstGeom prst="rect">
+                <a:avLst/>
+              </a:prstGeom>
+              <a:noFill/>
+            </p:spPr>
+            <p:txBody>
+              <a:bodyPr wrap="none" rtlCol="0">
+                <a:spAutoFit/>
+              </a:bodyPr>
+              <a:lstStyle/>
+              <a:p>
+                <a:pPr/>
+                <a14:m>
+                  <m:oMathPara xmlns:m="http://schemas.openxmlformats.org/officeDocument/2006/math">
+                    <m:oMathParaPr>
+                      <m:jc m:val="centerGroup"/>
+                    </m:oMathParaPr>
+                    <m:oMath xmlns:m="http://schemas.openxmlformats.org/officeDocument/2006/math">
+                      <m:sSub>
+                        <m:sSubPr>
+                          <m:ctrlPr>
+                            <a:rPr lang="en-US" sz="2800" i="1" smtClean="0">
+                              <a:latin typeface="Cambria Math" panose="02040503050406030204" pitchFamily="18" charset="0"/>
+                            </a:rPr>
+                          </m:ctrlPr>
+                        </m:sSubPr>
+                        <m:e>
+                          <m:r>
+                            <a:rPr lang="de-DE" sz="2800" b="0" i="1" smtClean="0">
+                              <a:latin typeface="Cambria Math" panose="02040503050406030204" pitchFamily="18" charset="0"/>
+                            </a:rPr>
+                            <m:t>𝐿</m:t>
+                          </m:r>
+                        </m:e>
+                        <m:sub>
+                          <m:r>
+                            <a:rPr lang="de-DE" sz="2800" b="0" i="1" smtClean="0">
+                              <a:latin typeface="Cambria Math" panose="02040503050406030204" pitchFamily="18" charset="0"/>
+                            </a:rPr>
+                            <m:t>𝑢</m:t>
+                          </m:r>
+                          <m:r>
+                            <a:rPr lang="de-DE" sz="2800" b="0" i="1" smtClean="0">
+                              <a:latin typeface="Cambria Math" panose="02040503050406030204" pitchFamily="18" charset="0"/>
+                            </a:rPr>
+                            <m:t>1</m:t>
+                          </m:r>
+                        </m:sub>
+                      </m:sSub>
+                    </m:oMath>
+                  </m:oMathPara>
+                </a14:m>
+                <a:endParaRPr lang="en-US" sz="2800" dirty="0"/>
+              </a:p>
+            </p:txBody>
+          </p:sp>
+        </mc:Choice>
+        <mc:Fallback>
+          <p:sp>
+            <p:nvSpPr>
+              <p:cNvPr id="151" name="TextBox 150">
+                <a:extLst>
+                  <a:ext uri="{FF2B5EF4-FFF2-40B4-BE49-F238E27FC236}">
+                    <a16:creationId xmlns:a16="http://schemas.microsoft.com/office/drawing/2014/main" id="{EB6800DB-1D10-FECF-1B1D-7292E62C0DE2}"/>
+                  </a:ext>
+                </a:extLst>
+              </p:cNvPr>
+              <p:cNvSpPr txBox="1">
+                <a:spLocks noRot="1" noChangeAspect="1" noMove="1" noResize="1" noEditPoints="1" noAdjustHandles="1" noChangeArrowheads="1" noChangeShapeType="1" noTextEdit="1"/>
+              </p:cNvSpPr>
+              <p:nvPr/>
+            </p:nvSpPr>
+            <p:spPr>
+              <a:xfrm>
+                <a:off x="5414757" y="2099000"/>
+                <a:ext cx="786241" cy="523220"/>
+              </a:xfrm>
+              <a:prstGeom prst="rect">
+                <a:avLst/>
+              </a:prstGeom>
+              <a:blipFill>
+                <a:blip r:embed="rId19"/>
+                <a:stretch>
+                  <a:fillRect/>
+                </a:stretch>
+              </a:blipFill>
+            </p:spPr>
+            <p:txBody>
+              <a:bodyPr/>
+              <a:lstStyle/>
+              <a:p>
+                <a:r>
+                  <a:rPr lang="en-US">
+                    <a:noFill/>
+                  </a:rPr>
+                  <a:t> </a:t>
+                </a:r>
+              </a:p>
+            </p:txBody>
+          </p:sp>
+        </mc:Fallback>
+      </mc:AlternateContent>
+      <p:cxnSp>
+        <p:nvCxnSpPr>
+          <p:cNvPr id="4" name="Straight Connector 3">
+            <a:extLst>
+              <a:ext uri="{FF2B5EF4-FFF2-40B4-BE49-F238E27FC236}">
+                <a16:creationId xmlns:a16="http://schemas.microsoft.com/office/drawing/2014/main" id="{9E6839CA-C96A-BAD8-E9DC-6D54C93F37A5}"/>
+              </a:ext>
+            </a:extLst>
+          </p:cNvPr>
+          <p:cNvCxnSpPr>
+            <a:cxnSpLocks/>
+          </p:cNvCxnSpPr>
+          <p:nvPr/>
+        </p:nvCxnSpPr>
+        <p:spPr>
+          <a:xfrm>
+            <a:off x="2035888" y="3159933"/>
+            <a:ext cx="657454" cy="0"/>
+          </a:xfrm>
+          <a:prstGeom prst="line">
+            <a:avLst/>
+          </a:prstGeom>
+          <a:ln>
+            <a:prstDash val="dash"/>
+          </a:ln>
+        </p:spPr>
+        <p:style>
+          <a:lnRef idx="2">
+            <a:schemeClr val="accent1"/>
+          </a:lnRef>
+          <a:fillRef idx="0">
+            <a:schemeClr val="accent1"/>
+          </a:fillRef>
+          <a:effectRef idx="1">
+            <a:schemeClr val="accent1"/>
+          </a:effectRef>
+          <a:fontRef idx="minor">
+            <a:schemeClr val="tx1"/>
+          </a:fontRef>
+        </p:style>
+      </p:cxnSp>
+      <p:cxnSp>
+        <p:nvCxnSpPr>
+          <p:cNvPr id="10" name="Straight Arrow Connector 9">
+            <a:extLst>
+              <a:ext uri="{FF2B5EF4-FFF2-40B4-BE49-F238E27FC236}">
+                <a16:creationId xmlns:a16="http://schemas.microsoft.com/office/drawing/2014/main" id="{D028BA4F-11AB-90ED-2BAB-F0B21A275CB4}"/>
+              </a:ext>
+            </a:extLst>
+          </p:cNvPr>
+          <p:cNvCxnSpPr>
+            <a:cxnSpLocks/>
+          </p:cNvCxnSpPr>
+          <p:nvPr/>
+        </p:nvCxnSpPr>
+        <p:spPr>
+          <a:xfrm flipV="1">
+            <a:off x="1670039" y="3184892"/>
+            <a:ext cx="315243" cy="675053"/>
+          </a:xfrm>
+          <a:prstGeom prst="straightConnector1">
+            <a:avLst/>
+          </a:prstGeom>
+          <a:ln>
+            <a:tailEnd type="triangle" w="lg" len="lg"/>
+          </a:ln>
+        </p:spPr>
+        <p:style>
+          <a:lnRef idx="2">
+            <a:schemeClr val="accent1"/>
+          </a:lnRef>
+          <a:fillRef idx="0">
+            <a:schemeClr val="accent1"/>
+          </a:fillRef>
+          <a:effectRef idx="1">
+            <a:schemeClr val="accent1"/>
+          </a:effectRef>
+          <a:fontRef idx="minor">
+            <a:schemeClr val="tx1"/>
+          </a:fontRef>
+        </p:style>
+      </p:cxnSp>
+      <mc:AlternateContent xmlns:mc="http://schemas.openxmlformats.org/markup-compatibility/2006">
+        <mc:Choice xmlns:a14="http://schemas.microsoft.com/office/drawing/2010/main" Requires="a14">
+          <p:sp>
+            <p:nvSpPr>
+              <p:cNvPr id="13" name="TextBox 12">
+                <a:extLst>
+                  <a:ext uri="{FF2B5EF4-FFF2-40B4-BE49-F238E27FC236}">
+                    <a16:creationId xmlns:a16="http://schemas.microsoft.com/office/drawing/2014/main" id="{BF48340D-FF4C-769D-5F90-A9217DC3B1AE}"/>
+                  </a:ext>
+                </a:extLst>
+              </p:cNvPr>
+              <p:cNvSpPr txBox="1"/>
+              <p:nvPr/>
+            </p:nvSpPr>
+            <p:spPr>
+              <a:xfrm>
+                <a:off x="1103160" y="3724990"/>
+                <a:ext cx="919162" cy="523220"/>
+              </a:xfrm>
+              <a:prstGeom prst="rect">
+                <a:avLst/>
+              </a:prstGeom>
+              <a:noFill/>
+            </p:spPr>
+            <p:txBody>
+              <a:bodyPr wrap="none" rtlCol="0">
+                <a:spAutoFit/>
+              </a:bodyPr>
+              <a:lstStyle/>
+              <a:p>
+                <a:pPr/>
+                <a14:m>
+                  <m:oMathPara xmlns:m="http://schemas.openxmlformats.org/officeDocument/2006/math">
+                    <m:oMathParaPr>
+                      <m:jc m:val="centerGroup"/>
+                    </m:oMathParaPr>
+                    <m:oMath xmlns:m="http://schemas.openxmlformats.org/officeDocument/2006/math">
+                      <m:sSub>
+                        <m:sSubPr>
+                          <m:ctrlPr>
+                            <a:rPr lang="en-US" sz="2800" i="1" smtClean="0">
+                              <a:latin typeface="Cambria Math" panose="02040503050406030204" pitchFamily="18" charset="0"/>
+                            </a:rPr>
+                          </m:ctrlPr>
+                        </m:sSubPr>
+                        <m:e>
+                          <m:r>
+                            <a:rPr lang="en-US" sz="2800" b="0" i="1" smtClean="0">
+                              <a:latin typeface="Cambria Math" panose="02040503050406030204" pitchFamily="18" charset="0"/>
+                            </a:rPr>
+                            <m:t>𝑃</m:t>
+                          </m:r>
+                        </m:e>
+                        <m:sub>
+                          <m:r>
+                            <a:rPr lang="en-US" sz="2800" b="0" i="1" smtClean="0">
+                              <a:latin typeface="Cambria Math" panose="02040503050406030204" pitchFamily="18" charset="0"/>
+                            </a:rPr>
+                            <m:t>𝑏</m:t>
+                          </m:r>
+                          <m:r>
+                            <a:rPr lang="en-US" sz="2800" b="0" i="1" smtClean="0">
+                              <a:latin typeface="Cambria Math" panose="02040503050406030204" pitchFamily="18" charset="0"/>
+                            </a:rPr>
+                            <m:t>01</m:t>
+                          </m:r>
+                        </m:sub>
+                      </m:sSub>
+                    </m:oMath>
+                  </m:oMathPara>
+                </a14:m>
+                <a:endParaRPr lang="en-US" sz="2800" dirty="0"/>
+              </a:p>
+            </p:txBody>
+          </p:sp>
+        </mc:Choice>
+        <mc:Fallback>
+          <p:sp>
+            <p:nvSpPr>
+              <p:cNvPr id="13" name="TextBox 12">
+                <a:extLst>
+                  <a:ext uri="{FF2B5EF4-FFF2-40B4-BE49-F238E27FC236}">
+                    <a16:creationId xmlns:a16="http://schemas.microsoft.com/office/drawing/2014/main" id="{BF48340D-FF4C-769D-5F90-A9217DC3B1AE}"/>
+                  </a:ext>
+                </a:extLst>
+              </p:cNvPr>
+              <p:cNvSpPr txBox="1">
+                <a:spLocks noRot="1" noChangeAspect="1" noMove="1" noResize="1" noEditPoints="1" noAdjustHandles="1" noChangeArrowheads="1" noChangeShapeType="1" noTextEdit="1"/>
+              </p:cNvSpPr>
+              <p:nvPr/>
+            </p:nvSpPr>
+            <p:spPr>
+              <a:xfrm>
+                <a:off x="1103160" y="3724990"/>
+                <a:ext cx="919162" cy="523220"/>
+              </a:xfrm>
+              <a:prstGeom prst="rect">
+                <a:avLst/>
+              </a:prstGeom>
+              <a:blipFill>
+                <a:blip r:embed="rId20"/>
+                <a:stretch>
+                  <a:fillRect/>
+                </a:stretch>
+              </a:blipFill>
+            </p:spPr>
+            <p:txBody>
+              <a:bodyPr/>
+              <a:lstStyle/>
+              <a:p>
+                <a:r>
+                  <a:rPr lang="en-US">
+                    <a:noFill/>
+                  </a:rPr>
+                  <a:t> </a:t>
+                </a:r>
+              </a:p>
+            </p:txBody>
+          </p:sp>
+        </mc:Fallback>
+      </mc:AlternateContent>
+      <p:cxnSp>
+        <p:nvCxnSpPr>
+          <p:cNvPr id="14" name="Straight Arrow Connector 13">
+            <a:extLst>
+              <a:ext uri="{FF2B5EF4-FFF2-40B4-BE49-F238E27FC236}">
+                <a16:creationId xmlns:a16="http://schemas.microsoft.com/office/drawing/2014/main" id="{56D6A760-F674-B47C-E32C-0CFB0214727B}"/>
+              </a:ext>
+            </a:extLst>
+          </p:cNvPr>
+          <p:cNvCxnSpPr>
+            <a:cxnSpLocks/>
+            <a:stCxn id="80" idx="1"/>
+          </p:cNvCxnSpPr>
+          <p:nvPr/>
+        </p:nvCxnSpPr>
+        <p:spPr>
+          <a:xfrm flipH="1" flipV="1">
+            <a:off x="2870517" y="3211737"/>
+            <a:ext cx="483051" cy="252701"/>
+          </a:xfrm>
+          <a:prstGeom prst="straightConnector1">
+            <a:avLst/>
+          </a:prstGeom>
+          <a:ln>
+            <a:tailEnd type="triangle" w="lg" len="lg"/>
+          </a:ln>
+        </p:spPr>
+        <p:style>
+          <a:lnRef idx="2">
+            <a:schemeClr val="accent1"/>
+          </a:lnRef>
+          <a:fillRef idx="0">
+            <a:schemeClr val="accent1"/>
+          </a:fillRef>
+          <a:effectRef idx="1">
+            <a:schemeClr val="accent1"/>
+          </a:effectRef>
+          <a:fontRef idx="minor">
+            <a:schemeClr val="tx1"/>
+          </a:fontRef>
+        </p:style>
+      </p:cxnSp>
+      <mc:AlternateContent xmlns:mc="http://schemas.openxmlformats.org/markup-compatibility/2006">
+        <mc:Choice xmlns:a14="http://schemas.microsoft.com/office/drawing/2010/main" Requires="a14">
+          <p:sp>
+            <p:nvSpPr>
+              <p:cNvPr id="25" name="TextBox 24">
+                <a:extLst>
+                  <a:ext uri="{FF2B5EF4-FFF2-40B4-BE49-F238E27FC236}">
+                    <a16:creationId xmlns:a16="http://schemas.microsoft.com/office/drawing/2014/main" id="{741B581D-3DAC-5B24-74F8-B10B84DCD7DA}"/>
+                  </a:ext>
+                </a:extLst>
+              </p:cNvPr>
+              <p:cNvSpPr txBox="1"/>
+              <p:nvPr/>
+            </p:nvSpPr>
+            <p:spPr>
+              <a:xfrm>
+                <a:off x="5414757" y="3191200"/>
+                <a:ext cx="773417" cy="523220"/>
+              </a:xfrm>
+              <a:prstGeom prst="rect">
+                <a:avLst/>
+              </a:prstGeom>
+              <a:noFill/>
+            </p:spPr>
+            <p:txBody>
+              <a:bodyPr wrap="none" rtlCol="0">
+                <a:spAutoFit/>
+              </a:bodyPr>
+              <a:lstStyle/>
+              <a:p>
+                <a:pPr/>
+                <a14:m>
+                  <m:oMathPara xmlns:m="http://schemas.openxmlformats.org/officeDocument/2006/math">
+                    <m:oMathParaPr>
+                      <m:jc m:val="centerGroup"/>
+                    </m:oMathParaPr>
+                    <m:oMath xmlns:m="http://schemas.openxmlformats.org/officeDocument/2006/math">
+                      <m:sSub>
+                        <m:sSubPr>
+                          <m:ctrlPr>
+                            <a:rPr lang="en-US" sz="2800" i="1" smtClean="0">
+                              <a:latin typeface="Cambria Math" panose="02040503050406030204" pitchFamily="18" charset="0"/>
+                            </a:rPr>
+                          </m:ctrlPr>
+                        </m:sSubPr>
+                        <m:e>
+                          <m:r>
+                            <a:rPr lang="de-DE" sz="2800" b="0" i="1" smtClean="0">
+                              <a:latin typeface="Cambria Math" panose="02040503050406030204" pitchFamily="18" charset="0"/>
+                            </a:rPr>
+                            <m:t>𝐿</m:t>
+                          </m:r>
+                        </m:e>
+                        <m:sub>
+                          <m:r>
+                            <a:rPr lang="de-DE" sz="2800" b="0" i="1" smtClean="0">
+                              <a:latin typeface="Cambria Math" panose="02040503050406030204" pitchFamily="18" charset="0"/>
+                            </a:rPr>
+                            <m:t>𝑏</m:t>
+                          </m:r>
+                          <m:r>
+                            <a:rPr lang="de-DE" sz="2800" b="0" i="1" smtClean="0">
+                              <a:latin typeface="Cambria Math" panose="02040503050406030204" pitchFamily="18" charset="0"/>
+                            </a:rPr>
+                            <m:t>1</m:t>
+                          </m:r>
+                        </m:sub>
+                      </m:sSub>
+                    </m:oMath>
+                  </m:oMathPara>
+                </a14:m>
+                <a:endParaRPr lang="en-US" sz="2800" dirty="0"/>
+              </a:p>
+            </p:txBody>
+          </p:sp>
+        </mc:Choice>
+        <mc:Fallback>
+          <p:sp>
+            <p:nvSpPr>
+              <p:cNvPr id="25" name="TextBox 24">
+                <a:extLst>
+                  <a:ext uri="{FF2B5EF4-FFF2-40B4-BE49-F238E27FC236}">
+                    <a16:creationId xmlns:a16="http://schemas.microsoft.com/office/drawing/2014/main" id="{741B581D-3DAC-5B24-74F8-B10B84DCD7DA}"/>
+                  </a:ext>
+                </a:extLst>
+              </p:cNvPr>
+              <p:cNvSpPr txBox="1">
+                <a:spLocks noRot="1" noChangeAspect="1" noMove="1" noResize="1" noEditPoints="1" noAdjustHandles="1" noChangeArrowheads="1" noChangeShapeType="1" noTextEdit="1"/>
+              </p:cNvSpPr>
+              <p:nvPr/>
+            </p:nvSpPr>
+            <p:spPr>
+              <a:xfrm>
+                <a:off x="5414757" y="3191200"/>
+                <a:ext cx="773417" cy="523220"/>
+              </a:xfrm>
+              <a:prstGeom prst="rect">
+                <a:avLst/>
+              </a:prstGeom>
+              <a:blipFill>
+                <a:blip r:embed="rId21"/>
+                <a:stretch>
+                  <a:fillRect/>
+                </a:stretch>
+              </a:blipFill>
+            </p:spPr>
+            <p:txBody>
+              <a:bodyPr/>
+              <a:lstStyle/>
+              <a:p>
+                <a:r>
+                  <a:rPr lang="en-US">
+                    <a:noFill/>
+                  </a:rPr>
+                  <a:t> </a:t>
+                </a:r>
+              </a:p>
+            </p:txBody>
+          </p:sp>
+        </mc:Fallback>
+      </mc:AlternateContent>
+      <p:cxnSp>
+        <p:nvCxnSpPr>
+          <p:cNvPr id="31" name="Straight Arrow Connector 30">
+            <a:extLst>
+              <a:ext uri="{FF2B5EF4-FFF2-40B4-BE49-F238E27FC236}">
+                <a16:creationId xmlns:a16="http://schemas.microsoft.com/office/drawing/2014/main" id="{4F9A1E19-D6C4-7A9A-D3C9-0F4E494F9168}"/>
+              </a:ext>
+            </a:extLst>
+          </p:cNvPr>
+          <p:cNvCxnSpPr>
+            <a:cxnSpLocks/>
+          </p:cNvCxnSpPr>
+          <p:nvPr/>
+        </p:nvCxnSpPr>
+        <p:spPr>
+          <a:xfrm flipH="1" flipV="1">
+            <a:off x="9575110" y="3099875"/>
+            <a:ext cx="3464" cy="419531"/>
+          </a:xfrm>
+          <a:prstGeom prst="straightConnector1">
+            <a:avLst/>
+          </a:prstGeom>
+          <a:ln>
+            <a:tailEnd type="triangle" w="lg" len="lg"/>
+          </a:ln>
+        </p:spPr>
+        <p:style>
+          <a:lnRef idx="2">
+            <a:schemeClr val="accent1"/>
+          </a:lnRef>
+          <a:fillRef idx="0">
+            <a:schemeClr val="accent1"/>
+          </a:fillRef>
+          <a:effectRef idx="1">
+            <a:schemeClr val="accent1"/>
+          </a:effectRef>
+          <a:fontRef idx="minor">
+            <a:schemeClr val="tx1"/>
+          </a:fontRef>
+        </p:style>
+      </p:cxnSp>
+      <p:cxnSp>
+        <p:nvCxnSpPr>
+          <p:cNvPr id="3" name="Straight Connector 2">
+            <a:extLst>
+              <a:ext uri="{FF2B5EF4-FFF2-40B4-BE49-F238E27FC236}">
+                <a16:creationId xmlns:a16="http://schemas.microsoft.com/office/drawing/2014/main" id="{D81902E3-EAD8-5545-8359-307090B30E83}"/>
+              </a:ext>
+            </a:extLst>
+          </p:cNvPr>
+          <p:cNvCxnSpPr>
+            <a:cxnSpLocks/>
+          </p:cNvCxnSpPr>
+          <p:nvPr/>
+        </p:nvCxnSpPr>
+        <p:spPr>
+          <a:xfrm>
+            <a:off x="9549796" y="2846070"/>
+            <a:ext cx="577828" cy="0"/>
+          </a:xfrm>
+          <a:prstGeom prst="line">
+            <a:avLst/>
+          </a:prstGeom>
+        </p:spPr>
+        <p:style>
+          <a:lnRef idx="2">
+            <a:schemeClr val="accent1"/>
+          </a:lnRef>
+          <a:fillRef idx="0">
+            <a:schemeClr val="accent1"/>
+          </a:fillRef>
+          <a:effectRef idx="1">
+            <a:schemeClr val="accent1"/>
+          </a:effectRef>
+          <a:fontRef idx="minor">
+            <a:schemeClr val="tx1"/>
+          </a:fontRef>
+        </p:style>
+      </p:cxnSp>
+      <p:cxnSp>
+        <p:nvCxnSpPr>
+          <p:cNvPr id="5" name="Straight Connector 4">
+            <a:extLst>
+              <a:ext uri="{FF2B5EF4-FFF2-40B4-BE49-F238E27FC236}">
+                <a16:creationId xmlns:a16="http://schemas.microsoft.com/office/drawing/2014/main" id="{47B141F0-8C35-D54E-5190-C8A1B31A87CF}"/>
+              </a:ext>
+            </a:extLst>
+          </p:cNvPr>
+          <p:cNvCxnSpPr>
+            <a:cxnSpLocks/>
+          </p:cNvCxnSpPr>
+          <p:nvPr/>
+        </p:nvCxnSpPr>
+        <p:spPr>
+          <a:xfrm flipV="1">
+            <a:off x="9534578" y="3029958"/>
+            <a:ext cx="614614" cy="5454"/>
+          </a:xfrm>
+          <a:prstGeom prst="line">
+            <a:avLst/>
+          </a:prstGeom>
+        </p:spPr>
+        <p:style>
+          <a:lnRef idx="2">
+            <a:schemeClr val="accent1"/>
+          </a:lnRef>
+          <a:fillRef idx="0">
+            <a:schemeClr val="accent1"/>
+          </a:fillRef>
+          <a:effectRef idx="1">
+            <a:schemeClr val="accent1"/>
+          </a:effectRef>
+          <a:fontRef idx="minor">
+            <a:schemeClr val="tx1"/>
+          </a:fontRef>
+        </p:style>
+      </p:cxnSp>
+      <p:cxnSp>
+        <p:nvCxnSpPr>
+          <p:cNvPr id="23" name="Straight Arrow Connector 22">
+            <a:extLst>
+              <a:ext uri="{FF2B5EF4-FFF2-40B4-BE49-F238E27FC236}">
+                <a16:creationId xmlns:a16="http://schemas.microsoft.com/office/drawing/2014/main" id="{EAF722CF-BFBE-CBE2-D918-B47235F8452E}"/>
+              </a:ext>
+            </a:extLst>
+          </p:cNvPr>
+          <p:cNvCxnSpPr>
+            <a:cxnSpLocks/>
+          </p:cNvCxnSpPr>
+          <p:nvPr/>
+        </p:nvCxnSpPr>
+        <p:spPr>
+          <a:xfrm flipV="1">
+            <a:off x="8062316" y="3227490"/>
+            <a:ext cx="483051" cy="252701"/>
+          </a:xfrm>
+          <a:prstGeom prst="straightConnector1">
+            <a:avLst/>
+          </a:prstGeom>
+          <a:ln>
+            <a:tailEnd type="triangle" w="lg" len="lg"/>
+          </a:ln>
+        </p:spPr>
+        <p:style>
+          <a:lnRef idx="2">
+            <a:schemeClr val="accent1"/>
+          </a:lnRef>
+          <a:fillRef idx="0">
+            <a:schemeClr val="accent1"/>
+          </a:fillRef>
+          <a:effectRef idx="1">
+            <a:schemeClr val="accent1"/>
+          </a:effectRef>
+          <a:fontRef idx="minor">
+            <a:schemeClr val="tx1"/>
+          </a:fontRef>
+        </p:style>
+      </p:cxnSp>
+      <p:cxnSp>
+        <p:nvCxnSpPr>
+          <p:cNvPr id="24" name="Straight Arrow Connector 23">
+            <a:extLst>
+              <a:ext uri="{FF2B5EF4-FFF2-40B4-BE49-F238E27FC236}">
+                <a16:creationId xmlns:a16="http://schemas.microsoft.com/office/drawing/2014/main" id="{34F0C665-DA31-D48F-5CDF-F88D9202C9FB}"/>
+              </a:ext>
+            </a:extLst>
+          </p:cNvPr>
+          <p:cNvCxnSpPr>
+            <a:cxnSpLocks/>
+          </p:cNvCxnSpPr>
+          <p:nvPr/>
+        </p:nvCxnSpPr>
+        <p:spPr>
+          <a:xfrm>
+            <a:off x="8047421" y="2327350"/>
+            <a:ext cx="483051" cy="252701"/>
+          </a:xfrm>
+          <a:prstGeom prst="straightConnector1">
+            <a:avLst/>
+          </a:prstGeom>
+          <a:ln>
+            <a:tailEnd type="triangle" w="lg" len="lg"/>
+          </a:ln>
+        </p:spPr>
+        <p:style>
+          <a:lnRef idx="2">
+            <a:schemeClr val="accent1"/>
+          </a:lnRef>
+          <a:fillRef idx="0">
+            <a:schemeClr val="accent1"/>
+          </a:fillRef>
+          <a:effectRef idx="1">
+            <a:schemeClr val="accent1"/>
+          </a:effectRef>
+          <a:fontRef idx="minor">
+            <a:schemeClr val="tx1"/>
+          </a:fontRef>
+        </p:style>
+      </p:cxnSp>
+      <mc:AlternateContent xmlns:mc="http://schemas.openxmlformats.org/markup-compatibility/2006">
+        <mc:Choice xmlns:a14="http://schemas.microsoft.com/office/drawing/2010/main" Requires="a14">
+          <p:sp>
+            <p:nvSpPr>
+              <p:cNvPr id="27" name="TextBox 26">
+                <a:extLst>
+                  <a:ext uri="{FF2B5EF4-FFF2-40B4-BE49-F238E27FC236}">
+                    <a16:creationId xmlns:a16="http://schemas.microsoft.com/office/drawing/2014/main" id="{E45F05D6-AD1E-9BDB-8185-F431FDD3AD93}"/>
+                  </a:ext>
+                </a:extLst>
+              </p:cNvPr>
+              <p:cNvSpPr txBox="1"/>
+              <p:nvPr/>
+            </p:nvSpPr>
+            <p:spPr>
+              <a:xfrm>
+                <a:off x="104710" y="2099000"/>
+                <a:ext cx="931986" cy="523220"/>
+              </a:xfrm>
+              <a:prstGeom prst="rect">
+                <a:avLst/>
+              </a:prstGeom>
+              <a:noFill/>
+            </p:spPr>
+            <p:txBody>
+              <a:bodyPr wrap="none" rtlCol="0">
+                <a:spAutoFit/>
+              </a:bodyPr>
+              <a:lstStyle/>
+              <a:p>
+                <a:pPr/>
+                <a14:m>
+                  <m:oMathPara xmlns:m="http://schemas.openxmlformats.org/officeDocument/2006/math">
+                    <m:oMathParaPr>
+                      <m:jc m:val="centerGroup"/>
+                    </m:oMathParaPr>
+                    <m:oMath xmlns:m="http://schemas.openxmlformats.org/officeDocument/2006/math">
+                      <m:sSub>
+                        <m:sSubPr>
+                          <m:ctrlPr>
+                            <a:rPr lang="en-US" sz="2800" i="1" smtClean="0">
+                              <a:latin typeface="Cambria Math" panose="02040503050406030204" pitchFamily="18" charset="0"/>
+                            </a:rPr>
+                          </m:ctrlPr>
+                        </m:sSubPr>
+                        <m:e>
+                          <m:r>
+                            <a:rPr lang="en-US" sz="2800" b="0" i="1" smtClean="0">
+                              <a:latin typeface="Cambria Math" panose="02040503050406030204" pitchFamily="18" charset="0"/>
+                            </a:rPr>
+                            <m:t>𝑃</m:t>
+                          </m:r>
+                        </m:e>
+                        <m:sub>
+                          <m:r>
+                            <a:rPr lang="en-US" sz="2800" b="0" i="1" smtClean="0">
+                              <a:latin typeface="Cambria Math" panose="02040503050406030204" pitchFamily="18" charset="0"/>
+                            </a:rPr>
+                            <m:t>𝑢</m:t>
+                          </m:r>
+                          <m:r>
+                            <a:rPr lang="en-US" sz="2800" b="0" i="1" smtClean="0">
+                              <a:latin typeface="Cambria Math" panose="02040503050406030204" pitchFamily="18" charset="0"/>
+                            </a:rPr>
+                            <m:t>00</m:t>
+                          </m:r>
+                        </m:sub>
+                      </m:sSub>
+                    </m:oMath>
+                  </m:oMathPara>
+                </a14:m>
+                <a:endParaRPr lang="en-US" sz="2800" dirty="0"/>
+              </a:p>
+            </p:txBody>
+          </p:sp>
+        </mc:Choice>
+        <mc:Fallback>
+          <p:sp>
+            <p:nvSpPr>
+              <p:cNvPr id="27" name="TextBox 26">
+                <a:extLst>
+                  <a:ext uri="{FF2B5EF4-FFF2-40B4-BE49-F238E27FC236}">
+                    <a16:creationId xmlns:a16="http://schemas.microsoft.com/office/drawing/2014/main" id="{E45F05D6-AD1E-9BDB-8185-F431FDD3AD93}"/>
+                  </a:ext>
+                </a:extLst>
+              </p:cNvPr>
+              <p:cNvSpPr txBox="1">
+                <a:spLocks noRot="1" noChangeAspect="1" noMove="1" noResize="1" noEditPoints="1" noAdjustHandles="1" noChangeArrowheads="1" noChangeShapeType="1" noTextEdit="1"/>
+              </p:cNvSpPr>
+              <p:nvPr/>
+            </p:nvSpPr>
+            <p:spPr>
+              <a:xfrm>
+                <a:off x="104710" y="2099000"/>
+                <a:ext cx="931986" cy="523220"/>
+              </a:xfrm>
+              <a:prstGeom prst="rect">
+                <a:avLst/>
+              </a:prstGeom>
+              <a:blipFill>
+                <a:blip r:embed="rId22"/>
+                <a:stretch>
+                  <a:fillRect/>
+                </a:stretch>
+              </a:blipFill>
+            </p:spPr>
+            <p:txBody>
+              <a:bodyPr/>
+              <a:lstStyle/>
+              <a:p>
+                <a:r>
+                  <a:rPr lang="en-US">
+                    <a:noFill/>
+                  </a:rPr>
+                  <a:t> </a:t>
+                </a:r>
+              </a:p>
+            </p:txBody>
+          </p:sp>
+        </mc:Fallback>
+      </mc:AlternateContent>
+      <mc:AlternateContent xmlns:mc="http://schemas.openxmlformats.org/markup-compatibility/2006">
+        <mc:Choice xmlns:a14="http://schemas.microsoft.com/office/drawing/2010/main" Requires="a14">
+          <p:sp>
+            <p:nvSpPr>
+              <p:cNvPr id="28" name="TextBox 27">
+                <a:extLst>
+                  <a:ext uri="{FF2B5EF4-FFF2-40B4-BE49-F238E27FC236}">
+                    <a16:creationId xmlns:a16="http://schemas.microsoft.com/office/drawing/2014/main" id="{FC3B5045-9DEA-65FE-2746-57835F9F2937}"/>
+                  </a:ext>
+                </a:extLst>
+              </p:cNvPr>
+              <p:cNvSpPr txBox="1"/>
+              <p:nvPr/>
+            </p:nvSpPr>
+            <p:spPr>
+              <a:xfrm>
+                <a:off x="0" y="3092230"/>
+                <a:ext cx="919162" cy="523220"/>
+              </a:xfrm>
+              <a:prstGeom prst="rect">
+                <a:avLst/>
+              </a:prstGeom>
+              <a:noFill/>
+            </p:spPr>
+            <p:txBody>
+              <a:bodyPr wrap="none" rtlCol="0">
+                <a:spAutoFit/>
+              </a:bodyPr>
+              <a:lstStyle/>
+              <a:p>
+                <a:pPr/>
+                <a14:m>
+                  <m:oMathPara xmlns:m="http://schemas.openxmlformats.org/officeDocument/2006/math">
+                    <m:oMathParaPr>
+                      <m:jc m:val="centerGroup"/>
+                    </m:oMathParaPr>
+                    <m:oMath xmlns:m="http://schemas.openxmlformats.org/officeDocument/2006/math">
+                      <m:sSub>
+                        <m:sSubPr>
+                          <m:ctrlPr>
+                            <a:rPr lang="en-US" sz="2800" i="1" smtClean="0">
+                              <a:latin typeface="Cambria Math" panose="02040503050406030204" pitchFamily="18" charset="0"/>
+                            </a:rPr>
+                          </m:ctrlPr>
+                        </m:sSubPr>
+                        <m:e>
+                          <m:r>
+                            <a:rPr lang="en-US" sz="2800" b="0" i="1" smtClean="0">
+                              <a:latin typeface="Cambria Math" panose="02040503050406030204" pitchFamily="18" charset="0"/>
+                            </a:rPr>
+                            <m:t>𝑃</m:t>
+                          </m:r>
+                        </m:e>
+                        <m:sub>
+                          <m:r>
+                            <a:rPr lang="en-US" sz="2800" b="0" i="1" smtClean="0">
+                              <a:latin typeface="Cambria Math" panose="02040503050406030204" pitchFamily="18" charset="0"/>
+                            </a:rPr>
+                            <m:t>𝑏</m:t>
+                          </m:r>
+                          <m:r>
+                            <a:rPr lang="en-US" sz="2800" b="0" i="1" smtClean="0">
+                              <a:latin typeface="Cambria Math" panose="02040503050406030204" pitchFamily="18" charset="0"/>
+                            </a:rPr>
+                            <m:t>00</m:t>
+                          </m:r>
+                        </m:sub>
+                      </m:sSub>
+                    </m:oMath>
+                  </m:oMathPara>
+                </a14:m>
+                <a:endParaRPr lang="en-US" sz="2800" dirty="0"/>
+              </a:p>
+            </p:txBody>
+          </p:sp>
+        </mc:Choice>
+        <mc:Fallback>
+          <p:sp>
+            <p:nvSpPr>
+              <p:cNvPr id="28" name="TextBox 27">
+                <a:extLst>
+                  <a:ext uri="{FF2B5EF4-FFF2-40B4-BE49-F238E27FC236}">
+                    <a16:creationId xmlns:a16="http://schemas.microsoft.com/office/drawing/2014/main" id="{FC3B5045-9DEA-65FE-2746-57835F9F2937}"/>
+                  </a:ext>
+                </a:extLst>
+              </p:cNvPr>
+              <p:cNvSpPr txBox="1">
+                <a:spLocks noRot="1" noChangeAspect="1" noMove="1" noResize="1" noEditPoints="1" noAdjustHandles="1" noChangeArrowheads="1" noChangeShapeType="1" noTextEdit="1"/>
+              </p:cNvSpPr>
+              <p:nvPr/>
+            </p:nvSpPr>
+            <p:spPr>
+              <a:xfrm>
+                <a:off x="0" y="3092230"/>
+                <a:ext cx="919162" cy="523220"/>
+              </a:xfrm>
+              <a:prstGeom prst="rect">
+                <a:avLst/>
+              </a:prstGeom>
+              <a:blipFill>
+                <a:blip r:embed="rId23"/>
+                <a:stretch>
+                  <a:fillRect/>
+                </a:stretch>
+              </a:blipFill>
+            </p:spPr>
+            <p:txBody>
+              <a:bodyPr/>
+              <a:lstStyle/>
+              <a:p>
+                <a:r>
+                  <a:rPr lang="en-US">
+                    <a:noFill/>
+                  </a:rPr>
+                  <a:t> </a:t>
+                </a:r>
+              </a:p>
+            </p:txBody>
+          </p:sp>
+        </mc:Fallback>
+      </mc:AlternateContent>
+      <p:cxnSp>
+        <p:nvCxnSpPr>
+          <p:cNvPr id="32" name="Straight Connector 31">
+            <a:extLst>
+              <a:ext uri="{FF2B5EF4-FFF2-40B4-BE49-F238E27FC236}">
+                <a16:creationId xmlns:a16="http://schemas.microsoft.com/office/drawing/2014/main" id="{F623B58A-D27D-05E2-7CBB-4AFD11772356}"/>
+              </a:ext>
+            </a:extLst>
+          </p:cNvPr>
+          <p:cNvCxnSpPr>
+            <a:cxnSpLocks/>
+          </p:cNvCxnSpPr>
+          <p:nvPr/>
+        </p:nvCxnSpPr>
+        <p:spPr>
+          <a:xfrm>
+            <a:off x="1227594" y="2846070"/>
+            <a:ext cx="0" cy="154142"/>
+          </a:xfrm>
+          <a:prstGeom prst="line">
+            <a:avLst/>
+          </a:prstGeom>
+        </p:spPr>
+        <p:style>
+          <a:lnRef idx="2">
+            <a:schemeClr val="accent1"/>
+          </a:lnRef>
+          <a:fillRef idx="0">
+            <a:schemeClr val="accent1"/>
+          </a:fillRef>
+          <a:effectRef idx="1">
+            <a:schemeClr val="accent1"/>
+          </a:effectRef>
+          <a:fontRef idx="minor">
+            <a:schemeClr val="tx1"/>
+          </a:fontRef>
+        </p:style>
+      </p:cxnSp>
+      <p:cxnSp>
+        <p:nvCxnSpPr>
+          <p:cNvPr id="34" name="Straight Arrow Connector 33">
+            <a:extLst>
+              <a:ext uri="{FF2B5EF4-FFF2-40B4-BE49-F238E27FC236}">
+                <a16:creationId xmlns:a16="http://schemas.microsoft.com/office/drawing/2014/main" id="{67B43063-1FC9-6737-9003-9059D5D0EEF2}"/>
+              </a:ext>
+            </a:extLst>
+          </p:cNvPr>
+          <p:cNvCxnSpPr>
+            <a:cxnSpLocks/>
+          </p:cNvCxnSpPr>
+          <p:nvPr/>
+        </p:nvCxnSpPr>
+        <p:spPr>
+          <a:xfrm>
+            <a:off x="961287" y="2536408"/>
+            <a:ext cx="218303" cy="281573"/>
+          </a:xfrm>
+          <a:prstGeom prst="straightConnector1">
+            <a:avLst/>
+          </a:prstGeom>
+          <a:ln>
+            <a:tailEnd type="triangle" w="lg" len="lg"/>
+          </a:ln>
+        </p:spPr>
+        <p:style>
+          <a:lnRef idx="2">
+            <a:schemeClr val="accent1"/>
+          </a:lnRef>
+          <a:fillRef idx="0">
+            <a:schemeClr val="accent1"/>
+          </a:fillRef>
+          <a:effectRef idx="1">
+            <a:schemeClr val="accent1"/>
+          </a:effectRef>
+          <a:fontRef idx="minor">
+            <a:schemeClr val="tx1"/>
+          </a:fontRef>
+        </p:style>
+      </p:cxnSp>
+      <p:cxnSp>
+        <p:nvCxnSpPr>
+          <p:cNvPr id="35" name="Straight Arrow Connector 34">
+            <a:extLst>
+              <a:ext uri="{FF2B5EF4-FFF2-40B4-BE49-F238E27FC236}">
+                <a16:creationId xmlns:a16="http://schemas.microsoft.com/office/drawing/2014/main" id="{AC33A7C9-2B41-C927-93DD-477EFDB53E1A}"/>
+              </a:ext>
+            </a:extLst>
+          </p:cNvPr>
+          <p:cNvCxnSpPr>
+            <a:cxnSpLocks/>
+          </p:cNvCxnSpPr>
+          <p:nvPr/>
+        </p:nvCxnSpPr>
+        <p:spPr>
+          <a:xfrm flipV="1">
+            <a:off x="846770" y="3071046"/>
+            <a:ext cx="331642" cy="312887"/>
+          </a:xfrm>
+          <a:prstGeom prst="straightConnector1">
+            <a:avLst/>
+          </a:prstGeom>
+          <a:ln>
+            <a:tailEnd type="triangle" w="lg" len="lg"/>
+          </a:ln>
+        </p:spPr>
+        <p:style>
+          <a:lnRef idx="2">
+            <a:schemeClr val="accent1"/>
+          </a:lnRef>
+          <a:fillRef idx="0">
+            <a:schemeClr val="accent1"/>
+          </a:fillRef>
+          <a:effectRef idx="1">
+            <a:schemeClr val="accent1"/>
+          </a:effectRef>
+          <a:fontRef idx="minor">
+            <a:schemeClr val="tx1"/>
+          </a:fontRef>
+        </p:style>
+      </p:cxnSp>
+      <p:cxnSp>
+        <p:nvCxnSpPr>
+          <p:cNvPr id="2" name="Straight Connector 1">
+            <a:extLst>
+              <a:ext uri="{FF2B5EF4-FFF2-40B4-BE49-F238E27FC236}">
+                <a16:creationId xmlns:a16="http://schemas.microsoft.com/office/drawing/2014/main" id="{868CD055-F2B8-4E19-B8C9-C694C97263F8}"/>
+              </a:ext>
+            </a:extLst>
+          </p:cNvPr>
+          <p:cNvCxnSpPr>
+            <a:cxnSpLocks/>
+          </p:cNvCxnSpPr>
+          <p:nvPr/>
+        </p:nvCxnSpPr>
+        <p:spPr>
+          <a:xfrm>
+            <a:off x="2590527" y="2458596"/>
+            <a:ext cx="133671" cy="163624"/>
+          </a:xfrm>
+          <a:prstGeom prst="line">
+            <a:avLst/>
+          </a:prstGeom>
+          <a:ln>
+            <a:prstDash val="dash"/>
+          </a:ln>
+        </p:spPr>
+        <p:style>
+          <a:lnRef idx="2">
+            <a:schemeClr val="accent1"/>
+          </a:lnRef>
+          <a:fillRef idx="0">
+            <a:schemeClr val="accent1"/>
+          </a:fillRef>
+          <a:effectRef idx="1">
+            <a:schemeClr val="accent1"/>
+          </a:effectRef>
+          <a:fontRef idx="minor">
+            <a:schemeClr val="tx1"/>
+          </a:fontRef>
+        </p:style>
+      </p:cxnSp>
+      <p:cxnSp>
+        <p:nvCxnSpPr>
+          <p:cNvPr id="11" name="Straight Connector 10">
+            <a:extLst>
+              <a:ext uri="{FF2B5EF4-FFF2-40B4-BE49-F238E27FC236}">
+                <a16:creationId xmlns:a16="http://schemas.microsoft.com/office/drawing/2014/main" id="{27C49ED7-FED4-75C5-1960-DABC845A90D5}"/>
+              </a:ext>
+            </a:extLst>
+          </p:cNvPr>
+          <p:cNvCxnSpPr>
+            <a:cxnSpLocks/>
+          </p:cNvCxnSpPr>
+          <p:nvPr/>
+        </p:nvCxnSpPr>
+        <p:spPr>
+          <a:xfrm>
+            <a:off x="8744362" y="3227489"/>
+            <a:ext cx="215567" cy="213790"/>
+          </a:xfrm>
+          <a:prstGeom prst="line">
+            <a:avLst/>
+          </a:prstGeom>
+          <a:ln>
+            <a:prstDash val="dash"/>
+          </a:ln>
+        </p:spPr>
+        <p:style>
+          <a:lnRef idx="2">
+            <a:schemeClr val="accent1"/>
+          </a:lnRef>
+          <a:fillRef idx="0">
+            <a:schemeClr val="accent1"/>
+          </a:fillRef>
+          <a:effectRef idx="1">
+            <a:schemeClr val="accent1"/>
+          </a:effectRef>
+          <a:fontRef idx="minor">
+            <a:schemeClr val="tx1"/>
+          </a:fontRef>
+        </p:style>
+      </p:cxnSp>
+      <p:cxnSp>
+        <p:nvCxnSpPr>
+          <p:cNvPr id="15" name="Straight Connector 14">
+            <a:extLst>
+              <a:ext uri="{FF2B5EF4-FFF2-40B4-BE49-F238E27FC236}">
+                <a16:creationId xmlns:a16="http://schemas.microsoft.com/office/drawing/2014/main" id="{1818E0AC-1DE8-1015-8699-E4F7C843FD24}"/>
+              </a:ext>
+            </a:extLst>
+          </p:cNvPr>
+          <p:cNvCxnSpPr>
+            <a:cxnSpLocks/>
+          </p:cNvCxnSpPr>
+          <p:nvPr/>
+        </p:nvCxnSpPr>
+        <p:spPr>
+          <a:xfrm flipH="1">
+            <a:off x="2367769" y="3149979"/>
+            <a:ext cx="222758" cy="233954"/>
+          </a:xfrm>
+          <a:prstGeom prst="line">
+            <a:avLst/>
+          </a:prstGeom>
+          <a:ln>
+            <a:prstDash val="dash"/>
+          </a:ln>
+        </p:spPr>
+        <p:style>
+          <a:lnRef idx="2">
+            <a:schemeClr val="accent1"/>
+          </a:lnRef>
+          <a:fillRef idx="0">
+            <a:schemeClr val="accent1"/>
+          </a:fillRef>
+          <a:effectRef idx="1">
+            <a:schemeClr val="accent1"/>
+          </a:effectRef>
+          <a:fontRef idx="minor">
+            <a:schemeClr val="tx1"/>
+          </a:fontRef>
+        </p:style>
+      </p:cxnSp>
+      <p:cxnSp>
+        <p:nvCxnSpPr>
+          <p:cNvPr id="18" name="Straight Connector 17">
+            <a:extLst>
+              <a:ext uri="{FF2B5EF4-FFF2-40B4-BE49-F238E27FC236}">
+                <a16:creationId xmlns:a16="http://schemas.microsoft.com/office/drawing/2014/main" id="{FED0DFAE-EE4C-ADB1-5EF1-7CB9149549BA}"/>
+              </a:ext>
+            </a:extLst>
+          </p:cNvPr>
+          <p:cNvCxnSpPr>
+            <a:cxnSpLocks/>
+          </p:cNvCxnSpPr>
+          <p:nvPr/>
+        </p:nvCxnSpPr>
+        <p:spPr>
+          <a:xfrm flipH="1">
+            <a:off x="8727067" y="2461143"/>
+            <a:ext cx="193860" cy="179567"/>
+          </a:xfrm>
+          <a:prstGeom prst="line">
+            <a:avLst/>
+          </a:prstGeom>
+          <a:ln>
+            <a:prstDash val="dash"/>
+          </a:ln>
+        </p:spPr>
+        <p:style>
+          <a:lnRef idx="2">
+            <a:schemeClr val="accent1"/>
+          </a:lnRef>
+          <a:fillRef idx="0">
+            <a:schemeClr val="accent1"/>
+          </a:fillRef>
+          <a:effectRef idx="1">
+            <a:schemeClr val="accent1"/>
+          </a:effectRef>
+          <a:fontRef idx="minor">
+            <a:schemeClr val="tx1"/>
+          </a:fontRef>
+        </p:style>
+      </p:cxnSp>
+      <p:cxnSp>
+        <p:nvCxnSpPr>
+          <p:cNvPr id="26" name="Straight Arrow Connector 25">
+            <a:extLst>
+              <a:ext uri="{FF2B5EF4-FFF2-40B4-BE49-F238E27FC236}">
+                <a16:creationId xmlns:a16="http://schemas.microsoft.com/office/drawing/2014/main" id="{F9097FCE-4010-529C-3347-41CB07EDA13E}"/>
+              </a:ext>
+            </a:extLst>
+          </p:cNvPr>
+          <p:cNvCxnSpPr>
+            <a:cxnSpLocks/>
+          </p:cNvCxnSpPr>
+          <p:nvPr/>
+        </p:nvCxnSpPr>
+        <p:spPr>
+          <a:xfrm flipV="1">
+            <a:off x="2375877" y="3470924"/>
+            <a:ext cx="0" cy="777286"/>
+          </a:xfrm>
+          <a:prstGeom prst="straightConnector1">
+            <a:avLst/>
+          </a:prstGeom>
+          <a:ln>
+            <a:tailEnd type="triangle" w="lg" len="lg"/>
+          </a:ln>
+        </p:spPr>
+        <p:style>
+          <a:lnRef idx="2">
+            <a:schemeClr val="accent1"/>
+          </a:lnRef>
+          <a:fillRef idx="0">
+            <a:schemeClr val="accent1"/>
+          </a:fillRef>
+          <a:effectRef idx="1">
+            <a:schemeClr val="accent1"/>
+          </a:effectRef>
+          <a:fontRef idx="minor">
+            <a:schemeClr val="tx1"/>
+          </a:fontRef>
+        </p:style>
+      </p:cxnSp>
+      <p:cxnSp>
+        <p:nvCxnSpPr>
+          <p:cNvPr id="38" name="Straight Arrow Connector 37">
+            <a:extLst>
+              <a:ext uri="{FF2B5EF4-FFF2-40B4-BE49-F238E27FC236}">
+                <a16:creationId xmlns:a16="http://schemas.microsoft.com/office/drawing/2014/main" id="{D3E03BFF-9F66-58A1-0EA9-D24D96F6F274}"/>
+              </a:ext>
+            </a:extLst>
+          </p:cNvPr>
+          <p:cNvCxnSpPr>
+            <a:cxnSpLocks/>
+          </p:cNvCxnSpPr>
+          <p:nvPr/>
+        </p:nvCxnSpPr>
+        <p:spPr>
+          <a:xfrm>
+            <a:off x="2590527" y="1587695"/>
+            <a:ext cx="0" cy="777286"/>
+          </a:xfrm>
+          <a:prstGeom prst="straightConnector1">
+            <a:avLst/>
+          </a:prstGeom>
+          <a:ln>
+            <a:tailEnd type="triangle" w="lg" len="lg"/>
+          </a:ln>
+        </p:spPr>
+        <p:style>
+          <a:lnRef idx="2">
+            <a:schemeClr val="accent1"/>
+          </a:lnRef>
+          <a:fillRef idx="0">
+            <a:schemeClr val="accent1"/>
+          </a:fillRef>
+          <a:effectRef idx="1">
+            <a:schemeClr val="accent1"/>
+          </a:effectRef>
+          <a:fontRef idx="minor">
+            <a:schemeClr val="tx1"/>
+          </a:fontRef>
+        </p:style>
+      </p:cxnSp>
+      <p:cxnSp>
+        <p:nvCxnSpPr>
+          <p:cNvPr id="39" name="Straight Arrow Connector 38">
+            <a:extLst>
+              <a:ext uri="{FF2B5EF4-FFF2-40B4-BE49-F238E27FC236}">
+                <a16:creationId xmlns:a16="http://schemas.microsoft.com/office/drawing/2014/main" id="{EDF53B91-BD29-F87C-F561-B5389F1D0D5D}"/>
+              </a:ext>
+            </a:extLst>
+          </p:cNvPr>
+          <p:cNvCxnSpPr>
+            <a:cxnSpLocks/>
+          </p:cNvCxnSpPr>
+          <p:nvPr/>
+        </p:nvCxnSpPr>
+        <p:spPr>
+          <a:xfrm>
+            <a:off x="8905654" y="1559263"/>
+            <a:ext cx="0" cy="777286"/>
+          </a:xfrm>
+          <a:prstGeom prst="straightConnector1">
+            <a:avLst/>
+          </a:prstGeom>
+          <a:ln>
+            <a:tailEnd type="triangle" w="lg" len="lg"/>
+          </a:ln>
+        </p:spPr>
+        <p:style>
+          <a:lnRef idx="2">
+            <a:schemeClr val="accent1"/>
+          </a:lnRef>
+          <a:fillRef idx="0">
+            <a:schemeClr val="accent1"/>
+          </a:fillRef>
+          <a:effectRef idx="1">
+            <a:schemeClr val="accent1"/>
+          </a:effectRef>
+          <a:fontRef idx="minor">
+            <a:schemeClr val="tx1"/>
+          </a:fontRef>
+        </p:style>
+      </p:cxnSp>
+      <p:cxnSp>
+        <p:nvCxnSpPr>
+          <p:cNvPr id="40" name="Straight Arrow Connector 39">
+            <a:extLst>
+              <a:ext uri="{FF2B5EF4-FFF2-40B4-BE49-F238E27FC236}">
+                <a16:creationId xmlns:a16="http://schemas.microsoft.com/office/drawing/2014/main" id="{A9F988F6-F73B-19E6-95CE-6965E317F373}"/>
+              </a:ext>
+            </a:extLst>
+          </p:cNvPr>
+          <p:cNvCxnSpPr>
+            <a:cxnSpLocks/>
+          </p:cNvCxnSpPr>
+          <p:nvPr/>
+        </p:nvCxnSpPr>
+        <p:spPr>
+          <a:xfrm flipH="1" flipV="1">
+            <a:off x="8994685" y="3519406"/>
+            <a:ext cx="374093" cy="376130"/>
+          </a:xfrm>
+          <a:prstGeom prst="straightConnector1">
+            <a:avLst/>
+          </a:prstGeom>
+          <a:ln>
+            <a:tailEnd type="triangle" w="lg" len="lg"/>
+          </a:ln>
+        </p:spPr>
+        <p:style>
+          <a:lnRef idx="2">
+            <a:schemeClr val="accent1"/>
+          </a:lnRef>
+          <a:fillRef idx="0">
+            <a:schemeClr val="accent1"/>
+          </a:fillRef>
+          <a:effectRef idx="1">
+            <a:schemeClr val="accent1"/>
+          </a:effectRef>
+          <a:fontRef idx="minor">
+            <a:schemeClr val="tx1"/>
+          </a:fontRef>
+        </p:style>
+      </p:cxnSp>
+      <mc:AlternateContent xmlns:mc="http://schemas.openxmlformats.org/markup-compatibility/2006">
+        <mc:Choice xmlns:a14="http://schemas.microsoft.com/office/drawing/2010/main" Requires="a14">
+          <p:sp>
+            <p:nvSpPr>
+              <p:cNvPr id="41" name="TextBox 40">
+                <a:extLst>
+                  <a:ext uri="{FF2B5EF4-FFF2-40B4-BE49-F238E27FC236}">
+                    <a16:creationId xmlns:a16="http://schemas.microsoft.com/office/drawing/2014/main" id="{CDDEA480-15F6-703D-5105-A00641790DC5}"/>
+                  </a:ext>
+                </a:extLst>
+              </p:cNvPr>
+              <p:cNvSpPr txBox="1"/>
+              <p:nvPr/>
+            </p:nvSpPr>
+            <p:spPr>
+              <a:xfrm>
+                <a:off x="8627342" y="914867"/>
+                <a:ext cx="1084271" cy="523220"/>
+              </a:xfrm>
+              <a:prstGeom prst="rect">
+                <a:avLst/>
+              </a:prstGeom>
+              <a:noFill/>
+            </p:spPr>
+            <p:txBody>
+              <a:bodyPr wrap="none" rtlCol="0">
+                <a:spAutoFit/>
+              </a:bodyPr>
+              <a:lstStyle/>
+              <a:p>
+                <a:pPr/>
+                <a14:m>
+                  <m:oMathPara xmlns:m="http://schemas.openxmlformats.org/officeDocument/2006/math">
+                    <m:oMathParaPr>
+                      <m:jc m:val="centerGroup"/>
+                    </m:oMathParaPr>
+                    <m:oMath xmlns:m="http://schemas.openxmlformats.org/officeDocument/2006/math">
+                      <m:sSub>
+                        <m:sSubPr>
+                          <m:ctrlPr>
+                            <a:rPr lang="en-US" sz="2800" i="1" smtClean="0">
+                              <a:latin typeface="Cambria Math" panose="02040503050406030204" pitchFamily="18" charset="0"/>
+                            </a:rPr>
+                          </m:ctrlPr>
+                        </m:sSubPr>
+                        <m:e>
+                          <m:r>
+                            <a:rPr lang="en-US" sz="2800" b="0" i="1" smtClean="0">
+                              <a:latin typeface="Cambria Math" panose="02040503050406030204" pitchFamily="18" charset="0"/>
+                            </a:rPr>
+                            <m:t>𝑃</m:t>
+                          </m:r>
+                        </m:e>
+                        <m:sub>
+                          <m:r>
+                            <a:rPr lang="en-US" sz="2800" b="0" i="1" smtClean="0">
+                              <a:latin typeface="Cambria Math" panose="02040503050406030204" pitchFamily="18" charset="0"/>
+                            </a:rPr>
+                            <m:t>𝑢</m:t>
+                          </m:r>
+                          <m:r>
+                            <a:rPr lang="de-DE" sz="2800" b="0" i="1" smtClean="0">
+                              <a:latin typeface="Cambria Math" panose="02040503050406030204" pitchFamily="18" charset="0"/>
+                            </a:rPr>
+                            <m:t>22</m:t>
+                          </m:r>
+                          <m:r>
+                            <a:rPr lang="en-US" sz="2800" b="0" i="1" smtClean="0">
+                              <a:latin typeface="Cambria Math" panose="02040503050406030204" pitchFamily="18" charset="0"/>
+                            </a:rPr>
+                            <m:t>2</m:t>
+                          </m:r>
+                        </m:sub>
+                      </m:sSub>
+                    </m:oMath>
+                  </m:oMathPara>
+                </a14:m>
+                <a:endParaRPr lang="en-US" sz="2800" dirty="0"/>
+              </a:p>
+            </p:txBody>
+          </p:sp>
+        </mc:Choice>
+        <mc:Fallback>
+          <p:sp>
+            <p:nvSpPr>
+              <p:cNvPr id="41" name="TextBox 40">
+                <a:extLst>
+                  <a:ext uri="{FF2B5EF4-FFF2-40B4-BE49-F238E27FC236}">
+                    <a16:creationId xmlns:a16="http://schemas.microsoft.com/office/drawing/2014/main" id="{CDDEA480-15F6-703D-5105-A00641790DC5}"/>
+                  </a:ext>
+                </a:extLst>
+              </p:cNvPr>
+              <p:cNvSpPr txBox="1">
+                <a:spLocks noRot="1" noChangeAspect="1" noMove="1" noResize="1" noEditPoints="1" noAdjustHandles="1" noChangeArrowheads="1" noChangeShapeType="1" noTextEdit="1"/>
+              </p:cNvSpPr>
+              <p:nvPr/>
+            </p:nvSpPr>
+            <p:spPr>
+              <a:xfrm>
+                <a:off x="8627342" y="914867"/>
+                <a:ext cx="1084271" cy="523220"/>
+              </a:xfrm>
+              <a:prstGeom prst="rect">
+                <a:avLst/>
+              </a:prstGeom>
+              <a:blipFill>
+                <a:blip r:embed="rId24"/>
+                <a:stretch>
+                  <a:fillRect/>
+                </a:stretch>
+              </a:blipFill>
+            </p:spPr>
+            <p:txBody>
+              <a:bodyPr/>
+              <a:lstStyle/>
+              <a:p>
+                <a:r>
+                  <a:rPr lang="en-US">
+                    <a:noFill/>
+                  </a:rPr>
+                  <a:t> </a:t>
+                </a:r>
+              </a:p>
+            </p:txBody>
+          </p:sp>
+        </mc:Fallback>
+      </mc:AlternateContent>
+      <mc:AlternateContent xmlns:mc="http://schemas.openxmlformats.org/markup-compatibility/2006">
+        <mc:Choice xmlns:a14="http://schemas.microsoft.com/office/drawing/2010/main" Requires="a14">
+          <p:sp>
+            <p:nvSpPr>
+              <p:cNvPr id="44" name="TextBox 43">
+                <a:extLst>
+                  <a:ext uri="{FF2B5EF4-FFF2-40B4-BE49-F238E27FC236}">
+                    <a16:creationId xmlns:a16="http://schemas.microsoft.com/office/drawing/2014/main" id="{DB2D2731-8AE9-715E-18A0-82B40C53A7A1}"/>
+                  </a:ext>
+                </a:extLst>
+              </p:cNvPr>
+              <p:cNvSpPr txBox="1"/>
+              <p:nvPr/>
+            </p:nvSpPr>
+            <p:spPr>
+              <a:xfrm>
+                <a:off x="9072529" y="3895536"/>
+                <a:ext cx="1084271" cy="523220"/>
+              </a:xfrm>
+              <a:prstGeom prst="rect">
+                <a:avLst/>
+              </a:prstGeom>
+              <a:noFill/>
+            </p:spPr>
+            <p:txBody>
+              <a:bodyPr wrap="none" rtlCol="0">
+                <a:spAutoFit/>
+              </a:bodyPr>
+              <a:lstStyle/>
+              <a:p>
+                <a:pPr/>
+                <a14:m>
+                  <m:oMathPara xmlns:m="http://schemas.openxmlformats.org/officeDocument/2006/math">
+                    <m:oMathParaPr>
+                      <m:jc m:val="centerGroup"/>
+                    </m:oMathParaPr>
+                    <m:oMath xmlns:m="http://schemas.openxmlformats.org/officeDocument/2006/math">
+                      <m:sSub>
+                        <m:sSubPr>
+                          <m:ctrlPr>
+                            <a:rPr lang="en-US" sz="2800" i="1" smtClean="0">
+                              <a:latin typeface="Cambria Math" panose="02040503050406030204" pitchFamily="18" charset="0"/>
+                            </a:rPr>
+                          </m:ctrlPr>
+                        </m:sSubPr>
+                        <m:e>
+                          <m:r>
+                            <a:rPr lang="en-US" sz="2800" b="0" i="1" smtClean="0">
+                              <a:latin typeface="Cambria Math" panose="02040503050406030204" pitchFamily="18" charset="0"/>
+                            </a:rPr>
+                            <m:t>𝑃</m:t>
+                          </m:r>
+                        </m:e>
+                        <m:sub>
+                          <m:r>
+                            <a:rPr lang="en-US" sz="2800" b="0" i="1" smtClean="0">
+                              <a:latin typeface="Cambria Math" panose="02040503050406030204" pitchFamily="18" charset="0"/>
+                            </a:rPr>
+                            <m:t>𝑢</m:t>
+                          </m:r>
+                          <m:r>
+                            <a:rPr lang="en-US" sz="2800" b="0" i="1" smtClean="0">
+                              <a:latin typeface="Cambria Math" panose="02040503050406030204" pitchFamily="18" charset="0"/>
+                            </a:rPr>
+                            <m:t>322</m:t>
+                          </m:r>
+                        </m:sub>
+                      </m:sSub>
+                    </m:oMath>
+                  </m:oMathPara>
+                </a14:m>
+                <a:endParaRPr lang="en-US" sz="2800" dirty="0"/>
+              </a:p>
+            </p:txBody>
+          </p:sp>
+        </mc:Choice>
+        <mc:Fallback>
+          <p:sp>
+            <p:nvSpPr>
+              <p:cNvPr id="44" name="TextBox 43">
+                <a:extLst>
+                  <a:ext uri="{FF2B5EF4-FFF2-40B4-BE49-F238E27FC236}">
+                    <a16:creationId xmlns:a16="http://schemas.microsoft.com/office/drawing/2014/main" id="{DB2D2731-8AE9-715E-18A0-82B40C53A7A1}"/>
+                  </a:ext>
+                </a:extLst>
+              </p:cNvPr>
+              <p:cNvSpPr txBox="1">
+                <a:spLocks noRot="1" noChangeAspect="1" noMove="1" noResize="1" noEditPoints="1" noAdjustHandles="1" noChangeArrowheads="1" noChangeShapeType="1" noTextEdit="1"/>
+              </p:cNvSpPr>
+              <p:nvPr/>
+            </p:nvSpPr>
+            <p:spPr>
+              <a:xfrm>
+                <a:off x="9072529" y="3895536"/>
+                <a:ext cx="1084271" cy="523220"/>
+              </a:xfrm>
+              <a:prstGeom prst="rect">
+                <a:avLst/>
+              </a:prstGeom>
+              <a:blipFill>
+                <a:blip r:embed="rId25"/>
+                <a:stretch>
+                  <a:fillRect/>
+                </a:stretch>
+              </a:blipFill>
+            </p:spPr>
+            <p:txBody>
+              <a:bodyPr/>
+              <a:lstStyle/>
+              <a:p>
+                <a:r>
+                  <a:rPr lang="en-US">
+                    <a:noFill/>
+                  </a:rPr>
+                  <a:t> </a:t>
+                </a:r>
+              </a:p>
+            </p:txBody>
+          </p:sp>
+        </mc:Fallback>
+      </mc:AlternateContent>
+      <mc:AlternateContent xmlns:mc="http://schemas.openxmlformats.org/markup-compatibility/2006">
+        <mc:Choice xmlns:a14="http://schemas.microsoft.com/office/drawing/2010/main" Requires="a14">
+          <p:sp>
+            <p:nvSpPr>
+              <p:cNvPr id="45" name="TextBox 44">
+                <a:extLst>
+                  <a:ext uri="{FF2B5EF4-FFF2-40B4-BE49-F238E27FC236}">
+                    <a16:creationId xmlns:a16="http://schemas.microsoft.com/office/drawing/2014/main" id="{81C2D014-DA4A-639D-E6A3-4585008B9C08}"/>
+                  </a:ext>
+                </a:extLst>
+              </p:cNvPr>
+              <p:cNvSpPr txBox="1"/>
+              <p:nvPr/>
+            </p:nvSpPr>
+            <p:spPr>
+              <a:xfrm>
+                <a:off x="2191369" y="904011"/>
+                <a:ext cx="1084271" cy="523220"/>
+              </a:xfrm>
+              <a:prstGeom prst="rect">
+                <a:avLst/>
+              </a:prstGeom>
+              <a:noFill/>
+            </p:spPr>
+            <p:txBody>
+              <a:bodyPr wrap="none" rtlCol="0">
+                <a:spAutoFit/>
+              </a:bodyPr>
+              <a:lstStyle/>
+              <a:p>
+                <a:pPr/>
+                <a14:m>
+                  <m:oMathPara xmlns:m="http://schemas.openxmlformats.org/officeDocument/2006/math">
+                    <m:oMathParaPr>
+                      <m:jc m:val="centerGroup"/>
+                    </m:oMathParaPr>
+                    <m:oMath xmlns:m="http://schemas.openxmlformats.org/officeDocument/2006/math">
+                      <m:sSub>
+                        <m:sSubPr>
+                          <m:ctrlPr>
+                            <a:rPr lang="en-US" sz="2800" i="1" smtClean="0">
+                              <a:latin typeface="Cambria Math" panose="02040503050406030204" pitchFamily="18" charset="0"/>
+                            </a:rPr>
+                          </m:ctrlPr>
+                        </m:sSubPr>
+                        <m:e>
+                          <m:r>
+                            <a:rPr lang="en-US" sz="2800" b="0" i="1" smtClean="0">
+                              <a:latin typeface="Cambria Math" panose="02040503050406030204" pitchFamily="18" charset="0"/>
+                            </a:rPr>
+                            <m:t>𝑃</m:t>
+                          </m:r>
+                        </m:e>
+                        <m:sub>
+                          <m:r>
+                            <a:rPr lang="en-US" sz="2800" b="0" i="1" smtClean="0">
+                              <a:latin typeface="Cambria Math" panose="02040503050406030204" pitchFamily="18" charset="0"/>
+                            </a:rPr>
+                            <m:t>𝑢</m:t>
+                          </m:r>
+                          <m:r>
+                            <a:rPr lang="en-US" sz="2800" b="0" i="1" smtClean="0">
+                              <a:latin typeface="Cambria Math" panose="02040503050406030204" pitchFamily="18" charset="0"/>
+                            </a:rPr>
+                            <m:t>210</m:t>
+                          </m:r>
+                        </m:sub>
+                      </m:sSub>
+                    </m:oMath>
+                  </m:oMathPara>
+                </a14:m>
+                <a:endParaRPr lang="en-US" sz="2800" dirty="0"/>
+              </a:p>
+            </p:txBody>
+          </p:sp>
+        </mc:Choice>
+        <mc:Fallback>
+          <p:sp>
+            <p:nvSpPr>
+              <p:cNvPr id="45" name="TextBox 44">
+                <a:extLst>
+                  <a:ext uri="{FF2B5EF4-FFF2-40B4-BE49-F238E27FC236}">
+                    <a16:creationId xmlns:a16="http://schemas.microsoft.com/office/drawing/2014/main" id="{81C2D014-DA4A-639D-E6A3-4585008B9C08}"/>
+                  </a:ext>
+                </a:extLst>
+              </p:cNvPr>
+              <p:cNvSpPr txBox="1">
+                <a:spLocks noRot="1" noChangeAspect="1" noMove="1" noResize="1" noEditPoints="1" noAdjustHandles="1" noChangeArrowheads="1" noChangeShapeType="1" noTextEdit="1"/>
+              </p:cNvSpPr>
+              <p:nvPr/>
+            </p:nvSpPr>
+            <p:spPr>
+              <a:xfrm>
+                <a:off x="2191369" y="904011"/>
+                <a:ext cx="1084271" cy="523220"/>
+              </a:xfrm>
+              <a:prstGeom prst="rect">
+                <a:avLst/>
+              </a:prstGeom>
+              <a:blipFill>
+                <a:blip r:embed="rId26"/>
+                <a:stretch>
+                  <a:fillRect/>
+                </a:stretch>
+              </a:blipFill>
+            </p:spPr>
+            <p:txBody>
+              <a:bodyPr/>
+              <a:lstStyle/>
+              <a:p>
+                <a:r>
+                  <a:rPr lang="en-US">
+                    <a:noFill/>
+                  </a:rPr>
+                  <a:t> </a:t>
+                </a:r>
+              </a:p>
+            </p:txBody>
+          </p:sp>
+        </mc:Fallback>
+      </mc:AlternateContent>
+      <mc:AlternateContent xmlns:mc="http://schemas.openxmlformats.org/markup-compatibility/2006">
+        <mc:Choice xmlns:a14="http://schemas.microsoft.com/office/drawing/2010/main" Requires="a14">
+          <p:sp>
+            <p:nvSpPr>
+              <p:cNvPr id="46" name="TextBox 45">
+                <a:extLst>
+                  <a:ext uri="{FF2B5EF4-FFF2-40B4-BE49-F238E27FC236}">
+                    <a16:creationId xmlns:a16="http://schemas.microsoft.com/office/drawing/2014/main" id="{88AB86E6-3827-F750-3D20-9CB37C9BDFFB}"/>
+                  </a:ext>
+                </a:extLst>
+              </p:cNvPr>
+              <p:cNvSpPr txBox="1"/>
+              <p:nvPr/>
+            </p:nvSpPr>
+            <p:spPr>
+              <a:xfrm>
+                <a:off x="2019758" y="4221916"/>
+                <a:ext cx="1084271" cy="523220"/>
+              </a:xfrm>
+              <a:prstGeom prst="rect">
+                <a:avLst/>
+              </a:prstGeom>
+              <a:noFill/>
+            </p:spPr>
+            <p:txBody>
+              <a:bodyPr wrap="none" rtlCol="0">
+                <a:spAutoFit/>
+              </a:bodyPr>
+              <a:lstStyle/>
+              <a:p>
+                <a:pPr/>
+                <a14:m>
+                  <m:oMathPara xmlns:m="http://schemas.openxmlformats.org/officeDocument/2006/math">
+                    <m:oMathParaPr>
+                      <m:jc m:val="centerGroup"/>
+                    </m:oMathParaPr>
+                    <m:oMath xmlns:m="http://schemas.openxmlformats.org/officeDocument/2006/math">
+                      <m:sSub>
+                        <m:sSubPr>
+                          <m:ctrlPr>
+                            <a:rPr lang="en-US" sz="2800" i="1" smtClean="0">
+                              <a:latin typeface="Cambria Math" panose="02040503050406030204" pitchFamily="18" charset="0"/>
+                            </a:rPr>
+                          </m:ctrlPr>
+                        </m:sSubPr>
+                        <m:e>
+                          <m:r>
+                            <a:rPr lang="en-US" sz="2800" b="0" i="1" smtClean="0">
+                              <a:latin typeface="Cambria Math" panose="02040503050406030204" pitchFamily="18" charset="0"/>
+                            </a:rPr>
+                            <m:t>𝑃</m:t>
+                          </m:r>
+                        </m:e>
+                        <m:sub>
+                          <m:r>
+                            <a:rPr lang="en-US" sz="2800" b="0" i="1" smtClean="0">
+                              <a:latin typeface="Cambria Math" panose="02040503050406030204" pitchFamily="18" charset="0"/>
+                            </a:rPr>
+                            <m:t>𝑢</m:t>
+                          </m:r>
+                          <m:r>
+                            <a:rPr lang="en-US" sz="2800" b="0" i="1" smtClean="0">
+                              <a:latin typeface="Cambria Math" panose="02040503050406030204" pitchFamily="18" charset="0"/>
+                            </a:rPr>
+                            <m:t>310</m:t>
+                          </m:r>
+                        </m:sub>
+                      </m:sSub>
+                    </m:oMath>
+                  </m:oMathPara>
+                </a14:m>
+                <a:endParaRPr lang="en-US" sz="2800" dirty="0"/>
+              </a:p>
+            </p:txBody>
+          </p:sp>
+        </mc:Choice>
+        <mc:Fallback>
+          <p:sp>
+            <p:nvSpPr>
+              <p:cNvPr id="46" name="TextBox 45">
+                <a:extLst>
+                  <a:ext uri="{FF2B5EF4-FFF2-40B4-BE49-F238E27FC236}">
+                    <a16:creationId xmlns:a16="http://schemas.microsoft.com/office/drawing/2014/main" id="{88AB86E6-3827-F750-3D20-9CB37C9BDFFB}"/>
+                  </a:ext>
+                </a:extLst>
+              </p:cNvPr>
+              <p:cNvSpPr txBox="1">
+                <a:spLocks noRot="1" noChangeAspect="1" noMove="1" noResize="1" noEditPoints="1" noAdjustHandles="1" noChangeArrowheads="1" noChangeShapeType="1" noTextEdit="1"/>
+              </p:cNvSpPr>
+              <p:nvPr/>
+            </p:nvSpPr>
+            <p:spPr>
+              <a:xfrm>
+                <a:off x="2019758" y="4221916"/>
+                <a:ext cx="1084271" cy="523220"/>
+              </a:xfrm>
+              <a:prstGeom prst="rect">
+                <a:avLst/>
+              </a:prstGeom>
+              <a:blipFill>
+                <a:blip r:embed="rId27"/>
+                <a:stretch>
+                  <a:fillRect/>
+                </a:stretch>
+              </a:blipFill>
+            </p:spPr>
+            <p:txBody>
+              <a:bodyPr/>
+              <a:lstStyle/>
+              <a:p>
+                <a:r>
+                  <a:rPr lang="en-US">
+                    <a:noFill/>
+                  </a:rPr>
+                  <a:t> </a:t>
+                </a:r>
+              </a:p>
+            </p:txBody>
+          </p:sp>
+        </mc:Fallback>
+      </mc:AlternateContent>
+      <p:cxnSp>
+        <p:nvCxnSpPr>
+          <p:cNvPr id="9" name="Straight Connector 8">
+            <a:extLst>
+              <a:ext uri="{FF2B5EF4-FFF2-40B4-BE49-F238E27FC236}">
+                <a16:creationId xmlns:a16="http://schemas.microsoft.com/office/drawing/2014/main" id="{B5D82D6B-05D4-C1F7-95D8-D4838C0E56A9}"/>
+              </a:ext>
+            </a:extLst>
+          </p:cNvPr>
+          <p:cNvCxnSpPr>
+            <a:cxnSpLocks/>
+          </p:cNvCxnSpPr>
+          <p:nvPr/>
+        </p:nvCxnSpPr>
+        <p:spPr>
+          <a:xfrm>
+            <a:off x="7738249" y="5116119"/>
+            <a:ext cx="1085748" cy="0"/>
+          </a:xfrm>
+          <a:prstGeom prst="line">
+            <a:avLst/>
+          </a:prstGeom>
+        </p:spPr>
+        <p:style>
+          <a:lnRef idx="2">
+            <a:schemeClr val="accent1"/>
+          </a:lnRef>
+          <a:fillRef idx="0">
+            <a:schemeClr val="accent1"/>
+          </a:fillRef>
+          <a:effectRef idx="1">
+            <a:schemeClr val="accent1"/>
+          </a:effectRef>
+          <a:fontRef idx="minor">
+            <a:schemeClr val="tx1"/>
+          </a:fontRef>
+        </p:style>
+      </p:cxnSp>
+      <p:cxnSp>
+        <p:nvCxnSpPr>
+          <p:cNvPr id="16" name="Straight Connector 15">
+            <a:extLst>
+              <a:ext uri="{FF2B5EF4-FFF2-40B4-BE49-F238E27FC236}">
+                <a16:creationId xmlns:a16="http://schemas.microsoft.com/office/drawing/2014/main" id="{8AA5575B-7E85-7608-089A-7B27D25EF4CB}"/>
+              </a:ext>
+            </a:extLst>
+          </p:cNvPr>
+          <p:cNvCxnSpPr>
+            <a:cxnSpLocks/>
+          </p:cNvCxnSpPr>
+          <p:nvPr/>
+        </p:nvCxnSpPr>
+        <p:spPr>
+          <a:xfrm>
+            <a:off x="7738249" y="5996778"/>
+            <a:ext cx="1085748" cy="0"/>
+          </a:xfrm>
+          <a:prstGeom prst="line">
+            <a:avLst/>
+          </a:prstGeom>
+        </p:spPr>
+        <p:style>
+          <a:lnRef idx="2">
+            <a:schemeClr val="accent1"/>
+          </a:lnRef>
+          <a:fillRef idx="0">
+            <a:schemeClr val="accent1"/>
+          </a:fillRef>
+          <a:effectRef idx="1">
+            <a:schemeClr val="accent1"/>
+          </a:effectRef>
+          <a:fontRef idx="minor">
+            <a:schemeClr val="tx1"/>
+          </a:fontRef>
+        </p:style>
+      </p:cxnSp>
+      <p:cxnSp>
+        <p:nvCxnSpPr>
+          <p:cNvPr id="17" name="Straight Connector 16">
+            <a:extLst>
+              <a:ext uri="{FF2B5EF4-FFF2-40B4-BE49-F238E27FC236}">
+                <a16:creationId xmlns:a16="http://schemas.microsoft.com/office/drawing/2014/main" id="{4A6FBB0A-3498-A223-8BD4-A5536C6F786E}"/>
+              </a:ext>
+            </a:extLst>
+          </p:cNvPr>
+          <p:cNvCxnSpPr>
+            <a:cxnSpLocks/>
+          </p:cNvCxnSpPr>
+          <p:nvPr/>
+        </p:nvCxnSpPr>
+        <p:spPr>
+          <a:xfrm>
+            <a:off x="9859845" y="5648375"/>
+            <a:ext cx="1085748" cy="0"/>
+          </a:xfrm>
+          <a:prstGeom prst="line">
+            <a:avLst/>
+          </a:prstGeom>
+        </p:spPr>
+        <p:style>
+          <a:lnRef idx="2">
+            <a:schemeClr val="accent1"/>
+          </a:lnRef>
+          <a:fillRef idx="0">
+            <a:schemeClr val="accent1"/>
+          </a:fillRef>
+          <a:effectRef idx="1">
+            <a:schemeClr val="accent1"/>
+          </a:effectRef>
+          <a:fontRef idx="minor">
+            <a:schemeClr val="tx1"/>
+          </a:fontRef>
+        </p:style>
+      </p:cxnSp>
+      <p:cxnSp>
+        <p:nvCxnSpPr>
+          <p:cNvPr id="19" name="Straight Connector 18">
+            <a:extLst>
+              <a:ext uri="{FF2B5EF4-FFF2-40B4-BE49-F238E27FC236}">
+                <a16:creationId xmlns:a16="http://schemas.microsoft.com/office/drawing/2014/main" id="{145AA943-0BBF-BA03-8448-BDA272BD0847}"/>
+              </a:ext>
+            </a:extLst>
+          </p:cNvPr>
+          <p:cNvCxnSpPr>
+            <a:cxnSpLocks/>
+          </p:cNvCxnSpPr>
+          <p:nvPr/>
+        </p:nvCxnSpPr>
+        <p:spPr>
+          <a:xfrm>
+            <a:off x="9885246" y="6516632"/>
+            <a:ext cx="1085748" cy="0"/>
+          </a:xfrm>
+          <a:prstGeom prst="line">
+            <a:avLst/>
+          </a:prstGeom>
+        </p:spPr>
+        <p:style>
+          <a:lnRef idx="2">
+            <a:schemeClr val="accent1"/>
+          </a:lnRef>
+          <a:fillRef idx="0">
+            <a:schemeClr val="accent1"/>
+          </a:fillRef>
+          <a:effectRef idx="1">
+            <a:schemeClr val="accent1"/>
+          </a:effectRef>
+          <a:fontRef idx="minor">
+            <a:schemeClr val="tx1"/>
+          </a:fontRef>
+        </p:style>
+      </p:cxnSp>
+      <mc:AlternateContent xmlns:mc="http://schemas.openxmlformats.org/markup-compatibility/2006">
+        <mc:Choice xmlns:a14="http://schemas.microsoft.com/office/drawing/2010/main" Requires="a14">
+          <p:sp>
+            <p:nvSpPr>
+              <p:cNvPr id="29" name="TextBox 28">
+                <a:extLst>
+                  <a:ext uri="{FF2B5EF4-FFF2-40B4-BE49-F238E27FC236}">
+                    <a16:creationId xmlns:a16="http://schemas.microsoft.com/office/drawing/2014/main" id="{72A4D4D5-FCE9-B7DF-A8D8-AB4EAE6B8A54}"/>
+                  </a:ext>
+                </a:extLst>
+              </p:cNvPr>
+              <p:cNvSpPr txBox="1"/>
+              <p:nvPr/>
+            </p:nvSpPr>
+            <p:spPr>
+              <a:xfrm>
+                <a:off x="8208444" y="4500331"/>
+                <a:ext cx="786241" cy="523220"/>
+              </a:xfrm>
+              <a:prstGeom prst="rect">
+                <a:avLst/>
+              </a:prstGeom>
+              <a:noFill/>
+            </p:spPr>
+            <p:txBody>
+              <a:bodyPr wrap="none" rtlCol="0">
+                <a:spAutoFit/>
+              </a:bodyPr>
+              <a:lstStyle/>
+              <a:p>
+                <a:pPr/>
+                <a14:m>
+                  <m:oMathPara xmlns:m="http://schemas.openxmlformats.org/officeDocument/2006/math">
+                    <m:oMathParaPr>
+                      <m:jc m:val="centerGroup"/>
+                    </m:oMathParaPr>
+                    <m:oMath xmlns:m="http://schemas.openxmlformats.org/officeDocument/2006/math">
+                      <m:sSub>
+                        <m:sSubPr>
+                          <m:ctrlPr>
+                            <a:rPr lang="en-US" sz="2800" i="1" smtClean="0">
+                              <a:latin typeface="Cambria Math" panose="02040503050406030204" pitchFamily="18" charset="0"/>
+                            </a:rPr>
+                          </m:ctrlPr>
+                        </m:sSubPr>
+                        <m:e>
+                          <m:r>
+                            <a:rPr lang="de-DE" sz="2800" b="0" i="1" smtClean="0">
+                              <a:latin typeface="Cambria Math" panose="02040503050406030204" pitchFamily="18" charset="0"/>
+                            </a:rPr>
+                            <m:t>𝐿</m:t>
+                          </m:r>
+                        </m:e>
+                        <m:sub>
+                          <m:r>
+                            <a:rPr lang="de-DE" sz="2800" b="0" i="1" smtClean="0">
+                              <a:latin typeface="Cambria Math" panose="02040503050406030204" pitchFamily="18" charset="0"/>
+                            </a:rPr>
+                            <m:t>𝑢</m:t>
+                          </m:r>
+                          <m:r>
+                            <a:rPr lang="de-DE" sz="2800" b="0" i="1" smtClean="0">
+                              <a:latin typeface="Cambria Math" panose="02040503050406030204" pitchFamily="18" charset="0"/>
+                            </a:rPr>
+                            <m:t>1</m:t>
+                          </m:r>
+                        </m:sub>
+                      </m:sSub>
+                    </m:oMath>
+                  </m:oMathPara>
+                </a14:m>
+                <a:endParaRPr lang="en-US" sz="2800" dirty="0"/>
+              </a:p>
+            </p:txBody>
+          </p:sp>
+        </mc:Choice>
+        <mc:Fallback>
+          <p:sp>
+            <p:nvSpPr>
+              <p:cNvPr id="29" name="TextBox 28">
+                <a:extLst>
+                  <a:ext uri="{FF2B5EF4-FFF2-40B4-BE49-F238E27FC236}">
+                    <a16:creationId xmlns:a16="http://schemas.microsoft.com/office/drawing/2014/main" id="{72A4D4D5-FCE9-B7DF-A8D8-AB4EAE6B8A54}"/>
+                  </a:ext>
+                </a:extLst>
+              </p:cNvPr>
+              <p:cNvSpPr txBox="1">
+                <a:spLocks noRot="1" noChangeAspect="1" noMove="1" noResize="1" noEditPoints="1" noAdjustHandles="1" noChangeArrowheads="1" noChangeShapeType="1" noTextEdit="1"/>
+              </p:cNvSpPr>
+              <p:nvPr/>
+            </p:nvSpPr>
+            <p:spPr>
+              <a:xfrm>
+                <a:off x="8208444" y="4500331"/>
+                <a:ext cx="786241" cy="523220"/>
+              </a:xfrm>
+              <a:prstGeom prst="rect">
+                <a:avLst/>
+              </a:prstGeom>
+              <a:blipFill>
+                <a:blip r:embed="rId28"/>
+                <a:stretch>
+                  <a:fillRect/>
+                </a:stretch>
+              </a:blipFill>
+            </p:spPr>
+            <p:txBody>
+              <a:bodyPr/>
+              <a:lstStyle/>
+              <a:p>
+                <a:r>
+                  <a:rPr lang="en-US">
+                    <a:noFill/>
+                  </a:rPr>
+                  <a:t> </a:t>
+                </a:r>
+              </a:p>
+            </p:txBody>
+          </p:sp>
+        </mc:Fallback>
+      </mc:AlternateContent>
+      <p:cxnSp>
+        <p:nvCxnSpPr>
+          <p:cNvPr id="33" name="Straight Connector 32">
+            <a:extLst>
+              <a:ext uri="{FF2B5EF4-FFF2-40B4-BE49-F238E27FC236}">
+                <a16:creationId xmlns:a16="http://schemas.microsoft.com/office/drawing/2014/main" id="{7F248A55-53CF-A669-3EFB-60C333C7CAEB}"/>
+              </a:ext>
+            </a:extLst>
+          </p:cNvPr>
+          <p:cNvCxnSpPr>
+            <a:cxnSpLocks/>
+          </p:cNvCxnSpPr>
+          <p:nvPr/>
+        </p:nvCxnSpPr>
+        <p:spPr>
+          <a:xfrm>
+            <a:off x="8823997" y="5116119"/>
+            <a:ext cx="1035848" cy="526277"/>
+          </a:xfrm>
+          <a:prstGeom prst="line">
+            <a:avLst/>
+          </a:prstGeom>
+        </p:spPr>
+        <p:style>
+          <a:lnRef idx="2">
+            <a:schemeClr val="accent1"/>
+          </a:lnRef>
+          <a:fillRef idx="0">
+            <a:schemeClr val="accent1"/>
+          </a:fillRef>
+          <a:effectRef idx="1">
+            <a:schemeClr val="accent1"/>
+          </a:effectRef>
+          <a:fontRef idx="minor">
+            <a:schemeClr val="tx1"/>
+          </a:fontRef>
+        </p:style>
+      </p:cxnSp>
+      <mc:AlternateContent xmlns:mc="http://schemas.openxmlformats.org/markup-compatibility/2006">
+        <mc:Choice xmlns:a14="http://schemas.microsoft.com/office/drawing/2010/main" Requires="a14">
+          <p:sp>
+            <p:nvSpPr>
+              <p:cNvPr id="47" name="TextBox 46">
+                <a:extLst>
+                  <a:ext uri="{FF2B5EF4-FFF2-40B4-BE49-F238E27FC236}">
+                    <a16:creationId xmlns:a16="http://schemas.microsoft.com/office/drawing/2014/main" id="{CB22B077-218E-E349-678F-69117F5ADF74}"/>
+                  </a:ext>
+                </a:extLst>
+              </p:cNvPr>
+              <p:cNvSpPr txBox="1"/>
+              <p:nvPr/>
+            </p:nvSpPr>
+            <p:spPr>
+              <a:xfrm>
+                <a:off x="8240633" y="6133423"/>
+                <a:ext cx="773417" cy="523220"/>
+              </a:xfrm>
+              <a:prstGeom prst="rect">
+                <a:avLst/>
+              </a:prstGeom>
+              <a:noFill/>
+            </p:spPr>
+            <p:txBody>
+              <a:bodyPr wrap="none" rtlCol="0">
+                <a:spAutoFit/>
+              </a:bodyPr>
+              <a:lstStyle/>
+              <a:p>
+                <a:pPr/>
+                <a14:m>
+                  <m:oMathPara xmlns:m="http://schemas.openxmlformats.org/officeDocument/2006/math">
+                    <m:oMathParaPr>
+                      <m:jc m:val="centerGroup"/>
+                    </m:oMathParaPr>
+                    <m:oMath xmlns:m="http://schemas.openxmlformats.org/officeDocument/2006/math">
+                      <m:sSub>
+                        <m:sSubPr>
+                          <m:ctrlPr>
+                            <a:rPr lang="en-US" sz="2800" i="1" smtClean="0">
+                              <a:latin typeface="Cambria Math" panose="02040503050406030204" pitchFamily="18" charset="0"/>
+                            </a:rPr>
+                          </m:ctrlPr>
+                        </m:sSubPr>
+                        <m:e>
+                          <m:r>
+                            <a:rPr lang="de-DE" sz="2800" b="0" i="1" smtClean="0">
+                              <a:latin typeface="Cambria Math" panose="02040503050406030204" pitchFamily="18" charset="0"/>
+                            </a:rPr>
+                            <m:t>𝐿</m:t>
+                          </m:r>
+                        </m:e>
+                        <m:sub>
+                          <m:r>
+                            <a:rPr lang="de-DE" sz="2800" b="0" i="1" smtClean="0">
+                              <a:latin typeface="Cambria Math" panose="02040503050406030204" pitchFamily="18" charset="0"/>
+                            </a:rPr>
+                            <m:t>𝑏</m:t>
+                          </m:r>
+                          <m:r>
+                            <a:rPr lang="de-DE" sz="2800" b="0" i="1" smtClean="0">
+                              <a:latin typeface="Cambria Math" panose="02040503050406030204" pitchFamily="18" charset="0"/>
+                            </a:rPr>
+                            <m:t>1</m:t>
+                          </m:r>
+                        </m:sub>
+                      </m:sSub>
+                    </m:oMath>
+                  </m:oMathPara>
+                </a14:m>
+                <a:endParaRPr lang="en-US" sz="2800" dirty="0"/>
+              </a:p>
+            </p:txBody>
+          </p:sp>
+        </mc:Choice>
+        <mc:Fallback>
+          <p:sp>
+            <p:nvSpPr>
+              <p:cNvPr id="47" name="TextBox 46">
+                <a:extLst>
+                  <a:ext uri="{FF2B5EF4-FFF2-40B4-BE49-F238E27FC236}">
+                    <a16:creationId xmlns:a16="http://schemas.microsoft.com/office/drawing/2014/main" id="{CB22B077-218E-E349-678F-69117F5ADF74}"/>
+                  </a:ext>
+                </a:extLst>
+              </p:cNvPr>
+              <p:cNvSpPr txBox="1">
+                <a:spLocks noRot="1" noChangeAspect="1" noMove="1" noResize="1" noEditPoints="1" noAdjustHandles="1" noChangeArrowheads="1" noChangeShapeType="1" noTextEdit="1"/>
+              </p:cNvSpPr>
+              <p:nvPr/>
+            </p:nvSpPr>
+            <p:spPr>
+              <a:xfrm>
+                <a:off x="8240633" y="6133423"/>
+                <a:ext cx="773417" cy="523220"/>
+              </a:xfrm>
+              <a:prstGeom prst="rect">
+                <a:avLst/>
+              </a:prstGeom>
+              <a:blipFill>
+                <a:blip r:embed="rId29"/>
+                <a:stretch>
+                  <a:fillRect/>
+                </a:stretch>
+              </a:blipFill>
+            </p:spPr>
+            <p:txBody>
+              <a:bodyPr/>
+              <a:lstStyle/>
+              <a:p>
+                <a:r>
+                  <a:rPr lang="en-US">
+                    <a:noFill/>
+                  </a:rPr>
+                  <a:t> </a:t>
+                </a:r>
+              </a:p>
+            </p:txBody>
+          </p:sp>
+        </mc:Fallback>
+      </mc:AlternateContent>
+      <p:cxnSp>
+        <p:nvCxnSpPr>
+          <p:cNvPr id="48" name="Straight Connector 47">
+            <a:extLst>
+              <a:ext uri="{FF2B5EF4-FFF2-40B4-BE49-F238E27FC236}">
+                <a16:creationId xmlns:a16="http://schemas.microsoft.com/office/drawing/2014/main" id="{D8C68B10-346C-F34C-280E-58FE59861715}"/>
+              </a:ext>
+            </a:extLst>
+          </p:cNvPr>
+          <p:cNvCxnSpPr>
+            <a:cxnSpLocks/>
+          </p:cNvCxnSpPr>
+          <p:nvPr/>
+        </p:nvCxnSpPr>
+        <p:spPr>
+          <a:xfrm>
+            <a:off x="8800138" y="5997903"/>
+            <a:ext cx="1085108" cy="518729"/>
+          </a:xfrm>
+          <a:prstGeom prst="line">
+            <a:avLst/>
+          </a:prstGeom>
+        </p:spPr>
+        <p:style>
+          <a:lnRef idx="2">
+            <a:schemeClr val="accent1"/>
+          </a:lnRef>
+          <a:fillRef idx="0">
+            <a:schemeClr val="accent1"/>
+          </a:fillRef>
+          <a:effectRef idx="1">
+            <a:schemeClr val="accent1"/>
+          </a:effectRef>
+          <a:fontRef idx="minor">
+            <a:schemeClr val="tx1"/>
+          </a:fontRef>
+        </p:style>
+      </p:cxnSp>
+      <mc:AlternateContent xmlns:mc="http://schemas.openxmlformats.org/markup-compatibility/2006">
+        <mc:Choice xmlns:a14="http://schemas.microsoft.com/office/drawing/2010/main" Requires="a14">
+          <p:sp>
+            <p:nvSpPr>
+              <p:cNvPr id="49" name="TextBox 48">
+                <a:extLst>
+                  <a:ext uri="{FF2B5EF4-FFF2-40B4-BE49-F238E27FC236}">
+                    <a16:creationId xmlns:a16="http://schemas.microsoft.com/office/drawing/2014/main" id="{B17E899F-F45E-7097-EF01-8700EF410273}"/>
+                  </a:ext>
+                </a:extLst>
+              </p:cNvPr>
+              <p:cNvSpPr txBox="1"/>
+              <p:nvPr/>
+            </p:nvSpPr>
+            <p:spPr>
+              <a:xfrm>
+                <a:off x="9509423" y="4850139"/>
+                <a:ext cx="938527" cy="523220"/>
+              </a:xfrm>
+              <a:prstGeom prst="rect">
+                <a:avLst/>
+              </a:prstGeom>
+              <a:noFill/>
+            </p:spPr>
+            <p:txBody>
+              <a:bodyPr wrap="none" rtlCol="0">
+                <a:spAutoFit/>
+              </a:bodyPr>
+              <a:lstStyle/>
+              <a:p>
+                <a:pPr/>
+                <a14:m>
+                  <m:oMathPara xmlns:m="http://schemas.openxmlformats.org/officeDocument/2006/math">
+                    <m:oMathParaPr>
+                      <m:jc m:val="centerGroup"/>
+                    </m:oMathParaPr>
+                    <m:oMath xmlns:m="http://schemas.openxmlformats.org/officeDocument/2006/math">
+                      <m:sSub>
+                        <m:sSubPr>
+                          <m:ctrlPr>
+                            <a:rPr lang="en-US" sz="2800" i="1" smtClean="0">
+                              <a:latin typeface="Cambria Math" panose="02040503050406030204" pitchFamily="18" charset="0"/>
+                            </a:rPr>
+                          </m:ctrlPr>
+                        </m:sSubPr>
+                        <m:e>
+                          <m:r>
+                            <a:rPr lang="de-DE" sz="2800" b="0" i="1" smtClean="0">
+                              <a:latin typeface="Cambria Math" panose="02040503050406030204" pitchFamily="18" charset="0"/>
+                            </a:rPr>
+                            <m:t>𝐿</m:t>
+                          </m:r>
+                        </m:e>
+                        <m:sub>
+                          <m:r>
+                            <a:rPr lang="de-DE" sz="2800" b="0" i="1" smtClean="0">
+                              <a:latin typeface="Cambria Math" panose="02040503050406030204" pitchFamily="18" charset="0"/>
+                            </a:rPr>
+                            <m:t>𝑢</m:t>
+                          </m:r>
+                          <m:r>
+                            <a:rPr lang="en-US" sz="2800" b="0" i="1" smtClean="0">
+                              <a:latin typeface="Cambria Math" panose="02040503050406030204" pitchFamily="18" charset="0"/>
+                            </a:rPr>
+                            <m:t>12</m:t>
+                          </m:r>
+                        </m:sub>
+                      </m:sSub>
+                    </m:oMath>
+                  </m:oMathPara>
+                </a14:m>
+                <a:endParaRPr lang="en-US" sz="2800" dirty="0"/>
+              </a:p>
+            </p:txBody>
+          </p:sp>
+        </mc:Choice>
+        <mc:Fallback>
+          <p:sp>
+            <p:nvSpPr>
+              <p:cNvPr id="49" name="TextBox 48">
+                <a:extLst>
+                  <a:ext uri="{FF2B5EF4-FFF2-40B4-BE49-F238E27FC236}">
+                    <a16:creationId xmlns:a16="http://schemas.microsoft.com/office/drawing/2014/main" id="{B17E899F-F45E-7097-EF01-8700EF410273}"/>
+                  </a:ext>
+                </a:extLst>
+              </p:cNvPr>
+              <p:cNvSpPr txBox="1">
+                <a:spLocks noRot="1" noChangeAspect="1" noMove="1" noResize="1" noEditPoints="1" noAdjustHandles="1" noChangeArrowheads="1" noChangeShapeType="1" noTextEdit="1"/>
+              </p:cNvSpPr>
+              <p:nvPr/>
+            </p:nvSpPr>
+            <p:spPr>
+              <a:xfrm>
+                <a:off x="9509423" y="4850139"/>
+                <a:ext cx="938527" cy="523220"/>
+              </a:xfrm>
+              <a:prstGeom prst="rect">
+                <a:avLst/>
+              </a:prstGeom>
+              <a:blipFill>
+                <a:blip r:embed="rId30"/>
+                <a:stretch>
+                  <a:fillRect/>
+                </a:stretch>
+              </a:blipFill>
+            </p:spPr>
+            <p:txBody>
+              <a:bodyPr/>
+              <a:lstStyle/>
+              <a:p>
+                <a:r>
+                  <a:rPr lang="en-US">
+                    <a:noFill/>
+                  </a:rPr>
+                  <a:t> </a:t>
+                </a:r>
+              </a:p>
+            </p:txBody>
+          </p:sp>
+        </mc:Fallback>
+      </mc:AlternateContent>
+      <mc:AlternateContent xmlns:mc="http://schemas.openxmlformats.org/markup-compatibility/2006">
+        <mc:Choice xmlns:a14="http://schemas.microsoft.com/office/drawing/2010/main" Requires="a14">
+          <p:sp>
+            <p:nvSpPr>
+              <p:cNvPr id="50" name="TextBox 49">
+                <a:extLst>
+                  <a:ext uri="{FF2B5EF4-FFF2-40B4-BE49-F238E27FC236}">
+                    <a16:creationId xmlns:a16="http://schemas.microsoft.com/office/drawing/2014/main" id="{4CBB6886-5BC6-4855-6E0E-AA2F33DDB44E}"/>
+                  </a:ext>
+                </a:extLst>
+              </p:cNvPr>
+              <p:cNvSpPr txBox="1"/>
+              <p:nvPr/>
+            </p:nvSpPr>
+            <p:spPr>
+              <a:xfrm>
+                <a:off x="9711613" y="5923392"/>
+                <a:ext cx="925703" cy="523220"/>
+              </a:xfrm>
+              <a:prstGeom prst="rect">
+                <a:avLst/>
+              </a:prstGeom>
+              <a:noFill/>
+            </p:spPr>
+            <p:txBody>
+              <a:bodyPr wrap="none" rtlCol="0">
+                <a:spAutoFit/>
+              </a:bodyPr>
+              <a:lstStyle/>
+              <a:p>
+                <a:pPr/>
+                <a14:m>
+                  <m:oMathPara xmlns:m="http://schemas.openxmlformats.org/officeDocument/2006/math">
+                    <m:oMathParaPr>
+                      <m:jc m:val="centerGroup"/>
+                    </m:oMathParaPr>
+                    <m:oMath xmlns:m="http://schemas.openxmlformats.org/officeDocument/2006/math">
+                      <m:sSub>
+                        <m:sSubPr>
+                          <m:ctrlPr>
+                            <a:rPr lang="en-US" sz="2800" i="1" smtClean="0">
+                              <a:latin typeface="Cambria Math" panose="02040503050406030204" pitchFamily="18" charset="0"/>
+                            </a:rPr>
+                          </m:ctrlPr>
+                        </m:sSubPr>
+                        <m:e>
+                          <m:r>
+                            <a:rPr lang="de-DE" sz="2800" b="0" i="1" smtClean="0">
+                              <a:latin typeface="Cambria Math" panose="02040503050406030204" pitchFamily="18" charset="0"/>
+                            </a:rPr>
+                            <m:t>𝐿</m:t>
+                          </m:r>
+                        </m:e>
+                        <m:sub>
+                          <m:r>
+                            <a:rPr lang="de-DE" sz="2800" b="0" i="1" smtClean="0">
+                              <a:latin typeface="Cambria Math" panose="02040503050406030204" pitchFamily="18" charset="0"/>
+                            </a:rPr>
+                            <m:t>𝑏</m:t>
+                          </m:r>
+                          <m:r>
+                            <a:rPr lang="de-DE" sz="2800" b="0" i="1" smtClean="0">
+                              <a:latin typeface="Cambria Math" panose="02040503050406030204" pitchFamily="18" charset="0"/>
+                            </a:rPr>
+                            <m:t>12</m:t>
+                          </m:r>
+                        </m:sub>
+                      </m:sSub>
+                    </m:oMath>
+                  </m:oMathPara>
+                </a14:m>
+                <a:endParaRPr lang="en-US" sz="2800" dirty="0"/>
+              </a:p>
+            </p:txBody>
+          </p:sp>
+        </mc:Choice>
+        <mc:Fallback>
+          <p:sp>
+            <p:nvSpPr>
+              <p:cNvPr id="50" name="TextBox 49">
+                <a:extLst>
+                  <a:ext uri="{FF2B5EF4-FFF2-40B4-BE49-F238E27FC236}">
+                    <a16:creationId xmlns:a16="http://schemas.microsoft.com/office/drawing/2014/main" id="{4CBB6886-5BC6-4855-6E0E-AA2F33DDB44E}"/>
+                  </a:ext>
+                </a:extLst>
+              </p:cNvPr>
+              <p:cNvSpPr txBox="1">
+                <a:spLocks noRot="1" noChangeAspect="1" noMove="1" noResize="1" noEditPoints="1" noAdjustHandles="1" noChangeArrowheads="1" noChangeShapeType="1" noTextEdit="1"/>
+              </p:cNvSpPr>
+              <p:nvPr/>
+            </p:nvSpPr>
+            <p:spPr>
+              <a:xfrm>
+                <a:off x="9711613" y="5923392"/>
+                <a:ext cx="925703" cy="523220"/>
+              </a:xfrm>
+              <a:prstGeom prst="rect">
+                <a:avLst/>
+              </a:prstGeom>
+              <a:blipFill>
+                <a:blip r:embed="rId31"/>
+                <a:stretch>
+                  <a:fillRect/>
+                </a:stretch>
+              </a:blipFill>
+            </p:spPr>
+            <p:txBody>
+              <a:bodyPr/>
+              <a:lstStyle/>
+              <a:p>
+                <a:r>
+                  <a:rPr lang="en-US">
+                    <a:noFill/>
+                  </a:rPr>
+                  <a:t> </a:t>
+                </a:r>
+              </a:p>
+            </p:txBody>
+          </p:sp>
+        </mc:Fallback>
+      </mc:AlternateContent>
+      <p:cxnSp>
+        <p:nvCxnSpPr>
+          <p:cNvPr id="56" name="Straight Connector 55">
+            <a:extLst>
+              <a:ext uri="{FF2B5EF4-FFF2-40B4-BE49-F238E27FC236}">
+                <a16:creationId xmlns:a16="http://schemas.microsoft.com/office/drawing/2014/main" id="{F9A46639-D27F-3380-DA49-E573CDA35394}"/>
+              </a:ext>
+            </a:extLst>
+          </p:cNvPr>
+          <p:cNvCxnSpPr>
+            <a:cxnSpLocks/>
+          </p:cNvCxnSpPr>
+          <p:nvPr/>
+        </p:nvCxnSpPr>
+        <p:spPr>
+          <a:xfrm flipH="1" flipV="1">
+            <a:off x="8627341" y="5635902"/>
+            <a:ext cx="1232504" cy="12473"/>
+          </a:xfrm>
+          <a:prstGeom prst="line">
+            <a:avLst/>
+          </a:prstGeom>
+        </p:spPr>
+        <p:style>
+          <a:lnRef idx="2">
+            <a:schemeClr val="accent1"/>
+          </a:lnRef>
+          <a:fillRef idx="0">
+            <a:schemeClr val="accent1"/>
+          </a:fillRef>
+          <a:effectRef idx="1">
+            <a:schemeClr val="accent1"/>
+          </a:effectRef>
+          <a:fontRef idx="minor">
+            <a:schemeClr val="tx1"/>
+          </a:fontRef>
+        </p:style>
+      </p:cxnSp>
+      <p:cxnSp>
+        <p:nvCxnSpPr>
+          <p:cNvPr id="60" name="Straight Connector 59">
+            <a:extLst>
+              <a:ext uri="{FF2B5EF4-FFF2-40B4-BE49-F238E27FC236}">
+                <a16:creationId xmlns:a16="http://schemas.microsoft.com/office/drawing/2014/main" id="{96E9FE61-A182-0F50-8A49-DE78C45B9414}"/>
+              </a:ext>
+            </a:extLst>
+          </p:cNvPr>
+          <p:cNvCxnSpPr>
+            <a:cxnSpLocks/>
+          </p:cNvCxnSpPr>
+          <p:nvPr/>
+        </p:nvCxnSpPr>
+        <p:spPr>
+          <a:xfrm>
+            <a:off x="8823997" y="5132677"/>
+            <a:ext cx="0" cy="601558"/>
+          </a:xfrm>
+          <a:prstGeom prst="line">
+            <a:avLst/>
+          </a:prstGeom>
+        </p:spPr>
+        <p:style>
+          <a:lnRef idx="2">
+            <a:schemeClr val="accent1"/>
+          </a:lnRef>
+          <a:fillRef idx="0">
+            <a:schemeClr val="accent1"/>
+          </a:fillRef>
+          <a:effectRef idx="1">
+            <a:schemeClr val="accent1"/>
+          </a:effectRef>
+          <a:fontRef idx="minor">
+            <a:schemeClr val="tx1"/>
+          </a:fontRef>
+        </p:style>
+      </p:cxnSp>
+      <mc:AlternateContent xmlns:mc="http://schemas.openxmlformats.org/markup-compatibility/2006">
+        <mc:Choice xmlns:a14="http://schemas.microsoft.com/office/drawing/2010/main" Requires="a14">
+          <p:sp>
+            <p:nvSpPr>
+              <p:cNvPr id="67" name="TextBox 66">
+                <a:extLst>
+                  <a:ext uri="{FF2B5EF4-FFF2-40B4-BE49-F238E27FC236}">
+                    <a16:creationId xmlns:a16="http://schemas.microsoft.com/office/drawing/2014/main" id="{14C12868-A4EC-CFEA-8A53-114C35E7BD78}"/>
+                  </a:ext>
+                </a:extLst>
+              </p:cNvPr>
+              <p:cNvSpPr txBox="1"/>
+              <p:nvPr/>
+            </p:nvSpPr>
+            <p:spPr>
+              <a:xfrm>
+                <a:off x="9050993" y="5620076"/>
+                <a:ext cx="594458" cy="369332"/>
+              </a:xfrm>
+              <a:prstGeom prst="rect">
+                <a:avLst/>
+              </a:prstGeom>
+              <a:noFill/>
+            </p:spPr>
+            <p:txBody>
+              <a:bodyPr wrap="none" rtlCol="0">
+                <a:spAutoFit/>
+              </a:bodyPr>
+              <a:lstStyle/>
+              <a:p>
+                <a14:m>
+                  <m:oMathPara xmlns:m="http://schemas.openxmlformats.org/officeDocument/2006/math">
+                    <m:oMathParaPr>
+                      <m:jc m:val="centerGroup"/>
+                    </m:oMathParaPr>
+                    <m:oMath xmlns:m="http://schemas.openxmlformats.org/officeDocument/2006/math">
+                      <m:r>
+                        <a:rPr lang="en-US" i="1" smtClean="0">
+                          <a:latin typeface="Cambria Math" panose="02040503050406030204" pitchFamily="18" charset="0"/>
+                          <a:ea typeface="Cambria Math" panose="02040503050406030204" pitchFamily="18" charset="0"/>
+                        </a:rPr>
+                        <m:t>∆</m:t>
+                      </m:r>
+                      <m:sSub>
+                        <m:sSubPr>
+                          <m:ctrlPr>
+                            <a:rPr lang="en-US" i="1" smtClean="0">
+                              <a:latin typeface="Cambria Math" panose="02040503050406030204" pitchFamily="18" charset="0"/>
+                              <a:ea typeface="Cambria Math" panose="02040503050406030204" pitchFamily="18" charset="0"/>
+                            </a:rPr>
+                          </m:ctrlPr>
+                        </m:sSubPr>
+                        <m:e>
+                          <m:r>
+                            <a:rPr lang="en-US" b="0" i="1" smtClean="0">
+                              <a:latin typeface="Cambria Math" panose="02040503050406030204" pitchFamily="18" charset="0"/>
+                              <a:ea typeface="Cambria Math" panose="02040503050406030204" pitchFamily="18" charset="0"/>
+                            </a:rPr>
+                            <m:t>𝐿</m:t>
+                          </m:r>
+                        </m:e>
+                        <m:sub>
+                          <m:r>
+                            <a:rPr lang="en-US" b="0" i="1" smtClean="0">
+                              <a:latin typeface="Cambria Math" panose="02040503050406030204" pitchFamily="18" charset="0"/>
+                              <a:ea typeface="Cambria Math" panose="02040503050406030204" pitchFamily="18" charset="0"/>
+                            </a:rPr>
+                            <m:t>1</m:t>
+                          </m:r>
+                        </m:sub>
+                      </m:sSub>
+                    </m:oMath>
+                  </m:oMathPara>
+                </a14:m>
+                <a:endParaRPr lang="en-US" dirty="0"/>
+              </a:p>
+            </p:txBody>
+          </p:sp>
+        </mc:Choice>
+        <mc:Fallback>
+          <p:sp>
+            <p:nvSpPr>
+              <p:cNvPr id="67" name="TextBox 66">
+                <a:extLst>
+                  <a:ext uri="{FF2B5EF4-FFF2-40B4-BE49-F238E27FC236}">
+                    <a16:creationId xmlns:a16="http://schemas.microsoft.com/office/drawing/2014/main" id="{14C12868-A4EC-CFEA-8A53-114C35E7BD78}"/>
+                  </a:ext>
+                </a:extLst>
+              </p:cNvPr>
+              <p:cNvSpPr txBox="1">
+                <a:spLocks noRot="1" noChangeAspect="1" noMove="1" noResize="1" noEditPoints="1" noAdjustHandles="1" noChangeArrowheads="1" noChangeShapeType="1" noTextEdit="1"/>
+              </p:cNvSpPr>
+              <p:nvPr/>
+            </p:nvSpPr>
+            <p:spPr>
+              <a:xfrm>
+                <a:off x="9050993" y="5620076"/>
+                <a:ext cx="594458" cy="369332"/>
+              </a:xfrm>
+              <a:prstGeom prst="rect">
+                <a:avLst/>
+              </a:prstGeom>
+              <a:blipFill>
+                <a:blip r:embed="rId32"/>
+                <a:stretch>
+                  <a:fillRect/>
+                </a:stretch>
+              </a:blipFill>
+            </p:spPr>
+            <p:txBody>
+              <a:bodyPr/>
+              <a:lstStyle/>
+              <a:p>
+                <a:r>
+                  <a:rPr lang="en-US">
+                    <a:noFill/>
+                  </a:rPr>
+                  <a:t> </a:t>
+                </a:r>
+              </a:p>
+            </p:txBody>
+          </p:sp>
+        </mc:Fallback>
+      </mc:AlternateContent>
+      <mc:AlternateContent xmlns:mc="http://schemas.openxmlformats.org/markup-compatibility/2006">
+        <mc:Choice xmlns:a14="http://schemas.microsoft.com/office/drawing/2010/main" Requires="a14">
+          <p:sp>
+            <p:nvSpPr>
+              <p:cNvPr id="70" name="TextBox 69">
+                <a:extLst>
+                  <a:ext uri="{FF2B5EF4-FFF2-40B4-BE49-F238E27FC236}">
+                    <a16:creationId xmlns:a16="http://schemas.microsoft.com/office/drawing/2014/main" id="{903ADFD4-75B8-FE0F-BF28-F5B4D23A5AE4}"/>
+                  </a:ext>
+                </a:extLst>
+              </p:cNvPr>
+              <p:cNvSpPr txBox="1"/>
+              <p:nvPr/>
+            </p:nvSpPr>
+            <p:spPr>
+              <a:xfrm>
+                <a:off x="8260721" y="5163839"/>
+                <a:ext cx="633250" cy="369332"/>
+              </a:xfrm>
+              <a:prstGeom prst="rect">
+                <a:avLst/>
+              </a:prstGeom>
+              <a:noFill/>
+            </p:spPr>
+            <p:txBody>
+              <a:bodyPr wrap="none" rtlCol="0">
+                <a:spAutoFit/>
+              </a:bodyPr>
+              <a:lstStyle/>
+              <a:p>
+                <a14:m>
+                  <m:oMathPara xmlns:m="http://schemas.openxmlformats.org/officeDocument/2006/math">
+                    <m:oMathParaPr>
+                      <m:jc m:val="centerGroup"/>
+                    </m:oMathParaPr>
+                    <m:oMath xmlns:m="http://schemas.openxmlformats.org/officeDocument/2006/math">
+                      <m:r>
+                        <a:rPr lang="en-US" i="1" smtClean="0">
+                          <a:latin typeface="Cambria Math" panose="02040503050406030204" pitchFamily="18" charset="0"/>
+                          <a:ea typeface="Cambria Math" panose="02040503050406030204" pitchFamily="18" charset="0"/>
+                        </a:rPr>
+                        <m:t>∆</m:t>
+                      </m:r>
+                      <m:sSub>
+                        <m:sSubPr>
+                          <m:ctrlPr>
+                            <a:rPr lang="en-US" i="1" smtClean="0">
+                              <a:latin typeface="Cambria Math" panose="02040503050406030204" pitchFamily="18" charset="0"/>
+                              <a:ea typeface="Cambria Math" panose="02040503050406030204" pitchFamily="18" charset="0"/>
+                            </a:rPr>
+                          </m:ctrlPr>
+                        </m:sSubPr>
+                        <m:e>
+                          <m:r>
+                            <a:rPr lang="en-US" b="0" i="1" smtClean="0">
+                              <a:latin typeface="Cambria Math" panose="02040503050406030204" pitchFamily="18" charset="0"/>
+                              <a:ea typeface="Cambria Math" panose="02040503050406030204" pitchFamily="18" charset="0"/>
+                            </a:rPr>
+                            <m:t>𝑤</m:t>
+                          </m:r>
+                        </m:e>
+                        <m:sub>
+                          <m:r>
+                            <a:rPr lang="en-US" b="0" i="1" smtClean="0">
+                              <a:latin typeface="Cambria Math" panose="02040503050406030204" pitchFamily="18" charset="0"/>
+                              <a:ea typeface="Cambria Math" panose="02040503050406030204" pitchFamily="18" charset="0"/>
+                            </a:rPr>
+                            <m:t>1</m:t>
+                          </m:r>
+                        </m:sub>
+                      </m:sSub>
+                    </m:oMath>
+                  </m:oMathPara>
+                </a14:m>
+                <a:endParaRPr lang="en-US" dirty="0"/>
+              </a:p>
+            </p:txBody>
+          </p:sp>
+        </mc:Choice>
+        <mc:Fallback>
+          <p:sp>
+            <p:nvSpPr>
+              <p:cNvPr id="70" name="TextBox 69">
+                <a:extLst>
+                  <a:ext uri="{FF2B5EF4-FFF2-40B4-BE49-F238E27FC236}">
+                    <a16:creationId xmlns:a16="http://schemas.microsoft.com/office/drawing/2014/main" id="{903ADFD4-75B8-FE0F-BF28-F5B4D23A5AE4}"/>
+                  </a:ext>
+                </a:extLst>
+              </p:cNvPr>
+              <p:cNvSpPr txBox="1">
+                <a:spLocks noRot="1" noChangeAspect="1" noMove="1" noResize="1" noEditPoints="1" noAdjustHandles="1" noChangeArrowheads="1" noChangeShapeType="1" noTextEdit="1"/>
+              </p:cNvSpPr>
+              <p:nvPr/>
+            </p:nvSpPr>
+            <p:spPr>
+              <a:xfrm>
+                <a:off x="8260721" y="5163839"/>
+                <a:ext cx="633250" cy="369332"/>
+              </a:xfrm>
+              <a:prstGeom prst="rect">
+                <a:avLst/>
+              </a:prstGeom>
+              <a:blipFill>
+                <a:blip r:embed="rId33"/>
+                <a:stretch>
+                  <a:fillRect/>
+                </a:stretch>
+              </a:blipFill>
+            </p:spPr>
+            <p:txBody>
+              <a:bodyPr/>
+              <a:lstStyle/>
+              <a:p>
+                <a:r>
+                  <a:rPr lang="en-US">
+                    <a:noFill/>
+                  </a:rPr>
+                  <a:t> </a:t>
+                </a:r>
+              </a:p>
+            </p:txBody>
+          </p:sp>
+        </mc:Fallback>
+      </mc:AlternateContent>
+      <p:sp>
+        <p:nvSpPr>
+          <p:cNvPr id="73" name="Rectangle 72">
+            <a:extLst>
+              <a:ext uri="{FF2B5EF4-FFF2-40B4-BE49-F238E27FC236}">
+                <a16:creationId xmlns:a16="http://schemas.microsoft.com/office/drawing/2014/main" id="{D91AE194-5DEF-A8B1-CEF7-87B2A5264311}"/>
+              </a:ext>
+            </a:extLst>
+          </p:cNvPr>
+          <p:cNvSpPr/>
+          <p:nvPr/>
+        </p:nvSpPr>
+        <p:spPr>
+          <a:xfrm>
+            <a:off x="4972050" y="2099000"/>
+            <a:ext cx="1623551" cy="1681621"/>
+          </a:xfrm>
+          <a:prstGeom prst="rect">
+            <a:avLst/>
+          </a:prstGeom>
+          <a:noFill/>
+          <a:ln w="31750">
+            <a:prstDash val="dash"/>
+          </a:ln>
+        </p:spPr>
+        <p:style>
+          <a:lnRef idx="2">
+            <a:schemeClr val="accent1">
+              <a:shade val="15000"/>
+            </a:schemeClr>
+          </a:lnRef>
+          <a:fillRef idx="1">
+            <a:schemeClr val="accent1"/>
+          </a:fillRef>
+          <a:effectRef idx="0">
+            <a:schemeClr val="accent1"/>
+          </a:effectRef>
+          <a:fontRef idx="minor">
+            <a:schemeClr val="lt1"/>
+          </a:fontRef>
+        </p:style>
+        <p:txBody>
+          <a:bodyPr rtlCol="0" anchor="ctr"/>
+          <a:lstStyle/>
+          <a:p>
+            <a:pPr algn="ctr"/>
+            <a:endParaRPr lang="en-US"/>
+          </a:p>
+        </p:txBody>
+      </p:sp>
+      <p:cxnSp>
+        <p:nvCxnSpPr>
+          <p:cNvPr id="81" name="Straight Arrow Connector 80">
+            <a:extLst>
+              <a:ext uri="{FF2B5EF4-FFF2-40B4-BE49-F238E27FC236}">
+                <a16:creationId xmlns:a16="http://schemas.microsoft.com/office/drawing/2014/main" id="{50CA5E39-B7B5-2AA5-FB81-6A3B2550495F}"/>
+              </a:ext>
+            </a:extLst>
+          </p:cNvPr>
+          <p:cNvCxnSpPr/>
+          <p:nvPr/>
+        </p:nvCxnSpPr>
+        <p:spPr>
+          <a:xfrm>
+            <a:off x="6617970" y="3714420"/>
+            <a:ext cx="1280160" cy="1157718"/>
+          </a:xfrm>
+          <a:prstGeom prst="straightConnector1">
+            <a:avLst/>
+          </a:prstGeom>
+          <a:ln w="25400">
+            <a:tailEnd type="triangle" w="lg" len="lg"/>
+          </a:ln>
+        </p:spPr>
+        <p:style>
+          <a:lnRef idx="2">
+            <a:schemeClr val="accent1"/>
+          </a:lnRef>
+          <a:fillRef idx="0">
+            <a:schemeClr val="accent1"/>
+          </a:fillRef>
+          <a:effectRef idx="1">
+            <a:schemeClr val="accent1"/>
+          </a:effectRef>
+          <a:fontRef idx="minor">
+            <a:schemeClr val="tx1"/>
+          </a:fontRef>
+        </p:style>
+      </p:cxnSp>
+    </p:spTree>
+    <p:extLst>
+      <p:ext uri="{BB962C8B-B14F-4D97-AF65-F5344CB8AC3E}">
+        <p14:creationId xmlns:p14="http://schemas.microsoft.com/office/powerpoint/2010/main" val="2134361822"/>
+      </p:ext>
+    </p:extLst>
+  </p:cSld>
+  <p:clrMapOvr>
+    <a:masterClrMapping/>
+  </p:clrMapOvr>
+  <mc:AlternateContent xmlns:mc="http://schemas.openxmlformats.org/markup-compatibility/2006">
+    <mc:Choice xmlns:p14="http://schemas.microsoft.com/office/powerpoint/2010/main" Requires="p14">
+      <p:transition spd="med" p14:dur="700">
+        <p:fade/>
+      </p:transition>
+    </mc:Choice>
+    <mc:Fallback>
+      <p:transition spd="med">
+        <p:fade/>
+      </p:transition>
+    </mc:Fallback>
+  </mc:AlternateContent>
 </p:sld>
 </file>
 
